--- a/Drites AusbildungsJahr/Ansible-ITA12-Aps,Fabian-KfW.pptx
+++ b/Drites AusbildungsJahr/Ansible-ITA12-Aps,Fabian-KfW.pptx
@@ -14897,8 +14897,8 @@
           <a:lstStyle/>
           <a:p>
             <a:r>
-              <a:rPr lang="de-DE" dirty="0"/>
-              <a:t>Fazit</a:t>
+              <a:rPr lang="de-DE"/>
+              <a:t>4. Fazit</a:t>
             </a:r>
             <a:endParaRPr lang="de-DE" b="0" dirty="0"/>
           </a:p>
@@ -27020,7 +27020,7 @@
           <a:p>
             <a:r>
               <a:rPr lang="de-DE" dirty="0"/>
-              <a:t>Was war Bevor </a:t>
+              <a:t>2. Was war Bevor </a:t>
             </a:r>
             <a:r>
               <a:rPr lang="de-DE" dirty="0" err="1"/>
@@ -27093,6 +27093,10 @@
           <a:bodyPr/>
           <a:lstStyle/>
           <a:p>
+            <a:r>
+              <a:rPr lang="de-DE" dirty="0"/>
+              <a:t>3. </a:t>
+            </a:r>
             <a:r>
               <a:rPr lang="de-DE" dirty="0" err="1"/>
               <a:t>Ansible</a:t>

--- a/Drites AusbildungsJahr/Ansible-ITA12-Aps,Fabian-KfW.pptx
+++ b/Drites AusbildungsJahr/Ansible-ITA12-Aps,Fabian-KfW.pptx
@@ -26734,10 +26734,9 @@
           <a:lstStyle/>
           <a:p>
             <a:r>
-              <a:rPr lang="de-DE" dirty="0" err="1"/>
-              <a:t>Comunity</a:t>
-            </a:r>
-            <a:endParaRPr lang="de-DE" dirty="0"/>
+              <a:rPr lang="de-DE" dirty="0"/>
+              <a:t>Community</a:t>
+            </a:r>
           </a:p>
         </p:txBody>
       </p:sp>
@@ -26835,7 +26834,7 @@
           <a:bodyPr/>
           <a:lstStyle/>
           <a:p>
-            <a:endParaRPr lang="de-DE"/>
+            <a:endParaRPr lang="de-DE" dirty="0"/>
           </a:p>
         </p:txBody>
       </p:sp>

--- a/Drites AusbildungsJahr/Ansible-ITA12-Aps,Fabian-KfW.pptx
+++ b/Drites AusbildungsJahr/Ansible-ITA12-Aps,Fabian-KfW.pptx
@@ -5,10 +5,10 @@
     <p:sldMasterId id="2147483648" r:id="rId1"/>
   </p:sldMasterIdLst>
   <p:notesMasterIdLst>
-    <p:notesMasterId r:id="rId38"/>
+    <p:notesMasterId r:id="rId40"/>
   </p:notesMasterIdLst>
   <p:handoutMasterIdLst>
-    <p:handoutMasterId r:id="rId39"/>
+    <p:handoutMasterId r:id="rId41"/>
   </p:handoutMasterIdLst>
   <p:sldIdLst>
     <p:sldId id="318" r:id="rId2"/>
@@ -20,33 +20,35 @@
     <p:sldId id="329" r:id="rId8"/>
     <p:sldId id="325" r:id="rId9"/>
     <p:sldId id="326" r:id="rId10"/>
-    <p:sldId id="327" r:id="rId11"/>
-    <p:sldId id="276" r:id="rId12"/>
-    <p:sldId id="319" r:id="rId13"/>
-    <p:sldId id="321" r:id="rId14"/>
-    <p:sldId id="323" r:id="rId15"/>
-    <p:sldId id="260" r:id="rId16"/>
-    <p:sldId id="261" r:id="rId17"/>
-    <p:sldId id="263" r:id="rId18"/>
-    <p:sldId id="312" r:id="rId19"/>
-    <p:sldId id="264" r:id="rId20"/>
-    <p:sldId id="265" r:id="rId21"/>
-    <p:sldId id="266" r:id="rId22"/>
-    <p:sldId id="267" r:id="rId23"/>
-    <p:sldId id="268" r:id="rId24"/>
-    <p:sldId id="269" r:id="rId25"/>
-    <p:sldId id="315" r:id="rId26"/>
-    <p:sldId id="270" r:id="rId27"/>
-    <p:sldId id="271" r:id="rId28"/>
-    <p:sldId id="316" r:id="rId29"/>
-    <p:sldId id="272" r:id="rId30"/>
-    <p:sldId id="317" r:id="rId31"/>
-    <p:sldId id="273" r:id="rId32"/>
-    <p:sldId id="274" r:id="rId33"/>
-    <p:sldId id="313" r:id="rId34"/>
-    <p:sldId id="277" r:id="rId35"/>
-    <p:sldId id="314" r:id="rId36"/>
-    <p:sldId id="320" r:id="rId37"/>
+    <p:sldId id="330" r:id="rId11"/>
+    <p:sldId id="331" r:id="rId12"/>
+    <p:sldId id="327" r:id="rId13"/>
+    <p:sldId id="276" r:id="rId14"/>
+    <p:sldId id="319" r:id="rId15"/>
+    <p:sldId id="321" r:id="rId16"/>
+    <p:sldId id="323" r:id="rId17"/>
+    <p:sldId id="260" r:id="rId18"/>
+    <p:sldId id="261" r:id="rId19"/>
+    <p:sldId id="263" r:id="rId20"/>
+    <p:sldId id="312" r:id="rId21"/>
+    <p:sldId id="264" r:id="rId22"/>
+    <p:sldId id="265" r:id="rId23"/>
+    <p:sldId id="266" r:id="rId24"/>
+    <p:sldId id="267" r:id="rId25"/>
+    <p:sldId id="268" r:id="rId26"/>
+    <p:sldId id="269" r:id="rId27"/>
+    <p:sldId id="315" r:id="rId28"/>
+    <p:sldId id="270" r:id="rId29"/>
+    <p:sldId id="271" r:id="rId30"/>
+    <p:sldId id="316" r:id="rId31"/>
+    <p:sldId id="272" r:id="rId32"/>
+    <p:sldId id="317" r:id="rId33"/>
+    <p:sldId id="273" r:id="rId34"/>
+    <p:sldId id="274" r:id="rId35"/>
+    <p:sldId id="313" r:id="rId36"/>
+    <p:sldId id="277" r:id="rId37"/>
+    <p:sldId id="314" r:id="rId38"/>
+    <p:sldId id="320" r:id="rId39"/>
   </p:sldIdLst>
   <p:sldSz cx="10728325" cy="6034088"/>
   <p:notesSz cx="6797675" cy="9926638"/>
@@ -269,7 +271,7 @@
           <a:p>
             <a:fld id="{57EECD7F-E5B6-4B40-9E0B-628FCC195BC8}" type="datetimeFigureOut">
               <a:rPr lang="de-DE" smtClean="0"/>
-              <a:t>22.01.2024</a:t>
+              <a:t>22.01.24</a:t>
             </a:fld>
             <a:endParaRPr lang="de-DE"/>
           </a:p>
@@ -446,7 +448,7 @@
           <a:p>
             <a:fld id="{A16BC527-A945-41A0-A295-3A1AFDBBE427}" type="datetimeFigureOut">
               <a:rPr lang="de-DE" smtClean="0"/>
-              <a:t>22.01.2024</a:t>
+              <a:t>22.01.24</a:t>
             </a:fld>
             <a:endParaRPr lang="de-DE"/>
           </a:p>
@@ -13940,7 +13942,7 @@
             </a:br>
             <a:r>
               <a:rPr lang="de-DE" sz="2800" dirty="0"/>
-              <a:t>Der alles Könner der Systemverwaltung für jedermann?</a:t>
+              <a:t>Der Alleskönner der Systemverwaltung für jedermann?</a:t>
             </a:r>
             <a:endParaRPr lang="de-DE" b="0" dirty="0">
               <a:solidFill>
@@ -14843,13 +14845,13 @@
   <p:clrMapOvr>
     <a:masterClrMapping/>
   </p:clrMapOvr>
-  <mc:AlternateContent xmlns:mc="http://schemas.openxmlformats.org/markup-compatibility/2006">
-    <mc:Choice xmlns:p159="http://schemas.microsoft.com/office/powerpoint/2015/09/main" Requires="p159">
+  <mc:AlternateContent xmlns:mc="http://schemas.openxmlformats.org/markup-compatibility/2006" xmlns:p159="http://schemas.microsoft.com/office/powerpoint/2015/09/main">
+    <mc:Choice Requires="p159">
       <p:transition xmlns:p14="http://schemas.microsoft.com/office/powerpoint/2010/main" spd="slow" p14:dur="2000">
         <p159:morph option="byObject"/>
       </p:transition>
     </mc:Choice>
-    <mc:Fallback>
+    <mc:Fallback xmlns="">
       <p:transition spd="slow">
         <p:fade/>
       </p:transition>
@@ -14863,7 +14865,13 @@
   <p:cSld>
     <p:spTree>
       <p:nvGrpSpPr>
-        <p:cNvPr id="1" name=""/>
+        <p:cNvPr id="1" name="">
+          <a:extLst>
+            <a:ext uri="{FF2B5EF4-FFF2-40B4-BE49-F238E27FC236}">
+              <a16:creationId xmlns:a16="http://schemas.microsoft.com/office/drawing/2014/main" id="{4ED0FFB9-3A25-A67E-CC66-DB36DD361819}"/>
+            </a:ext>
+          </a:extLst>
+        </p:cNvPr>
         <p:cNvGrpSpPr/>
         <p:nvPr/>
       </p:nvGrpSpPr>
@@ -14877,10 +14885,10 @@
       </p:grpSpPr>
       <p:sp>
         <p:nvSpPr>
-          <p:cNvPr id="8" name="Titel 7">
-            <a:extLst>
-              <a:ext uri="{FF2B5EF4-FFF2-40B4-BE49-F238E27FC236}">
-                <a16:creationId xmlns:a16="http://schemas.microsoft.com/office/drawing/2014/main" id="{C2AC54BE-8DE7-4BE8-8BDF-8919ACFD3430}"/>
+          <p:cNvPr id="7" name="Titel 6">
+            <a:extLst>
+              <a:ext uri="{FF2B5EF4-FFF2-40B4-BE49-F238E27FC236}">
+                <a16:creationId xmlns:a16="http://schemas.microsoft.com/office/drawing/2014/main" id="{420BFDBC-5DC5-B56B-02F8-0D82B3AFC9D9}"/>
               </a:ext>
             </a:extLst>
           </p:cNvPr>
@@ -14898,16 +14906,206 @@
           <a:p>
             <a:r>
               <a:rPr lang="de-DE" dirty="0"/>
-              <a:t>4. Fazit</a:t>
-            </a:r>
-            <a:endParaRPr lang="de-DE" b="0" dirty="0"/>
+              <a:t>3a). Wofür wird es genutzt</a:t>
+            </a:r>
+          </a:p>
+        </p:txBody>
+      </p:sp>
+      <p:sp>
+        <p:nvSpPr>
+          <p:cNvPr id="5" name="Textplatzhalter 4">
+            <a:extLst>
+              <a:ext uri="{FF2B5EF4-FFF2-40B4-BE49-F238E27FC236}">
+                <a16:creationId xmlns:a16="http://schemas.microsoft.com/office/drawing/2014/main" id="{44361A08-2A25-B195-BF4F-248323A5D3A6}"/>
+              </a:ext>
+            </a:extLst>
+          </p:cNvPr>
+          <p:cNvSpPr>
+            <a:spLocks noGrp="1"/>
+          </p:cNvSpPr>
+          <p:nvPr>
+            <p:ph type="body" sz="quarter" idx="14"/>
+          </p:nvPr>
+        </p:nvSpPr>
+        <p:spPr/>
+        <p:txBody>
+          <a:bodyPr/>
+          <a:lstStyle/>
+          <a:p>
+            <a:r>
+              <a:rPr lang="de-DE" dirty="0"/>
+              <a:t>Subheadline</a:t>
+            </a:r>
+          </a:p>
+        </p:txBody>
+      </p:sp>
+      <p:sp>
+        <p:nvSpPr>
+          <p:cNvPr id="11" name="Textplatzhalter 10">
+            <a:extLst>
+              <a:ext uri="{FF2B5EF4-FFF2-40B4-BE49-F238E27FC236}">
+                <a16:creationId xmlns:a16="http://schemas.microsoft.com/office/drawing/2014/main" id="{B51C8505-1668-5867-EF5E-99945C81B8C8}"/>
+              </a:ext>
+            </a:extLst>
+          </p:cNvPr>
+          <p:cNvSpPr>
+            <a:spLocks noGrp="1"/>
+          </p:cNvSpPr>
+          <p:nvPr>
+            <p:ph type="body" sz="quarter" idx="15"/>
+          </p:nvPr>
+        </p:nvSpPr>
+        <p:spPr/>
+        <p:txBody>
+          <a:bodyPr/>
+          <a:lstStyle/>
+          <a:p>
+            <a:r>
+              <a:rPr lang="de-DE" dirty="0"/>
+              <a:t>Testautomatisierung</a:t>
+            </a:r>
+          </a:p>
+          <a:p>
+            <a:r>
+              <a:rPr lang="de-DE" dirty="0"/>
+              <a:t>Informationsabfrage</a:t>
+            </a:r>
+          </a:p>
+          <a:p>
+            <a:r>
+              <a:rPr lang="de-DE" dirty="0" err="1"/>
+              <a:t>Deployments</a:t>
+            </a:r>
+            <a:endParaRPr lang="de-DE" dirty="0"/>
+          </a:p>
+          <a:p>
+            <a:pPr marL="0" indent="0">
+              <a:buNone/>
+            </a:pPr>
+            <a:endParaRPr lang="de-DE" dirty="0"/>
+          </a:p>
+        </p:txBody>
+      </p:sp>
+      <p:sp>
+        <p:nvSpPr>
+          <p:cNvPr id="10" name="Textplatzhalter 9">
+            <a:extLst>
+              <a:ext uri="{FF2B5EF4-FFF2-40B4-BE49-F238E27FC236}">
+                <a16:creationId xmlns:a16="http://schemas.microsoft.com/office/drawing/2014/main" id="{3D6E310B-1288-67AC-5802-7774E2BE527B}"/>
+              </a:ext>
+            </a:extLst>
+          </p:cNvPr>
+          <p:cNvSpPr>
+            <a:spLocks noGrp="1"/>
+          </p:cNvSpPr>
+          <p:nvPr>
+            <p:ph type="body" sz="quarter" idx="13"/>
+          </p:nvPr>
+        </p:nvSpPr>
+        <p:spPr/>
+        <p:txBody>
+          <a:bodyPr/>
+          <a:lstStyle/>
+          <a:p>
+            <a:endParaRPr lang="de-DE"/>
+          </a:p>
+        </p:txBody>
+      </p:sp>
+      <p:sp>
+        <p:nvSpPr>
+          <p:cNvPr id="2" name="Fußzeilenplatzhalter 1">
+            <a:extLst>
+              <a:ext uri="{FF2B5EF4-FFF2-40B4-BE49-F238E27FC236}">
+                <a16:creationId xmlns:a16="http://schemas.microsoft.com/office/drawing/2014/main" id="{B1015277-0BBF-627D-C104-6068EF206DD5}"/>
+              </a:ext>
+            </a:extLst>
+          </p:cNvPr>
+          <p:cNvSpPr>
+            <a:spLocks noGrp="1"/>
+          </p:cNvSpPr>
+          <p:nvPr>
+            <p:ph type="ftr" sz="quarter" idx="17"/>
+          </p:nvPr>
+        </p:nvSpPr>
+        <p:spPr/>
+        <p:txBody>
+          <a:bodyPr/>
+          <a:lstStyle/>
+          <a:p>
+            <a:r>
+              <a:rPr lang="de-DE"/>
+              <a:t>Ansible / Berlin; Aps, Fabian</a:t>
+            </a:r>
+          </a:p>
+        </p:txBody>
+      </p:sp>
+      <p:sp>
+        <p:nvSpPr>
+          <p:cNvPr id="4" name="Foliennummernplatzhalter 3">
+            <a:extLst>
+              <a:ext uri="{FF2B5EF4-FFF2-40B4-BE49-F238E27FC236}">
+                <a16:creationId xmlns:a16="http://schemas.microsoft.com/office/drawing/2014/main" id="{EBC9D5F9-1541-689D-E2EF-6C86785E1145}"/>
+              </a:ext>
+            </a:extLst>
+          </p:cNvPr>
+          <p:cNvSpPr>
+            <a:spLocks noGrp="1"/>
+          </p:cNvSpPr>
+          <p:nvPr>
+            <p:ph type="sldNum" sz="quarter" idx="18"/>
+          </p:nvPr>
+        </p:nvSpPr>
+        <p:spPr/>
+        <p:txBody>
+          <a:bodyPr/>
+          <a:lstStyle/>
+          <a:p>
+            <a:r>
+              <a:rPr lang="de-DE"/>
+              <a:t>Seite </a:t>
+            </a:r>
+            <a:fld id="{5678FFC5-4430-43BC-9807-D0C6EB405569}" type="slidenum">
+              <a:rPr lang="de-DE" smtClean="0"/>
+              <a:pPr/>
+              <a:t>10</a:t>
+            </a:fld>
+            <a:endParaRPr lang="de-DE" dirty="0"/>
+          </a:p>
+        </p:txBody>
+      </p:sp>
+      <p:sp>
+        <p:nvSpPr>
+          <p:cNvPr id="3" name="Date Placeholder 2">
+            <a:extLst>
+              <a:ext uri="{FF2B5EF4-FFF2-40B4-BE49-F238E27FC236}">
+                <a16:creationId xmlns:a16="http://schemas.microsoft.com/office/drawing/2014/main" id="{611CE9B9-A505-1C30-F7FB-8EC7B6B6383D}"/>
+              </a:ext>
+            </a:extLst>
+          </p:cNvPr>
+          <p:cNvSpPr>
+            <a:spLocks noGrp="1"/>
+          </p:cNvSpPr>
+          <p:nvPr>
+            <p:ph type="dt" sz="half" idx="16"/>
+          </p:nvPr>
+        </p:nvSpPr>
+        <p:spPr/>
+        <p:txBody>
+          <a:bodyPr/>
+          <a:lstStyle/>
+          <a:p>
+            <a:fld id="{6E2A065A-BC68-4449-AE0D-77E9CDAD919C}" type="datetime4">
+              <a:rPr lang="de-DE" smtClean="0"/>
+              <a:t>22. Januar 2024</a:t>
+            </a:fld>
+            <a:endParaRPr lang="de-DE" dirty="0"/>
           </a:p>
         </p:txBody>
       </p:sp>
     </p:spTree>
     <p:extLst>
       <p:ext uri="{BB962C8B-B14F-4D97-AF65-F5344CB8AC3E}">
-        <p14:creationId xmlns:p14="http://schemas.microsoft.com/office/powerpoint/2010/main" val="1894292190"/>
+        <p14:creationId xmlns:p14="http://schemas.microsoft.com/office/powerpoint/2010/main" val="3028475240"/>
       </p:ext>
     </p:extLst>
   </p:cSld>
@@ -14934,7 +15132,13 @@
   <p:cSld>
     <p:spTree>
       <p:nvGrpSpPr>
-        <p:cNvPr id="1" name=""/>
+        <p:cNvPr id="1" name="">
+          <a:extLst>
+            <a:ext uri="{FF2B5EF4-FFF2-40B4-BE49-F238E27FC236}">
+              <a16:creationId xmlns:a16="http://schemas.microsoft.com/office/drawing/2014/main" id="{D78F6696-3B0B-BEBE-05A5-155479794E9D}"/>
+            </a:ext>
+          </a:extLst>
+        </p:cNvPr>
         <p:cNvGrpSpPr/>
         <p:nvPr/>
       </p:nvGrpSpPr>
@@ -14948,10 +15152,10 @@
       </p:grpSpPr>
       <p:sp>
         <p:nvSpPr>
-          <p:cNvPr id="8" name="Titel 7">
-            <a:extLst>
-              <a:ext uri="{FF2B5EF4-FFF2-40B4-BE49-F238E27FC236}">
-                <a16:creationId xmlns:a16="http://schemas.microsoft.com/office/drawing/2014/main" id="{A0699E2A-4719-4C48-8DE1-9F280F233B5A}"/>
+          <p:cNvPr id="7" name="Titel 6">
+            <a:extLst>
+              <a:ext uri="{FF2B5EF4-FFF2-40B4-BE49-F238E27FC236}">
+                <a16:creationId xmlns:a16="http://schemas.microsoft.com/office/drawing/2014/main" id="{AF218934-3A45-E5ED-C14E-61AFDE61ABF0}"/>
               </a:ext>
             </a:extLst>
           </p:cNvPr>
@@ -14969,17 +15173,17 @@
           <a:p>
             <a:r>
               <a:rPr lang="de-DE" dirty="0"/>
-              <a:t>Titel der Fazitseite (Petrol)</a:t>
-            </a:r>
-          </a:p>
-        </p:txBody>
-      </p:sp>
-      <p:sp>
-        <p:nvSpPr>
-          <p:cNvPr id="9" name="Textplatzhalter 8">
-            <a:extLst>
-              <a:ext uri="{FF2B5EF4-FFF2-40B4-BE49-F238E27FC236}">
-                <a16:creationId xmlns:a16="http://schemas.microsoft.com/office/drawing/2014/main" id="{BC1115A4-832D-45FA-9C27-778B7B2A5946}"/>
+              <a:t>Projekt Mailskript Anpassung</a:t>
+            </a:r>
+          </a:p>
+        </p:txBody>
+      </p:sp>
+      <p:sp>
+        <p:nvSpPr>
+          <p:cNvPr id="5" name="Textplatzhalter 4">
+            <a:extLst>
+              <a:ext uri="{FF2B5EF4-FFF2-40B4-BE49-F238E27FC236}">
+                <a16:creationId xmlns:a16="http://schemas.microsoft.com/office/drawing/2014/main" id="{E048C10A-6DDB-F57E-A797-B1CDA6883780}"/>
               </a:ext>
             </a:extLst>
           </p:cNvPr>
@@ -14997,15 +15201,276 @@
           <a:p>
             <a:r>
               <a:rPr lang="de-DE" dirty="0"/>
-              <a:t>Text hinzufügen</a:t>
-            </a:r>
+              <a:t>Subheadline</a:t>
+            </a:r>
+          </a:p>
+        </p:txBody>
+      </p:sp>
+      <p:sp>
+        <p:nvSpPr>
+          <p:cNvPr id="11" name="Textplatzhalter 10">
+            <a:extLst>
+              <a:ext uri="{FF2B5EF4-FFF2-40B4-BE49-F238E27FC236}">
+                <a16:creationId xmlns:a16="http://schemas.microsoft.com/office/drawing/2014/main" id="{800D1200-CE2B-7C88-C5D7-1EF47C4C23F2}"/>
+              </a:ext>
+            </a:extLst>
+          </p:cNvPr>
+          <p:cNvSpPr>
+            <a:spLocks noGrp="1"/>
+          </p:cNvSpPr>
+          <p:nvPr>
+            <p:ph type="body" sz="quarter" idx="15"/>
+          </p:nvPr>
+        </p:nvSpPr>
+        <p:spPr/>
+        <p:txBody>
+          <a:bodyPr/>
+          <a:lstStyle/>
+          <a:p>
+            <a:r>
+              <a:rPr lang="de-DE" dirty="0"/>
+              <a:t>Wie war der aktuelle Stand des alten Skripts</a:t>
+            </a:r>
+          </a:p>
+          <a:p>
+            <a:pPr lvl="1"/>
+            <a:r>
+              <a:rPr lang="de-DE" dirty="0"/>
+              <a:t>1 Server </a:t>
+            </a:r>
+            <a:r>
+              <a:rPr lang="de-DE" dirty="0" err="1"/>
+              <a:t>only</a:t>
+            </a:r>
+            <a:r>
+              <a:rPr lang="de-DE" dirty="0"/>
+              <a:t> -&gt; Mehrfachausführung nötig, um zu vergleichen</a:t>
+            </a:r>
+          </a:p>
+          <a:p>
+            <a:r>
+              <a:rPr lang="de-DE" dirty="0"/>
+              <a:t>Was soll angepasst werden</a:t>
+            </a:r>
+          </a:p>
+          <a:p>
+            <a:pPr lvl="1"/>
+            <a:r>
+              <a:rPr lang="de-DE" dirty="0"/>
+              <a:t>1 Ausführung soll Informationen von Mehreren Servern Sammeln und Verschicken, am liebsten </a:t>
+            </a:r>
+            <a:r>
+              <a:rPr lang="de-DE" dirty="0" err="1"/>
+              <a:t>NonPROD</a:t>
+            </a:r>
+            <a:r>
+              <a:rPr lang="de-DE" dirty="0"/>
+              <a:t> + PROD</a:t>
+            </a:r>
+          </a:p>
+          <a:p>
+            <a:r>
+              <a:rPr lang="de-DE" dirty="0"/>
+              <a:t>Welche Hindernisse sind im Weg:</a:t>
+            </a:r>
+          </a:p>
+          <a:p>
+            <a:pPr lvl="1"/>
+            <a:r>
+              <a:rPr lang="de-DE" dirty="0"/>
+              <a:t>Benötigter Verfahrensuser(VU) nicht vorhanden -&gt; Angelegt</a:t>
+            </a:r>
+          </a:p>
+          <a:p>
+            <a:pPr lvl="1"/>
+            <a:r>
+              <a:rPr lang="de-DE" dirty="0"/>
+              <a:t>Benötigte Berechtigungen für VU -&gt; Bestellt</a:t>
+            </a:r>
+          </a:p>
+          <a:p>
+            <a:pPr lvl="1"/>
+            <a:r>
+              <a:rPr lang="de-DE" dirty="0"/>
+              <a:t>Netzwerkarchitektur -&gt; 3 Skripte aus 2</a:t>
+            </a:r>
+          </a:p>
+          <a:p>
+            <a:r>
+              <a:rPr lang="de-DE" dirty="0"/>
+              <a:t>Wie bekomme ich die daten von Mehreren Servern zu einem Punkt -&gt; Networkdrive(SMB(Samba)) -&gt; nicht Vorhanden -&gt; Berechtigung Bestellt + PS-Skript durch </a:t>
+            </a:r>
+            <a:r>
+              <a:rPr lang="de-DE" dirty="0" err="1"/>
+              <a:t>Ansible</a:t>
+            </a:r>
+            <a:r>
+              <a:rPr lang="de-DE" dirty="0"/>
+              <a:t> </a:t>
+            </a:r>
+            <a:r>
+              <a:rPr lang="de-DE"/>
+              <a:t>zur </a:t>
+            </a:r>
+            <a:r>
+              <a:rPr lang="de-DE" dirty="0"/>
+              <a:t>S</a:t>
+            </a:r>
+            <a:r>
+              <a:rPr lang="de-DE"/>
+              <a:t>ammlung </a:t>
+            </a:r>
+            <a:r>
+              <a:rPr lang="de-DE" dirty="0"/>
+              <a:t>der daten</a:t>
+            </a:r>
+          </a:p>
+          <a:p>
+            <a:r>
+              <a:rPr lang="de-DE" dirty="0"/>
+              <a:t>Wie formatiere ich die daten so das ich die neue Tabelle erstellen kann:</a:t>
+            </a:r>
+          </a:p>
+          <a:p>
+            <a:pPr lvl="1"/>
+            <a:r>
+              <a:rPr lang="de-DE" dirty="0"/>
+              <a:t>File -&gt; File -&gt; </a:t>
+            </a:r>
+            <a:r>
+              <a:rPr lang="de-DE" dirty="0" err="1"/>
+              <a:t>DicVar</a:t>
+            </a:r>
+            <a:r>
+              <a:rPr lang="de-DE" dirty="0"/>
+              <a:t> -&gt; Var -&gt; Var -&gt; Liste -&gt; Liste</a:t>
+            </a:r>
+          </a:p>
+          <a:p>
+            <a:endParaRPr lang="de-DE" dirty="0"/>
+          </a:p>
+        </p:txBody>
+      </p:sp>
+      <p:sp>
+        <p:nvSpPr>
+          <p:cNvPr id="10" name="Textplatzhalter 9">
+            <a:extLst>
+              <a:ext uri="{FF2B5EF4-FFF2-40B4-BE49-F238E27FC236}">
+                <a16:creationId xmlns:a16="http://schemas.microsoft.com/office/drawing/2014/main" id="{CC0C0957-7AA2-5477-BC5C-91D67849C147}"/>
+              </a:ext>
+            </a:extLst>
+          </p:cNvPr>
+          <p:cNvSpPr>
+            <a:spLocks noGrp="1"/>
+          </p:cNvSpPr>
+          <p:nvPr>
+            <p:ph type="body" sz="quarter" idx="13"/>
+          </p:nvPr>
+        </p:nvSpPr>
+        <p:spPr/>
+        <p:txBody>
+          <a:bodyPr/>
+          <a:lstStyle/>
+          <a:p>
+            <a:endParaRPr lang="de-DE"/>
+          </a:p>
+        </p:txBody>
+      </p:sp>
+      <p:sp>
+        <p:nvSpPr>
+          <p:cNvPr id="2" name="Fußzeilenplatzhalter 1">
+            <a:extLst>
+              <a:ext uri="{FF2B5EF4-FFF2-40B4-BE49-F238E27FC236}">
+                <a16:creationId xmlns:a16="http://schemas.microsoft.com/office/drawing/2014/main" id="{904C0B5C-E2E0-BDE4-09FC-6B05118FA3A2}"/>
+              </a:ext>
+            </a:extLst>
+          </p:cNvPr>
+          <p:cNvSpPr>
+            <a:spLocks noGrp="1"/>
+          </p:cNvSpPr>
+          <p:nvPr>
+            <p:ph type="ftr" sz="quarter" idx="17"/>
+          </p:nvPr>
+        </p:nvSpPr>
+        <p:spPr/>
+        <p:txBody>
+          <a:bodyPr/>
+          <a:lstStyle/>
+          <a:p>
+            <a:r>
+              <a:rPr lang="de-DE"/>
+              <a:t>Ansible / Berlin; Aps, Fabian</a:t>
+            </a:r>
+          </a:p>
+        </p:txBody>
+      </p:sp>
+      <p:sp>
+        <p:nvSpPr>
+          <p:cNvPr id="4" name="Foliennummernplatzhalter 3">
+            <a:extLst>
+              <a:ext uri="{FF2B5EF4-FFF2-40B4-BE49-F238E27FC236}">
+                <a16:creationId xmlns:a16="http://schemas.microsoft.com/office/drawing/2014/main" id="{C8CE27A7-F21B-8A63-4F27-32789D258808}"/>
+              </a:ext>
+            </a:extLst>
+          </p:cNvPr>
+          <p:cNvSpPr>
+            <a:spLocks noGrp="1"/>
+          </p:cNvSpPr>
+          <p:nvPr>
+            <p:ph type="sldNum" sz="quarter" idx="18"/>
+          </p:nvPr>
+        </p:nvSpPr>
+        <p:spPr/>
+        <p:txBody>
+          <a:bodyPr/>
+          <a:lstStyle/>
+          <a:p>
+            <a:r>
+              <a:rPr lang="de-DE"/>
+              <a:t>Seite </a:t>
+            </a:r>
+            <a:fld id="{5678FFC5-4430-43BC-9807-D0C6EB405569}" type="slidenum">
+              <a:rPr lang="de-DE" smtClean="0"/>
+              <a:pPr/>
+              <a:t>11</a:t>
+            </a:fld>
+            <a:endParaRPr lang="de-DE" dirty="0"/>
+          </a:p>
+        </p:txBody>
+      </p:sp>
+      <p:sp>
+        <p:nvSpPr>
+          <p:cNvPr id="3" name="Date Placeholder 2">
+            <a:extLst>
+              <a:ext uri="{FF2B5EF4-FFF2-40B4-BE49-F238E27FC236}">
+                <a16:creationId xmlns:a16="http://schemas.microsoft.com/office/drawing/2014/main" id="{AC852BF6-6C58-88F2-2996-925CADA2A574}"/>
+              </a:ext>
+            </a:extLst>
+          </p:cNvPr>
+          <p:cNvSpPr>
+            <a:spLocks noGrp="1"/>
+          </p:cNvSpPr>
+          <p:nvPr>
+            <p:ph type="dt" sz="half" idx="16"/>
+          </p:nvPr>
+        </p:nvSpPr>
+        <p:spPr/>
+        <p:txBody>
+          <a:bodyPr/>
+          <a:lstStyle/>
+          <a:p>
+            <a:fld id="{6E2A065A-BC68-4449-AE0D-77E9CDAD919C}" type="datetime4">
+              <a:rPr lang="de-DE" smtClean="0"/>
+              <a:t>22. Januar 2024</a:t>
+            </a:fld>
+            <a:endParaRPr lang="de-DE" dirty="0"/>
           </a:p>
         </p:txBody>
       </p:sp>
     </p:spTree>
     <p:extLst>
       <p:ext uri="{BB962C8B-B14F-4D97-AF65-F5344CB8AC3E}">
-        <p14:creationId xmlns:p14="http://schemas.microsoft.com/office/powerpoint/2010/main" val="2240906747"/>
+        <p14:creationId xmlns:p14="http://schemas.microsoft.com/office/powerpoint/2010/main" val="1088551181"/>
       </p:ext>
     </p:extLst>
   </p:cSld>
@@ -15046,6 +15511,175 @@
       </p:grpSpPr>
       <p:sp>
         <p:nvSpPr>
+          <p:cNvPr id="8" name="Titel 7">
+            <a:extLst>
+              <a:ext uri="{FF2B5EF4-FFF2-40B4-BE49-F238E27FC236}">
+                <a16:creationId xmlns:a16="http://schemas.microsoft.com/office/drawing/2014/main" id="{C2AC54BE-8DE7-4BE8-8BDF-8919ACFD3430}"/>
+              </a:ext>
+            </a:extLst>
+          </p:cNvPr>
+          <p:cNvSpPr>
+            <a:spLocks noGrp="1"/>
+          </p:cNvSpPr>
+          <p:nvPr>
+            <p:ph type="title"/>
+          </p:nvPr>
+        </p:nvSpPr>
+        <p:spPr/>
+        <p:txBody>
+          <a:bodyPr/>
+          <a:lstStyle/>
+          <a:p>
+            <a:r>
+              <a:rPr lang="de-DE" dirty="0"/>
+              <a:t>4. Fazit</a:t>
+            </a:r>
+            <a:endParaRPr lang="de-DE" b="0" dirty="0"/>
+          </a:p>
+        </p:txBody>
+      </p:sp>
+    </p:spTree>
+    <p:extLst>
+      <p:ext uri="{BB962C8B-B14F-4D97-AF65-F5344CB8AC3E}">
+        <p14:creationId xmlns:p14="http://schemas.microsoft.com/office/powerpoint/2010/main" val="1894292190"/>
+      </p:ext>
+    </p:extLst>
+  </p:cSld>
+  <p:clrMapOvr>
+    <a:masterClrMapping/>
+  </p:clrMapOvr>
+  <mc:AlternateContent xmlns:mc="http://schemas.openxmlformats.org/markup-compatibility/2006" xmlns:p159="http://schemas.microsoft.com/office/powerpoint/2015/09/main">
+    <mc:Choice Requires="p159">
+      <p:transition xmlns:p14="http://schemas.microsoft.com/office/powerpoint/2010/main" spd="slow" p14:dur="2000">
+        <p159:morph option="byObject"/>
+      </p:transition>
+    </mc:Choice>
+    <mc:Fallback xmlns="">
+      <p:transition spd="slow">
+        <p:fade/>
+      </p:transition>
+    </mc:Fallback>
+  </mc:AlternateContent>
+</p:sld>
+</file>
+
+<file path=ppt/slides/slide13.xml><?xml version="1.0" encoding="utf-8"?>
+<p:sld xmlns:a="http://schemas.openxmlformats.org/drawingml/2006/main" xmlns:r="http://schemas.openxmlformats.org/officeDocument/2006/relationships" xmlns:p="http://schemas.openxmlformats.org/presentationml/2006/main">
+  <p:cSld>
+    <p:spTree>
+      <p:nvGrpSpPr>
+        <p:cNvPr id="1" name=""/>
+        <p:cNvGrpSpPr/>
+        <p:nvPr/>
+      </p:nvGrpSpPr>
+      <p:grpSpPr>
+        <a:xfrm>
+          <a:off x="0" y="0"/>
+          <a:ext cx="0" cy="0"/>
+          <a:chOff x="0" y="0"/>
+          <a:chExt cx="0" cy="0"/>
+        </a:xfrm>
+      </p:grpSpPr>
+      <p:sp>
+        <p:nvSpPr>
+          <p:cNvPr id="8" name="Titel 7">
+            <a:extLst>
+              <a:ext uri="{FF2B5EF4-FFF2-40B4-BE49-F238E27FC236}">
+                <a16:creationId xmlns:a16="http://schemas.microsoft.com/office/drawing/2014/main" id="{A0699E2A-4719-4C48-8DE1-9F280F233B5A}"/>
+              </a:ext>
+            </a:extLst>
+          </p:cNvPr>
+          <p:cNvSpPr>
+            <a:spLocks noGrp="1"/>
+          </p:cNvSpPr>
+          <p:nvPr>
+            <p:ph type="title"/>
+          </p:nvPr>
+        </p:nvSpPr>
+        <p:spPr/>
+        <p:txBody>
+          <a:bodyPr/>
+          <a:lstStyle/>
+          <a:p>
+            <a:r>
+              <a:rPr lang="de-DE" dirty="0"/>
+              <a:t>Titel der Fazitseite (Petrol)</a:t>
+            </a:r>
+          </a:p>
+        </p:txBody>
+      </p:sp>
+      <p:sp>
+        <p:nvSpPr>
+          <p:cNvPr id="9" name="Textplatzhalter 8">
+            <a:extLst>
+              <a:ext uri="{FF2B5EF4-FFF2-40B4-BE49-F238E27FC236}">
+                <a16:creationId xmlns:a16="http://schemas.microsoft.com/office/drawing/2014/main" id="{BC1115A4-832D-45FA-9C27-778B7B2A5946}"/>
+              </a:ext>
+            </a:extLst>
+          </p:cNvPr>
+          <p:cNvSpPr>
+            <a:spLocks noGrp="1"/>
+          </p:cNvSpPr>
+          <p:nvPr>
+            <p:ph type="body" sz="quarter" idx="14"/>
+          </p:nvPr>
+        </p:nvSpPr>
+        <p:spPr/>
+        <p:txBody>
+          <a:bodyPr/>
+          <a:lstStyle/>
+          <a:p>
+            <a:r>
+              <a:rPr lang="de-DE" dirty="0"/>
+              <a:t>Text hinzufügen</a:t>
+            </a:r>
+          </a:p>
+        </p:txBody>
+      </p:sp>
+    </p:spTree>
+    <p:extLst>
+      <p:ext uri="{BB962C8B-B14F-4D97-AF65-F5344CB8AC3E}">
+        <p14:creationId xmlns:p14="http://schemas.microsoft.com/office/powerpoint/2010/main" val="2240906747"/>
+      </p:ext>
+    </p:extLst>
+  </p:cSld>
+  <p:clrMapOvr>
+    <a:masterClrMapping/>
+  </p:clrMapOvr>
+  <mc:AlternateContent xmlns:mc="http://schemas.openxmlformats.org/markup-compatibility/2006" xmlns:p159="http://schemas.microsoft.com/office/powerpoint/2015/09/main">
+    <mc:Choice Requires="p159">
+      <p:transition xmlns:p14="http://schemas.microsoft.com/office/powerpoint/2010/main" spd="slow" p14:dur="2000">
+        <p159:morph option="byObject"/>
+      </p:transition>
+    </mc:Choice>
+    <mc:Fallback xmlns="">
+      <p:transition spd="slow">
+        <p:fade/>
+      </p:transition>
+    </mc:Fallback>
+  </mc:AlternateContent>
+</p:sld>
+</file>
+
+<file path=ppt/slides/slide14.xml><?xml version="1.0" encoding="utf-8"?>
+<p:sld xmlns:a="http://schemas.openxmlformats.org/drawingml/2006/main" xmlns:r="http://schemas.openxmlformats.org/officeDocument/2006/relationships" xmlns:p="http://schemas.openxmlformats.org/presentationml/2006/main">
+  <p:cSld>
+    <p:spTree>
+      <p:nvGrpSpPr>
+        <p:cNvPr id="1" name=""/>
+        <p:cNvGrpSpPr/>
+        <p:nvPr/>
+      </p:nvGrpSpPr>
+      <p:grpSpPr>
+        <a:xfrm>
+          <a:off x="0" y="0"/>
+          <a:ext cx="0" cy="0"/>
+          <a:chOff x="0" y="0"/>
+          <a:chExt cx="0" cy="0"/>
+        </a:xfrm>
+      </p:grpSpPr>
+      <p:sp>
+        <p:nvSpPr>
           <p:cNvPr id="2" name="Titel 1">
             <a:extLst>
               <a:ext uri="{FF2B5EF4-FFF2-40B4-BE49-F238E27FC236}">
@@ -15082,13 +15716,13 @@
   <p:clrMapOvr>
     <a:masterClrMapping/>
   </p:clrMapOvr>
-  <mc:AlternateContent xmlns:mc="http://schemas.openxmlformats.org/markup-compatibility/2006">
-    <mc:Choice xmlns:p159="http://schemas.microsoft.com/office/powerpoint/2015/09/main" Requires="p159">
+  <mc:AlternateContent xmlns:mc="http://schemas.openxmlformats.org/markup-compatibility/2006" xmlns:p159="http://schemas.microsoft.com/office/powerpoint/2015/09/main">
+    <mc:Choice Requires="p159">
       <p:transition xmlns:p14="http://schemas.microsoft.com/office/powerpoint/2010/main" spd="slow" p14:dur="2000">
         <p159:morph option="byObject"/>
       </p:transition>
     </mc:Choice>
-    <mc:Fallback>
+    <mc:Fallback xmlns="">
       <p:transition spd="slow">
         <p:fade/>
       </p:transition>
@@ -15097,7 +15731,7 @@
 </p:sld>
 </file>
 
-<file path=ppt/slides/slide13.xml><?xml version="1.0" encoding="utf-8"?>
+<file path=ppt/slides/slide15.xml><?xml version="1.0" encoding="utf-8"?>
 <p:sld xmlns:a="http://schemas.openxmlformats.org/drawingml/2006/main" xmlns:r="http://schemas.openxmlformats.org/officeDocument/2006/relationships" xmlns:p="http://schemas.openxmlformats.org/presentationml/2006/main">
   <p:cSld>
     <p:spTree>
@@ -15820,7 +16454,7 @@
             <a:fld id="{5678FFC5-4430-43BC-9807-D0C6EB405569}" type="slidenum">
               <a:rPr lang="de-DE" smtClean="0"/>
               <a:pPr/>
-              <a:t>13</a:t>
+              <a:t>15</a:t>
             </a:fld>
             <a:endParaRPr lang="de-DE" dirty="0"/>
           </a:p>
@@ -15865,13 +16499,13 @@
   <p:clrMapOvr>
     <a:masterClrMapping/>
   </p:clrMapOvr>
-  <mc:AlternateContent xmlns:mc="http://schemas.openxmlformats.org/markup-compatibility/2006">
-    <mc:Choice xmlns:p159="http://schemas.microsoft.com/office/powerpoint/2015/09/main" Requires="p159">
+  <mc:AlternateContent xmlns:mc="http://schemas.openxmlformats.org/markup-compatibility/2006" xmlns:p159="http://schemas.microsoft.com/office/powerpoint/2015/09/main">
+    <mc:Choice Requires="p159">
       <p:transition xmlns:p14="http://schemas.microsoft.com/office/powerpoint/2010/main" spd="slow" p14:dur="2000">
         <p159:morph option="byObject"/>
       </p:transition>
     </mc:Choice>
-    <mc:Fallback>
+    <mc:Fallback xmlns="">
       <p:transition spd="slow">
         <p:fade/>
       </p:transition>
@@ -15880,7 +16514,7 @@
 </p:sld>
 </file>
 
-<file path=ppt/slides/slide14.xml><?xml version="1.0" encoding="utf-8"?>
+<file path=ppt/slides/slide16.xml><?xml version="1.0" encoding="utf-8"?>
 <p:sld xmlns:a="http://schemas.openxmlformats.org/drawingml/2006/main" xmlns:r="http://schemas.openxmlformats.org/officeDocument/2006/relationships" xmlns:p="http://schemas.openxmlformats.org/presentationml/2006/main">
   <p:cSld>
     <p:spTree>
@@ -16059,7 +16693,7 @@
             <a:fld id="{5678FFC5-4430-43BC-9807-D0C6EB405569}" type="slidenum">
               <a:rPr lang="de-DE" smtClean="0"/>
               <a:pPr/>
-              <a:t>14</a:t>
+              <a:t>16</a:t>
             </a:fld>
             <a:endParaRPr lang="de-DE" dirty="0"/>
           </a:p>
@@ -16104,13 +16738,13 @@
   <p:clrMapOvr>
     <a:masterClrMapping/>
   </p:clrMapOvr>
-  <mc:AlternateContent xmlns:mc="http://schemas.openxmlformats.org/markup-compatibility/2006">
-    <mc:Choice xmlns:p159="http://schemas.microsoft.com/office/powerpoint/2015/09/main" Requires="p159">
+  <mc:AlternateContent xmlns:mc="http://schemas.openxmlformats.org/markup-compatibility/2006" xmlns:p159="http://schemas.microsoft.com/office/powerpoint/2015/09/main">
+    <mc:Choice Requires="p159">
       <p:transition xmlns:p14="http://schemas.microsoft.com/office/powerpoint/2010/main" spd="slow" p14:dur="2000">
         <p159:morph option="byObject"/>
       </p:transition>
     </mc:Choice>
-    <mc:Fallback>
+    <mc:Fallback xmlns="">
       <p:transition spd="slow">
         <p:fade/>
       </p:transition>
@@ -16119,7 +16753,7 @@
 </p:sld>
 </file>
 
-<file path=ppt/slides/slide15.xml><?xml version="1.0" encoding="utf-8"?>
+<file path=ppt/slides/slide17.xml><?xml version="1.0" encoding="utf-8"?>
 <p:sld xmlns:a="http://schemas.openxmlformats.org/drawingml/2006/main" xmlns:r="http://schemas.openxmlformats.org/officeDocument/2006/relationships" xmlns:p="http://schemas.openxmlformats.org/presentationml/2006/main">
   <p:cSld>
     <p:spTree>
@@ -16323,7 +16957,7 @@
             <a:fld id="{5678FFC5-4430-43BC-9807-D0C6EB405569}" type="slidenum">
               <a:rPr lang="de-DE" smtClean="0"/>
               <a:pPr/>
-              <a:t>15</a:t>
+              <a:t>17</a:t>
             </a:fld>
             <a:endParaRPr lang="de-DE" dirty="0"/>
           </a:p>
@@ -16513,332 +17147,13 @@
   <p:clrMapOvr>
     <a:masterClrMapping/>
   </p:clrMapOvr>
-  <mc:AlternateContent xmlns:mc="http://schemas.openxmlformats.org/markup-compatibility/2006">
-    <mc:Choice xmlns:p159="http://schemas.microsoft.com/office/powerpoint/2015/09/main" Requires="p159">
+  <mc:AlternateContent xmlns:mc="http://schemas.openxmlformats.org/markup-compatibility/2006" xmlns:p159="http://schemas.microsoft.com/office/powerpoint/2015/09/main">
+    <mc:Choice Requires="p159">
       <p:transition xmlns:p14="http://schemas.microsoft.com/office/powerpoint/2010/main" spd="slow" p14:dur="2000">
         <p159:morph option="byObject"/>
       </p:transition>
     </mc:Choice>
-    <mc:Fallback>
-      <p:transition spd="slow">
-        <p:fade/>
-      </p:transition>
-    </mc:Fallback>
-  </mc:AlternateContent>
-</p:sld>
-</file>
-
-<file path=ppt/slides/slide16.xml><?xml version="1.0" encoding="utf-8"?>
-<p:sld xmlns:a="http://schemas.openxmlformats.org/drawingml/2006/main" xmlns:r="http://schemas.openxmlformats.org/officeDocument/2006/relationships" xmlns:p="http://schemas.openxmlformats.org/presentationml/2006/main">
-  <p:cSld>
-    <p:spTree>
-      <p:nvGrpSpPr>
-        <p:cNvPr id="1" name=""/>
-        <p:cNvGrpSpPr/>
-        <p:nvPr/>
-      </p:nvGrpSpPr>
-      <p:grpSpPr>
-        <a:xfrm>
-          <a:off x="0" y="0"/>
-          <a:ext cx="0" cy="0"/>
-          <a:chOff x="0" y="0"/>
-          <a:chExt cx="0" cy="0"/>
-        </a:xfrm>
-      </p:grpSpPr>
-      <p:sp>
-        <p:nvSpPr>
-          <p:cNvPr id="8" name="Titel 7">
-            <a:extLst>
-              <a:ext uri="{FF2B5EF4-FFF2-40B4-BE49-F238E27FC236}">
-                <a16:creationId xmlns:a16="http://schemas.microsoft.com/office/drawing/2014/main" id="{DE11A09C-8D45-944E-9298-B5502A32AA39}"/>
-              </a:ext>
-            </a:extLst>
-          </p:cNvPr>
-          <p:cNvSpPr>
-            <a:spLocks noGrp="1"/>
-          </p:cNvSpPr>
-          <p:nvPr>
-            <p:ph type="title"/>
-          </p:nvPr>
-        </p:nvSpPr>
-        <p:spPr/>
-        <p:txBody>
-          <a:bodyPr/>
-          <a:lstStyle/>
-          <a:p>
-            <a:r>
-              <a:rPr lang="de-DE" dirty="0"/>
-              <a:t>Headline (Text / Bild)</a:t>
-            </a:r>
-          </a:p>
-        </p:txBody>
-      </p:sp>
-      <p:sp>
-        <p:nvSpPr>
-          <p:cNvPr id="6" name="Textplatzhalter 5">
-            <a:extLst>
-              <a:ext uri="{FF2B5EF4-FFF2-40B4-BE49-F238E27FC236}">
-                <a16:creationId xmlns:a16="http://schemas.microsoft.com/office/drawing/2014/main" id="{4227F4BC-CE23-2344-9277-CE4D04C0B66A}"/>
-              </a:ext>
-            </a:extLst>
-          </p:cNvPr>
-          <p:cNvSpPr>
-            <a:spLocks noGrp="1"/>
-          </p:cNvSpPr>
-          <p:nvPr>
-            <p:ph type="body" sz="quarter" idx="15"/>
-          </p:nvPr>
-        </p:nvSpPr>
-        <p:spPr/>
-        <p:txBody>
-          <a:bodyPr/>
-          <a:lstStyle/>
-          <a:p>
-            <a:r>
-              <a:rPr lang="de-DE" dirty="0"/>
-              <a:t>Subheadline</a:t>
-            </a:r>
-          </a:p>
-        </p:txBody>
-      </p:sp>
-      <p:sp>
-        <p:nvSpPr>
-          <p:cNvPr id="10" name="Textplatzhalter 9">
-            <a:extLst>
-              <a:ext uri="{FF2B5EF4-FFF2-40B4-BE49-F238E27FC236}">
-                <a16:creationId xmlns:a16="http://schemas.microsoft.com/office/drawing/2014/main" id="{CDE132AF-5407-44D2-A3D3-12BA697E7F2C}"/>
-              </a:ext>
-            </a:extLst>
-          </p:cNvPr>
-          <p:cNvSpPr>
-            <a:spLocks noGrp="1"/>
-          </p:cNvSpPr>
-          <p:nvPr>
-            <p:ph type="body" sz="quarter" idx="16"/>
-          </p:nvPr>
-        </p:nvSpPr>
-        <p:spPr/>
-        <p:txBody>
-          <a:bodyPr/>
-          <a:lstStyle/>
-          <a:p>
-            <a:endParaRPr lang="de-DE" dirty="0"/>
-          </a:p>
-        </p:txBody>
-      </p:sp>
-      <p:sp>
-        <p:nvSpPr>
-          <p:cNvPr id="7" name="Bildplatzhalter 6" descr="Bildbeschreibung einfügen.">
-            <a:extLst>
-              <a:ext uri="{FF2B5EF4-FFF2-40B4-BE49-F238E27FC236}">
-                <a16:creationId xmlns:a16="http://schemas.microsoft.com/office/drawing/2014/main" id="{46D73642-FE56-4518-B096-5567D4047BE6}"/>
-              </a:ext>
-            </a:extLst>
-          </p:cNvPr>
-          <p:cNvSpPr>
-            <a:spLocks noGrp="1"/>
-          </p:cNvSpPr>
-          <p:nvPr>
-            <p:ph type="pic" sz="quarter" idx="13"/>
-          </p:nvPr>
-        </p:nvSpPr>
-        <p:spPr/>
-      </p:sp>
-      <p:sp>
-        <p:nvSpPr>
-          <p:cNvPr id="9" name="Textplatzhalter 8">
-            <a:extLst>
-              <a:ext uri="{FF2B5EF4-FFF2-40B4-BE49-F238E27FC236}">
-                <a16:creationId xmlns:a16="http://schemas.microsoft.com/office/drawing/2014/main" id="{24EA88C1-F848-4AB1-971F-FA49FE74ABBE}"/>
-              </a:ext>
-            </a:extLst>
-          </p:cNvPr>
-          <p:cNvSpPr>
-            <a:spLocks noGrp="1"/>
-          </p:cNvSpPr>
-          <p:nvPr>
-            <p:ph type="body" sz="quarter" idx="14"/>
-          </p:nvPr>
-        </p:nvSpPr>
-        <p:spPr/>
-        <p:txBody>
-          <a:bodyPr/>
-          <a:lstStyle/>
-          <a:p>
-            <a:endParaRPr lang="de-DE" dirty="0"/>
-          </a:p>
-        </p:txBody>
-      </p:sp>
-      <p:sp>
-        <p:nvSpPr>
-          <p:cNvPr id="2" name="Fußzeilenplatzhalter 1">
-            <a:extLst>
-              <a:ext uri="{FF2B5EF4-FFF2-40B4-BE49-F238E27FC236}">
-                <a16:creationId xmlns:a16="http://schemas.microsoft.com/office/drawing/2014/main" id="{22F998BC-2E2B-1F41-A7AE-7C1BB3F89D28}"/>
-              </a:ext>
-            </a:extLst>
-          </p:cNvPr>
-          <p:cNvSpPr>
-            <a:spLocks noGrp="1"/>
-          </p:cNvSpPr>
-          <p:nvPr>
-            <p:ph type="ftr" sz="quarter" idx="18"/>
-          </p:nvPr>
-        </p:nvSpPr>
-        <p:spPr/>
-        <p:txBody>
-          <a:bodyPr/>
-          <a:lstStyle/>
-          <a:p>
-            <a:r>
-              <a:rPr lang="de-DE"/>
-              <a:t>Ansible / Berlin; Aps, Fabian</a:t>
-            </a:r>
-            <a:endParaRPr lang="de-DE" dirty="0"/>
-          </a:p>
-        </p:txBody>
-      </p:sp>
-    </p:spTree>
-    <p:extLst>
-      <p:ext uri="{BB962C8B-B14F-4D97-AF65-F5344CB8AC3E}">
-        <p14:creationId xmlns:p14="http://schemas.microsoft.com/office/powerpoint/2010/main" val="2990502598"/>
-      </p:ext>
-    </p:extLst>
-  </p:cSld>
-  <p:clrMapOvr>
-    <a:masterClrMapping/>
-  </p:clrMapOvr>
-  <mc:AlternateContent xmlns:mc="http://schemas.openxmlformats.org/markup-compatibility/2006">
-    <mc:Choice xmlns:p159="http://schemas.microsoft.com/office/powerpoint/2015/09/main" Requires="p159">
-      <p:transition xmlns:p14="http://schemas.microsoft.com/office/powerpoint/2010/main" spd="slow" p14:dur="2000">
-        <p159:morph option="byObject"/>
-      </p:transition>
-    </mc:Choice>
-    <mc:Fallback>
-      <p:transition spd="slow">
-        <p:fade/>
-      </p:transition>
-    </mc:Fallback>
-  </mc:AlternateContent>
-</p:sld>
-</file>
-
-<file path=ppt/slides/slide17.xml><?xml version="1.0" encoding="utf-8"?>
-<p:sld xmlns:a="http://schemas.openxmlformats.org/drawingml/2006/main" xmlns:r="http://schemas.openxmlformats.org/officeDocument/2006/relationships" xmlns:p="http://schemas.openxmlformats.org/presentationml/2006/main">
-  <p:cSld>
-    <p:spTree>
-      <p:nvGrpSpPr>
-        <p:cNvPr id="1" name=""/>
-        <p:cNvGrpSpPr/>
-        <p:nvPr/>
-      </p:nvGrpSpPr>
-      <p:grpSpPr>
-        <a:xfrm>
-          <a:off x="0" y="0"/>
-          <a:ext cx="0" cy="0"/>
-          <a:chOff x="0" y="0"/>
-          <a:chExt cx="0" cy="0"/>
-        </a:xfrm>
-      </p:grpSpPr>
-      <p:sp>
-        <p:nvSpPr>
-          <p:cNvPr id="4" name="Bildplatzhalter 3" descr="Bildbeschreibung einfügen.">
-            <a:extLst>
-              <a:ext uri="{FF2B5EF4-FFF2-40B4-BE49-F238E27FC236}">
-                <a16:creationId xmlns:a16="http://schemas.microsoft.com/office/drawing/2014/main" id="{6B194E99-81C5-48FA-8A81-3CFB921BFCCA}"/>
-              </a:ext>
-            </a:extLst>
-          </p:cNvPr>
-          <p:cNvSpPr>
-            <a:spLocks noGrp="1"/>
-          </p:cNvSpPr>
-          <p:nvPr>
-            <p:ph type="pic" sz="quarter" idx="13"/>
-          </p:nvPr>
-        </p:nvSpPr>
-        <p:spPr/>
-      </p:sp>
-      <p:sp>
-        <p:nvSpPr>
-          <p:cNvPr id="7" name="Titel 6">
-            <a:extLst>
-              <a:ext uri="{FF2B5EF4-FFF2-40B4-BE49-F238E27FC236}">
-                <a16:creationId xmlns:a16="http://schemas.microsoft.com/office/drawing/2014/main" id="{25932BD9-B027-D141-BB64-DD428652C4EA}"/>
-              </a:ext>
-            </a:extLst>
-          </p:cNvPr>
-          <p:cNvSpPr>
-            <a:spLocks noGrp="1"/>
-          </p:cNvSpPr>
-          <p:nvPr>
-            <p:ph type="title"/>
-          </p:nvPr>
-        </p:nvSpPr>
-        <p:spPr/>
-        <p:txBody>
-          <a:bodyPr/>
-          <a:lstStyle/>
-          <a:p>
-            <a:r>
-              <a:rPr lang="de-DE" dirty="0"/>
-              <a:t>Headline (</a:t>
-            </a:r>
-            <a:r>
-              <a:rPr lang="de-DE" dirty="0" err="1"/>
-              <a:t>vollformatiges</a:t>
-            </a:r>
-            <a:r>
-              <a:rPr lang="de-DE" dirty="0"/>
-              <a:t> Bild)</a:t>
-            </a:r>
-          </a:p>
-        </p:txBody>
-      </p:sp>
-      <p:sp>
-        <p:nvSpPr>
-          <p:cNvPr id="6" name="Textplatzhalter 5">
-            <a:extLst>
-              <a:ext uri="{FF2B5EF4-FFF2-40B4-BE49-F238E27FC236}">
-                <a16:creationId xmlns:a16="http://schemas.microsoft.com/office/drawing/2014/main" id="{35E897DD-5419-D443-8AE0-034E463D082A}"/>
-              </a:ext>
-            </a:extLst>
-          </p:cNvPr>
-          <p:cNvSpPr>
-            <a:spLocks noGrp="1"/>
-          </p:cNvSpPr>
-          <p:nvPr>
-            <p:ph type="body" sz="quarter" idx="18"/>
-          </p:nvPr>
-        </p:nvSpPr>
-        <p:spPr/>
-        <p:txBody>
-          <a:bodyPr/>
-          <a:lstStyle/>
-          <a:p>
-            <a:r>
-              <a:rPr lang="de-DE" dirty="0"/>
-              <a:t>(Achtung Barrierefreiheit: Textfarbe) Subheadline</a:t>
-            </a:r>
-          </a:p>
-        </p:txBody>
-      </p:sp>
-    </p:spTree>
-    <p:extLst>
-      <p:ext uri="{BB962C8B-B14F-4D97-AF65-F5344CB8AC3E}">
-        <p14:creationId xmlns:p14="http://schemas.microsoft.com/office/powerpoint/2010/main" val="1576374154"/>
-      </p:ext>
-    </p:extLst>
-  </p:cSld>
-  <p:clrMapOvr>
-    <a:masterClrMapping/>
-  </p:clrMapOvr>
-  <mc:AlternateContent xmlns:mc="http://schemas.openxmlformats.org/markup-compatibility/2006">
-    <mc:Choice xmlns:p159="http://schemas.microsoft.com/office/powerpoint/2015/09/main" Requires="p159">
-      <p:transition xmlns:p14="http://schemas.microsoft.com/office/powerpoint/2010/main" spd="slow" p14:dur="2000">
-        <p159:morph option="byObject"/>
-      </p:transition>
-    </mc:Choice>
-    <mc:Fallback>
+    <mc:Fallback xmlns="">
       <p:transition spd="slow">
         <p:fade/>
       </p:transition>
@@ -16866,10 +17181,10 @@
       </p:grpSpPr>
       <p:sp>
         <p:nvSpPr>
-          <p:cNvPr id="7" name="Titel 6">
-            <a:extLst>
-              <a:ext uri="{FF2B5EF4-FFF2-40B4-BE49-F238E27FC236}">
-                <a16:creationId xmlns:a16="http://schemas.microsoft.com/office/drawing/2014/main" id="{25932BD9-B027-D141-BB64-DD428652C4EA}"/>
+          <p:cNvPr id="8" name="Titel 7">
+            <a:extLst>
+              <a:ext uri="{FF2B5EF4-FFF2-40B4-BE49-F238E27FC236}">
+                <a16:creationId xmlns:a16="http://schemas.microsoft.com/office/drawing/2014/main" id="{DE11A09C-8D45-944E-9298-B5502A32AA39}"/>
               </a:ext>
             </a:extLst>
           </p:cNvPr>
@@ -16887,7 +17202,7 @@
           <a:p>
             <a:r>
               <a:rPr lang="de-DE" dirty="0"/>
-              <a:t>Headline (großes Bild)</a:t>
+              <a:t>Headline (Text / Bild)</a:t>
             </a:r>
           </a:p>
         </p:txBody>
@@ -16897,15 +17212,15 @@
           <p:cNvPr id="6" name="Textplatzhalter 5">
             <a:extLst>
               <a:ext uri="{FF2B5EF4-FFF2-40B4-BE49-F238E27FC236}">
-                <a16:creationId xmlns:a16="http://schemas.microsoft.com/office/drawing/2014/main" id="{35E897DD-5419-D443-8AE0-034E463D082A}"/>
-              </a:ext>
-            </a:extLst>
-          </p:cNvPr>
-          <p:cNvSpPr>
-            <a:spLocks noGrp="1"/>
-          </p:cNvSpPr>
-          <p:nvPr>
-            <p:ph type="body" sz="quarter" idx="18"/>
+                <a16:creationId xmlns:a16="http://schemas.microsoft.com/office/drawing/2014/main" id="{4227F4BC-CE23-2344-9277-CE4D04C0B66A}"/>
+              </a:ext>
+            </a:extLst>
+          </p:cNvPr>
+          <p:cNvSpPr>
+            <a:spLocks noGrp="1"/>
+          </p:cNvSpPr>
+          <p:nvPr>
+            <p:ph type="body" sz="quarter" idx="15"/>
           </p:nvPr>
         </p:nvSpPr>
         <p:spPr/>
@@ -16922,10 +17237,35 @@
       </p:sp>
       <p:sp>
         <p:nvSpPr>
-          <p:cNvPr id="10" name="Bildplatzhalter 9" descr="Bildbeschreibung einfügen.">
-            <a:extLst>
-              <a:ext uri="{FF2B5EF4-FFF2-40B4-BE49-F238E27FC236}">
-                <a16:creationId xmlns:a16="http://schemas.microsoft.com/office/drawing/2014/main" id="{FC1A6BCE-D65B-45DB-A9A1-8F03DCA18253}"/>
+          <p:cNvPr id="10" name="Textplatzhalter 9">
+            <a:extLst>
+              <a:ext uri="{FF2B5EF4-FFF2-40B4-BE49-F238E27FC236}">
+                <a16:creationId xmlns:a16="http://schemas.microsoft.com/office/drawing/2014/main" id="{CDE132AF-5407-44D2-A3D3-12BA697E7F2C}"/>
+              </a:ext>
+            </a:extLst>
+          </p:cNvPr>
+          <p:cNvSpPr>
+            <a:spLocks noGrp="1"/>
+          </p:cNvSpPr>
+          <p:nvPr>
+            <p:ph type="body" sz="quarter" idx="16"/>
+          </p:nvPr>
+        </p:nvSpPr>
+        <p:spPr/>
+        <p:txBody>
+          <a:bodyPr/>
+          <a:lstStyle/>
+          <a:p>
+            <a:endParaRPr lang="de-DE" dirty="0"/>
+          </a:p>
+        </p:txBody>
+      </p:sp>
+      <p:sp>
+        <p:nvSpPr>
+          <p:cNvPr id="7" name="Bildplatzhalter 6" descr="Bildbeschreibung einfügen.">
+            <a:extLst>
+              <a:ext uri="{FF2B5EF4-FFF2-40B4-BE49-F238E27FC236}">
+                <a16:creationId xmlns:a16="http://schemas.microsoft.com/office/drawing/2014/main" id="{46D73642-FE56-4518-B096-5567D4047BE6}"/>
               </a:ext>
             </a:extLst>
           </p:cNvPr>
@@ -16937,24 +17277,6 @@
           </p:nvPr>
         </p:nvSpPr>
         <p:spPr/>
-      </p:sp>
-      <p:sp>
-        <p:nvSpPr>
-          <p:cNvPr id="12" name="Textplatzhalter 11">
-            <a:extLst>
-              <a:ext uri="{FF2B5EF4-FFF2-40B4-BE49-F238E27FC236}">
-                <a16:creationId xmlns:a16="http://schemas.microsoft.com/office/drawing/2014/main" id="{2523CD6C-C5B4-41C8-BB63-7445C48D88EE}"/>
-              </a:ext>
-            </a:extLst>
-          </p:cNvPr>
-          <p:cNvSpPr>
-            <a:spLocks noGrp="1"/>
-          </p:cNvSpPr>
-          <p:nvPr>
-            <p:ph type="body" sz="quarter" idx="17"/>
-          </p:nvPr>
-        </p:nvSpPr>
-        <p:spPr/>
         <p:txBody>
           <a:bodyPr/>
           <a:lstStyle/>
@@ -16965,18 +17287,43 @@
       </p:sp>
       <p:sp>
         <p:nvSpPr>
-          <p:cNvPr id="3" name="Fußzeilenplatzhalter 2">
-            <a:extLst>
-              <a:ext uri="{FF2B5EF4-FFF2-40B4-BE49-F238E27FC236}">
-                <a16:creationId xmlns:a16="http://schemas.microsoft.com/office/drawing/2014/main" id="{BCB9992F-5FCA-5148-895B-C1A0F389790D}"/>
-              </a:ext>
-            </a:extLst>
-          </p:cNvPr>
-          <p:cNvSpPr>
-            <a:spLocks noGrp="1"/>
-          </p:cNvSpPr>
-          <p:nvPr>
-            <p:ph type="ftr" sz="quarter" idx="20"/>
+          <p:cNvPr id="9" name="Textplatzhalter 8">
+            <a:extLst>
+              <a:ext uri="{FF2B5EF4-FFF2-40B4-BE49-F238E27FC236}">
+                <a16:creationId xmlns:a16="http://schemas.microsoft.com/office/drawing/2014/main" id="{24EA88C1-F848-4AB1-971F-FA49FE74ABBE}"/>
+              </a:ext>
+            </a:extLst>
+          </p:cNvPr>
+          <p:cNvSpPr>
+            <a:spLocks noGrp="1"/>
+          </p:cNvSpPr>
+          <p:nvPr>
+            <p:ph type="body" sz="quarter" idx="14"/>
+          </p:nvPr>
+        </p:nvSpPr>
+        <p:spPr/>
+        <p:txBody>
+          <a:bodyPr/>
+          <a:lstStyle/>
+          <a:p>
+            <a:endParaRPr lang="de-DE" dirty="0"/>
+          </a:p>
+        </p:txBody>
+      </p:sp>
+      <p:sp>
+        <p:nvSpPr>
+          <p:cNvPr id="2" name="Fußzeilenplatzhalter 1">
+            <a:extLst>
+              <a:ext uri="{FF2B5EF4-FFF2-40B4-BE49-F238E27FC236}">
+                <a16:creationId xmlns:a16="http://schemas.microsoft.com/office/drawing/2014/main" id="{22F998BC-2E2B-1F41-A7AE-7C1BB3F89D28}"/>
+              </a:ext>
+            </a:extLst>
+          </p:cNvPr>
+          <p:cNvSpPr>
+            <a:spLocks noGrp="1"/>
+          </p:cNvSpPr>
+          <p:nvPr>
+            <p:ph type="ftr" sz="quarter" idx="18"/>
           </p:nvPr>
         </p:nvSpPr>
         <p:spPr/>
@@ -16988,69 +17335,6 @@
               <a:rPr lang="de-DE"/>
               <a:t>Ansible / Berlin; Aps, Fabian</a:t>
             </a:r>
-            <a:endParaRPr lang="de-DE" dirty="0"/>
-          </a:p>
-        </p:txBody>
-      </p:sp>
-      <p:sp>
-        <p:nvSpPr>
-          <p:cNvPr id="2" name="Foliennummernplatzhalter 1">
-            <a:extLst>
-              <a:ext uri="{FF2B5EF4-FFF2-40B4-BE49-F238E27FC236}">
-                <a16:creationId xmlns:a16="http://schemas.microsoft.com/office/drawing/2014/main" id="{A92C5C26-A65D-4C1E-999B-C41780FBFF1E}"/>
-              </a:ext>
-            </a:extLst>
-          </p:cNvPr>
-          <p:cNvSpPr>
-            <a:spLocks noGrp="1"/>
-          </p:cNvSpPr>
-          <p:nvPr>
-            <p:ph type="sldNum" sz="quarter" idx="21"/>
-          </p:nvPr>
-        </p:nvSpPr>
-        <p:spPr/>
-        <p:txBody>
-          <a:bodyPr/>
-          <a:lstStyle/>
-          <a:p>
-            <a:r>
-              <a:rPr lang="de-DE"/>
-              <a:t>Seite </a:t>
-            </a:r>
-            <a:fld id="{5678FFC5-4430-43BC-9807-D0C6EB405569}" type="slidenum">
-              <a:rPr lang="de-DE" smtClean="0"/>
-              <a:pPr/>
-              <a:t>18</a:t>
-            </a:fld>
-            <a:endParaRPr lang="de-DE" dirty="0"/>
-          </a:p>
-        </p:txBody>
-      </p:sp>
-      <p:sp>
-        <p:nvSpPr>
-          <p:cNvPr id="4" name="Date Placeholder 3">
-            <a:extLst>
-              <a:ext uri="{FF2B5EF4-FFF2-40B4-BE49-F238E27FC236}">
-                <a16:creationId xmlns:a16="http://schemas.microsoft.com/office/drawing/2014/main" id="{659CCD94-09C4-9CE2-0CAA-BB08794092CF}"/>
-              </a:ext>
-            </a:extLst>
-          </p:cNvPr>
-          <p:cNvSpPr>
-            <a:spLocks noGrp="1"/>
-          </p:cNvSpPr>
-          <p:nvPr>
-            <p:ph type="dt" sz="half" idx="19"/>
-          </p:nvPr>
-        </p:nvSpPr>
-        <p:spPr/>
-        <p:txBody>
-          <a:bodyPr/>
-          <a:lstStyle/>
-          <a:p>
-            <a:fld id="{814BCBE8-B89F-44A1-BF06-15278A2A07DC}" type="datetime4">
-              <a:rPr lang="de-DE" smtClean="0"/>
-              <a:t>22. Januar 2024</a:t>
-            </a:fld>
             <a:endParaRPr lang="de-DE" dirty="0"/>
           </a:p>
         </p:txBody>
@@ -17058,20 +17342,20 @@
     </p:spTree>
     <p:extLst>
       <p:ext uri="{BB962C8B-B14F-4D97-AF65-F5344CB8AC3E}">
-        <p14:creationId xmlns:p14="http://schemas.microsoft.com/office/powerpoint/2010/main" val="3844611939"/>
+        <p14:creationId xmlns:p14="http://schemas.microsoft.com/office/powerpoint/2010/main" val="2990502598"/>
       </p:ext>
     </p:extLst>
   </p:cSld>
   <p:clrMapOvr>
     <a:masterClrMapping/>
   </p:clrMapOvr>
-  <mc:AlternateContent xmlns:mc="http://schemas.openxmlformats.org/markup-compatibility/2006">
-    <mc:Choice xmlns:p159="http://schemas.microsoft.com/office/powerpoint/2015/09/main" Requires="p159">
+  <mc:AlternateContent xmlns:mc="http://schemas.openxmlformats.org/markup-compatibility/2006" xmlns:p159="http://schemas.microsoft.com/office/powerpoint/2015/09/main">
+    <mc:Choice Requires="p159">
       <p:transition xmlns:p14="http://schemas.microsoft.com/office/powerpoint/2010/main" spd="slow" p14:dur="2000">
         <p159:morph option="byObject"/>
       </p:transition>
     </mc:Choice>
-    <mc:Fallback>
+    <mc:Fallback xmlns="">
       <p:transition spd="slow">
         <p:fade/>
       </p:transition>
@@ -17099,10 +17383,35 @@
       </p:grpSpPr>
       <p:sp>
         <p:nvSpPr>
-          <p:cNvPr id="8" name="Titel 7">
-            <a:extLst>
-              <a:ext uri="{FF2B5EF4-FFF2-40B4-BE49-F238E27FC236}">
-                <a16:creationId xmlns:a16="http://schemas.microsoft.com/office/drawing/2014/main" id="{EF34FE7E-00E5-5E44-BFD7-DC9DAFE97008}"/>
+          <p:cNvPr id="4" name="Bildplatzhalter 3" descr="Bildbeschreibung einfügen.">
+            <a:extLst>
+              <a:ext uri="{FF2B5EF4-FFF2-40B4-BE49-F238E27FC236}">
+                <a16:creationId xmlns:a16="http://schemas.microsoft.com/office/drawing/2014/main" id="{6B194E99-81C5-48FA-8A81-3CFB921BFCCA}"/>
+              </a:ext>
+            </a:extLst>
+          </p:cNvPr>
+          <p:cNvSpPr>
+            <a:spLocks noGrp="1"/>
+          </p:cNvSpPr>
+          <p:nvPr>
+            <p:ph type="pic" sz="quarter" idx="13"/>
+          </p:nvPr>
+        </p:nvSpPr>
+        <p:spPr/>
+        <p:txBody>
+          <a:bodyPr/>
+          <a:lstStyle/>
+          <a:p>
+            <a:endParaRPr lang="de-DE"/>
+          </a:p>
+        </p:txBody>
+      </p:sp>
+      <p:sp>
+        <p:nvSpPr>
+          <p:cNvPr id="7" name="Titel 6">
+            <a:extLst>
+              <a:ext uri="{FF2B5EF4-FFF2-40B4-BE49-F238E27FC236}">
+                <a16:creationId xmlns:a16="http://schemas.microsoft.com/office/drawing/2014/main" id="{25932BD9-B027-D141-BB64-DD428652C4EA}"/>
               </a:ext>
             </a:extLst>
           </p:cNvPr>
@@ -17120,81 +17429,25 @@
           <a:p>
             <a:r>
               <a:rPr lang="de-DE" dirty="0"/>
-              <a:t>Headline (zweispaltige Bildseite)</a:t>
-            </a:r>
-          </a:p>
-        </p:txBody>
-      </p:sp>
-      <p:sp>
-        <p:nvSpPr>
-          <p:cNvPr id="7" name="Textplatzhalter 6">
-            <a:extLst>
-              <a:ext uri="{FF2B5EF4-FFF2-40B4-BE49-F238E27FC236}">
-                <a16:creationId xmlns:a16="http://schemas.microsoft.com/office/drawing/2014/main" id="{C110F4F2-3B32-5F49-A7C8-356ABC4A8FDB}"/>
-              </a:ext>
-            </a:extLst>
-          </p:cNvPr>
-          <p:cNvSpPr>
-            <a:spLocks noGrp="1"/>
-          </p:cNvSpPr>
-          <p:nvPr>
-            <p:ph type="body" sz="quarter" idx="19"/>
-          </p:nvPr>
-        </p:nvSpPr>
-        <p:spPr/>
-        <p:txBody>
-          <a:bodyPr/>
-          <a:lstStyle/>
-          <a:p>
+              <a:t>Headline (</a:t>
+            </a:r>
+            <a:r>
+              <a:rPr lang="de-DE" dirty="0" err="1"/>
+              <a:t>vollformatiges</a:t>
+            </a:r>
             <a:r>
               <a:rPr lang="de-DE" dirty="0"/>
-              <a:t>Subheadline</a:t>
-            </a:r>
-          </a:p>
-        </p:txBody>
-      </p:sp>
-      <p:sp>
-        <p:nvSpPr>
-          <p:cNvPr id="10" name="Bildplatzhalter 9" descr="Bildbeschreibung einfügen.">
-            <a:extLst>
-              <a:ext uri="{FF2B5EF4-FFF2-40B4-BE49-F238E27FC236}">
-                <a16:creationId xmlns:a16="http://schemas.microsoft.com/office/drawing/2014/main" id="{5D7DC284-4A3E-477A-BCD3-B9D0AB79427A}"/>
-              </a:ext>
-            </a:extLst>
-          </p:cNvPr>
-          <p:cNvSpPr>
-            <a:spLocks noGrp="1"/>
-          </p:cNvSpPr>
-          <p:nvPr>
-            <p:ph type="pic" sz="quarter" idx="13"/>
-          </p:nvPr>
-        </p:nvSpPr>
-        <p:spPr/>
-      </p:sp>
-      <p:sp>
-        <p:nvSpPr>
-          <p:cNvPr id="13" name="Bildplatzhalter 12" descr="Bildbeschreibung einfügen.">
-            <a:extLst>
-              <a:ext uri="{FF2B5EF4-FFF2-40B4-BE49-F238E27FC236}">
-                <a16:creationId xmlns:a16="http://schemas.microsoft.com/office/drawing/2014/main" id="{2F893D00-DFD9-4694-A1D7-8E8B9A37ED59}"/>
-              </a:ext>
-            </a:extLst>
-          </p:cNvPr>
-          <p:cNvSpPr>
-            <a:spLocks noGrp="1"/>
-          </p:cNvSpPr>
-          <p:nvPr>
-            <p:ph type="pic" sz="quarter" idx="14"/>
-          </p:nvPr>
-        </p:nvSpPr>
-        <p:spPr/>
-      </p:sp>
-      <p:sp>
-        <p:nvSpPr>
-          <p:cNvPr id="14" name="Textplatzhalter 13">
-            <a:extLst>
-              <a:ext uri="{FF2B5EF4-FFF2-40B4-BE49-F238E27FC236}">
-                <a16:creationId xmlns:a16="http://schemas.microsoft.com/office/drawing/2014/main" id="{D5D3B1FD-39AD-4A01-BC11-A4EBFC7E0149}"/>
+              <a:t> Bild)</a:t>
+            </a:r>
+          </a:p>
+        </p:txBody>
+      </p:sp>
+      <p:sp>
+        <p:nvSpPr>
+          <p:cNvPr id="6" name="Textplatzhalter 5">
+            <a:extLst>
+              <a:ext uri="{FF2B5EF4-FFF2-40B4-BE49-F238E27FC236}">
+                <a16:creationId xmlns:a16="http://schemas.microsoft.com/office/drawing/2014/main" id="{35E897DD-5419-D443-8AE0-034E463D082A}"/>
               </a:ext>
             </a:extLst>
           </p:cNvPr>
@@ -17210,119 +17463,30 @@
           <a:bodyPr/>
           <a:lstStyle/>
           <a:p>
-            <a:endParaRPr lang="de-DE"/>
-          </a:p>
-        </p:txBody>
-      </p:sp>
-      <p:sp>
-        <p:nvSpPr>
-          <p:cNvPr id="4" name="Fußzeilenplatzhalter 3">
-            <a:extLst>
-              <a:ext uri="{FF2B5EF4-FFF2-40B4-BE49-F238E27FC236}">
-                <a16:creationId xmlns:a16="http://schemas.microsoft.com/office/drawing/2014/main" id="{24019D12-DDDC-A945-A5E7-57B95CFD7B6D}"/>
-              </a:ext>
-            </a:extLst>
-          </p:cNvPr>
-          <p:cNvSpPr>
-            <a:spLocks noGrp="1"/>
-          </p:cNvSpPr>
-          <p:nvPr>
-            <p:ph type="ftr" sz="quarter" idx="21"/>
-          </p:nvPr>
-        </p:nvSpPr>
-        <p:spPr/>
-        <p:txBody>
-          <a:bodyPr/>
-          <a:lstStyle/>
-          <a:p>
-            <a:r>
-              <a:rPr lang="de-DE"/>
-              <a:t>Ansible / Berlin; Aps, Fabian</a:t>
-            </a:r>
-            <a:endParaRPr lang="de-DE" dirty="0"/>
-          </a:p>
-        </p:txBody>
-      </p:sp>
-      <p:sp>
-        <p:nvSpPr>
-          <p:cNvPr id="2" name="Foliennummernplatzhalter 1">
-            <a:extLst>
-              <a:ext uri="{FF2B5EF4-FFF2-40B4-BE49-F238E27FC236}">
-                <a16:creationId xmlns:a16="http://schemas.microsoft.com/office/drawing/2014/main" id="{08F0AB9C-7124-4D3A-8DA6-105DB6400234}"/>
-              </a:ext>
-            </a:extLst>
-          </p:cNvPr>
-          <p:cNvSpPr>
-            <a:spLocks noGrp="1"/>
-          </p:cNvSpPr>
-          <p:nvPr>
-            <p:ph type="sldNum" sz="quarter" idx="22"/>
-          </p:nvPr>
-        </p:nvSpPr>
-        <p:spPr/>
-        <p:txBody>
-          <a:bodyPr/>
-          <a:lstStyle/>
-          <a:p>
-            <a:r>
-              <a:rPr lang="de-DE"/>
-              <a:t>Seite </a:t>
-            </a:r>
-            <a:fld id="{5678FFC5-4430-43BC-9807-D0C6EB405569}" type="slidenum">
-              <a:rPr lang="de-DE" smtClean="0"/>
-              <a:pPr/>
-              <a:t>19</a:t>
-            </a:fld>
-            <a:endParaRPr lang="de-DE" dirty="0"/>
-          </a:p>
-        </p:txBody>
-      </p:sp>
-      <p:sp>
-        <p:nvSpPr>
-          <p:cNvPr id="3" name="Date Placeholder 2">
-            <a:extLst>
-              <a:ext uri="{FF2B5EF4-FFF2-40B4-BE49-F238E27FC236}">
-                <a16:creationId xmlns:a16="http://schemas.microsoft.com/office/drawing/2014/main" id="{4F0BD12A-F468-2EB2-1A39-D1BA81CD7058}"/>
-              </a:ext>
-            </a:extLst>
-          </p:cNvPr>
-          <p:cNvSpPr>
-            <a:spLocks noGrp="1"/>
-          </p:cNvSpPr>
-          <p:nvPr>
-            <p:ph type="dt" sz="half" idx="20"/>
-          </p:nvPr>
-        </p:nvSpPr>
-        <p:spPr/>
-        <p:txBody>
-          <a:bodyPr/>
-          <a:lstStyle/>
-          <a:p>
-            <a:fld id="{47D9CE86-64A1-4352-97F7-5032232CA1F0}" type="datetime4">
-              <a:rPr lang="de-DE" smtClean="0"/>
-              <a:t>22. Januar 2024</a:t>
-            </a:fld>
-            <a:endParaRPr lang="de-DE" dirty="0"/>
+            <a:r>
+              <a:rPr lang="de-DE" dirty="0"/>
+              <a:t>(Achtung Barrierefreiheit: Textfarbe) Subheadline</a:t>
+            </a:r>
           </a:p>
         </p:txBody>
       </p:sp>
     </p:spTree>
     <p:extLst>
       <p:ext uri="{BB962C8B-B14F-4D97-AF65-F5344CB8AC3E}">
-        <p14:creationId xmlns:p14="http://schemas.microsoft.com/office/powerpoint/2010/main" val="3722535083"/>
+        <p14:creationId xmlns:p14="http://schemas.microsoft.com/office/powerpoint/2010/main" val="1576374154"/>
       </p:ext>
     </p:extLst>
   </p:cSld>
   <p:clrMapOvr>
     <a:masterClrMapping/>
   </p:clrMapOvr>
-  <mc:AlternateContent xmlns:mc="http://schemas.openxmlformats.org/markup-compatibility/2006">
-    <mc:Choice xmlns:p159="http://schemas.microsoft.com/office/powerpoint/2015/09/main" Requires="p159">
+  <mc:AlternateContent xmlns:mc="http://schemas.openxmlformats.org/markup-compatibility/2006" xmlns:p159="http://schemas.microsoft.com/office/powerpoint/2015/09/main">
+    <mc:Choice Requires="p159">
       <p:transition xmlns:p14="http://schemas.microsoft.com/office/powerpoint/2010/main" spd="slow" p14:dur="2000">
         <p159:morph option="byObject"/>
       </p:transition>
     </mc:Choice>
-    <mc:Fallback>
+    <mc:Fallback xmlns="">
       <p:transition spd="slow">
         <p:fade/>
       </p:transition>
@@ -17403,7 +17567,7 @@
             </a:r>
             <a:r>
               <a:rPr lang="de-DE" dirty="0"/>
-              <a:t> - Der alles Könner der Systemverwaltung für jedermann?</a:t>
+              <a:t> - Der Alleskönner der Systemverwaltung für jedermann?</a:t>
             </a:r>
           </a:p>
         </p:txBody>
@@ -17669,13 +17833,13 @@
   <p:clrMapOvr>
     <a:masterClrMapping/>
   </p:clrMapOvr>
-  <mc:AlternateContent xmlns:mc="http://schemas.openxmlformats.org/markup-compatibility/2006">
-    <mc:Choice xmlns:p159="http://schemas.microsoft.com/office/powerpoint/2015/09/main" Requires="p159">
+  <mc:AlternateContent xmlns:mc="http://schemas.openxmlformats.org/markup-compatibility/2006" xmlns:p159="http://schemas.microsoft.com/office/powerpoint/2015/09/main">
+    <mc:Choice Requires="p159">
       <p:transition xmlns:p14="http://schemas.microsoft.com/office/powerpoint/2010/main" spd="slow" p14:dur="2000">
         <p159:morph option="byObject"/>
       </p:transition>
     </mc:Choice>
-    <mc:Fallback>
+    <mc:Fallback xmlns="">
       <p:transition spd="slow">
         <p:fade/>
       </p:transition>
@@ -17703,10 +17867,10 @@
       </p:grpSpPr>
       <p:sp>
         <p:nvSpPr>
-          <p:cNvPr id="6" name="Titel 5">
-            <a:extLst>
-              <a:ext uri="{FF2B5EF4-FFF2-40B4-BE49-F238E27FC236}">
-                <a16:creationId xmlns:a16="http://schemas.microsoft.com/office/drawing/2014/main" id="{AA4E324F-9A68-724C-BB77-1ABE4B3638ED}"/>
+          <p:cNvPr id="7" name="Titel 6">
+            <a:extLst>
+              <a:ext uri="{FF2B5EF4-FFF2-40B4-BE49-F238E27FC236}">
+                <a16:creationId xmlns:a16="http://schemas.microsoft.com/office/drawing/2014/main" id="{25932BD9-B027-D141-BB64-DD428652C4EA}"/>
               </a:ext>
             </a:extLst>
           </p:cNvPr>
@@ -17724,25 +17888,25 @@
           <a:p>
             <a:r>
               <a:rPr lang="de-DE" dirty="0"/>
-              <a:t>Headline (leere Seite)</a:t>
-            </a:r>
-          </a:p>
-        </p:txBody>
-      </p:sp>
-      <p:sp>
-        <p:nvSpPr>
-          <p:cNvPr id="5" name="Textplatzhalter 4">
-            <a:extLst>
-              <a:ext uri="{FF2B5EF4-FFF2-40B4-BE49-F238E27FC236}">
-                <a16:creationId xmlns:a16="http://schemas.microsoft.com/office/drawing/2014/main" id="{217CB015-E198-1B41-A66E-EABA2938B45F}"/>
-              </a:ext>
-            </a:extLst>
-          </p:cNvPr>
-          <p:cNvSpPr>
-            <a:spLocks noGrp="1"/>
-          </p:cNvSpPr>
-          <p:nvPr>
-            <p:ph type="body" sz="quarter" idx="14"/>
+              <a:t>Headline (großes Bild)</a:t>
+            </a:r>
+          </a:p>
+        </p:txBody>
+      </p:sp>
+      <p:sp>
+        <p:nvSpPr>
+          <p:cNvPr id="6" name="Textplatzhalter 5">
+            <a:extLst>
+              <a:ext uri="{FF2B5EF4-FFF2-40B4-BE49-F238E27FC236}">
+                <a16:creationId xmlns:a16="http://schemas.microsoft.com/office/drawing/2014/main" id="{35E897DD-5419-D443-8AE0-034E463D082A}"/>
+              </a:ext>
+            </a:extLst>
+          </p:cNvPr>
+          <p:cNvSpPr>
+            <a:spLocks noGrp="1"/>
+          </p:cNvSpPr>
+          <p:nvPr>
+            <p:ph type="body" sz="quarter" idx="18"/>
           </p:nvPr>
         </p:nvSpPr>
         <p:spPr/>
@@ -17759,18 +17923,18 @@
       </p:sp>
       <p:sp>
         <p:nvSpPr>
-          <p:cNvPr id="10" name="Textplatzhalter 9">
-            <a:extLst>
-              <a:ext uri="{FF2B5EF4-FFF2-40B4-BE49-F238E27FC236}">
-                <a16:creationId xmlns:a16="http://schemas.microsoft.com/office/drawing/2014/main" id="{32B36C22-70FD-4CC9-9067-049939250675}"/>
-              </a:ext>
-            </a:extLst>
-          </p:cNvPr>
-          <p:cNvSpPr>
-            <a:spLocks noGrp="1"/>
-          </p:cNvSpPr>
-          <p:nvPr>
-            <p:ph type="body" sz="quarter" idx="13"/>
+          <p:cNvPr id="10" name="Bildplatzhalter 9" descr="Bildbeschreibung einfügen.">
+            <a:extLst>
+              <a:ext uri="{FF2B5EF4-FFF2-40B4-BE49-F238E27FC236}">
+                <a16:creationId xmlns:a16="http://schemas.microsoft.com/office/drawing/2014/main" id="{FC1A6BCE-D65B-45DB-A9A1-8F03DCA18253}"/>
+              </a:ext>
+            </a:extLst>
+          </p:cNvPr>
+          <p:cNvSpPr>
+            <a:spLocks noGrp="1"/>
+          </p:cNvSpPr>
+          <p:nvPr>
+            <p:ph type="pic" sz="quarter" idx="13"/>
           </p:nvPr>
         </p:nvSpPr>
         <p:spPr/>
@@ -17784,18 +17948,43 @@
       </p:sp>
       <p:sp>
         <p:nvSpPr>
-          <p:cNvPr id="2" name="Fußzeilenplatzhalter 1">
-            <a:extLst>
-              <a:ext uri="{FF2B5EF4-FFF2-40B4-BE49-F238E27FC236}">
-                <a16:creationId xmlns:a16="http://schemas.microsoft.com/office/drawing/2014/main" id="{D11ABA74-B90B-1445-B1D9-23BAA5EC9A4D}"/>
-              </a:ext>
-            </a:extLst>
-          </p:cNvPr>
-          <p:cNvSpPr>
-            <a:spLocks noGrp="1"/>
-          </p:cNvSpPr>
-          <p:nvPr>
-            <p:ph type="ftr" sz="quarter" idx="16"/>
+          <p:cNvPr id="12" name="Textplatzhalter 11">
+            <a:extLst>
+              <a:ext uri="{FF2B5EF4-FFF2-40B4-BE49-F238E27FC236}">
+                <a16:creationId xmlns:a16="http://schemas.microsoft.com/office/drawing/2014/main" id="{2523CD6C-C5B4-41C8-BB63-7445C48D88EE}"/>
+              </a:ext>
+            </a:extLst>
+          </p:cNvPr>
+          <p:cNvSpPr>
+            <a:spLocks noGrp="1"/>
+          </p:cNvSpPr>
+          <p:nvPr>
+            <p:ph type="body" sz="quarter" idx="17"/>
+          </p:nvPr>
+        </p:nvSpPr>
+        <p:spPr/>
+        <p:txBody>
+          <a:bodyPr/>
+          <a:lstStyle/>
+          <a:p>
+            <a:endParaRPr lang="de-DE"/>
+          </a:p>
+        </p:txBody>
+      </p:sp>
+      <p:sp>
+        <p:nvSpPr>
+          <p:cNvPr id="3" name="Fußzeilenplatzhalter 2">
+            <a:extLst>
+              <a:ext uri="{FF2B5EF4-FFF2-40B4-BE49-F238E27FC236}">
+                <a16:creationId xmlns:a16="http://schemas.microsoft.com/office/drawing/2014/main" id="{BCB9992F-5FCA-5148-895B-C1A0F389790D}"/>
+              </a:ext>
+            </a:extLst>
+          </p:cNvPr>
+          <p:cNvSpPr>
+            <a:spLocks noGrp="1"/>
+          </p:cNvSpPr>
+          <p:nvPr>
+            <p:ph type="ftr" sz="quarter" idx="20"/>
           </p:nvPr>
         </p:nvSpPr>
         <p:spPr/>
@@ -17807,23 +17996,24 @@
               <a:rPr lang="de-DE"/>
               <a:t>Ansible / Berlin; Aps, Fabian</a:t>
             </a:r>
-          </a:p>
-        </p:txBody>
-      </p:sp>
-      <p:sp>
-        <p:nvSpPr>
-          <p:cNvPr id="4" name="Foliennummernplatzhalter 3">
-            <a:extLst>
-              <a:ext uri="{FF2B5EF4-FFF2-40B4-BE49-F238E27FC236}">
-                <a16:creationId xmlns:a16="http://schemas.microsoft.com/office/drawing/2014/main" id="{B73C9B94-A5E2-4C31-8FC8-648BADF4A488}"/>
-              </a:ext>
-            </a:extLst>
-          </p:cNvPr>
-          <p:cNvSpPr>
-            <a:spLocks noGrp="1"/>
-          </p:cNvSpPr>
-          <p:nvPr>
-            <p:ph type="sldNum" sz="quarter" idx="17"/>
+            <a:endParaRPr lang="de-DE" dirty="0"/>
+          </a:p>
+        </p:txBody>
+      </p:sp>
+      <p:sp>
+        <p:nvSpPr>
+          <p:cNvPr id="2" name="Foliennummernplatzhalter 1">
+            <a:extLst>
+              <a:ext uri="{FF2B5EF4-FFF2-40B4-BE49-F238E27FC236}">
+                <a16:creationId xmlns:a16="http://schemas.microsoft.com/office/drawing/2014/main" id="{A92C5C26-A65D-4C1E-999B-C41780FBFF1E}"/>
+              </a:ext>
+            </a:extLst>
+          </p:cNvPr>
+          <p:cNvSpPr>
+            <a:spLocks noGrp="1"/>
+          </p:cNvSpPr>
+          <p:nvPr>
+            <p:ph type="sldNum" sz="quarter" idx="21"/>
           </p:nvPr>
         </p:nvSpPr>
         <p:spPr/>
@@ -17846,26 +18036,26 @@
       </p:sp>
       <p:sp>
         <p:nvSpPr>
-          <p:cNvPr id="3" name="Date Placeholder 2">
-            <a:extLst>
-              <a:ext uri="{FF2B5EF4-FFF2-40B4-BE49-F238E27FC236}">
-                <a16:creationId xmlns:a16="http://schemas.microsoft.com/office/drawing/2014/main" id="{75039D96-928F-D3AD-447E-CC91D8DB4D11}"/>
-              </a:ext>
-            </a:extLst>
-          </p:cNvPr>
-          <p:cNvSpPr>
-            <a:spLocks noGrp="1"/>
-          </p:cNvSpPr>
-          <p:nvPr>
-            <p:ph type="dt" sz="half" idx="15"/>
-          </p:nvPr>
-        </p:nvSpPr>
-        <p:spPr/>
-        <p:txBody>
-          <a:bodyPr/>
-          <a:lstStyle/>
-          <a:p>
-            <a:fld id="{50D933AF-1EB0-48A3-A9E5-8DBB12DC4B5A}" type="datetime4">
+          <p:cNvPr id="4" name="Date Placeholder 3">
+            <a:extLst>
+              <a:ext uri="{FF2B5EF4-FFF2-40B4-BE49-F238E27FC236}">
+                <a16:creationId xmlns:a16="http://schemas.microsoft.com/office/drawing/2014/main" id="{659CCD94-09C4-9CE2-0CAA-BB08794092CF}"/>
+              </a:ext>
+            </a:extLst>
+          </p:cNvPr>
+          <p:cNvSpPr>
+            <a:spLocks noGrp="1"/>
+          </p:cNvSpPr>
+          <p:nvPr>
+            <p:ph type="dt" sz="half" idx="19"/>
+          </p:nvPr>
+        </p:nvSpPr>
+        <p:spPr/>
+        <p:txBody>
+          <a:bodyPr/>
+          <a:lstStyle/>
+          <a:p>
+            <a:fld id="{814BCBE8-B89F-44A1-BF06-15278A2A07DC}" type="datetime4">
               <a:rPr lang="de-DE" smtClean="0"/>
               <a:t>22. Januar 2024</a:t>
             </a:fld>
@@ -17876,20 +18066,20 @@
     </p:spTree>
     <p:extLst>
       <p:ext uri="{BB962C8B-B14F-4D97-AF65-F5344CB8AC3E}">
-        <p14:creationId xmlns:p14="http://schemas.microsoft.com/office/powerpoint/2010/main" val="220003918"/>
+        <p14:creationId xmlns:p14="http://schemas.microsoft.com/office/powerpoint/2010/main" val="3844611939"/>
       </p:ext>
     </p:extLst>
   </p:cSld>
   <p:clrMapOvr>
     <a:masterClrMapping/>
   </p:clrMapOvr>
-  <mc:AlternateContent xmlns:mc="http://schemas.openxmlformats.org/markup-compatibility/2006">
-    <mc:Choice xmlns:p159="http://schemas.microsoft.com/office/powerpoint/2015/09/main" Requires="p159">
+  <mc:AlternateContent xmlns:mc="http://schemas.openxmlformats.org/markup-compatibility/2006" xmlns:p159="http://schemas.microsoft.com/office/powerpoint/2015/09/main">
+    <mc:Choice Requires="p159">
       <p:transition xmlns:p14="http://schemas.microsoft.com/office/powerpoint/2010/main" spd="slow" p14:dur="2000">
         <p159:morph option="byObject"/>
       </p:transition>
     </mc:Choice>
-    <mc:Fallback>
+    <mc:Fallback xmlns="">
       <p:transition spd="slow">
         <p:fade/>
       </p:transition>
@@ -17917,10 +18107,10 @@
       </p:grpSpPr>
       <p:sp>
         <p:nvSpPr>
-          <p:cNvPr id="9" name="Titel 8">
-            <a:extLst>
-              <a:ext uri="{FF2B5EF4-FFF2-40B4-BE49-F238E27FC236}">
-                <a16:creationId xmlns:a16="http://schemas.microsoft.com/office/drawing/2014/main" id="{4E4B03B6-98BF-B848-8A35-59DAEA2746DA}"/>
+          <p:cNvPr id="8" name="Titel 7">
+            <a:extLst>
+              <a:ext uri="{FF2B5EF4-FFF2-40B4-BE49-F238E27FC236}">
+                <a16:creationId xmlns:a16="http://schemas.microsoft.com/office/drawing/2014/main" id="{EF34FE7E-00E5-5E44-BFD7-DC9DAFE97008}"/>
               </a:ext>
             </a:extLst>
           </p:cNvPr>
@@ -17938,25 +18128,25 @@
           <a:p>
             <a:r>
               <a:rPr lang="de-DE" dirty="0"/>
-              <a:t>Headline (Text / Diagramm (rechts))</a:t>
-            </a:r>
-          </a:p>
-        </p:txBody>
-      </p:sp>
-      <p:sp>
-        <p:nvSpPr>
-          <p:cNvPr id="6" name="Textplatzhalter 5">
-            <a:extLst>
-              <a:ext uri="{FF2B5EF4-FFF2-40B4-BE49-F238E27FC236}">
-                <a16:creationId xmlns:a16="http://schemas.microsoft.com/office/drawing/2014/main" id="{87833922-0744-5443-9DD8-DD6A6AB9E7D6}"/>
-              </a:ext>
-            </a:extLst>
-          </p:cNvPr>
-          <p:cNvSpPr>
-            <a:spLocks noGrp="1"/>
-          </p:cNvSpPr>
-          <p:nvPr>
-            <p:ph type="body" sz="quarter" idx="14"/>
+              <a:t>Headline (zweispaltige Bildseite)</a:t>
+            </a:r>
+          </a:p>
+        </p:txBody>
+      </p:sp>
+      <p:sp>
+        <p:nvSpPr>
+          <p:cNvPr id="7" name="Textplatzhalter 6">
+            <a:extLst>
+              <a:ext uri="{FF2B5EF4-FFF2-40B4-BE49-F238E27FC236}">
+                <a16:creationId xmlns:a16="http://schemas.microsoft.com/office/drawing/2014/main" id="{C110F4F2-3B32-5F49-A7C8-356ABC4A8FDB}"/>
+              </a:ext>
+            </a:extLst>
+          </p:cNvPr>
+          <p:cNvSpPr>
+            <a:spLocks noGrp="1"/>
+          </p:cNvSpPr>
+          <p:nvPr>
+            <p:ph type="body" sz="quarter" idx="19"/>
           </p:nvPr>
         </p:nvSpPr>
         <p:spPr/>
@@ -17973,43 +18163,18 @@
       </p:sp>
       <p:sp>
         <p:nvSpPr>
-          <p:cNvPr id="11" name="Textplatzhalter 10">
-            <a:extLst>
-              <a:ext uri="{FF2B5EF4-FFF2-40B4-BE49-F238E27FC236}">
-                <a16:creationId xmlns:a16="http://schemas.microsoft.com/office/drawing/2014/main" id="{78165982-A013-480C-80F8-2D1DAD7B6625}"/>
-              </a:ext>
-            </a:extLst>
-          </p:cNvPr>
-          <p:cNvSpPr>
-            <a:spLocks noGrp="1"/>
-          </p:cNvSpPr>
-          <p:nvPr>
-            <p:ph type="body" sz="quarter" idx="15"/>
-          </p:nvPr>
-        </p:nvSpPr>
-        <p:spPr/>
-        <p:txBody>
-          <a:bodyPr/>
-          <a:lstStyle/>
-          <a:p>
-            <a:endParaRPr lang="de-DE" dirty="0"/>
-          </a:p>
-        </p:txBody>
-      </p:sp>
-      <p:sp>
-        <p:nvSpPr>
-          <p:cNvPr id="13" name="Textplatzhalter 12">
-            <a:extLst>
-              <a:ext uri="{FF2B5EF4-FFF2-40B4-BE49-F238E27FC236}">
-                <a16:creationId xmlns:a16="http://schemas.microsoft.com/office/drawing/2014/main" id="{F4B8B6B9-ECD6-4A9E-A319-761C02E1C6A0}"/>
-              </a:ext>
-            </a:extLst>
-          </p:cNvPr>
-          <p:cNvSpPr>
-            <a:spLocks noGrp="1"/>
-          </p:cNvSpPr>
-          <p:nvPr>
-            <p:ph type="body" sz="quarter" idx="20"/>
+          <p:cNvPr id="10" name="Bildplatzhalter 9" descr="Bildbeschreibung einfügen.">
+            <a:extLst>
+              <a:ext uri="{FF2B5EF4-FFF2-40B4-BE49-F238E27FC236}">
+                <a16:creationId xmlns:a16="http://schemas.microsoft.com/office/drawing/2014/main" id="{5D7DC284-4A3E-477A-BCD3-B9D0AB79427A}"/>
+              </a:ext>
+            </a:extLst>
+          </p:cNvPr>
+          <p:cNvSpPr>
+            <a:spLocks noGrp="1"/>
+          </p:cNvSpPr>
+          <p:nvPr>
+            <p:ph type="pic" sz="quarter" idx="13"/>
           </p:nvPr>
         </p:nvSpPr>
         <p:spPr/>
@@ -18023,36 +18188,18 @@
       </p:sp>
       <p:sp>
         <p:nvSpPr>
-          <p:cNvPr id="12" name="Diagrammplatzhalter 11" descr="Beschreibung einfügen.">
-            <a:extLst>
-              <a:ext uri="{FF2B5EF4-FFF2-40B4-BE49-F238E27FC236}">
-                <a16:creationId xmlns:a16="http://schemas.microsoft.com/office/drawing/2014/main" id="{F6C6BAD4-4947-41E2-BEE1-AF62C306FB8D}"/>
-              </a:ext>
-            </a:extLst>
-          </p:cNvPr>
-          <p:cNvSpPr>
-            <a:spLocks noGrp="1"/>
-          </p:cNvSpPr>
-          <p:nvPr>
-            <p:ph type="chart" sz="quarter" idx="17"/>
-          </p:nvPr>
-        </p:nvSpPr>
-        <p:spPr/>
-      </p:sp>
-      <p:sp>
-        <p:nvSpPr>
-          <p:cNvPr id="10" name="Textplatzhalter 9">
-            <a:extLst>
-              <a:ext uri="{FF2B5EF4-FFF2-40B4-BE49-F238E27FC236}">
-                <a16:creationId xmlns:a16="http://schemas.microsoft.com/office/drawing/2014/main" id="{54DBA861-3A82-471D-AE51-F7078771C660}"/>
-              </a:ext>
-            </a:extLst>
-          </p:cNvPr>
-          <p:cNvSpPr>
-            <a:spLocks noGrp="1"/>
-          </p:cNvSpPr>
-          <p:nvPr>
-            <p:ph type="body" sz="quarter" idx="13"/>
+          <p:cNvPr id="13" name="Bildplatzhalter 12" descr="Bildbeschreibung einfügen.">
+            <a:extLst>
+              <a:ext uri="{FF2B5EF4-FFF2-40B4-BE49-F238E27FC236}">
+                <a16:creationId xmlns:a16="http://schemas.microsoft.com/office/drawing/2014/main" id="{2F893D00-DFD9-4694-A1D7-8E8B9A37ED59}"/>
+              </a:ext>
+            </a:extLst>
+          </p:cNvPr>
+          <p:cNvSpPr>
+            <a:spLocks noGrp="1"/>
+          </p:cNvSpPr>
+          <p:nvPr>
+            <p:ph type="pic" sz="quarter" idx="14"/>
           </p:nvPr>
         </p:nvSpPr>
         <p:spPr/>
@@ -18066,18 +18213,43 @@
       </p:sp>
       <p:sp>
         <p:nvSpPr>
-          <p:cNvPr id="3" name="Fußzeilenplatzhalter 2">
-            <a:extLst>
-              <a:ext uri="{FF2B5EF4-FFF2-40B4-BE49-F238E27FC236}">
-                <a16:creationId xmlns:a16="http://schemas.microsoft.com/office/drawing/2014/main" id="{18C009D6-5507-7B4D-B746-A7ACAEC5FE87}"/>
-              </a:ext>
-            </a:extLst>
-          </p:cNvPr>
-          <p:cNvSpPr>
-            <a:spLocks noGrp="1"/>
-          </p:cNvSpPr>
-          <p:nvPr>
-            <p:ph type="ftr" sz="quarter" idx="22"/>
+          <p:cNvPr id="14" name="Textplatzhalter 13">
+            <a:extLst>
+              <a:ext uri="{FF2B5EF4-FFF2-40B4-BE49-F238E27FC236}">
+                <a16:creationId xmlns:a16="http://schemas.microsoft.com/office/drawing/2014/main" id="{D5D3B1FD-39AD-4A01-BC11-A4EBFC7E0149}"/>
+              </a:ext>
+            </a:extLst>
+          </p:cNvPr>
+          <p:cNvSpPr>
+            <a:spLocks noGrp="1"/>
+          </p:cNvSpPr>
+          <p:nvPr>
+            <p:ph type="body" sz="quarter" idx="18"/>
+          </p:nvPr>
+        </p:nvSpPr>
+        <p:spPr/>
+        <p:txBody>
+          <a:bodyPr/>
+          <a:lstStyle/>
+          <a:p>
+            <a:endParaRPr lang="de-DE"/>
+          </a:p>
+        </p:txBody>
+      </p:sp>
+      <p:sp>
+        <p:nvSpPr>
+          <p:cNvPr id="4" name="Fußzeilenplatzhalter 3">
+            <a:extLst>
+              <a:ext uri="{FF2B5EF4-FFF2-40B4-BE49-F238E27FC236}">
+                <a16:creationId xmlns:a16="http://schemas.microsoft.com/office/drawing/2014/main" id="{24019D12-DDDC-A945-A5E7-57B95CFD7B6D}"/>
+              </a:ext>
+            </a:extLst>
+          </p:cNvPr>
+          <p:cNvSpPr>
+            <a:spLocks noGrp="1"/>
+          </p:cNvSpPr>
+          <p:nvPr>
+            <p:ph type="ftr" sz="quarter" idx="21"/>
           </p:nvPr>
         </p:nvSpPr>
         <p:spPr/>
@@ -18089,6 +18261,7 @@
               <a:rPr lang="de-DE"/>
               <a:t>Ansible / Berlin; Aps, Fabian</a:t>
             </a:r>
+            <a:endParaRPr lang="de-DE" dirty="0"/>
           </a:p>
         </p:txBody>
       </p:sp>
@@ -18097,15 +18270,15 @@
           <p:cNvPr id="2" name="Foliennummernplatzhalter 1">
             <a:extLst>
               <a:ext uri="{FF2B5EF4-FFF2-40B4-BE49-F238E27FC236}">
-                <a16:creationId xmlns:a16="http://schemas.microsoft.com/office/drawing/2014/main" id="{6CB6B562-619B-40AD-9F8F-C1CAC5CC39E9}"/>
-              </a:ext>
-            </a:extLst>
-          </p:cNvPr>
-          <p:cNvSpPr>
-            <a:spLocks noGrp="1"/>
-          </p:cNvSpPr>
-          <p:nvPr>
-            <p:ph type="sldNum" sz="quarter" idx="23"/>
+                <a16:creationId xmlns:a16="http://schemas.microsoft.com/office/drawing/2014/main" id="{08F0AB9C-7124-4D3A-8DA6-105DB6400234}"/>
+              </a:ext>
+            </a:extLst>
+          </p:cNvPr>
+          <p:cNvSpPr>
+            <a:spLocks noGrp="1"/>
+          </p:cNvSpPr>
+          <p:nvPr>
+            <p:ph type="sldNum" sz="quarter" idx="22"/>
           </p:nvPr>
         </p:nvSpPr>
         <p:spPr/>
@@ -18121,6 +18294,509 @@
               <a:rPr lang="de-DE" smtClean="0"/>
               <a:pPr/>
               <a:t>21</a:t>
+            </a:fld>
+            <a:endParaRPr lang="de-DE" dirty="0"/>
+          </a:p>
+        </p:txBody>
+      </p:sp>
+      <p:sp>
+        <p:nvSpPr>
+          <p:cNvPr id="3" name="Date Placeholder 2">
+            <a:extLst>
+              <a:ext uri="{FF2B5EF4-FFF2-40B4-BE49-F238E27FC236}">
+                <a16:creationId xmlns:a16="http://schemas.microsoft.com/office/drawing/2014/main" id="{4F0BD12A-F468-2EB2-1A39-D1BA81CD7058}"/>
+              </a:ext>
+            </a:extLst>
+          </p:cNvPr>
+          <p:cNvSpPr>
+            <a:spLocks noGrp="1"/>
+          </p:cNvSpPr>
+          <p:nvPr>
+            <p:ph type="dt" sz="half" idx="20"/>
+          </p:nvPr>
+        </p:nvSpPr>
+        <p:spPr/>
+        <p:txBody>
+          <a:bodyPr/>
+          <a:lstStyle/>
+          <a:p>
+            <a:fld id="{47D9CE86-64A1-4352-97F7-5032232CA1F0}" type="datetime4">
+              <a:rPr lang="de-DE" smtClean="0"/>
+              <a:t>22. Januar 2024</a:t>
+            </a:fld>
+            <a:endParaRPr lang="de-DE" dirty="0"/>
+          </a:p>
+        </p:txBody>
+      </p:sp>
+    </p:spTree>
+    <p:extLst>
+      <p:ext uri="{BB962C8B-B14F-4D97-AF65-F5344CB8AC3E}">
+        <p14:creationId xmlns:p14="http://schemas.microsoft.com/office/powerpoint/2010/main" val="3722535083"/>
+      </p:ext>
+    </p:extLst>
+  </p:cSld>
+  <p:clrMapOvr>
+    <a:masterClrMapping/>
+  </p:clrMapOvr>
+  <mc:AlternateContent xmlns:mc="http://schemas.openxmlformats.org/markup-compatibility/2006" xmlns:p159="http://schemas.microsoft.com/office/powerpoint/2015/09/main">
+    <mc:Choice Requires="p159">
+      <p:transition xmlns:p14="http://schemas.microsoft.com/office/powerpoint/2010/main" spd="slow" p14:dur="2000">
+        <p159:morph option="byObject"/>
+      </p:transition>
+    </mc:Choice>
+    <mc:Fallback xmlns="">
+      <p:transition spd="slow">
+        <p:fade/>
+      </p:transition>
+    </mc:Fallback>
+  </mc:AlternateContent>
+</p:sld>
+</file>
+
+<file path=ppt/slides/slide22.xml><?xml version="1.0" encoding="utf-8"?>
+<p:sld xmlns:a="http://schemas.openxmlformats.org/drawingml/2006/main" xmlns:r="http://schemas.openxmlformats.org/officeDocument/2006/relationships" xmlns:p="http://schemas.openxmlformats.org/presentationml/2006/main">
+  <p:cSld>
+    <p:spTree>
+      <p:nvGrpSpPr>
+        <p:cNvPr id="1" name=""/>
+        <p:cNvGrpSpPr/>
+        <p:nvPr/>
+      </p:nvGrpSpPr>
+      <p:grpSpPr>
+        <a:xfrm>
+          <a:off x="0" y="0"/>
+          <a:ext cx="0" cy="0"/>
+          <a:chOff x="0" y="0"/>
+          <a:chExt cx="0" cy="0"/>
+        </a:xfrm>
+      </p:grpSpPr>
+      <p:sp>
+        <p:nvSpPr>
+          <p:cNvPr id="6" name="Titel 5">
+            <a:extLst>
+              <a:ext uri="{FF2B5EF4-FFF2-40B4-BE49-F238E27FC236}">
+                <a16:creationId xmlns:a16="http://schemas.microsoft.com/office/drawing/2014/main" id="{AA4E324F-9A68-724C-BB77-1ABE4B3638ED}"/>
+              </a:ext>
+            </a:extLst>
+          </p:cNvPr>
+          <p:cNvSpPr>
+            <a:spLocks noGrp="1"/>
+          </p:cNvSpPr>
+          <p:nvPr>
+            <p:ph type="title"/>
+          </p:nvPr>
+        </p:nvSpPr>
+        <p:spPr/>
+        <p:txBody>
+          <a:bodyPr/>
+          <a:lstStyle/>
+          <a:p>
+            <a:r>
+              <a:rPr lang="de-DE" dirty="0"/>
+              <a:t>Headline (leere Seite)</a:t>
+            </a:r>
+          </a:p>
+        </p:txBody>
+      </p:sp>
+      <p:sp>
+        <p:nvSpPr>
+          <p:cNvPr id="5" name="Textplatzhalter 4">
+            <a:extLst>
+              <a:ext uri="{FF2B5EF4-FFF2-40B4-BE49-F238E27FC236}">
+                <a16:creationId xmlns:a16="http://schemas.microsoft.com/office/drawing/2014/main" id="{217CB015-E198-1B41-A66E-EABA2938B45F}"/>
+              </a:ext>
+            </a:extLst>
+          </p:cNvPr>
+          <p:cNvSpPr>
+            <a:spLocks noGrp="1"/>
+          </p:cNvSpPr>
+          <p:nvPr>
+            <p:ph type="body" sz="quarter" idx="14"/>
+          </p:nvPr>
+        </p:nvSpPr>
+        <p:spPr/>
+        <p:txBody>
+          <a:bodyPr/>
+          <a:lstStyle/>
+          <a:p>
+            <a:r>
+              <a:rPr lang="de-DE" dirty="0"/>
+              <a:t>Subheadline</a:t>
+            </a:r>
+          </a:p>
+        </p:txBody>
+      </p:sp>
+      <p:sp>
+        <p:nvSpPr>
+          <p:cNvPr id="10" name="Textplatzhalter 9">
+            <a:extLst>
+              <a:ext uri="{FF2B5EF4-FFF2-40B4-BE49-F238E27FC236}">
+                <a16:creationId xmlns:a16="http://schemas.microsoft.com/office/drawing/2014/main" id="{32B36C22-70FD-4CC9-9067-049939250675}"/>
+              </a:ext>
+            </a:extLst>
+          </p:cNvPr>
+          <p:cNvSpPr>
+            <a:spLocks noGrp="1"/>
+          </p:cNvSpPr>
+          <p:nvPr>
+            <p:ph type="body" sz="quarter" idx="13"/>
+          </p:nvPr>
+        </p:nvSpPr>
+        <p:spPr/>
+        <p:txBody>
+          <a:bodyPr/>
+          <a:lstStyle/>
+          <a:p>
+            <a:endParaRPr lang="de-DE"/>
+          </a:p>
+        </p:txBody>
+      </p:sp>
+      <p:sp>
+        <p:nvSpPr>
+          <p:cNvPr id="2" name="Fußzeilenplatzhalter 1">
+            <a:extLst>
+              <a:ext uri="{FF2B5EF4-FFF2-40B4-BE49-F238E27FC236}">
+                <a16:creationId xmlns:a16="http://schemas.microsoft.com/office/drawing/2014/main" id="{D11ABA74-B90B-1445-B1D9-23BAA5EC9A4D}"/>
+              </a:ext>
+            </a:extLst>
+          </p:cNvPr>
+          <p:cNvSpPr>
+            <a:spLocks noGrp="1"/>
+          </p:cNvSpPr>
+          <p:nvPr>
+            <p:ph type="ftr" sz="quarter" idx="16"/>
+          </p:nvPr>
+        </p:nvSpPr>
+        <p:spPr/>
+        <p:txBody>
+          <a:bodyPr/>
+          <a:lstStyle/>
+          <a:p>
+            <a:r>
+              <a:rPr lang="de-DE"/>
+              <a:t>Ansible / Berlin; Aps, Fabian</a:t>
+            </a:r>
+          </a:p>
+        </p:txBody>
+      </p:sp>
+      <p:sp>
+        <p:nvSpPr>
+          <p:cNvPr id="4" name="Foliennummernplatzhalter 3">
+            <a:extLst>
+              <a:ext uri="{FF2B5EF4-FFF2-40B4-BE49-F238E27FC236}">
+                <a16:creationId xmlns:a16="http://schemas.microsoft.com/office/drawing/2014/main" id="{B73C9B94-A5E2-4C31-8FC8-648BADF4A488}"/>
+              </a:ext>
+            </a:extLst>
+          </p:cNvPr>
+          <p:cNvSpPr>
+            <a:spLocks noGrp="1"/>
+          </p:cNvSpPr>
+          <p:nvPr>
+            <p:ph type="sldNum" sz="quarter" idx="17"/>
+          </p:nvPr>
+        </p:nvSpPr>
+        <p:spPr/>
+        <p:txBody>
+          <a:bodyPr/>
+          <a:lstStyle/>
+          <a:p>
+            <a:r>
+              <a:rPr lang="de-DE"/>
+              <a:t>Seite </a:t>
+            </a:r>
+            <a:fld id="{5678FFC5-4430-43BC-9807-D0C6EB405569}" type="slidenum">
+              <a:rPr lang="de-DE" smtClean="0"/>
+              <a:pPr/>
+              <a:t>22</a:t>
+            </a:fld>
+            <a:endParaRPr lang="de-DE" dirty="0"/>
+          </a:p>
+        </p:txBody>
+      </p:sp>
+      <p:sp>
+        <p:nvSpPr>
+          <p:cNvPr id="3" name="Date Placeholder 2">
+            <a:extLst>
+              <a:ext uri="{FF2B5EF4-FFF2-40B4-BE49-F238E27FC236}">
+                <a16:creationId xmlns:a16="http://schemas.microsoft.com/office/drawing/2014/main" id="{75039D96-928F-D3AD-447E-CC91D8DB4D11}"/>
+              </a:ext>
+            </a:extLst>
+          </p:cNvPr>
+          <p:cNvSpPr>
+            <a:spLocks noGrp="1"/>
+          </p:cNvSpPr>
+          <p:nvPr>
+            <p:ph type="dt" sz="half" idx="15"/>
+          </p:nvPr>
+        </p:nvSpPr>
+        <p:spPr/>
+        <p:txBody>
+          <a:bodyPr/>
+          <a:lstStyle/>
+          <a:p>
+            <a:fld id="{50D933AF-1EB0-48A3-A9E5-8DBB12DC4B5A}" type="datetime4">
+              <a:rPr lang="de-DE" smtClean="0"/>
+              <a:t>22. Januar 2024</a:t>
+            </a:fld>
+            <a:endParaRPr lang="de-DE" dirty="0"/>
+          </a:p>
+        </p:txBody>
+      </p:sp>
+    </p:spTree>
+    <p:extLst>
+      <p:ext uri="{BB962C8B-B14F-4D97-AF65-F5344CB8AC3E}">
+        <p14:creationId xmlns:p14="http://schemas.microsoft.com/office/powerpoint/2010/main" val="220003918"/>
+      </p:ext>
+    </p:extLst>
+  </p:cSld>
+  <p:clrMapOvr>
+    <a:masterClrMapping/>
+  </p:clrMapOvr>
+  <mc:AlternateContent xmlns:mc="http://schemas.openxmlformats.org/markup-compatibility/2006" xmlns:p159="http://schemas.microsoft.com/office/powerpoint/2015/09/main">
+    <mc:Choice Requires="p159">
+      <p:transition xmlns:p14="http://schemas.microsoft.com/office/powerpoint/2010/main" spd="slow" p14:dur="2000">
+        <p159:morph option="byObject"/>
+      </p:transition>
+    </mc:Choice>
+    <mc:Fallback xmlns="">
+      <p:transition spd="slow">
+        <p:fade/>
+      </p:transition>
+    </mc:Fallback>
+  </mc:AlternateContent>
+</p:sld>
+</file>
+
+<file path=ppt/slides/slide23.xml><?xml version="1.0" encoding="utf-8"?>
+<p:sld xmlns:a="http://schemas.openxmlformats.org/drawingml/2006/main" xmlns:r="http://schemas.openxmlformats.org/officeDocument/2006/relationships" xmlns:p="http://schemas.openxmlformats.org/presentationml/2006/main">
+  <p:cSld>
+    <p:spTree>
+      <p:nvGrpSpPr>
+        <p:cNvPr id="1" name=""/>
+        <p:cNvGrpSpPr/>
+        <p:nvPr/>
+      </p:nvGrpSpPr>
+      <p:grpSpPr>
+        <a:xfrm>
+          <a:off x="0" y="0"/>
+          <a:ext cx="0" cy="0"/>
+          <a:chOff x="0" y="0"/>
+          <a:chExt cx="0" cy="0"/>
+        </a:xfrm>
+      </p:grpSpPr>
+      <p:sp>
+        <p:nvSpPr>
+          <p:cNvPr id="9" name="Titel 8">
+            <a:extLst>
+              <a:ext uri="{FF2B5EF4-FFF2-40B4-BE49-F238E27FC236}">
+                <a16:creationId xmlns:a16="http://schemas.microsoft.com/office/drawing/2014/main" id="{4E4B03B6-98BF-B848-8A35-59DAEA2746DA}"/>
+              </a:ext>
+            </a:extLst>
+          </p:cNvPr>
+          <p:cNvSpPr>
+            <a:spLocks noGrp="1"/>
+          </p:cNvSpPr>
+          <p:nvPr>
+            <p:ph type="title"/>
+          </p:nvPr>
+        </p:nvSpPr>
+        <p:spPr/>
+        <p:txBody>
+          <a:bodyPr/>
+          <a:lstStyle/>
+          <a:p>
+            <a:r>
+              <a:rPr lang="de-DE" dirty="0"/>
+              <a:t>Headline (Text / Diagramm (rechts))</a:t>
+            </a:r>
+          </a:p>
+        </p:txBody>
+      </p:sp>
+      <p:sp>
+        <p:nvSpPr>
+          <p:cNvPr id="6" name="Textplatzhalter 5">
+            <a:extLst>
+              <a:ext uri="{FF2B5EF4-FFF2-40B4-BE49-F238E27FC236}">
+                <a16:creationId xmlns:a16="http://schemas.microsoft.com/office/drawing/2014/main" id="{87833922-0744-5443-9DD8-DD6A6AB9E7D6}"/>
+              </a:ext>
+            </a:extLst>
+          </p:cNvPr>
+          <p:cNvSpPr>
+            <a:spLocks noGrp="1"/>
+          </p:cNvSpPr>
+          <p:nvPr>
+            <p:ph type="body" sz="quarter" idx="14"/>
+          </p:nvPr>
+        </p:nvSpPr>
+        <p:spPr/>
+        <p:txBody>
+          <a:bodyPr/>
+          <a:lstStyle/>
+          <a:p>
+            <a:r>
+              <a:rPr lang="de-DE" dirty="0"/>
+              <a:t>Subheadline</a:t>
+            </a:r>
+          </a:p>
+        </p:txBody>
+      </p:sp>
+      <p:sp>
+        <p:nvSpPr>
+          <p:cNvPr id="11" name="Textplatzhalter 10">
+            <a:extLst>
+              <a:ext uri="{FF2B5EF4-FFF2-40B4-BE49-F238E27FC236}">
+                <a16:creationId xmlns:a16="http://schemas.microsoft.com/office/drawing/2014/main" id="{78165982-A013-480C-80F8-2D1DAD7B6625}"/>
+              </a:ext>
+            </a:extLst>
+          </p:cNvPr>
+          <p:cNvSpPr>
+            <a:spLocks noGrp="1"/>
+          </p:cNvSpPr>
+          <p:nvPr>
+            <p:ph type="body" sz="quarter" idx="15"/>
+          </p:nvPr>
+        </p:nvSpPr>
+        <p:spPr/>
+        <p:txBody>
+          <a:bodyPr/>
+          <a:lstStyle/>
+          <a:p>
+            <a:endParaRPr lang="de-DE" dirty="0"/>
+          </a:p>
+        </p:txBody>
+      </p:sp>
+      <p:sp>
+        <p:nvSpPr>
+          <p:cNvPr id="13" name="Textplatzhalter 12">
+            <a:extLst>
+              <a:ext uri="{FF2B5EF4-FFF2-40B4-BE49-F238E27FC236}">
+                <a16:creationId xmlns:a16="http://schemas.microsoft.com/office/drawing/2014/main" id="{F4B8B6B9-ECD6-4A9E-A319-761C02E1C6A0}"/>
+              </a:ext>
+            </a:extLst>
+          </p:cNvPr>
+          <p:cNvSpPr>
+            <a:spLocks noGrp="1"/>
+          </p:cNvSpPr>
+          <p:nvPr>
+            <p:ph type="body" sz="quarter" idx="20"/>
+          </p:nvPr>
+        </p:nvSpPr>
+        <p:spPr/>
+        <p:txBody>
+          <a:bodyPr/>
+          <a:lstStyle/>
+          <a:p>
+            <a:endParaRPr lang="de-DE"/>
+          </a:p>
+        </p:txBody>
+      </p:sp>
+      <p:sp>
+        <p:nvSpPr>
+          <p:cNvPr id="12" name="Diagrammplatzhalter 11" descr="Beschreibung einfügen.">
+            <a:extLst>
+              <a:ext uri="{FF2B5EF4-FFF2-40B4-BE49-F238E27FC236}">
+                <a16:creationId xmlns:a16="http://schemas.microsoft.com/office/drawing/2014/main" id="{F6C6BAD4-4947-41E2-BEE1-AF62C306FB8D}"/>
+              </a:ext>
+            </a:extLst>
+          </p:cNvPr>
+          <p:cNvSpPr>
+            <a:spLocks noGrp="1"/>
+          </p:cNvSpPr>
+          <p:nvPr>
+            <p:ph type="chart" sz="quarter" idx="17"/>
+          </p:nvPr>
+        </p:nvSpPr>
+        <p:spPr/>
+        <p:txBody>
+          <a:bodyPr/>
+          <a:lstStyle/>
+          <a:p>
+            <a:endParaRPr lang="de-DE"/>
+          </a:p>
+        </p:txBody>
+      </p:sp>
+      <p:sp>
+        <p:nvSpPr>
+          <p:cNvPr id="10" name="Textplatzhalter 9">
+            <a:extLst>
+              <a:ext uri="{FF2B5EF4-FFF2-40B4-BE49-F238E27FC236}">
+                <a16:creationId xmlns:a16="http://schemas.microsoft.com/office/drawing/2014/main" id="{54DBA861-3A82-471D-AE51-F7078771C660}"/>
+              </a:ext>
+            </a:extLst>
+          </p:cNvPr>
+          <p:cNvSpPr>
+            <a:spLocks noGrp="1"/>
+          </p:cNvSpPr>
+          <p:nvPr>
+            <p:ph type="body" sz="quarter" idx="13"/>
+          </p:nvPr>
+        </p:nvSpPr>
+        <p:spPr/>
+        <p:txBody>
+          <a:bodyPr/>
+          <a:lstStyle/>
+          <a:p>
+            <a:endParaRPr lang="de-DE"/>
+          </a:p>
+        </p:txBody>
+      </p:sp>
+      <p:sp>
+        <p:nvSpPr>
+          <p:cNvPr id="3" name="Fußzeilenplatzhalter 2">
+            <a:extLst>
+              <a:ext uri="{FF2B5EF4-FFF2-40B4-BE49-F238E27FC236}">
+                <a16:creationId xmlns:a16="http://schemas.microsoft.com/office/drawing/2014/main" id="{18C009D6-5507-7B4D-B746-A7ACAEC5FE87}"/>
+              </a:ext>
+            </a:extLst>
+          </p:cNvPr>
+          <p:cNvSpPr>
+            <a:spLocks noGrp="1"/>
+          </p:cNvSpPr>
+          <p:nvPr>
+            <p:ph type="ftr" sz="quarter" idx="22"/>
+          </p:nvPr>
+        </p:nvSpPr>
+        <p:spPr/>
+        <p:txBody>
+          <a:bodyPr/>
+          <a:lstStyle/>
+          <a:p>
+            <a:r>
+              <a:rPr lang="de-DE"/>
+              <a:t>Ansible / Berlin; Aps, Fabian</a:t>
+            </a:r>
+          </a:p>
+        </p:txBody>
+      </p:sp>
+      <p:sp>
+        <p:nvSpPr>
+          <p:cNvPr id="2" name="Foliennummernplatzhalter 1">
+            <a:extLst>
+              <a:ext uri="{FF2B5EF4-FFF2-40B4-BE49-F238E27FC236}">
+                <a16:creationId xmlns:a16="http://schemas.microsoft.com/office/drawing/2014/main" id="{6CB6B562-619B-40AD-9F8F-C1CAC5CC39E9}"/>
+              </a:ext>
+            </a:extLst>
+          </p:cNvPr>
+          <p:cNvSpPr>
+            <a:spLocks noGrp="1"/>
+          </p:cNvSpPr>
+          <p:nvPr>
+            <p:ph type="sldNum" sz="quarter" idx="23"/>
+          </p:nvPr>
+        </p:nvSpPr>
+        <p:spPr/>
+        <p:txBody>
+          <a:bodyPr/>
+          <a:lstStyle/>
+          <a:p>
+            <a:r>
+              <a:rPr lang="de-DE"/>
+              <a:t>Seite </a:t>
+            </a:r>
+            <a:fld id="{5678FFC5-4430-43BC-9807-D0C6EB405569}" type="slidenum">
+              <a:rPr lang="de-DE" smtClean="0"/>
+              <a:pPr/>
+              <a:t>23</a:t>
             </a:fld>
             <a:endParaRPr lang="de-DE" dirty="0"/>
           </a:p>
@@ -18310,13 +18986,13 @@
   <p:clrMapOvr>
     <a:masterClrMapping/>
   </p:clrMapOvr>
-  <mc:AlternateContent xmlns:mc="http://schemas.openxmlformats.org/markup-compatibility/2006">
-    <mc:Choice xmlns:p159="http://schemas.microsoft.com/office/powerpoint/2015/09/main" Requires="p159">
+  <mc:AlternateContent xmlns:mc="http://schemas.openxmlformats.org/markup-compatibility/2006" xmlns:p159="http://schemas.microsoft.com/office/powerpoint/2015/09/main">
+    <mc:Choice Requires="p159">
       <p:transition xmlns:p14="http://schemas.microsoft.com/office/powerpoint/2010/main" spd="slow" p14:dur="2000">
         <p159:morph option="byObject"/>
       </p:transition>
     </mc:Choice>
-    <mc:Fallback>
+    <mc:Fallback xmlns="">
       <p:transition spd="slow">
         <p:fade/>
       </p:transition>
@@ -18325,7 +19001,7 @@
 </p:sld>
 </file>
 
-<file path=ppt/slides/slide22.xml><?xml version="1.0" encoding="utf-8"?>
+<file path=ppt/slides/slide24.xml><?xml version="1.0" encoding="utf-8"?>
 <p:sld xmlns:a="http://schemas.openxmlformats.org/drawingml/2006/main" xmlns:r="http://schemas.openxmlformats.org/officeDocument/2006/relationships" xmlns:p="http://schemas.openxmlformats.org/presentationml/2006/main">
   <p:cSld>
     <p:spTree>
@@ -18440,6 +19116,13 @@
           </p:nvPr>
         </p:nvSpPr>
         <p:spPr/>
+        <p:txBody>
+          <a:bodyPr/>
+          <a:lstStyle/>
+          <a:p>
+            <a:endParaRPr lang="de-DE"/>
+          </a:p>
+        </p:txBody>
       </p:sp>
       <p:sp>
         <p:nvSpPr>
@@ -18547,7 +19230,7 @@
             <a:fld id="{5678FFC5-4430-43BC-9807-D0C6EB405569}" type="slidenum">
               <a:rPr lang="de-DE" smtClean="0"/>
               <a:pPr/>
-              <a:t>22</a:t>
+              <a:t>24</a:t>
             </a:fld>
             <a:endParaRPr lang="de-DE" dirty="0"/>
           </a:p>
@@ -18737,570 +19420,13 @@
   <p:clrMapOvr>
     <a:masterClrMapping/>
   </p:clrMapOvr>
-  <mc:AlternateContent xmlns:mc="http://schemas.openxmlformats.org/markup-compatibility/2006">
-    <mc:Choice xmlns:p159="http://schemas.microsoft.com/office/powerpoint/2015/09/main" Requires="p159">
+  <mc:AlternateContent xmlns:mc="http://schemas.openxmlformats.org/markup-compatibility/2006" xmlns:p159="http://schemas.microsoft.com/office/powerpoint/2015/09/main">
+    <mc:Choice Requires="p159">
       <p:transition xmlns:p14="http://schemas.microsoft.com/office/powerpoint/2010/main" spd="slow" p14:dur="2000">
         <p159:morph option="byObject"/>
       </p:transition>
     </mc:Choice>
-    <mc:Fallback>
-      <p:transition spd="slow">
-        <p:fade/>
-      </p:transition>
-    </mc:Fallback>
-  </mc:AlternateContent>
-</p:sld>
-</file>
-
-<file path=ppt/slides/slide23.xml><?xml version="1.0" encoding="utf-8"?>
-<p:sld xmlns:a="http://schemas.openxmlformats.org/drawingml/2006/main" xmlns:r="http://schemas.openxmlformats.org/officeDocument/2006/relationships" xmlns:p="http://schemas.openxmlformats.org/presentationml/2006/main">
-  <p:cSld>
-    <p:spTree>
-      <p:nvGrpSpPr>
-        <p:cNvPr id="1" name=""/>
-        <p:cNvGrpSpPr/>
-        <p:nvPr/>
-      </p:nvGrpSpPr>
-      <p:grpSpPr>
-        <a:xfrm>
-          <a:off x="0" y="0"/>
-          <a:ext cx="0" cy="0"/>
-          <a:chOff x="0" y="0"/>
-          <a:chExt cx="0" cy="0"/>
-        </a:xfrm>
-      </p:grpSpPr>
-      <p:sp>
-        <p:nvSpPr>
-          <p:cNvPr id="8" name="Titel 7">
-            <a:extLst>
-              <a:ext uri="{FF2B5EF4-FFF2-40B4-BE49-F238E27FC236}">
-                <a16:creationId xmlns:a16="http://schemas.microsoft.com/office/drawing/2014/main" id="{4DF0D90D-3F05-4949-A97D-11D9CD9A1A0C}"/>
-              </a:ext>
-            </a:extLst>
-          </p:cNvPr>
-          <p:cNvSpPr>
-            <a:spLocks noGrp="1"/>
-          </p:cNvSpPr>
-          <p:nvPr>
-            <p:ph type="title"/>
-          </p:nvPr>
-        </p:nvSpPr>
-        <p:spPr/>
-        <p:txBody>
-          <a:bodyPr/>
-          <a:lstStyle/>
-          <a:p>
-            <a:r>
-              <a:rPr lang="de-DE" dirty="0"/>
-              <a:t>Headline (Diagramm)</a:t>
-            </a:r>
-          </a:p>
-        </p:txBody>
-      </p:sp>
-      <p:sp>
-        <p:nvSpPr>
-          <p:cNvPr id="6" name="Textplatzhalter 5">
-            <a:extLst>
-              <a:ext uri="{FF2B5EF4-FFF2-40B4-BE49-F238E27FC236}">
-                <a16:creationId xmlns:a16="http://schemas.microsoft.com/office/drawing/2014/main" id="{D658F160-F879-D541-A4FD-8275339043D4}"/>
-              </a:ext>
-            </a:extLst>
-          </p:cNvPr>
-          <p:cNvSpPr>
-            <a:spLocks noGrp="1"/>
-          </p:cNvSpPr>
-          <p:nvPr>
-            <p:ph type="body" sz="quarter" idx="16"/>
-          </p:nvPr>
-        </p:nvSpPr>
-        <p:spPr/>
-        <p:txBody>
-          <a:bodyPr/>
-          <a:lstStyle/>
-          <a:p>
-            <a:r>
-              <a:rPr lang="de-DE" dirty="0"/>
-              <a:t>Subheadline</a:t>
-            </a:r>
-          </a:p>
-        </p:txBody>
-      </p:sp>
-      <p:sp>
-        <p:nvSpPr>
-          <p:cNvPr id="14" name="Textplatzhalter 13">
-            <a:extLst>
-              <a:ext uri="{FF2B5EF4-FFF2-40B4-BE49-F238E27FC236}">
-                <a16:creationId xmlns:a16="http://schemas.microsoft.com/office/drawing/2014/main" id="{AD27F9B7-6617-4C58-9EE5-E30834A7502D}"/>
-              </a:ext>
-            </a:extLst>
-          </p:cNvPr>
-          <p:cNvSpPr>
-            <a:spLocks noGrp="1"/>
-          </p:cNvSpPr>
-          <p:nvPr>
-            <p:ph type="body" sz="quarter" idx="17"/>
-          </p:nvPr>
-        </p:nvSpPr>
-        <p:spPr/>
-        <p:txBody>
-          <a:bodyPr/>
-          <a:lstStyle/>
-          <a:p>
-            <a:endParaRPr lang="de-DE"/>
-          </a:p>
-        </p:txBody>
-      </p:sp>
-      <p:sp>
-        <p:nvSpPr>
-          <p:cNvPr id="13" name="Diagrammplatzhalter 12" descr="Beschreibung einfügen.">
-            <a:extLst>
-              <a:ext uri="{FF2B5EF4-FFF2-40B4-BE49-F238E27FC236}">
-                <a16:creationId xmlns:a16="http://schemas.microsoft.com/office/drawing/2014/main" id="{BCC37EEF-06ED-4FDA-AD95-DBE0975B055F}"/>
-              </a:ext>
-            </a:extLst>
-          </p:cNvPr>
-          <p:cNvSpPr>
-            <a:spLocks noGrp="1"/>
-          </p:cNvSpPr>
-          <p:nvPr>
-            <p:ph type="chart" sz="quarter" idx="15"/>
-          </p:nvPr>
-        </p:nvSpPr>
-        <p:spPr/>
-      </p:sp>
-      <p:sp>
-        <p:nvSpPr>
-          <p:cNvPr id="10" name="Textplatzhalter 9">
-            <a:extLst>
-              <a:ext uri="{FF2B5EF4-FFF2-40B4-BE49-F238E27FC236}">
-                <a16:creationId xmlns:a16="http://schemas.microsoft.com/office/drawing/2014/main" id="{3B302799-3536-4BEC-A6AB-EA10F925DD08}"/>
-              </a:ext>
-            </a:extLst>
-          </p:cNvPr>
-          <p:cNvSpPr>
-            <a:spLocks noGrp="1"/>
-          </p:cNvSpPr>
-          <p:nvPr>
-            <p:ph type="body" sz="quarter" idx="13"/>
-          </p:nvPr>
-        </p:nvSpPr>
-        <p:spPr/>
-        <p:txBody>
-          <a:bodyPr/>
-          <a:lstStyle/>
-          <a:p>
-            <a:endParaRPr lang="de-DE"/>
-          </a:p>
-        </p:txBody>
-      </p:sp>
-      <p:sp>
-        <p:nvSpPr>
-          <p:cNvPr id="2" name="Fußzeilenplatzhalter 1">
-            <a:extLst>
-              <a:ext uri="{FF2B5EF4-FFF2-40B4-BE49-F238E27FC236}">
-                <a16:creationId xmlns:a16="http://schemas.microsoft.com/office/drawing/2014/main" id="{34752BCA-C489-5D43-97A0-48A6A59990BD}"/>
-              </a:ext>
-            </a:extLst>
-          </p:cNvPr>
-          <p:cNvSpPr>
-            <a:spLocks noGrp="1"/>
-          </p:cNvSpPr>
-          <p:nvPr>
-            <p:ph type="ftr" sz="quarter" idx="19"/>
-          </p:nvPr>
-        </p:nvSpPr>
-        <p:spPr/>
-        <p:txBody>
-          <a:bodyPr/>
-          <a:lstStyle/>
-          <a:p>
-            <a:r>
-              <a:rPr lang="de-DE"/>
-              <a:t>Ansible / Berlin; Aps, Fabian</a:t>
-            </a:r>
-          </a:p>
-        </p:txBody>
-      </p:sp>
-      <p:sp>
-        <p:nvSpPr>
-          <p:cNvPr id="4" name="Foliennummernplatzhalter 3">
-            <a:extLst>
-              <a:ext uri="{FF2B5EF4-FFF2-40B4-BE49-F238E27FC236}">
-                <a16:creationId xmlns:a16="http://schemas.microsoft.com/office/drawing/2014/main" id="{42ADF3B4-B981-47DE-BA35-EF181DA422B7}"/>
-              </a:ext>
-            </a:extLst>
-          </p:cNvPr>
-          <p:cNvSpPr>
-            <a:spLocks noGrp="1"/>
-          </p:cNvSpPr>
-          <p:nvPr>
-            <p:ph type="sldNum" sz="quarter" idx="20"/>
-          </p:nvPr>
-        </p:nvSpPr>
-        <p:spPr/>
-        <p:txBody>
-          <a:bodyPr/>
-          <a:lstStyle/>
-          <a:p>
-            <a:r>
-              <a:rPr lang="de-DE"/>
-              <a:t>Seite </a:t>
-            </a:r>
-            <a:fld id="{5678FFC5-4430-43BC-9807-D0C6EB405569}" type="slidenum">
-              <a:rPr lang="de-DE" smtClean="0"/>
-              <a:pPr/>
-              <a:t>23</a:t>
-            </a:fld>
-            <a:endParaRPr lang="de-DE" dirty="0"/>
-          </a:p>
-        </p:txBody>
-      </p:sp>
-      <p:sp>
-        <p:nvSpPr>
-          <p:cNvPr id="3" name="Date Placeholder 2">
-            <a:extLst>
-              <a:ext uri="{FF2B5EF4-FFF2-40B4-BE49-F238E27FC236}">
-                <a16:creationId xmlns:a16="http://schemas.microsoft.com/office/drawing/2014/main" id="{FF48008C-5FB4-D6CF-475F-F2C71AE0DF71}"/>
-              </a:ext>
-            </a:extLst>
-          </p:cNvPr>
-          <p:cNvSpPr>
-            <a:spLocks noGrp="1"/>
-          </p:cNvSpPr>
-          <p:nvPr>
-            <p:ph type="dt" sz="half" idx="18"/>
-          </p:nvPr>
-        </p:nvSpPr>
-        <p:spPr/>
-        <p:txBody>
-          <a:bodyPr/>
-          <a:lstStyle/>
-          <a:p>
-            <a:fld id="{8325E8D7-5BB2-471F-BF85-6A085EA8F56B}" type="datetime4">
-              <a:rPr lang="de-DE" smtClean="0"/>
-              <a:t>22. Januar 2024</a:t>
-            </a:fld>
-            <a:endParaRPr lang="de-DE" dirty="0"/>
-          </a:p>
-        </p:txBody>
-      </p:sp>
-    </p:spTree>
-    <p:extLst>
-      <p:ext uri="{BB962C8B-B14F-4D97-AF65-F5344CB8AC3E}">
-        <p14:creationId xmlns:p14="http://schemas.microsoft.com/office/powerpoint/2010/main" val="4287249441"/>
-      </p:ext>
-    </p:extLst>
-  </p:cSld>
-  <p:clrMapOvr>
-    <a:masterClrMapping/>
-  </p:clrMapOvr>
-  <mc:AlternateContent xmlns:mc="http://schemas.openxmlformats.org/markup-compatibility/2006">
-    <mc:Choice xmlns:p159="http://schemas.microsoft.com/office/powerpoint/2015/09/main" Requires="p159">
-      <p:transition xmlns:p14="http://schemas.microsoft.com/office/powerpoint/2010/main" spd="slow" p14:dur="2000">
-        <p159:morph option="byObject"/>
-      </p:transition>
-    </mc:Choice>
-    <mc:Fallback>
-      <p:transition spd="slow">
-        <p:fade/>
-      </p:transition>
-    </mc:Fallback>
-  </mc:AlternateContent>
-</p:sld>
-</file>
-
-<file path=ppt/slides/slide24.xml><?xml version="1.0" encoding="utf-8"?>
-<p:sld xmlns:a="http://schemas.openxmlformats.org/drawingml/2006/main" xmlns:r="http://schemas.openxmlformats.org/officeDocument/2006/relationships" xmlns:p="http://schemas.openxmlformats.org/presentationml/2006/main">
-  <p:cSld>
-    <p:spTree>
-      <p:nvGrpSpPr>
-        <p:cNvPr id="1" name=""/>
-        <p:cNvGrpSpPr/>
-        <p:nvPr/>
-      </p:nvGrpSpPr>
-      <p:grpSpPr>
-        <a:xfrm>
-          <a:off x="0" y="0"/>
-          <a:ext cx="0" cy="0"/>
-          <a:chOff x="0" y="0"/>
-          <a:chExt cx="0" cy="0"/>
-        </a:xfrm>
-      </p:grpSpPr>
-      <p:sp>
-        <p:nvSpPr>
-          <p:cNvPr id="10" name="Titel 9">
-            <a:extLst>
-              <a:ext uri="{FF2B5EF4-FFF2-40B4-BE49-F238E27FC236}">
-                <a16:creationId xmlns:a16="http://schemas.microsoft.com/office/drawing/2014/main" id="{51C5B62D-E3C9-2843-811C-B7A2E10AF669}"/>
-              </a:ext>
-            </a:extLst>
-          </p:cNvPr>
-          <p:cNvSpPr>
-            <a:spLocks noGrp="1"/>
-          </p:cNvSpPr>
-          <p:nvPr>
-            <p:ph type="title"/>
-          </p:nvPr>
-        </p:nvSpPr>
-        <p:spPr/>
-        <p:txBody>
-          <a:bodyPr/>
-          <a:lstStyle/>
-          <a:p>
-            <a:r>
-              <a:rPr lang="de-DE" dirty="0"/>
-              <a:t>Headline (2 Diagramme)</a:t>
-            </a:r>
-          </a:p>
-        </p:txBody>
-      </p:sp>
-      <p:sp>
-        <p:nvSpPr>
-          <p:cNvPr id="7" name="Textplatzhalter 6">
-            <a:extLst>
-              <a:ext uri="{FF2B5EF4-FFF2-40B4-BE49-F238E27FC236}">
-                <a16:creationId xmlns:a16="http://schemas.microsoft.com/office/drawing/2014/main" id="{9CAD89F5-4483-2E48-8954-07CFB694BDFC}"/>
-              </a:ext>
-            </a:extLst>
-          </p:cNvPr>
-          <p:cNvSpPr>
-            <a:spLocks noGrp="1"/>
-          </p:cNvSpPr>
-          <p:nvPr>
-            <p:ph type="body" sz="quarter" idx="18"/>
-          </p:nvPr>
-        </p:nvSpPr>
-        <p:spPr/>
-        <p:txBody>
-          <a:bodyPr/>
-          <a:lstStyle/>
-          <a:p>
-            <a:r>
-              <a:rPr lang="de-DE" dirty="0"/>
-              <a:t>Subheadline</a:t>
-            </a:r>
-          </a:p>
-        </p:txBody>
-      </p:sp>
-      <p:sp>
-        <p:nvSpPr>
-          <p:cNvPr id="17" name="Textplatzhalter 16">
-            <a:extLst>
-              <a:ext uri="{FF2B5EF4-FFF2-40B4-BE49-F238E27FC236}">
-                <a16:creationId xmlns:a16="http://schemas.microsoft.com/office/drawing/2014/main" id="{6363EF90-FFEC-4224-9002-B4B91299F912}"/>
-              </a:ext>
-            </a:extLst>
-          </p:cNvPr>
-          <p:cNvSpPr>
-            <a:spLocks noGrp="1"/>
-          </p:cNvSpPr>
-          <p:nvPr>
-            <p:ph type="body" sz="quarter" idx="19"/>
-          </p:nvPr>
-        </p:nvSpPr>
-        <p:spPr/>
-        <p:txBody>
-          <a:bodyPr/>
-          <a:lstStyle/>
-          <a:p>
-            <a:endParaRPr lang="de-DE"/>
-          </a:p>
-        </p:txBody>
-      </p:sp>
-      <p:sp>
-        <p:nvSpPr>
-          <p:cNvPr id="15" name="Diagrammplatzhalter 14" descr="Beschreibung einfügen.">
-            <a:extLst>
-              <a:ext uri="{FF2B5EF4-FFF2-40B4-BE49-F238E27FC236}">
-                <a16:creationId xmlns:a16="http://schemas.microsoft.com/office/drawing/2014/main" id="{57329ED2-7CD3-47BD-AFC7-0337CCC7770F}"/>
-              </a:ext>
-            </a:extLst>
-          </p:cNvPr>
-          <p:cNvSpPr>
-            <a:spLocks noGrp="1"/>
-          </p:cNvSpPr>
-          <p:nvPr>
-            <p:ph type="chart" sz="quarter" idx="15"/>
-          </p:nvPr>
-        </p:nvSpPr>
-        <p:spPr/>
-      </p:sp>
-      <p:sp>
-        <p:nvSpPr>
-          <p:cNvPr id="18" name="Textplatzhalter 17">
-            <a:extLst>
-              <a:ext uri="{FF2B5EF4-FFF2-40B4-BE49-F238E27FC236}">
-                <a16:creationId xmlns:a16="http://schemas.microsoft.com/office/drawing/2014/main" id="{849B2B49-E9F4-4A89-9E04-F55732CF0E9F}"/>
-              </a:ext>
-            </a:extLst>
-          </p:cNvPr>
-          <p:cNvSpPr>
-            <a:spLocks noGrp="1"/>
-          </p:cNvSpPr>
-          <p:nvPr>
-            <p:ph type="body" sz="quarter" idx="20"/>
-          </p:nvPr>
-        </p:nvSpPr>
-        <p:spPr/>
-        <p:txBody>
-          <a:bodyPr/>
-          <a:lstStyle/>
-          <a:p>
-            <a:endParaRPr lang="de-DE"/>
-          </a:p>
-        </p:txBody>
-      </p:sp>
-      <p:sp>
-        <p:nvSpPr>
-          <p:cNvPr id="16" name="Diagrammplatzhalter 15" descr="Beschreibung einfügen.">
-            <a:extLst>
-              <a:ext uri="{FF2B5EF4-FFF2-40B4-BE49-F238E27FC236}">
-                <a16:creationId xmlns:a16="http://schemas.microsoft.com/office/drawing/2014/main" id="{F33B983A-F5EC-4D48-914D-9DF24A488338}"/>
-              </a:ext>
-            </a:extLst>
-          </p:cNvPr>
-          <p:cNvSpPr>
-            <a:spLocks noGrp="1"/>
-          </p:cNvSpPr>
-          <p:nvPr>
-            <p:ph type="chart" sz="quarter" idx="17"/>
-          </p:nvPr>
-        </p:nvSpPr>
-        <p:spPr/>
-      </p:sp>
-      <p:sp>
-        <p:nvSpPr>
-          <p:cNvPr id="11" name="Textplatzhalter 10">
-            <a:extLst>
-              <a:ext uri="{FF2B5EF4-FFF2-40B4-BE49-F238E27FC236}">
-                <a16:creationId xmlns:a16="http://schemas.microsoft.com/office/drawing/2014/main" id="{F1D67AF1-6A9F-4BF9-97FA-58C32273CCD7}"/>
-              </a:ext>
-            </a:extLst>
-          </p:cNvPr>
-          <p:cNvSpPr>
-            <a:spLocks noGrp="1"/>
-          </p:cNvSpPr>
-          <p:nvPr>
-            <p:ph type="body" sz="quarter" idx="13"/>
-          </p:nvPr>
-        </p:nvSpPr>
-        <p:spPr/>
-        <p:txBody>
-          <a:bodyPr/>
-          <a:lstStyle/>
-          <a:p>
-            <a:endParaRPr lang="de-DE"/>
-          </a:p>
-        </p:txBody>
-      </p:sp>
-      <p:sp>
-        <p:nvSpPr>
-          <p:cNvPr id="2" name="Fußzeilenplatzhalter 1">
-            <a:extLst>
-              <a:ext uri="{FF2B5EF4-FFF2-40B4-BE49-F238E27FC236}">
-                <a16:creationId xmlns:a16="http://schemas.microsoft.com/office/drawing/2014/main" id="{01928474-42CE-DB42-BAD0-6E413E29E25F}"/>
-              </a:ext>
-            </a:extLst>
-          </p:cNvPr>
-          <p:cNvSpPr>
-            <a:spLocks noGrp="1"/>
-          </p:cNvSpPr>
-          <p:nvPr>
-            <p:ph type="ftr" sz="quarter" idx="22"/>
-          </p:nvPr>
-        </p:nvSpPr>
-        <p:spPr/>
-        <p:txBody>
-          <a:bodyPr/>
-          <a:lstStyle/>
-          <a:p>
-            <a:r>
-              <a:rPr lang="de-DE"/>
-              <a:t>Ansible / Berlin; Aps, Fabian</a:t>
-            </a:r>
-          </a:p>
-        </p:txBody>
-      </p:sp>
-      <p:sp>
-        <p:nvSpPr>
-          <p:cNvPr id="4" name="Foliennummernplatzhalter 3">
-            <a:extLst>
-              <a:ext uri="{FF2B5EF4-FFF2-40B4-BE49-F238E27FC236}">
-                <a16:creationId xmlns:a16="http://schemas.microsoft.com/office/drawing/2014/main" id="{E63D02C9-5DE0-43EF-A917-D6C4D66B5497}"/>
-              </a:ext>
-            </a:extLst>
-          </p:cNvPr>
-          <p:cNvSpPr>
-            <a:spLocks noGrp="1"/>
-          </p:cNvSpPr>
-          <p:nvPr>
-            <p:ph type="sldNum" sz="quarter" idx="23"/>
-          </p:nvPr>
-        </p:nvSpPr>
-        <p:spPr/>
-        <p:txBody>
-          <a:bodyPr/>
-          <a:lstStyle/>
-          <a:p>
-            <a:r>
-              <a:rPr lang="de-DE"/>
-              <a:t>Seite </a:t>
-            </a:r>
-            <a:fld id="{5678FFC5-4430-43BC-9807-D0C6EB405569}" type="slidenum">
-              <a:rPr lang="de-DE" smtClean="0"/>
-              <a:pPr/>
-              <a:t>24</a:t>
-            </a:fld>
-            <a:endParaRPr lang="de-DE" dirty="0"/>
-          </a:p>
-        </p:txBody>
-      </p:sp>
-      <p:sp>
-        <p:nvSpPr>
-          <p:cNvPr id="3" name="Date Placeholder 2">
-            <a:extLst>
-              <a:ext uri="{FF2B5EF4-FFF2-40B4-BE49-F238E27FC236}">
-                <a16:creationId xmlns:a16="http://schemas.microsoft.com/office/drawing/2014/main" id="{833EAEA1-77D1-12F2-2AE1-4908D9AB018C}"/>
-              </a:ext>
-            </a:extLst>
-          </p:cNvPr>
-          <p:cNvSpPr>
-            <a:spLocks noGrp="1"/>
-          </p:cNvSpPr>
-          <p:nvPr>
-            <p:ph type="dt" sz="half" idx="21"/>
-          </p:nvPr>
-        </p:nvSpPr>
-        <p:spPr/>
-        <p:txBody>
-          <a:bodyPr/>
-          <a:lstStyle/>
-          <a:p>
-            <a:fld id="{6A20CFA1-143D-401B-8DB9-17BBF424B783}" type="datetime4">
-              <a:rPr lang="de-DE" smtClean="0"/>
-              <a:t>22. Januar 2024</a:t>
-            </a:fld>
-            <a:endParaRPr lang="de-DE" dirty="0"/>
-          </a:p>
-        </p:txBody>
-      </p:sp>
-    </p:spTree>
-    <p:extLst>
-      <p:ext uri="{BB962C8B-B14F-4D97-AF65-F5344CB8AC3E}">
-        <p14:creationId xmlns:p14="http://schemas.microsoft.com/office/powerpoint/2010/main" val="3069732815"/>
-      </p:ext>
-    </p:extLst>
-  </p:cSld>
-  <p:clrMapOvr>
-    <a:masterClrMapping/>
-  </p:clrMapOvr>
-  <mc:AlternateContent xmlns:mc="http://schemas.openxmlformats.org/markup-compatibility/2006">
-    <mc:Choice xmlns:p159="http://schemas.microsoft.com/office/powerpoint/2015/09/main" Requires="p159">
-      <p:transition xmlns:p14="http://schemas.microsoft.com/office/powerpoint/2010/main" spd="slow" p14:dur="2000">
-        <p159:morph option="byObject"/>
-      </p:transition>
-    </mc:Choice>
-    <mc:Fallback>
+    <mc:Fallback xmlns="">
       <p:transition spd="slow">
         <p:fade/>
       </p:transition>
@@ -19328,10 +19454,10 @@
       </p:grpSpPr>
       <p:sp>
         <p:nvSpPr>
-          <p:cNvPr id="10" name="Titel 9">
-            <a:extLst>
-              <a:ext uri="{FF2B5EF4-FFF2-40B4-BE49-F238E27FC236}">
-                <a16:creationId xmlns:a16="http://schemas.microsoft.com/office/drawing/2014/main" id="{51C5B62D-E3C9-2843-811C-B7A2E10AF669}"/>
+          <p:cNvPr id="8" name="Titel 7">
+            <a:extLst>
+              <a:ext uri="{FF2B5EF4-FFF2-40B4-BE49-F238E27FC236}">
+                <a16:creationId xmlns:a16="http://schemas.microsoft.com/office/drawing/2014/main" id="{4DF0D90D-3F05-4949-A97D-11D9CD9A1A0C}"/>
               </a:ext>
             </a:extLst>
           </p:cNvPr>
@@ -19349,25 +19475,25 @@
           <a:p>
             <a:r>
               <a:rPr lang="de-DE" dirty="0"/>
-              <a:t>Headline (2 Diagrammen / Fazit)</a:t>
-            </a:r>
-          </a:p>
-        </p:txBody>
-      </p:sp>
-      <p:sp>
-        <p:nvSpPr>
-          <p:cNvPr id="7" name="Textplatzhalter 6">
-            <a:extLst>
-              <a:ext uri="{FF2B5EF4-FFF2-40B4-BE49-F238E27FC236}">
-                <a16:creationId xmlns:a16="http://schemas.microsoft.com/office/drawing/2014/main" id="{9CAD89F5-4483-2E48-8954-07CFB694BDFC}"/>
-              </a:ext>
-            </a:extLst>
-          </p:cNvPr>
-          <p:cNvSpPr>
-            <a:spLocks noGrp="1"/>
-          </p:cNvSpPr>
-          <p:nvPr>
-            <p:ph type="body" sz="quarter" idx="18"/>
+              <a:t>Headline (Diagramm)</a:t>
+            </a:r>
+          </a:p>
+        </p:txBody>
+      </p:sp>
+      <p:sp>
+        <p:nvSpPr>
+          <p:cNvPr id="6" name="Textplatzhalter 5">
+            <a:extLst>
+              <a:ext uri="{FF2B5EF4-FFF2-40B4-BE49-F238E27FC236}">
+                <a16:creationId xmlns:a16="http://schemas.microsoft.com/office/drawing/2014/main" id="{D658F160-F879-D541-A4FD-8275339043D4}"/>
+              </a:ext>
+            </a:extLst>
+          </p:cNvPr>
+          <p:cNvSpPr>
+            <a:spLocks noGrp="1"/>
+          </p:cNvSpPr>
+          <p:nvPr>
+            <p:ph type="body" sz="quarter" idx="16"/>
           </p:nvPr>
         </p:nvSpPr>
         <p:spPr/>
@@ -19384,35 +19510,35 @@
       </p:sp>
       <p:sp>
         <p:nvSpPr>
-          <p:cNvPr id="22" name="Textplatzhalter 21">
-            <a:extLst>
-              <a:ext uri="{FF2B5EF4-FFF2-40B4-BE49-F238E27FC236}">
-                <a16:creationId xmlns:a16="http://schemas.microsoft.com/office/drawing/2014/main" id="{772BA4AB-E076-4E1E-9D9F-323926F0601F}"/>
-              </a:ext>
-            </a:extLst>
-          </p:cNvPr>
-          <p:cNvSpPr>
-            <a:spLocks noGrp="1"/>
-          </p:cNvSpPr>
-          <p:nvPr>
-            <p:ph type="body" sz="quarter" idx="19"/>
-          </p:nvPr>
-        </p:nvSpPr>
-        <p:spPr/>
-        <p:txBody>
-          <a:bodyPr/>
-          <a:lstStyle/>
-          <a:p>
-            <a:endParaRPr lang="de-DE" dirty="0"/>
-          </a:p>
-        </p:txBody>
-      </p:sp>
-      <p:sp>
-        <p:nvSpPr>
-          <p:cNvPr id="20" name="Diagrammplatzhalter 19" descr="Beschreibung einfügen.">
-            <a:extLst>
-              <a:ext uri="{FF2B5EF4-FFF2-40B4-BE49-F238E27FC236}">
-                <a16:creationId xmlns:a16="http://schemas.microsoft.com/office/drawing/2014/main" id="{0409F21A-73F4-479D-97BA-5D460239AE0D}"/>
+          <p:cNvPr id="14" name="Textplatzhalter 13">
+            <a:extLst>
+              <a:ext uri="{FF2B5EF4-FFF2-40B4-BE49-F238E27FC236}">
+                <a16:creationId xmlns:a16="http://schemas.microsoft.com/office/drawing/2014/main" id="{AD27F9B7-6617-4C58-9EE5-E30834A7502D}"/>
+              </a:ext>
+            </a:extLst>
+          </p:cNvPr>
+          <p:cNvSpPr>
+            <a:spLocks noGrp="1"/>
+          </p:cNvSpPr>
+          <p:nvPr>
+            <p:ph type="body" sz="quarter" idx="17"/>
+          </p:nvPr>
+        </p:nvSpPr>
+        <p:spPr/>
+        <p:txBody>
+          <a:bodyPr/>
+          <a:lstStyle/>
+          <a:p>
+            <a:endParaRPr lang="de-DE"/>
+          </a:p>
+        </p:txBody>
+      </p:sp>
+      <p:sp>
+        <p:nvSpPr>
+          <p:cNvPr id="13" name="Diagrammplatzhalter 12" descr="Beschreibung einfügen.">
+            <a:extLst>
+              <a:ext uri="{FF2B5EF4-FFF2-40B4-BE49-F238E27FC236}">
+                <a16:creationId xmlns:a16="http://schemas.microsoft.com/office/drawing/2014/main" id="{BCC37EEF-06ED-4FDA-AD95-DBE0975B055F}"/>
               </a:ext>
             </a:extLst>
           </p:cNvPr>
@@ -19424,126 +19550,20 @@
           </p:nvPr>
         </p:nvSpPr>
         <p:spPr/>
-      </p:sp>
-      <p:sp>
-        <p:nvSpPr>
-          <p:cNvPr id="15" name="Textplatzhalter 14">
-            <a:extLst>
-              <a:ext uri="{FF2B5EF4-FFF2-40B4-BE49-F238E27FC236}">
-                <a16:creationId xmlns:a16="http://schemas.microsoft.com/office/drawing/2014/main" id="{3FF3B2FC-82EA-4DE6-B589-630433927C44}"/>
-              </a:ext>
-            </a:extLst>
-          </p:cNvPr>
-          <p:cNvSpPr>
-            <a:spLocks noGrp="1"/>
-          </p:cNvSpPr>
-          <p:nvPr>
-            <p:ph type="body" sz="quarter" idx="24"/>
-          </p:nvPr>
-        </p:nvSpPr>
-        <p:spPr/>
-        <p:txBody>
-          <a:bodyPr/>
-          <a:lstStyle/>
-          <a:p>
-            <a:r>
-              <a:rPr lang="de-DE" dirty="0"/>
-              <a:t>Diagramm Fazit</a:t>
-            </a:r>
-            <a:br>
-              <a:rPr lang="de-DE" dirty="0"/>
-            </a:br>
-            <a:r>
-              <a:rPr lang="de-DE" b="0" dirty="0"/>
-              <a:t>mit kurzer Erläuterung</a:t>
-            </a:r>
-          </a:p>
-        </p:txBody>
-      </p:sp>
-      <p:sp>
-        <p:nvSpPr>
-          <p:cNvPr id="23" name="Textplatzhalter 22">
-            <a:extLst>
-              <a:ext uri="{FF2B5EF4-FFF2-40B4-BE49-F238E27FC236}">
-                <a16:creationId xmlns:a16="http://schemas.microsoft.com/office/drawing/2014/main" id="{BDB454C0-86AC-4BFB-AB2C-94213C4752B6}"/>
-              </a:ext>
-            </a:extLst>
-          </p:cNvPr>
-          <p:cNvSpPr>
-            <a:spLocks noGrp="1"/>
-          </p:cNvSpPr>
-          <p:nvPr>
-            <p:ph type="body" sz="quarter" idx="20"/>
-          </p:nvPr>
-        </p:nvSpPr>
-        <p:spPr/>
-        <p:txBody>
-          <a:bodyPr/>
-          <a:lstStyle/>
-          <a:p>
-            <a:endParaRPr lang="de-DE" dirty="0"/>
-          </a:p>
-        </p:txBody>
-      </p:sp>
-      <p:sp>
-        <p:nvSpPr>
-          <p:cNvPr id="21" name="Diagrammplatzhalter 20" descr="Beschreibung einfügen.">
-            <a:extLst>
-              <a:ext uri="{FF2B5EF4-FFF2-40B4-BE49-F238E27FC236}">
-                <a16:creationId xmlns:a16="http://schemas.microsoft.com/office/drawing/2014/main" id="{130463D7-90FA-4D60-9764-6666B3BAE426}"/>
-              </a:ext>
-            </a:extLst>
-          </p:cNvPr>
-          <p:cNvSpPr>
-            <a:spLocks noGrp="1"/>
-          </p:cNvSpPr>
-          <p:nvPr>
-            <p:ph type="chart" sz="quarter" idx="17"/>
-          </p:nvPr>
-        </p:nvSpPr>
-        <p:spPr/>
-      </p:sp>
-      <p:sp>
-        <p:nvSpPr>
-          <p:cNvPr id="16" name="Textplatzhalter 15">
-            <a:extLst>
-              <a:ext uri="{FF2B5EF4-FFF2-40B4-BE49-F238E27FC236}">
-                <a16:creationId xmlns:a16="http://schemas.microsoft.com/office/drawing/2014/main" id="{10570BD7-AED8-400A-B95E-1B26F27152D6}"/>
-              </a:ext>
-            </a:extLst>
-          </p:cNvPr>
-          <p:cNvSpPr>
-            <a:spLocks noGrp="1"/>
-          </p:cNvSpPr>
-          <p:nvPr>
-            <p:ph type="body" sz="quarter" idx="25"/>
-          </p:nvPr>
-        </p:nvSpPr>
-        <p:spPr/>
-        <p:txBody>
-          <a:bodyPr/>
-          <a:lstStyle/>
-          <a:p>
-            <a:r>
-              <a:rPr lang="de-DE" dirty="0"/>
-              <a:t>Diagramm Fazit</a:t>
-            </a:r>
-            <a:br>
-              <a:rPr lang="de-DE" dirty="0"/>
-            </a:br>
-            <a:r>
-              <a:rPr lang="de-DE" b="0" dirty="0"/>
-              <a:t>mit kurzer Erläuterung</a:t>
-            </a:r>
-          </a:p>
-        </p:txBody>
-      </p:sp>
-      <p:sp>
-        <p:nvSpPr>
-          <p:cNvPr id="19" name="Textplatzhalter 18">
-            <a:extLst>
-              <a:ext uri="{FF2B5EF4-FFF2-40B4-BE49-F238E27FC236}">
-                <a16:creationId xmlns:a16="http://schemas.microsoft.com/office/drawing/2014/main" id="{52F8AEFB-14DE-4E5F-88C4-0CAE347413E0}"/>
+        <p:txBody>
+          <a:bodyPr/>
+          <a:lstStyle/>
+          <a:p>
+            <a:endParaRPr lang="de-DE"/>
+          </a:p>
+        </p:txBody>
+      </p:sp>
+      <p:sp>
+        <p:nvSpPr>
+          <p:cNvPr id="10" name="Textplatzhalter 9">
+            <a:extLst>
+              <a:ext uri="{FF2B5EF4-FFF2-40B4-BE49-F238E27FC236}">
+                <a16:creationId xmlns:a16="http://schemas.microsoft.com/office/drawing/2014/main" id="{3B302799-3536-4BEC-A6AB-EA10F925DD08}"/>
               </a:ext>
             </a:extLst>
           </p:cNvPr>
@@ -19568,15 +19588,15 @@
           <p:cNvPr id="2" name="Fußzeilenplatzhalter 1">
             <a:extLst>
               <a:ext uri="{FF2B5EF4-FFF2-40B4-BE49-F238E27FC236}">
-                <a16:creationId xmlns:a16="http://schemas.microsoft.com/office/drawing/2014/main" id="{01928474-42CE-DB42-BAD0-6E413E29E25F}"/>
-              </a:ext>
-            </a:extLst>
-          </p:cNvPr>
-          <p:cNvSpPr>
-            <a:spLocks noGrp="1"/>
-          </p:cNvSpPr>
-          <p:nvPr>
-            <p:ph type="ftr" sz="quarter" idx="22"/>
+                <a16:creationId xmlns:a16="http://schemas.microsoft.com/office/drawing/2014/main" id="{34752BCA-C489-5D43-97A0-48A6A59990BD}"/>
+              </a:ext>
+            </a:extLst>
+          </p:cNvPr>
+          <p:cNvSpPr>
+            <a:spLocks noGrp="1"/>
+          </p:cNvSpPr>
+          <p:nvPr>
+            <p:ph type="ftr" sz="quarter" idx="19"/>
           </p:nvPr>
         </p:nvSpPr>
         <p:spPr/>
@@ -19596,15 +19616,15 @@
           <p:cNvPr id="4" name="Foliennummernplatzhalter 3">
             <a:extLst>
               <a:ext uri="{FF2B5EF4-FFF2-40B4-BE49-F238E27FC236}">
-                <a16:creationId xmlns:a16="http://schemas.microsoft.com/office/drawing/2014/main" id="{E63D02C9-5DE0-43EF-A917-D6C4D66B5497}"/>
-              </a:ext>
-            </a:extLst>
-          </p:cNvPr>
-          <p:cNvSpPr>
-            <a:spLocks noGrp="1"/>
-          </p:cNvSpPr>
-          <p:nvPr>
-            <p:ph type="sldNum" sz="quarter" idx="23"/>
+                <a16:creationId xmlns:a16="http://schemas.microsoft.com/office/drawing/2014/main" id="{42ADF3B4-B981-47DE-BA35-EF181DA422B7}"/>
+              </a:ext>
+            </a:extLst>
+          </p:cNvPr>
+          <p:cNvSpPr>
+            <a:spLocks noGrp="1"/>
+          </p:cNvSpPr>
+          <p:nvPr>
+            <p:ph type="sldNum" sz="quarter" idx="20"/>
           </p:nvPr>
         </p:nvSpPr>
         <p:spPr/>
@@ -19620,6 +19640,704 @@
               <a:rPr lang="de-DE" smtClean="0"/>
               <a:pPr/>
               <a:t>25</a:t>
+            </a:fld>
+            <a:endParaRPr lang="de-DE" dirty="0"/>
+          </a:p>
+        </p:txBody>
+      </p:sp>
+      <p:sp>
+        <p:nvSpPr>
+          <p:cNvPr id="3" name="Date Placeholder 2">
+            <a:extLst>
+              <a:ext uri="{FF2B5EF4-FFF2-40B4-BE49-F238E27FC236}">
+                <a16:creationId xmlns:a16="http://schemas.microsoft.com/office/drawing/2014/main" id="{FF48008C-5FB4-D6CF-475F-F2C71AE0DF71}"/>
+              </a:ext>
+            </a:extLst>
+          </p:cNvPr>
+          <p:cNvSpPr>
+            <a:spLocks noGrp="1"/>
+          </p:cNvSpPr>
+          <p:nvPr>
+            <p:ph type="dt" sz="half" idx="18"/>
+          </p:nvPr>
+        </p:nvSpPr>
+        <p:spPr/>
+        <p:txBody>
+          <a:bodyPr/>
+          <a:lstStyle/>
+          <a:p>
+            <a:fld id="{8325E8D7-5BB2-471F-BF85-6A085EA8F56B}" type="datetime4">
+              <a:rPr lang="de-DE" smtClean="0"/>
+              <a:t>22. Januar 2024</a:t>
+            </a:fld>
+            <a:endParaRPr lang="de-DE" dirty="0"/>
+          </a:p>
+        </p:txBody>
+      </p:sp>
+    </p:spTree>
+    <p:extLst>
+      <p:ext uri="{BB962C8B-B14F-4D97-AF65-F5344CB8AC3E}">
+        <p14:creationId xmlns:p14="http://schemas.microsoft.com/office/powerpoint/2010/main" val="4287249441"/>
+      </p:ext>
+    </p:extLst>
+  </p:cSld>
+  <p:clrMapOvr>
+    <a:masterClrMapping/>
+  </p:clrMapOvr>
+  <mc:AlternateContent xmlns:mc="http://schemas.openxmlformats.org/markup-compatibility/2006" xmlns:p159="http://schemas.microsoft.com/office/powerpoint/2015/09/main">
+    <mc:Choice Requires="p159">
+      <p:transition xmlns:p14="http://schemas.microsoft.com/office/powerpoint/2010/main" spd="slow" p14:dur="2000">
+        <p159:morph option="byObject"/>
+      </p:transition>
+    </mc:Choice>
+    <mc:Fallback xmlns="">
+      <p:transition spd="slow">
+        <p:fade/>
+      </p:transition>
+    </mc:Fallback>
+  </mc:AlternateContent>
+</p:sld>
+</file>
+
+<file path=ppt/slides/slide26.xml><?xml version="1.0" encoding="utf-8"?>
+<p:sld xmlns:a="http://schemas.openxmlformats.org/drawingml/2006/main" xmlns:r="http://schemas.openxmlformats.org/officeDocument/2006/relationships" xmlns:p="http://schemas.openxmlformats.org/presentationml/2006/main">
+  <p:cSld>
+    <p:spTree>
+      <p:nvGrpSpPr>
+        <p:cNvPr id="1" name=""/>
+        <p:cNvGrpSpPr/>
+        <p:nvPr/>
+      </p:nvGrpSpPr>
+      <p:grpSpPr>
+        <a:xfrm>
+          <a:off x="0" y="0"/>
+          <a:ext cx="0" cy="0"/>
+          <a:chOff x="0" y="0"/>
+          <a:chExt cx="0" cy="0"/>
+        </a:xfrm>
+      </p:grpSpPr>
+      <p:sp>
+        <p:nvSpPr>
+          <p:cNvPr id="10" name="Titel 9">
+            <a:extLst>
+              <a:ext uri="{FF2B5EF4-FFF2-40B4-BE49-F238E27FC236}">
+                <a16:creationId xmlns:a16="http://schemas.microsoft.com/office/drawing/2014/main" id="{51C5B62D-E3C9-2843-811C-B7A2E10AF669}"/>
+              </a:ext>
+            </a:extLst>
+          </p:cNvPr>
+          <p:cNvSpPr>
+            <a:spLocks noGrp="1"/>
+          </p:cNvSpPr>
+          <p:nvPr>
+            <p:ph type="title"/>
+          </p:nvPr>
+        </p:nvSpPr>
+        <p:spPr/>
+        <p:txBody>
+          <a:bodyPr/>
+          <a:lstStyle/>
+          <a:p>
+            <a:r>
+              <a:rPr lang="de-DE" dirty="0"/>
+              <a:t>Headline (2 Diagramme)</a:t>
+            </a:r>
+          </a:p>
+        </p:txBody>
+      </p:sp>
+      <p:sp>
+        <p:nvSpPr>
+          <p:cNvPr id="7" name="Textplatzhalter 6">
+            <a:extLst>
+              <a:ext uri="{FF2B5EF4-FFF2-40B4-BE49-F238E27FC236}">
+                <a16:creationId xmlns:a16="http://schemas.microsoft.com/office/drawing/2014/main" id="{9CAD89F5-4483-2E48-8954-07CFB694BDFC}"/>
+              </a:ext>
+            </a:extLst>
+          </p:cNvPr>
+          <p:cNvSpPr>
+            <a:spLocks noGrp="1"/>
+          </p:cNvSpPr>
+          <p:nvPr>
+            <p:ph type="body" sz="quarter" idx="18"/>
+          </p:nvPr>
+        </p:nvSpPr>
+        <p:spPr/>
+        <p:txBody>
+          <a:bodyPr/>
+          <a:lstStyle/>
+          <a:p>
+            <a:r>
+              <a:rPr lang="de-DE" dirty="0"/>
+              <a:t>Subheadline</a:t>
+            </a:r>
+          </a:p>
+        </p:txBody>
+      </p:sp>
+      <p:sp>
+        <p:nvSpPr>
+          <p:cNvPr id="17" name="Textplatzhalter 16">
+            <a:extLst>
+              <a:ext uri="{FF2B5EF4-FFF2-40B4-BE49-F238E27FC236}">
+                <a16:creationId xmlns:a16="http://schemas.microsoft.com/office/drawing/2014/main" id="{6363EF90-FFEC-4224-9002-B4B91299F912}"/>
+              </a:ext>
+            </a:extLst>
+          </p:cNvPr>
+          <p:cNvSpPr>
+            <a:spLocks noGrp="1"/>
+          </p:cNvSpPr>
+          <p:nvPr>
+            <p:ph type="body" sz="quarter" idx="19"/>
+          </p:nvPr>
+        </p:nvSpPr>
+        <p:spPr/>
+        <p:txBody>
+          <a:bodyPr/>
+          <a:lstStyle/>
+          <a:p>
+            <a:endParaRPr lang="de-DE"/>
+          </a:p>
+        </p:txBody>
+      </p:sp>
+      <p:sp>
+        <p:nvSpPr>
+          <p:cNvPr id="15" name="Diagrammplatzhalter 14" descr="Beschreibung einfügen.">
+            <a:extLst>
+              <a:ext uri="{FF2B5EF4-FFF2-40B4-BE49-F238E27FC236}">
+                <a16:creationId xmlns:a16="http://schemas.microsoft.com/office/drawing/2014/main" id="{57329ED2-7CD3-47BD-AFC7-0337CCC7770F}"/>
+              </a:ext>
+            </a:extLst>
+          </p:cNvPr>
+          <p:cNvSpPr>
+            <a:spLocks noGrp="1"/>
+          </p:cNvSpPr>
+          <p:nvPr>
+            <p:ph type="chart" sz="quarter" idx="15"/>
+          </p:nvPr>
+        </p:nvSpPr>
+        <p:spPr/>
+        <p:txBody>
+          <a:bodyPr/>
+          <a:lstStyle/>
+          <a:p>
+            <a:endParaRPr lang="de-DE"/>
+          </a:p>
+        </p:txBody>
+      </p:sp>
+      <p:sp>
+        <p:nvSpPr>
+          <p:cNvPr id="18" name="Textplatzhalter 17">
+            <a:extLst>
+              <a:ext uri="{FF2B5EF4-FFF2-40B4-BE49-F238E27FC236}">
+                <a16:creationId xmlns:a16="http://schemas.microsoft.com/office/drawing/2014/main" id="{849B2B49-E9F4-4A89-9E04-F55732CF0E9F}"/>
+              </a:ext>
+            </a:extLst>
+          </p:cNvPr>
+          <p:cNvSpPr>
+            <a:spLocks noGrp="1"/>
+          </p:cNvSpPr>
+          <p:nvPr>
+            <p:ph type="body" sz="quarter" idx="20"/>
+          </p:nvPr>
+        </p:nvSpPr>
+        <p:spPr/>
+        <p:txBody>
+          <a:bodyPr/>
+          <a:lstStyle/>
+          <a:p>
+            <a:endParaRPr lang="de-DE"/>
+          </a:p>
+        </p:txBody>
+      </p:sp>
+      <p:sp>
+        <p:nvSpPr>
+          <p:cNvPr id="16" name="Diagrammplatzhalter 15" descr="Beschreibung einfügen.">
+            <a:extLst>
+              <a:ext uri="{FF2B5EF4-FFF2-40B4-BE49-F238E27FC236}">
+                <a16:creationId xmlns:a16="http://schemas.microsoft.com/office/drawing/2014/main" id="{F33B983A-F5EC-4D48-914D-9DF24A488338}"/>
+              </a:ext>
+            </a:extLst>
+          </p:cNvPr>
+          <p:cNvSpPr>
+            <a:spLocks noGrp="1"/>
+          </p:cNvSpPr>
+          <p:nvPr>
+            <p:ph type="chart" sz="quarter" idx="17"/>
+          </p:nvPr>
+        </p:nvSpPr>
+        <p:spPr/>
+        <p:txBody>
+          <a:bodyPr/>
+          <a:lstStyle/>
+          <a:p>
+            <a:endParaRPr lang="de-DE"/>
+          </a:p>
+        </p:txBody>
+      </p:sp>
+      <p:sp>
+        <p:nvSpPr>
+          <p:cNvPr id="11" name="Textplatzhalter 10">
+            <a:extLst>
+              <a:ext uri="{FF2B5EF4-FFF2-40B4-BE49-F238E27FC236}">
+                <a16:creationId xmlns:a16="http://schemas.microsoft.com/office/drawing/2014/main" id="{F1D67AF1-6A9F-4BF9-97FA-58C32273CCD7}"/>
+              </a:ext>
+            </a:extLst>
+          </p:cNvPr>
+          <p:cNvSpPr>
+            <a:spLocks noGrp="1"/>
+          </p:cNvSpPr>
+          <p:nvPr>
+            <p:ph type="body" sz="quarter" idx="13"/>
+          </p:nvPr>
+        </p:nvSpPr>
+        <p:spPr/>
+        <p:txBody>
+          <a:bodyPr/>
+          <a:lstStyle/>
+          <a:p>
+            <a:endParaRPr lang="de-DE"/>
+          </a:p>
+        </p:txBody>
+      </p:sp>
+      <p:sp>
+        <p:nvSpPr>
+          <p:cNvPr id="2" name="Fußzeilenplatzhalter 1">
+            <a:extLst>
+              <a:ext uri="{FF2B5EF4-FFF2-40B4-BE49-F238E27FC236}">
+                <a16:creationId xmlns:a16="http://schemas.microsoft.com/office/drawing/2014/main" id="{01928474-42CE-DB42-BAD0-6E413E29E25F}"/>
+              </a:ext>
+            </a:extLst>
+          </p:cNvPr>
+          <p:cNvSpPr>
+            <a:spLocks noGrp="1"/>
+          </p:cNvSpPr>
+          <p:nvPr>
+            <p:ph type="ftr" sz="quarter" idx="22"/>
+          </p:nvPr>
+        </p:nvSpPr>
+        <p:spPr/>
+        <p:txBody>
+          <a:bodyPr/>
+          <a:lstStyle/>
+          <a:p>
+            <a:r>
+              <a:rPr lang="de-DE"/>
+              <a:t>Ansible / Berlin; Aps, Fabian</a:t>
+            </a:r>
+          </a:p>
+        </p:txBody>
+      </p:sp>
+      <p:sp>
+        <p:nvSpPr>
+          <p:cNvPr id="4" name="Foliennummernplatzhalter 3">
+            <a:extLst>
+              <a:ext uri="{FF2B5EF4-FFF2-40B4-BE49-F238E27FC236}">
+                <a16:creationId xmlns:a16="http://schemas.microsoft.com/office/drawing/2014/main" id="{E63D02C9-5DE0-43EF-A917-D6C4D66B5497}"/>
+              </a:ext>
+            </a:extLst>
+          </p:cNvPr>
+          <p:cNvSpPr>
+            <a:spLocks noGrp="1"/>
+          </p:cNvSpPr>
+          <p:nvPr>
+            <p:ph type="sldNum" sz="quarter" idx="23"/>
+          </p:nvPr>
+        </p:nvSpPr>
+        <p:spPr/>
+        <p:txBody>
+          <a:bodyPr/>
+          <a:lstStyle/>
+          <a:p>
+            <a:r>
+              <a:rPr lang="de-DE"/>
+              <a:t>Seite </a:t>
+            </a:r>
+            <a:fld id="{5678FFC5-4430-43BC-9807-D0C6EB405569}" type="slidenum">
+              <a:rPr lang="de-DE" smtClean="0"/>
+              <a:pPr/>
+              <a:t>26</a:t>
+            </a:fld>
+            <a:endParaRPr lang="de-DE" dirty="0"/>
+          </a:p>
+        </p:txBody>
+      </p:sp>
+      <p:sp>
+        <p:nvSpPr>
+          <p:cNvPr id="3" name="Date Placeholder 2">
+            <a:extLst>
+              <a:ext uri="{FF2B5EF4-FFF2-40B4-BE49-F238E27FC236}">
+                <a16:creationId xmlns:a16="http://schemas.microsoft.com/office/drawing/2014/main" id="{833EAEA1-77D1-12F2-2AE1-4908D9AB018C}"/>
+              </a:ext>
+            </a:extLst>
+          </p:cNvPr>
+          <p:cNvSpPr>
+            <a:spLocks noGrp="1"/>
+          </p:cNvSpPr>
+          <p:nvPr>
+            <p:ph type="dt" sz="half" idx="21"/>
+          </p:nvPr>
+        </p:nvSpPr>
+        <p:spPr/>
+        <p:txBody>
+          <a:bodyPr/>
+          <a:lstStyle/>
+          <a:p>
+            <a:fld id="{6A20CFA1-143D-401B-8DB9-17BBF424B783}" type="datetime4">
+              <a:rPr lang="de-DE" smtClean="0"/>
+              <a:t>22. Januar 2024</a:t>
+            </a:fld>
+            <a:endParaRPr lang="de-DE" dirty="0"/>
+          </a:p>
+        </p:txBody>
+      </p:sp>
+    </p:spTree>
+    <p:extLst>
+      <p:ext uri="{BB962C8B-B14F-4D97-AF65-F5344CB8AC3E}">
+        <p14:creationId xmlns:p14="http://schemas.microsoft.com/office/powerpoint/2010/main" val="3069732815"/>
+      </p:ext>
+    </p:extLst>
+  </p:cSld>
+  <p:clrMapOvr>
+    <a:masterClrMapping/>
+  </p:clrMapOvr>
+  <mc:AlternateContent xmlns:mc="http://schemas.openxmlformats.org/markup-compatibility/2006" xmlns:p159="http://schemas.microsoft.com/office/powerpoint/2015/09/main">
+    <mc:Choice Requires="p159">
+      <p:transition xmlns:p14="http://schemas.microsoft.com/office/powerpoint/2010/main" spd="slow" p14:dur="2000">
+        <p159:morph option="byObject"/>
+      </p:transition>
+    </mc:Choice>
+    <mc:Fallback xmlns="">
+      <p:transition spd="slow">
+        <p:fade/>
+      </p:transition>
+    </mc:Fallback>
+  </mc:AlternateContent>
+</p:sld>
+</file>
+
+<file path=ppt/slides/slide27.xml><?xml version="1.0" encoding="utf-8"?>
+<p:sld xmlns:a="http://schemas.openxmlformats.org/drawingml/2006/main" xmlns:r="http://schemas.openxmlformats.org/officeDocument/2006/relationships" xmlns:p="http://schemas.openxmlformats.org/presentationml/2006/main">
+  <p:cSld>
+    <p:spTree>
+      <p:nvGrpSpPr>
+        <p:cNvPr id="1" name=""/>
+        <p:cNvGrpSpPr/>
+        <p:nvPr/>
+      </p:nvGrpSpPr>
+      <p:grpSpPr>
+        <a:xfrm>
+          <a:off x="0" y="0"/>
+          <a:ext cx="0" cy="0"/>
+          <a:chOff x="0" y="0"/>
+          <a:chExt cx="0" cy="0"/>
+        </a:xfrm>
+      </p:grpSpPr>
+      <p:sp>
+        <p:nvSpPr>
+          <p:cNvPr id="10" name="Titel 9">
+            <a:extLst>
+              <a:ext uri="{FF2B5EF4-FFF2-40B4-BE49-F238E27FC236}">
+                <a16:creationId xmlns:a16="http://schemas.microsoft.com/office/drawing/2014/main" id="{51C5B62D-E3C9-2843-811C-B7A2E10AF669}"/>
+              </a:ext>
+            </a:extLst>
+          </p:cNvPr>
+          <p:cNvSpPr>
+            <a:spLocks noGrp="1"/>
+          </p:cNvSpPr>
+          <p:nvPr>
+            <p:ph type="title"/>
+          </p:nvPr>
+        </p:nvSpPr>
+        <p:spPr/>
+        <p:txBody>
+          <a:bodyPr/>
+          <a:lstStyle/>
+          <a:p>
+            <a:r>
+              <a:rPr lang="de-DE" dirty="0"/>
+              <a:t>Headline (2 Diagrammen / Fazit)</a:t>
+            </a:r>
+          </a:p>
+        </p:txBody>
+      </p:sp>
+      <p:sp>
+        <p:nvSpPr>
+          <p:cNvPr id="7" name="Textplatzhalter 6">
+            <a:extLst>
+              <a:ext uri="{FF2B5EF4-FFF2-40B4-BE49-F238E27FC236}">
+                <a16:creationId xmlns:a16="http://schemas.microsoft.com/office/drawing/2014/main" id="{9CAD89F5-4483-2E48-8954-07CFB694BDFC}"/>
+              </a:ext>
+            </a:extLst>
+          </p:cNvPr>
+          <p:cNvSpPr>
+            <a:spLocks noGrp="1"/>
+          </p:cNvSpPr>
+          <p:nvPr>
+            <p:ph type="body" sz="quarter" idx="18"/>
+          </p:nvPr>
+        </p:nvSpPr>
+        <p:spPr/>
+        <p:txBody>
+          <a:bodyPr/>
+          <a:lstStyle/>
+          <a:p>
+            <a:r>
+              <a:rPr lang="de-DE" dirty="0"/>
+              <a:t>Subheadline</a:t>
+            </a:r>
+          </a:p>
+        </p:txBody>
+      </p:sp>
+      <p:sp>
+        <p:nvSpPr>
+          <p:cNvPr id="22" name="Textplatzhalter 21">
+            <a:extLst>
+              <a:ext uri="{FF2B5EF4-FFF2-40B4-BE49-F238E27FC236}">
+                <a16:creationId xmlns:a16="http://schemas.microsoft.com/office/drawing/2014/main" id="{772BA4AB-E076-4E1E-9D9F-323926F0601F}"/>
+              </a:ext>
+            </a:extLst>
+          </p:cNvPr>
+          <p:cNvSpPr>
+            <a:spLocks noGrp="1"/>
+          </p:cNvSpPr>
+          <p:nvPr>
+            <p:ph type="body" sz="quarter" idx="19"/>
+          </p:nvPr>
+        </p:nvSpPr>
+        <p:spPr/>
+        <p:txBody>
+          <a:bodyPr/>
+          <a:lstStyle/>
+          <a:p>
+            <a:endParaRPr lang="de-DE" dirty="0"/>
+          </a:p>
+        </p:txBody>
+      </p:sp>
+      <p:sp>
+        <p:nvSpPr>
+          <p:cNvPr id="20" name="Diagrammplatzhalter 19" descr="Beschreibung einfügen.">
+            <a:extLst>
+              <a:ext uri="{FF2B5EF4-FFF2-40B4-BE49-F238E27FC236}">
+                <a16:creationId xmlns:a16="http://schemas.microsoft.com/office/drawing/2014/main" id="{0409F21A-73F4-479D-97BA-5D460239AE0D}"/>
+              </a:ext>
+            </a:extLst>
+          </p:cNvPr>
+          <p:cNvSpPr>
+            <a:spLocks noGrp="1"/>
+          </p:cNvSpPr>
+          <p:nvPr>
+            <p:ph type="chart" sz="quarter" idx="15"/>
+          </p:nvPr>
+        </p:nvSpPr>
+        <p:spPr/>
+        <p:txBody>
+          <a:bodyPr/>
+          <a:lstStyle/>
+          <a:p>
+            <a:endParaRPr lang="de-DE"/>
+          </a:p>
+        </p:txBody>
+      </p:sp>
+      <p:sp>
+        <p:nvSpPr>
+          <p:cNvPr id="15" name="Textplatzhalter 14">
+            <a:extLst>
+              <a:ext uri="{FF2B5EF4-FFF2-40B4-BE49-F238E27FC236}">
+                <a16:creationId xmlns:a16="http://schemas.microsoft.com/office/drawing/2014/main" id="{3FF3B2FC-82EA-4DE6-B589-630433927C44}"/>
+              </a:ext>
+            </a:extLst>
+          </p:cNvPr>
+          <p:cNvSpPr>
+            <a:spLocks noGrp="1"/>
+          </p:cNvSpPr>
+          <p:nvPr>
+            <p:ph type="body" sz="quarter" idx="24"/>
+          </p:nvPr>
+        </p:nvSpPr>
+        <p:spPr/>
+        <p:txBody>
+          <a:bodyPr/>
+          <a:lstStyle/>
+          <a:p>
+            <a:r>
+              <a:rPr lang="de-DE" dirty="0"/>
+              <a:t>Diagramm Fazit</a:t>
+            </a:r>
+            <a:br>
+              <a:rPr lang="de-DE" dirty="0"/>
+            </a:br>
+            <a:r>
+              <a:rPr lang="de-DE" b="0" dirty="0"/>
+              <a:t>mit kurzer Erläuterung</a:t>
+            </a:r>
+          </a:p>
+        </p:txBody>
+      </p:sp>
+      <p:sp>
+        <p:nvSpPr>
+          <p:cNvPr id="23" name="Textplatzhalter 22">
+            <a:extLst>
+              <a:ext uri="{FF2B5EF4-FFF2-40B4-BE49-F238E27FC236}">
+                <a16:creationId xmlns:a16="http://schemas.microsoft.com/office/drawing/2014/main" id="{BDB454C0-86AC-4BFB-AB2C-94213C4752B6}"/>
+              </a:ext>
+            </a:extLst>
+          </p:cNvPr>
+          <p:cNvSpPr>
+            <a:spLocks noGrp="1"/>
+          </p:cNvSpPr>
+          <p:nvPr>
+            <p:ph type="body" sz="quarter" idx="20"/>
+          </p:nvPr>
+        </p:nvSpPr>
+        <p:spPr/>
+        <p:txBody>
+          <a:bodyPr/>
+          <a:lstStyle/>
+          <a:p>
+            <a:endParaRPr lang="de-DE" dirty="0"/>
+          </a:p>
+        </p:txBody>
+      </p:sp>
+      <p:sp>
+        <p:nvSpPr>
+          <p:cNvPr id="21" name="Diagrammplatzhalter 20" descr="Beschreibung einfügen.">
+            <a:extLst>
+              <a:ext uri="{FF2B5EF4-FFF2-40B4-BE49-F238E27FC236}">
+                <a16:creationId xmlns:a16="http://schemas.microsoft.com/office/drawing/2014/main" id="{130463D7-90FA-4D60-9764-6666B3BAE426}"/>
+              </a:ext>
+            </a:extLst>
+          </p:cNvPr>
+          <p:cNvSpPr>
+            <a:spLocks noGrp="1"/>
+          </p:cNvSpPr>
+          <p:nvPr>
+            <p:ph type="chart" sz="quarter" idx="17"/>
+          </p:nvPr>
+        </p:nvSpPr>
+        <p:spPr/>
+        <p:txBody>
+          <a:bodyPr/>
+          <a:lstStyle/>
+          <a:p>
+            <a:endParaRPr lang="de-DE"/>
+          </a:p>
+        </p:txBody>
+      </p:sp>
+      <p:sp>
+        <p:nvSpPr>
+          <p:cNvPr id="16" name="Textplatzhalter 15">
+            <a:extLst>
+              <a:ext uri="{FF2B5EF4-FFF2-40B4-BE49-F238E27FC236}">
+                <a16:creationId xmlns:a16="http://schemas.microsoft.com/office/drawing/2014/main" id="{10570BD7-AED8-400A-B95E-1B26F27152D6}"/>
+              </a:ext>
+            </a:extLst>
+          </p:cNvPr>
+          <p:cNvSpPr>
+            <a:spLocks noGrp="1"/>
+          </p:cNvSpPr>
+          <p:nvPr>
+            <p:ph type="body" sz="quarter" idx="25"/>
+          </p:nvPr>
+        </p:nvSpPr>
+        <p:spPr/>
+        <p:txBody>
+          <a:bodyPr/>
+          <a:lstStyle/>
+          <a:p>
+            <a:r>
+              <a:rPr lang="de-DE" dirty="0"/>
+              <a:t>Diagramm Fazit</a:t>
+            </a:r>
+            <a:br>
+              <a:rPr lang="de-DE" dirty="0"/>
+            </a:br>
+            <a:r>
+              <a:rPr lang="de-DE" b="0" dirty="0"/>
+              <a:t>mit kurzer Erläuterung</a:t>
+            </a:r>
+          </a:p>
+        </p:txBody>
+      </p:sp>
+      <p:sp>
+        <p:nvSpPr>
+          <p:cNvPr id="19" name="Textplatzhalter 18">
+            <a:extLst>
+              <a:ext uri="{FF2B5EF4-FFF2-40B4-BE49-F238E27FC236}">
+                <a16:creationId xmlns:a16="http://schemas.microsoft.com/office/drawing/2014/main" id="{52F8AEFB-14DE-4E5F-88C4-0CAE347413E0}"/>
+              </a:ext>
+            </a:extLst>
+          </p:cNvPr>
+          <p:cNvSpPr>
+            <a:spLocks noGrp="1"/>
+          </p:cNvSpPr>
+          <p:nvPr>
+            <p:ph type="body" sz="quarter" idx="13"/>
+          </p:nvPr>
+        </p:nvSpPr>
+        <p:spPr/>
+        <p:txBody>
+          <a:bodyPr/>
+          <a:lstStyle/>
+          <a:p>
+            <a:endParaRPr lang="de-DE"/>
+          </a:p>
+        </p:txBody>
+      </p:sp>
+      <p:sp>
+        <p:nvSpPr>
+          <p:cNvPr id="2" name="Fußzeilenplatzhalter 1">
+            <a:extLst>
+              <a:ext uri="{FF2B5EF4-FFF2-40B4-BE49-F238E27FC236}">
+                <a16:creationId xmlns:a16="http://schemas.microsoft.com/office/drawing/2014/main" id="{01928474-42CE-DB42-BAD0-6E413E29E25F}"/>
+              </a:ext>
+            </a:extLst>
+          </p:cNvPr>
+          <p:cNvSpPr>
+            <a:spLocks noGrp="1"/>
+          </p:cNvSpPr>
+          <p:nvPr>
+            <p:ph type="ftr" sz="quarter" idx="22"/>
+          </p:nvPr>
+        </p:nvSpPr>
+        <p:spPr/>
+        <p:txBody>
+          <a:bodyPr/>
+          <a:lstStyle/>
+          <a:p>
+            <a:r>
+              <a:rPr lang="de-DE"/>
+              <a:t>Ansible / Berlin; Aps, Fabian</a:t>
+            </a:r>
+          </a:p>
+        </p:txBody>
+      </p:sp>
+      <p:sp>
+        <p:nvSpPr>
+          <p:cNvPr id="4" name="Foliennummernplatzhalter 3">
+            <a:extLst>
+              <a:ext uri="{FF2B5EF4-FFF2-40B4-BE49-F238E27FC236}">
+                <a16:creationId xmlns:a16="http://schemas.microsoft.com/office/drawing/2014/main" id="{E63D02C9-5DE0-43EF-A917-D6C4D66B5497}"/>
+              </a:ext>
+            </a:extLst>
+          </p:cNvPr>
+          <p:cNvSpPr>
+            <a:spLocks noGrp="1"/>
+          </p:cNvSpPr>
+          <p:nvPr>
+            <p:ph type="sldNum" sz="quarter" idx="23"/>
+          </p:nvPr>
+        </p:nvSpPr>
+        <p:spPr/>
+        <p:txBody>
+          <a:bodyPr/>
+          <a:lstStyle/>
+          <a:p>
+            <a:r>
+              <a:rPr lang="de-DE"/>
+              <a:t>Seite </a:t>
+            </a:r>
+            <a:fld id="{5678FFC5-4430-43BC-9807-D0C6EB405569}" type="slidenum">
+              <a:rPr lang="de-DE" smtClean="0"/>
+              <a:pPr/>
+              <a:t>27</a:t>
             </a:fld>
             <a:endParaRPr lang="de-DE" dirty="0"/>
           </a:p>
@@ -19954,722 +20672,13 @@
   <p:clrMapOvr>
     <a:masterClrMapping/>
   </p:clrMapOvr>
-  <mc:AlternateContent xmlns:mc="http://schemas.openxmlformats.org/markup-compatibility/2006">
-    <mc:Choice xmlns:p159="http://schemas.microsoft.com/office/powerpoint/2015/09/main" Requires="p159">
+  <mc:AlternateContent xmlns:mc="http://schemas.openxmlformats.org/markup-compatibility/2006" xmlns:p159="http://schemas.microsoft.com/office/powerpoint/2015/09/main">
+    <mc:Choice Requires="p159">
       <p:transition xmlns:p14="http://schemas.microsoft.com/office/powerpoint/2010/main" spd="slow" p14:dur="2000">
         <p159:morph option="byObject"/>
       </p:transition>
     </mc:Choice>
-    <mc:Fallback>
-      <p:transition spd="slow">
-        <p:fade/>
-      </p:transition>
-    </mc:Fallback>
-  </mc:AlternateContent>
-</p:sld>
-</file>
-
-<file path=ppt/slides/slide26.xml><?xml version="1.0" encoding="utf-8"?>
-<p:sld xmlns:a="http://schemas.openxmlformats.org/drawingml/2006/main" xmlns:r="http://schemas.openxmlformats.org/officeDocument/2006/relationships" xmlns:p="http://schemas.openxmlformats.org/presentationml/2006/main">
-  <p:cSld>
-    <p:spTree>
-      <p:nvGrpSpPr>
-        <p:cNvPr id="1" name=""/>
-        <p:cNvGrpSpPr/>
-        <p:nvPr/>
-      </p:nvGrpSpPr>
-      <p:grpSpPr>
-        <a:xfrm>
-          <a:off x="0" y="0"/>
-          <a:ext cx="0" cy="0"/>
-          <a:chOff x="0" y="0"/>
-          <a:chExt cx="0" cy="0"/>
-        </a:xfrm>
-      </p:grpSpPr>
-      <p:sp>
-        <p:nvSpPr>
-          <p:cNvPr id="14" name="Titel 13">
-            <a:extLst>
-              <a:ext uri="{FF2B5EF4-FFF2-40B4-BE49-F238E27FC236}">
-                <a16:creationId xmlns:a16="http://schemas.microsoft.com/office/drawing/2014/main" id="{1D030320-66D2-B441-B644-9CF289C05691}"/>
-              </a:ext>
-            </a:extLst>
-          </p:cNvPr>
-          <p:cNvSpPr>
-            <a:spLocks noGrp="1"/>
-          </p:cNvSpPr>
-          <p:nvPr>
-            <p:ph type="title"/>
-          </p:nvPr>
-        </p:nvSpPr>
-        <p:spPr/>
-        <p:txBody>
-          <a:bodyPr/>
-          <a:lstStyle/>
-          <a:p>
-            <a:r>
-              <a:rPr lang="de-DE" dirty="0"/>
-              <a:t>Headline (4 Diagramme)</a:t>
-            </a:r>
-          </a:p>
-        </p:txBody>
-      </p:sp>
-      <p:sp>
-        <p:nvSpPr>
-          <p:cNvPr id="9" name="Textplatzhalter 8">
-            <a:extLst>
-              <a:ext uri="{FF2B5EF4-FFF2-40B4-BE49-F238E27FC236}">
-                <a16:creationId xmlns:a16="http://schemas.microsoft.com/office/drawing/2014/main" id="{B2FA6E74-EDE1-CA46-9FCA-CF21083B3361}"/>
-              </a:ext>
-            </a:extLst>
-          </p:cNvPr>
-          <p:cNvSpPr>
-            <a:spLocks noGrp="1"/>
-          </p:cNvSpPr>
-          <p:nvPr>
-            <p:ph type="body" sz="quarter" idx="22"/>
-          </p:nvPr>
-        </p:nvSpPr>
-        <p:spPr/>
-        <p:txBody>
-          <a:bodyPr/>
-          <a:lstStyle/>
-          <a:p>
-            <a:r>
-              <a:rPr lang="de-DE" dirty="0"/>
-              <a:t>Subheadline </a:t>
-            </a:r>
-          </a:p>
-        </p:txBody>
-      </p:sp>
-      <p:sp>
-        <p:nvSpPr>
-          <p:cNvPr id="24" name="Textplatzhalter 23">
-            <a:extLst>
-              <a:ext uri="{FF2B5EF4-FFF2-40B4-BE49-F238E27FC236}">
-                <a16:creationId xmlns:a16="http://schemas.microsoft.com/office/drawing/2014/main" id="{F5A31FFE-8F2E-472D-BDA2-CB622D041B61}"/>
-              </a:ext>
-            </a:extLst>
-          </p:cNvPr>
-          <p:cNvSpPr>
-            <a:spLocks noGrp="1"/>
-          </p:cNvSpPr>
-          <p:nvPr>
-            <p:ph type="body" sz="quarter" idx="23"/>
-          </p:nvPr>
-        </p:nvSpPr>
-        <p:spPr/>
-        <p:txBody>
-          <a:bodyPr/>
-          <a:lstStyle/>
-          <a:p>
-            <a:endParaRPr lang="de-DE"/>
-          </a:p>
-        </p:txBody>
-      </p:sp>
-      <p:sp>
-        <p:nvSpPr>
-          <p:cNvPr id="19" name="Diagrammplatzhalter 18" descr="Beschreibung einfügen.">
-            <a:extLst>
-              <a:ext uri="{FF2B5EF4-FFF2-40B4-BE49-F238E27FC236}">
-                <a16:creationId xmlns:a16="http://schemas.microsoft.com/office/drawing/2014/main" id="{D8684744-B50A-48F2-9DEA-E46DDF864AF4}"/>
-              </a:ext>
-            </a:extLst>
-          </p:cNvPr>
-          <p:cNvSpPr>
-            <a:spLocks noGrp="1"/>
-          </p:cNvSpPr>
-          <p:nvPr>
-            <p:ph type="chart" sz="quarter" idx="15"/>
-          </p:nvPr>
-        </p:nvSpPr>
-        <p:spPr/>
-      </p:sp>
-      <p:sp>
-        <p:nvSpPr>
-          <p:cNvPr id="21" name="Textplatzhalter 20">
-            <a:extLst>
-              <a:ext uri="{FF2B5EF4-FFF2-40B4-BE49-F238E27FC236}">
-                <a16:creationId xmlns:a16="http://schemas.microsoft.com/office/drawing/2014/main" id="{B4E77DC1-C839-4C9C-8EDD-2AA52F7E0A0A}"/>
-              </a:ext>
-            </a:extLst>
-          </p:cNvPr>
-          <p:cNvSpPr>
-            <a:spLocks noGrp="1"/>
-          </p:cNvSpPr>
-          <p:nvPr>
-            <p:ph type="body" sz="quarter" idx="18"/>
-          </p:nvPr>
-        </p:nvSpPr>
-        <p:spPr/>
-        <p:txBody>
-          <a:bodyPr/>
-          <a:lstStyle/>
-          <a:p>
-            <a:endParaRPr lang="de-DE"/>
-          </a:p>
-        </p:txBody>
-      </p:sp>
-      <p:sp>
-        <p:nvSpPr>
-          <p:cNvPr id="20" name="Diagrammplatzhalter 19" descr="Beschreibung einfügen.">
-            <a:extLst>
-              <a:ext uri="{FF2B5EF4-FFF2-40B4-BE49-F238E27FC236}">
-                <a16:creationId xmlns:a16="http://schemas.microsoft.com/office/drawing/2014/main" id="{08582DE9-08E9-4CE0-938E-6C0B574A752D}"/>
-              </a:ext>
-            </a:extLst>
-          </p:cNvPr>
-          <p:cNvSpPr>
-            <a:spLocks noGrp="1"/>
-          </p:cNvSpPr>
-          <p:nvPr>
-            <p:ph type="chart" sz="quarter" idx="17"/>
-          </p:nvPr>
-        </p:nvSpPr>
-        <p:spPr/>
-      </p:sp>
-      <p:sp>
-        <p:nvSpPr>
-          <p:cNvPr id="25" name="Textplatzhalter 24">
-            <a:extLst>
-              <a:ext uri="{FF2B5EF4-FFF2-40B4-BE49-F238E27FC236}">
-                <a16:creationId xmlns:a16="http://schemas.microsoft.com/office/drawing/2014/main" id="{0064DB03-D780-4485-BB72-571546E161E9}"/>
-              </a:ext>
-            </a:extLst>
-          </p:cNvPr>
-          <p:cNvSpPr>
-            <a:spLocks noGrp="1"/>
-          </p:cNvSpPr>
-          <p:nvPr>
-            <p:ph type="body" sz="quarter" idx="24"/>
-          </p:nvPr>
-        </p:nvSpPr>
-        <p:spPr/>
-        <p:txBody>
-          <a:bodyPr/>
-          <a:lstStyle/>
-          <a:p>
-            <a:endParaRPr lang="de-DE"/>
-          </a:p>
-        </p:txBody>
-      </p:sp>
-      <p:sp>
-        <p:nvSpPr>
-          <p:cNvPr id="22" name="Diagrammplatzhalter 21" descr="Beschreibung einfügen.">
-            <a:extLst>
-              <a:ext uri="{FF2B5EF4-FFF2-40B4-BE49-F238E27FC236}">
-                <a16:creationId xmlns:a16="http://schemas.microsoft.com/office/drawing/2014/main" id="{8DC3D246-9645-450C-A4A6-44D10596F5F5}"/>
-              </a:ext>
-            </a:extLst>
-          </p:cNvPr>
-          <p:cNvSpPr>
-            <a:spLocks noGrp="1"/>
-          </p:cNvSpPr>
-          <p:nvPr>
-            <p:ph type="chart" sz="quarter" idx="19"/>
-          </p:nvPr>
-        </p:nvSpPr>
-        <p:spPr/>
-      </p:sp>
-      <p:sp>
-        <p:nvSpPr>
-          <p:cNvPr id="26" name="Textplatzhalter 25">
-            <a:extLst>
-              <a:ext uri="{FF2B5EF4-FFF2-40B4-BE49-F238E27FC236}">
-                <a16:creationId xmlns:a16="http://schemas.microsoft.com/office/drawing/2014/main" id="{015FFFAD-C631-4ADA-912D-441461155AF4}"/>
-              </a:ext>
-            </a:extLst>
-          </p:cNvPr>
-          <p:cNvSpPr>
-            <a:spLocks noGrp="1"/>
-          </p:cNvSpPr>
-          <p:nvPr>
-            <p:ph type="body" sz="quarter" idx="25"/>
-          </p:nvPr>
-        </p:nvSpPr>
-        <p:spPr/>
-        <p:txBody>
-          <a:bodyPr/>
-          <a:lstStyle/>
-          <a:p>
-            <a:endParaRPr lang="de-DE"/>
-          </a:p>
-        </p:txBody>
-      </p:sp>
-      <p:sp>
-        <p:nvSpPr>
-          <p:cNvPr id="23" name="Diagrammplatzhalter 22" descr="Beschreibung einfügen.">
-            <a:extLst>
-              <a:ext uri="{FF2B5EF4-FFF2-40B4-BE49-F238E27FC236}">
-                <a16:creationId xmlns:a16="http://schemas.microsoft.com/office/drawing/2014/main" id="{BFB5F37A-5788-4A08-B0E4-B8DD1E398010}"/>
-              </a:ext>
-            </a:extLst>
-          </p:cNvPr>
-          <p:cNvSpPr>
-            <a:spLocks noGrp="1"/>
-          </p:cNvSpPr>
-          <p:nvPr>
-            <p:ph type="chart" sz="quarter" idx="21"/>
-          </p:nvPr>
-        </p:nvSpPr>
-        <p:spPr/>
-      </p:sp>
-      <p:sp>
-        <p:nvSpPr>
-          <p:cNvPr id="15" name="Textplatzhalter 14">
-            <a:extLst>
-              <a:ext uri="{FF2B5EF4-FFF2-40B4-BE49-F238E27FC236}">
-                <a16:creationId xmlns:a16="http://schemas.microsoft.com/office/drawing/2014/main" id="{21116410-F9FE-483D-ABF7-9DF4793B6B39}"/>
-              </a:ext>
-            </a:extLst>
-          </p:cNvPr>
-          <p:cNvSpPr>
-            <a:spLocks noGrp="1"/>
-          </p:cNvSpPr>
-          <p:nvPr>
-            <p:ph type="body" sz="quarter" idx="13"/>
-          </p:nvPr>
-        </p:nvSpPr>
-        <p:spPr/>
-        <p:txBody>
-          <a:bodyPr/>
-          <a:lstStyle/>
-          <a:p>
-            <a:endParaRPr lang="de-DE"/>
-          </a:p>
-        </p:txBody>
-      </p:sp>
-      <p:sp>
-        <p:nvSpPr>
-          <p:cNvPr id="2" name="Fußzeilenplatzhalter 1">
-            <a:extLst>
-              <a:ext uri="{FF2B5EF4-FFF2-40B4-BE49-F238E27FC236}">
-                <a16:creationId xmlns:a16="http://schemas.microsoft.com/office/drawing/2014/main" id="{B377F562-767A-0F44-B251-EF5B9C78D2FB}"/>
-              </a:ext>
-            </a:extLst>
-          </p:cNvPr>
-          <p:cNvSpPr>
-            <a:spLocks noGrp="1"/>
-          </p:cNvSpPr>
-          <p:nvPr>
-            <p:ph type="ftr" sz="quarter" idx="27"/>
-          </p:nvPr>
-        </p:nvSpPr>
-        <p:spPr/>
-        <p:txBody>
-          <a:bodyPr/>
-          <a:lstStyle/>
-          <a:p>
-            <a:r>
-              <a:rPr lang="de-DE"/>
-              <a:t>Ansible / Berlin; Aps, Fabian</a:t>
-            </a:r>
-          </a:p>
-        </p:txBody>
-      </p:sp>
-      <p:sp>
-        <p:nvSpPr>
-          <p:cNvPr id="4" name="Foliennummernplatzhalter 3">
-            <a:extLst>
-              <a:ext uri="{FF2B5EF4-FFF2-40B4-BE49-F238E27FC236}">
-                <a16:creationId xmlns:a16="http://schemas.microsoft.com/office/drawing/2014/main" id="{552F705C-10C3-440D-9B87-C1AC8AD77759}"/>
-              </a:ext>
-            </a:extLst>
-          </p:cNvPr>
-          <p:cNvSpPr>
-            <a:spLocks noGrp="1"/>
-          </p:cNvSpPr>
-          <p:nvPr>
-            <p:ph type="sldNum" sz="quarter" idx="28"/>
-          </p:nvPr>
-        </p:nvSpPr>
-        <p:spPr/>
-        <p:txBody>
-          <a:bodyPr/>
-          <a:lstStyle/>
-          <a:p>
-            <a:r>
-              <a:rPr lang="de-DE"/>
-              <a:t>Seite </a:t>
-            </a:r>
-            <a:fld id="{5678FFC5-4430-43BC-9807-D0C6EB405569}" type="slidenum">
-              <a:rPr lang="de-DE" smtClean="0"/>
-              <a:pPr/>
-              <a:t>26</a:t>
-            </a:fld>
-            <a:endParaRPr lang="de-DE" dirty="0"/>
-          </a:p>
-        </p:txBody>
-      </p:sp>
-      <p:sp>
-        <p:nvSpPr>
-          <p:cNvPr id="3" name="Date Placeholder 2">
-            <a:extLst>
-              <a:ext uri="{FF2B5EF4-FFF2-40B4-BE49-F238E27FC236}">
-                <a16:creationId xmlns:a16="http://schemas.microsoft.com/office/drawing/2014/main" id="{F3F5CCD3-660C-88FC-7461-5C0A71FF5419}"/>
-              </a:ext>
-            </a:extLst>
-          </p:cNvPr>
-          <p:cNvSpPr>
-            <a:spLocks noGrp="1"/>
-          </p:cNvSpPr>
-          <p:nvPr>
-            <p:ph type="dt" sz="half" idx="26"/>
-          </p:nvPr>
-        </p:nvSpPr>
-        <p:spPr/>
-        <p:txBody>
-          <a:bodyPr/>
-          <a:lstStyle/>
-          <a:p>
-            <a:fld id="{BA5770AC-8DD4-4A02-8D38-83DA515050C4}" type="datetime4">
-              <a:rPr lang="de-DE" smtClean="0"/>
-              <a:t>22. Januar 2024</a:t>
-            </a:fld>
-            <a:endParaRPr lang="de-DE" dirty="0"/>
-          </a:p>
-        </p:txBody>
-      </p:sp>
-    </p:spTree>
-    <p:extLst>
-      <p:ext uri="{BB962C8B-B14F-4D97-AF65-F5344CB8AC3E}">
-        <p14:creationId xmlns:p14="http://schemas.microsoft.com/office/powerpoint/2010/main" val="1809949390"/>
-      </p:ext>
-    </p:extLst>
-  </p:cSld>
-  <p:clrMapOvr>
-    <a:masterClrMapping/>
-  </p:clrMapOvr>
-  <mc:AlternateContent xmlns:mc="http://schemas.openxmlformats.org/markup-compatibility/2006">
-    <mc:Choice xmlns:p159="http://schemas.microsoft.com/office/powerpoint/2015/09/main" Requires="p159">
-      <p:transition xmlns:p14="http://schemas.microsoft.com/office/powerpoint/2010/main" spd="slow" p14:dur="2000">
-        <p159:morph option="byObject"/>
-      </p:transition>
-    </mc:Choice>
-    <mc:Fallback>
-      <p:transition spd="slow">
-        <p:fade/>
-      </p:transition>
-    </mc:Fallback>
-  </mc:AlternateContent>
-</p:sld>
-</file>
-
-<file path=ppt/slides/slide27.xml><?xml version="1.0" encoding="utf-8"?>
-<p:sld xmlns:a="http://schemas.openxmlformats.org/drawingml/2006/main" xmlns:r="http://schemas.openxmlformats.org/officeDocument/2006/relationships" xmlns:p="http://schemas.openxmlformats.org/presentationml/2006/main">
-  <p:cSld>
-    <p:spTree>
-      <p:nvGrpSpPr>
-        <p:cNvPr id="1" name=""/>
-        <p:cNvGrpSpPr/>
-        <p:nvPr/>
-      </p:nvGrpSpPr>
-      <p:grpSpPr>
-        <a:xfrm>
-          <a:off x="0" y="0"/>
-          <a:ext cx="0" cy="0"/>
-          <a:chOff x="0" y="0"/>
-          <a:chExt cx="0" cy="0"/>
-        </a:xfrm>
-      </p:grpSpPr>
-      <p:sp>
-        <p:nvSpPr>
-          <p:cNvPr id="10" name="Titel 9">
-            <a:extLst>
-              <a:ext uri="{FF2B5EF4-FFF2-40B4-BE49-F238E27FC236}">
-                <a16:creationId xmlns:a16="http://schemas.microsoft.com/office/drawing/2014/main" id="{E456FE49-480A-A04E-BBE4-4E03D8256949}"/>
-              </a:ext>
-            </a:extLst>
-          </p:cNvPr>
-          <p:cNvSpPr>
-            <a:spLocks noGrp="1"/>
-          </p:cNvSpPr>
-          <p:nvPr>
-            <p:ph type="title"/>
-          </p:nvPr>
-        </p:nvSpPr>
-        <p:spPr/>
-        <p:txBody>
-          <a:bodyPr/>
-          <a:lstStyle/>
-          <a:p>
-            <a:r>
-              <a:rPr lang="de-DE" dirty="0"/>
-              <a:t>Headline (2 </a:t>
-            </a:r>
-            <a:r>
-              <a:rPr lang="de-DE" dirty="0" err="1"/>
-              <a:t>Textboxen</a:t>
-            </a:r>
-            <a:r>
-              <a:rPr lang="de-DE" dirty="0"/>
-              <a:t>)</a:t>
-            </a:r>
-          </a:p>
-        </p:txBody>
-      </p:sp>
-      <p:sp>
-        <p:nvSpPr>
-          <p:cNvPr id="9" name="Textplatzhalter 8">
-            <a:extLst>
-              <a:ext uri="{FF2B5EF4-FFF2-40B4-BE49-F238E27FC236}">
-                <a16:creationId xmlns:a16="http://schemas.microsoft.com/office/drawing/2014/main" id="{0C0D7BA1-5B9B-E949-BEDB-8C62489B0AEE}"/>
-              </a:ext>
-            </a:extLst>
-          </p:cNvPr>
-          <p:cNvSpPr>
-            <a:spLocks noGrp="1"/>
-          </p:cNvSpPr>
-          <p:nvPr>
-            <p:ph type="body" sz="quarter" idx="18"/>
-          </p:nvPr>
-        </p:nvSpPr>
-        <p:spPr/>
-        <p:txBody>
-          <a:bodyPr/>
-          <a:lstStyle/>
-          <a:p>
-            <a:r>
-              <a:rPr lang="de-DE"/>
-              <a:t>Subheadline</a:t>
-            </a:r>
-            <a:endParaRPr lang="de-DE" dirty="0"/>
-          </a:p>
-        </p:txBody>
-      </p:sp>
-      <p:sp>
-        <p:nvSpPr>
-          <p:cNvPr id="16" name="Textplatzhalter 15">
-            <a:extLst>
-              <a:ext uri="{FF2B5EF4-FFF2-40B4-BE49-F238E27FC236}">
-                <a16:creationId xmlns:a16="http://schemas.microsoft.com/office/drawing/2014/main" id="{AD7B5FCD-3D4B-423F-909B-A9E0F9E8987B}"/>
-              </a:ext>
-            </a:extLst>
-          </p:cNvPr>
-          <p:cNvSpPr>
-            <a:spLocks noGrp="1"/>
-          </p:cNvSpPr>
-          <p:nvPr>
-            <p:ph type="body" sz="quarter" idx="14"/>
-          </p:nvPr>
-        </p:nvSpPr>
-        <p:spPr/>
-        <p:txBody>
-          <a:bodyPr/>
-          <a:lstStyle/>
-          <a:p>
-            <a:endParaRPr lang="de-DE"/>
-          </a:p>
-        </p:txBody>
-      </p:sp>
-      <p:sp>
-        <p:nvSpPr>
-          <p:cNvPr id="17" name="Textplatzhalter 16">
-            <a:extLst>
-              <a:ext uri="{FF2B5EF4-FFF2-40B4-BE49-F238E27FC236}">
-                <a16:creationId xmlns:a16="http://schemas.microsoft.com/office/drawing/2014/main" id="{9CF82DEF-C8C0-4D1A-ADB3-FECC91F9B66E}"/>
-              </a:ext>
-            </a:extLst>
-          </p:cNvPr>
-          <p:cNvSpPr>
-            <a:spLocks noGrp="1"/>
-          </p:cNvSpPr>
-          <p:nvPr>
-            <p:ph type="body" sz="quarter" idx="15"/>
-          </p:nvPr>
-        </p:nvSpPr>
-        <p:spPr/>
-        <p:txBody>
-          <a:bodyPr/>
-          <a:lstStyle/>
-          <a:p>
-            <a:endParaRPr lang="de-DE"/>
-          </a:p>
-        </p:txBody>
-      </p:sp>
-      <p:sp>
-        <p:nvSpPr>
-          <p:cNvPr id="18" name="Textplatzhalter 17">
-            <a:extLst>
-              <a:ext uri="{FF2B5EF4-FFF2-40B4-BE49-F238E27FC236}">
-                <a16:creationId xmlns:a16="http://schemas.microsoft.com/office/drawing/2014/main" id="{E1C6A461-FE87-4829-B240-85E9EE1A47B6}"/>
-              </a:ext>
-            </a:extLst>
-          </p:cNvPr>
-          <p:cNvSpPr>
-            <a:spLocks noGrp="1"/>
-          </p:cNvSpPr>
-          <p:nvPr>
-            <p:ph type="body" sz="quarter" idx="16"/>
-          </p:nvPr>
-        </p:nvSpPr>
-        <p:spPr/>
-        <p:txBody>
-          <a:bodyPr/>
-          <a:lstStyle/>
-          <a:p>
-            <a:endParaRPr lang="de-DE"/>
-          </a:p>
-        </p:txBody>
-      </p:sp>
-      <p:sp>
-        <p:nvSpPr>
-          <p:cNvPr id="19" name="Textplatzhalter 18">
-            <a:extLst>
-              <a:ext uri="{FF2B5EF4-FFF2-40B4-BE49-F238E27FC236}">
-                <a16:creationId xmlns:a16="http://schemas.microsoft.com/office/drawing/2014/main" id="{4B30B289-9CD3-4BDD-935E-B09FC3A23F53}"/>
-              </a:ext>
-            </a:extLst>
-          </p:cNvPr>
-          <p:cNvSpPr>
-            <a:spLocks noGrp="1"/>
-          </p:cNvSpPr>
-          <p:nvPr>
-            <p:ph type="body" sz="quarter" idx="17"/>
-          </p:nvPr>
-        </p:nvSpPr>
-        <p:spPr/>
-        <p:txBody>
-          <a:bodyPr/>
-          <a:lstStyle/>
-          <a:p>
-            <a:endParaRPr lang="de-DE"/>
-          </a:p>
-        </p:txBody>
-      </p:sp>
-      <p:sp>
-        <p:nvSpPr>
-          <p:cNvPr id="11" name="Textplatzhalter 10">
-            <a:extLst>
-              <a:ext uri="{FF2B5EF4-FFF2-40B4-BE49-F238E27FC236}">
-                <a16:creationId xmlns:a16="http://schemas.microsoft.com/office/drawing/2014/main" id="{C104517D-4750-4E9E-89F7-5A440E93F79E}"/>
-              </a:ext>
-            </a:extLst>
-          </p:cNvPr>
-          <p:cNvSpPr>
-            <a:spLocks noGrp="1"/>
-          </p:cNvSpPr>
-          <p:nvPr>
-            <p:ph type="body" sz="quarter" idx="13"/>
-          </p:nvPr>
-        </p:nvSpPr>
-        <p:spPr/>
-        <p:txBody>
-          <a:bodyPr/>
-          <a:lstStyle/>
-          <a:p>
-            <a:endParaRPr lang="de-DE"/>
-          </a:p>
-        </p:txBody>
-      </p:sp>
-      <p:sp>
-        <p:nvSpPr>
-          <p:cNvPr id="2" name="Fußzeilenplatzhalter 1">
-            <a:extLst>
-              <a:ext uri="{FF2B5EF4-FFF2-40B4-BE49-F238E27FC236}">
-                <a16:creationId xmlns:a16="http://schemas.microsoft.com/office/drawing/2014/main" id="{B53A39CD-B037-1D46-9E7E-A2AF79F63C31}"/>
-              </a:ext>
-            </a:extLst>
-          </p:cNvPr>
-          <p:cNvSpPr>
-            <a:spLocks noGrp="1"/>
-          </p:cNvSpPr>
-          <p:nvPr>
-            <p:ph type="ftr" sz="quarter" idx="20"/>
-          </p:nvPr>
-        </p:nvSpPr>
-        <p:spPr/>
-        <p:txBody>
-          <a:bodyPr/>
-          <a:lstStyle/>
-          <a:p>
-            <a:r>
-              <a:rPr lang="de-DE"/>
-              <a:t>Ansible / Berlin; Aps, Fabian</a:t>
-            </a:r>
-          </a:p>
-        </p:txBody>
-      </p:sp>
-      <p:sp>
-        <p:nvSpPr>
-          <p:cNvPr id="4" name="Foliennummernplatzhalter 3">
-            <a:extLst>
-              <a:ext uri="{FF2B5EF4-FFF2-40B4-BE49-F238E27FC236}">
-                <a16:creationId xmlns:a16="http://schemas.microsoft.com/office/drawing/2014/main" id="{335783A6-2E91-46B3-9C0C-3058E387C20B}"/>
-              </a:ext>
-            </a:extLst>
-          </p:cNvPr>
-          <p:cNvSpPr>
-            <a:spLocks noGrp="1"/>
-          </p:cNvSpPr>
-          <p:nvPr>
-            <p:ph type="sldNum" sz="quarter" idx="21"/>
-          </p:nvPr>
-        </p:nvSpPr>
-        <p:spPr/>
-        <p:txBody>
-          <a:bodyPr/>
-          <a:lstStyle/>
-          <a:p>
-            <a:r>
-              <a:rPr lang="de-DE"/>
-              <a:t>Seite </a:t>
-            </a:r>
-            <a:fld id="{5678FFC5-4430-43BC-9807-D0C6EB405569}" type="slidenum">
-              <a:rPr lang="de-DE" smtClean="0"/>
-              <a:pPr/>
-              <a:t>27</a:t>
-            </a:fld>
-            <a:endParaRPr lang="de-DE" dirty="0"/>
-          </a:p>
-        </p:txBody>
-      </p:sp>
-      <p:sp>
-        <p:nvSpPr>
-          <p:cNvPr id="3" name="Date Placeholder 2">
-            <a:extLst>
-              <a:ext uri="{FF2B5EF4-FFF2-40B4-BE49-F238E27FC236}">
-                <a16:creationId xmlns:a16="http://schemas.microsoft.com/office/drawing/2014/main" id="{8DAFE037-4EDC-90A6-068B-B425491D267A}"/>
-              </a:ext>
-            </a:extLst>
-          </p:cNvPr>
-          <p:cNvSpPr>
-            <a:spLocks noGrp="1"/>
-          </p:cNvSpPr>
-          <p:nvPr>
-            <p:ph type="dt" sz="half" idx="19"/>
-          </p:nvPr>
-        </p:nvSpPr>
-        <p:spPr/>
-        <p:txBody>
-          <a:bodyPr/>
-          <a:lstStyle/>
-          <a:p>
-            <a:fld id="{267A473B-7F2F-4954-AB8C-3279C422133A}" type="datetime4">
-              <a:rPr lang="de-DE" smtClean="0"/>
-              <a:t>22. Januar 2024</a:t>
-            </a:fld>
-            <a:endParaRPr lang="de-DE" dirty="0"/>
-          </a:p>
-        </p:txBody>
-      </p:sp>
-    </p:spTree>
-    <p:extLst>
-      <p:ext uri="{BB962C8B-B14F-4D97-AF65-F5344CB8AC3E}">
-        <p14:creationId xmlns:p14="http://schemas.microsoft.com/office/powerpoint/2010/main" val="1135492463"/>
-      </p:ext>
-    </p:extLst>
-  </p:cSld>
-  <p:clrMapOvr>
-    <a:masterClrMapping/>
-  </p:clrMapOvr>
-  <mc:AlternateContent xmlns:mc="http://schemas.openxmlformats.org/markup-compatibility/2006">
-    <mc:Choice xmlns:p159="http://schemas.microsoft.com/office/powerpoint/2015/09/main" Requires="p159">
-      <p:transition xmlns:p14="http://schemas.microsoft.com/office/powerpoint/2010/main" spd="slow" p14:dur="2000">
-        <p159:morph option="byObject"/>
-      </p:transition>
-    </mc:Choice>
-    <mc:Fallback>
+    <mc:Fallback xmlns="">
       <p:transition spd="slow">
         <p:fade/>
       </p:transition>
@@ -20697,10 +20706,10 @@
       </p:grpSpPr>
       <p:sp>
         <p:nvSpPr>
-          <p:cNvPr id="10" name="Titel 9">
-            <a:extLst>
-              <a:ext uri="{FF2B5EF4-FFF2-40B4-BE49-F238E27FC236}">
-                <a16:creationId xmlns:a16="http://schemas.microsoft.com/office/drawing/2014/main" id="{E456FE49-480A-A04E-BBE4-4E03D8256949}"/>
+          <p:cNvPr id="14" name="Titel 13">
+            <a:extLst>
+              <a:ext uri="{FF2B5EF4-FFF2-40B4-BE49-F238E27FC236}">
+                <a16:creationId xmlns:a16="http://schemas.microsoft.com/office/drawing/2014/main" id="{1D030320-66D2-B441-B644-9CF289C05691}"/>
               </a:ext>
             </a:extLst>
           </p:cNvPr>
@@ -20718,25 +20727,95 @@
           <a:p>
             <a:r>
               <a:rPr lang="de-DE" dirty="0"/>
-              <a:t>Headline (2 </a:t>
-            </a:r>
-            <a:r>
-              <a:rPr lang="de-DE" dirty="0" err="1"/>
-              <a:t>Textboxen</a:t>
-            </a:r>
+              <a:t>Headline (4 Diagramme)</a:t>
+            </a:r>
+          </a:p>
+        </p:txBody>
+      </p:sp>
+      <p:sp>
+        <p:nvSpPr>
+          <p:cNvPr id="9" name="Textplatzhalter 8">
+            <a:extLst>
+              <a:ext uri="{FF2B5EF4-FFF2-40B4-BE49-F238E27FC236}">
+                <a16:creationId xmlns:a16="http://schemas.microsoft.com/office/drawing/2014/main" id="{B2FA6E74-EDE1-CA46-9FCA-CF21083B3361}"/>
+              </a:ext>
+            </a:extLst>
+          </p:cNvPr>
+          <p:cNvSpPr>
+            <a:spLocks noGrp="1"/>
+          </p:cNvSpPr>
+          <p:nvPr>
+            <p:ph type="body" sz="quarter" idx="22"/>
+          </p:nvPr>
+        </p:nvSpPr>
+        <p:spPr/>
+        <p:txBody>
+          <a:bodyPr/>
+          <a:lstStyle/>
+          <a:p>
             <a:r>
               <a:rPr lang="de-DE" dirty="0"/>
-              <a:t> / Fazit)</a:t>
-            </a:r>
-          </a:p>
-        </p:txBody>
-      </p:sp>
-      <p:sp>
-        <p:nvSpPr>
-          <p:cNvPr id="9" name="Textplatzhalter 8">
-            <a:extLst>
-              <a:ext uri="{FF2B5EF4-FFF2-40B4-BE49-F238E27FC236}">
-                <a16:creationId xmlns:a16="http://schemas.microsoft.com/office/drawing/2014/main" id="{0C0D7BA1-5B9B-E949-BEDB-8C62489B0AEE}"/>
+              <a:t>Subheadline </a:t>
+            </a:r>
+          </a:p>
+        </p:txBody>
+      </p:sp>
+      <p:sp>
+        <p:nvSpPr>
+          <p:cNvPr id="24" name="Textplatzhalter 23">
+            <a:extLst>
+              <a:ext uri="{FF2B5EF4-FFF2-40B4-BE49-F238E27FC236}">
+                <a16:creationId xmlns:a16="http://schemas.microsoft.com/office/drawing/2014/main" id="{F5A31FFE-8F2E-472D-BDA2-CB622D041B61}"/>
+              </a:ext>
+            </a:extLst>
+          </p:cNvPr>
+          <p:cNvSpPr>
+            <a:spLocks noGrp="1"/>
+          </p:cNvSpPr>
+          <p:nvPr>
+            <p:ph type="body" sz="quarter" idx="23"/>
+          </p:nvPr>
+        </p:nvSpPr>
+        <p:spPr/>
+        <p:txBody>
+          <a:bodyPr/>
+          <a:lstStyle/>
+          <a:p>
+            <a:endParaRPr lang="de-DE"/>
+          </a:p>
+        </p:txBody>
+      </p:sp>
+      <p:sp>
+        <p:nvSpPr>
+          <p:cNvPr id="19" name="Diagrammplatzhalter 18" descr="Beschreibung einfügen.">
+            <a:extLst>
+              <a:ext uri="{FF2B5EF4-FFF2-40B4-BE49-F238E27FC236}">
+                <a16:creationId xmlns:a16="http://schemas.microsoft.com/office/drawing/2014/main" id="{D8684744-B50A-48F2-9DEA-E46DDF864AF4}"/>
+              </a:ext>
+            </a:extLst>
+          </p:cNvPr>
+          <p:cNvSpPr>
+            <a:spLocks noGrp="1"/>
+          </p:cNvSpPr>
+          <p:nvPr>
+            <p:ph type="chart" sz="quarter" idx="15"/>
+          </p:nvPr>
+        </p:nvSpPr>
+        <p:spPr/>
+        <p:txBody>
+          <a:bodyPr/>
+          <a:lstStyle/>
+          <a:p>
+            <a:endParaRPr lang="de-DE"/>
+          </a:p>
+        </p:txBody>
+      </p:sp>
+      <p:sp>
+        <p:nvSpPr>
+          <p:cNvPr id="21" name="Textplatzhalter 20">
+            <a:extLst>
+              <a:ext uri="{FF2B5EF4-FFF2-40B4-BE49-F238E27FC236}">
+                <a16:creationId xmlns:a16="http://schemas.microsoft.com/office/drawing/2014/main" id="{B4E77DC1-C839-4C9C-8EDD-2AA52F7E0A0A}"/>
               </a:ext>
             </a:extLst>
           </p:cNvPr>
@@ -20752,70 +20831,41 @@
           <a:bodyPr/>
           <a:lstStyle/>
           <a:p>
-            <a:r>
-              <a:rPr lang="de-DE"/>
-              <a:t>Subheadline</a:t>
-            </a:r>
-            <a:endParaRPr lang="de-DE" dirty="0"/>
-          </a:p>
-        </p:txBody>
-      </p:sp>
-      <p:sp>
-        <p:nvSpPr>
-          <p:cNvPr id="22" name="Textplatzhalter 21">
-            <a:extLst>
-              <a:ext uri="{FF2B5EF4-FFF2-40B4-BE49-F238E27FC236}">
-                <a16:creationId xmlns:a16="http://schemas.microsoft.com/office/drawing/2014/main" id="{359BB219-97F2-45D8-9C98-5BBCE228F135}"/>
-              </a:ext>
-            </a:extLst>
-          </p:cNvPr>
-          <p:cNvSpPr>
-            <a:spLocks noGrp="1"/>
-          </p:cNvSpPr>
-          <p:nvPr>
-            <p:ph type="body" sz="quarter" idx="14"/>
-          </p:nvPr>
-        </p:nvSpPr>
-        <p:spPr/>
-        <p:txBody>
-          <a:bodyPr/>
-          <a:lstStyle/>
-          <a:p>
-            <a:endParaRPr lang="de-DE" dirty="0"/>
-          </a:p>
-        </p:txBody>
-      </p:sp>
-      <p:sp>
-        <p:nvSpPr>
-          <p:cNvPr id="23" name="Textplatzhalter 22">
-            <a:extLst>
-              <a:ext uri="{FF2B5EF4-FFF2-40B4-BE49-F238E27FC236}">
-                <a16:creationId xmlns:a16="http://schemas.microsoft.com/office/drawing/2014/main" id="{3C6A3690-355D-49C9-991E-533935F23913}"/>
-              </a:ext>
-            </a:extLst>
-          </p:cNvPr>
-          <p:cNvSpPr>
-            <a:spLocks noGrp="1"/>
-          </p:cNvSpPr>
-          <p:nvPr>
-            <p:ph type="body" sz="quarter" idx="15"/>
-          </p:nvPr>
-        </p:nvSpPr>
-        <p:spPr/>
-        <p:txBody>
-          <a:bodyPr/>
-          <a:lstStyle/>
-          <a:p>
-            <a:endParaRPr lang="de-DE" dirty="0"/>
-          </a:p>
-        </p:txBody>
-      </p:sp>
-      <p:sp>
-        <p:nvSpPr>
-          <p:cNvPr id="16" name="Textplatzhalter 15">
-            <a:extLst>
-              <a:ext uri="{FF2B5EF4-FFF2-40B4-BE49-F238E27FC236}">
-                <a16:creationId xmlns:a16="http://schemas.microsoft.com/office/drawing/2014/main" id="{6CB67978-E7D6-4CF7-A33F-B8539350A098}"/>
+            <a:endParaRPr lang="de-DE"/>
+          </a:p>
+        </p:txBody>
+      </p:sp>
+      <p:sp>
+        <p:nvSpPr>
+          <p:cNvPr id="20" name="Diagrammplatzhalter 19" descr="Beschreibung einfügen.">
+            <a:extLst>
+              <a:ext uri="{FF2B5EF4-FFF2-40B4-BE49-F238E27FC236}">
+                <a16:creationId xmlns:a16="http://schemas.microsoft.com/office/drawing/2014/main" id="{08582DE9-08E9-4CE0-938E-6C0B574A752D}"/>
+              </a:ext>
+            </a:extLst>
+          </p:cNvPr>
+          <p:cNvSpPr>
+            <a:spLocks noGrp="1"/>
+          </p:cNvSpPr>
+          <p:nvPr>
+            <p:ph type="chart" sz="quarter" idx="17"/>
+          </p:nvPr>
+        </p:nvSpPr>
+        <p:spPr/>
+        <p:txBody>
+          <a:bodyPr/>
+          <a:lstStyle/>
+          <a:p>
+            <a:endParaRPr lang="de-DE"/>
+          </a:p>
+        </p:txBody>
+      </p:sp>
+      <p:sp>
+        <p:nvSpPr>
+          <p:cNvPr id="25" name="Textplatzhalter 24">
+            <a:extLst>
+              <a:ext uri="{FF2B5EF4-FFF2-40B4-BE49-F238E27FC236}">
+                <a16:creationId xmlns:a16="http://schemas.microsoft.com/office/drawing/2014/main" id="{0064DB03-D780-4485-BB72-571546E161E9}"/>
               </a:ext>
             </a:extLst>
           </p:cNvPr>
@@ -20831,80 +20881,41 @@
           <a:bodyPr/>
           <a:lstStyle/>
           <a:p>
-            <a:r>
-              <a:rPr lang="de-DE" dirty="0" err="1"/>
-              <a:t>Textbox</a:t>
-            </a:r>
-            <a:r>
-              <a:rPr lang="de-DE" dirty="0"/>
-              <a:t> Fazit</a:t>
-            </a:r>
-            <a:br>
-              <a:rPr lang="de-DE" dirty="0"/>
-            </a:br>
-            <a:r>
-              <a:rPr lang="de-DE" b="0" dirty="0"/>
-              <a:t>mit kurzer Erläuterung</a:t>
-            </a:r>
-          </a:p>
-        </p:txBody>
-      </p:sp>
-      <p:sp>
-        <p:nvSpPr>
-          <p:cNvPr id="24" name="Textplatzhalter 23">
-            <a:extLst>
-              <a:ext uri="{FF2B5EF4-FFF2-40B4-BE49-F238E27FC236}">
-                <a16:creationId xmlns:a16="http://schemas.microsoft.com/office/drawing/2014/main" id="{EF25B6D5-9610-42C9-A4D1-0D720968A9DB}"/>
-              </a:ext>
-            </a:extLst>
-          </p:cNvPr>
-          <p:cNvSpPr>
-            <a:spLocks noGrp="1"/>
-          </p:cNvSpPr>
-          <p:nvPr>
-            <p:ph type="body" sz="quarter" idx="16"/>
-          </p:nvPr>
-        </p:nvSpPr>
-        <p:spPr/>
-        <p:txBody>
-          <a:bodyPr/>
-          <a:lstStyle/>
-          <a:p>
-            <a:endParaRPr lang="de-DE" dirty="0"/>
-          </a:p>
-        </p:txBody>
-      </p:sp>
-      <p:sp>
-        <p:nvSpPr>
-          <p:cNvPr id="25" name="Textplatzhalter 24">
-            <a:extLst>
-              <a:ext uri="{FF2B5EF4-FFF2-40B4-BE49-F238E27FC236}">
-                <a16:creationId xmlns:a16="http://schemas.microsoft.com/office/drawing/2014/main" id="{A34BD44C-6F9B-4FF4-80B9-E690291100BA}"/>
-              </a:ext>
-            </a:extLst>
-          </p:cNvPr>
-          <p:cNvSpPr>
-            <a:spLocks noGrp="1"/>
-          </p:cNvSpPr>
-          <p:nvPr>
-            <p:ph type="body" sz="quarter" idx="17"/>
-          </p:nvPr>
-        </p:nvSpPr>
-        <p:spPr/>
-        <p:txBody>
-          <a:bodyPr/>
-          <a:lstStyle/>
-          <a:p>
-            <a:endParaRPr lang="de-DE" dirty="0"/>
-          </a:p>
-        </p:txBody>
-      </p:sp>
-      <p:sp>
-        <p:nvSpPr>
-          <p:cNvPr id="17" name="Textplatzhalter 16">
-            <a:extLst>
-              <a:ext uri="{FF2B5EF4-FFF2-40B4-BE49-F238E27FC236}">
-                <a16:creationId xmlns:a16="http://schemas.microsoft.com/office/drawing/2014/main" id="{A6C97DD2-DC63-4D91-9BF7-A8D169A92356}"/>
+            <a:endParaRPr lang="de-DE"/>
+          </a:p>
+        </p:txBody>
+      </p:sp>
+      <p:sp>
+        <p:nvSpPr>
+          <p:cNvPr id="22" name="Diagrammplatzhalter 21" descr="Beschreibung einfügen.">
+            <a:extLst>
+              <a:ext uri="{FF2B5EF4-FFF2-40B4-BE49-F238E27FC236}">
+                <a16:creationId xmlns:a16="http://schemas.microsoft.com/office/drawing/2014/main" id="{8DC3D246-9645-450C-A4A6-44D10596F5F5}"/>
+              </a:ext>
+            </a:extLst>
+          </p:cNvPr>
+          <p:cNvSpPr>
+            <a:spLocks noGrp="1"/>
+          </p:cNvSpPr>
+          <p:nvPr>
+            <p:ph type="chart" sz="quarter" idx="19"/>
+          </p:nvPr>
+        </p:nvSpPr>
+        <p:spPr/>
+        <p:txBody>
+          <a:bodyPr/>
+          <a:lstStyle/>
+          <a:p>
+            <a:endParaRPr lang="de-DE"/>
+          </a:p>
+        </p:txBody>
+      </p:sp>
+      <p:sp>
+        <p:nvSpPr>
+          <p:cNvPr id="26" name="Textplatzhalter 25">
+            <a:extLst>
+              <a:ext uri="{FF2B5EF4-FFF2-40B4-BE49-F238E27FC236}">
+                <a16:creationId xmlns:a16="http://schemas.microsoft.com/office/drawing/2014/main" id="{015FFFAD-C631-4ADA-912D-441461155AF4}"/>
               </a:ext>
             </a:extLst>
           </p:cNvPr>
@@ -20920,30 +20931,41 @@
           <a:bodyPr/>
           <a:lstStyle/>
           <a:p>
-            <a:r>
-              <a:rPr lang="de-DE" dirty="0" err="1"/>
-              <a:t>Textbox</a:t>
-            </a:r>
-            <a:r>
-              <a:rPr lang="de-DE" dirty="0"/>
-              <a:t> Fazit</a:t>
-            </a:r>
-            <a:br>
-              <a:rPr lang="de-DE" dirty="0"/>
-            </a:br>
-            <a:r>
-              <a:rPr lang="de-DE" b="0" dirty="0"/>
-              <a:t>mit kurzer Erläuterung</a:t>
-            </a:r>
-          </a:p>
-        </p:txBody>
-      </p:sp>
-      <p:sp>
-        <p:nvSpPr>
-          <p:cNvPr id="21" name="Textplatzhalter 20">
-            <a:extLst>
-              <a:ext uri="{FF2B5EF4-FFF2-40B4-BE49-F238E27FC236}">
-                <a16:creationId xmlns:a16="http://schemas.microsoft.com/office/drawing/2014/main" id="{DD0B8DBB-30C9-43EC-B83C-DFAF3438B6C2}"/>
+            <a:endParaRPr lang="de-DE"/>
+          </a:p>
+        </p:txBody>
+      </p:sp>
+      <p:sp>
+        <p:nvSpPr>
+          <p:cNvPr id="23" name="Diagrammplatzhalter 22" descr="Beschreibung einfügen.">
+            <a:extLst>
+              <a:ext uri="{FF2B5EF4-FFF2-40B4-BE49-F238E27FC236}">
+                <a16:creationId xmlns:a16="http://schemas.microsoft.com/office/drawing/2014/main" id="{BFB5F37A-5788-4A08-B0E4-B8DD1E398010}"/>
+              </a:ext>
+            </a:extLst>
+          </p:cNvPr>
+          <p:cNvSpPr>
+            <a:spLocks noGrp="1"/>
+          </p:cNvSpPr>
+          <p:nvPr>
+            <p:ph type="chart" sz="quarter" idx="21"/>
+          </p:nvPr>
+        </p:nvSpPr>
+        <p:spPr/>
+        <p:txBody>
+          <a:bodyPr/>
+          <a:lstStyle/>
+          <a:p>
+            <a:endParaRPr lang="de-DE"/>
+          </a:p>
+        </p:txBody>
+      </p:sp>
+      <p:sp>
+        <p:nvSpPr>
+          <p:cNvPr id="15" name="Textplatzhalter 14">
+            <a:extLst>
+              <a:ext uri="{FF2B5EF4-FFF2-40B4-BE49-F238E27FC236}">
+                <a16:creationId xmlns:a16="http://schemas.microsoft.com/office/drawing/2014/main" id="{21116410-F9FE-483D-ABF7-9DF4793B6B39}"/>
               </a:ext>
             </a:extLst>
           </p:cNvPr>
@@ -20968,15 +20990,15 @@
           <p:cNvPr id="2" name="Fußzeilenplatzhalter 1">
             <a:extLst>
               <a:ext uri="{FF2B5EF4-FFF2-40B4-BE49-F238E27FC236}">
-                <a16:creationId xmlns:a16="http://schemas.microsoft.com/office/drawing/2014/main" id="{B53A39CD-B037-1D46-9E7E-A2AF79F63C31}"/>
-              </a:ext>
-            </a:extLst>
-          </p:cNvPr>
-          <p:cNvSpPr>
-            <a:spLocks noGrp="1"/>
-          </p:cNvSpPr>
-          <p:nvPr>
-            <p:ph type="ftr" sz="quarter" idx="20"/>
+                <a16:creationId xmlns:a16="http://schemas.microsoft.com/office/drawing/2014/main" id="{B377F562-767A-0F44-B251-EF5B9C78D2FB}"/>
+              </a:ext>
+            </a:extLst>
+          </p:cNvPr>
+          <p:cNvSpPr>
+            <a:spLocks noGrp="1"/>
+          </p:cNvSpPr>
+          <p:nvPr>
+            <p:ph type="ftr" sz="quarter" idx="27"/>
           </p:nvPr>
         </p:nvSpPr>
         <p:spPr/>
@@ -20996,15 +21018,15 @@
           <p:cNvPr id="4" name="Foliennummernplatzhalter 3">
             <a:extLst>
               <a:ext uri="{FF2B5EF4-FFF2-40B4-BE49-F238E27FC236}">
-                <a16:creationId xmlns:a16="http://schemas.microsoft.com/office/drawing/2014/main" id="{335783A6-2E91-46B3-9C0C-3058E387C20B}"/>
-              </a:ext>
-            </a:extLst>
-          </p:cNvPr>
-          <p:cNvSpPr>
-            <a:spLocks noGrp="1"/>
-          </p:cNvSpPr>
-          <p:nvPr>
-            <p:ph type="sldNum" sz="quarter" idx="21"/>
+                <a16:creationId xmlns:a16="http://schemas.microsoft.com/office/drawing/2014/main" id="{552F705C-10C3-440D-9B87-C1AC8AD77759}"/>
+              </a:ext>
+            </a:extLst>
+          </p:cNvPr>
+          <p:cNvSpPr>
+            <a:spLocks noGrp="1"/>
+          </p:cNvSpPr>
+          <p:nvPr>
+            <p:ph type="sldNum" sz="quarter" idx="28"/>
           </p:nvPr>
         </p:nvSpPr>
         <p:spPr/>
@@ -21020,6 +21042,809 @@
               <a:rPr lang="de-DE" smtClean="0"/>
               <a:pPr/>
               <a:t>28</a:t>
+            </a:fld>
+            <a:endParaRPr lang="de-DE" dirty="0"/>
+          </a:p>
+        </p:txBody>
+      </p:sp>
+      <p:sp>
+        <p:nvSpPr>
+          <p:cNvPr id="3" name="Date Placeholder 2">
+            <a:extLst>
+              <a:ext uri="{FF2B5EF4-FFF2-40B4-BE49-F238E27FC236}">
+                <a16:creationId xmlns:a16="http://schemas.microsoft.com/office/drawing/2014/main" id="{F3F5CCD3-660C-88FC-7461-5C0A71FF5419}"/>
+              </a:ext>
+            </a:extLst>
+          </p:cNvPr>
+          <p:cNvSpPr>
+            <a:spLocks noGrp="1"/>
+          </p:cNvSpPr>
+          <p:nvPr>
+            <p:ph type="dt" sz="half" idx="26"/>
+          </p:nvPr>
+        </p:nvSpPr>
+        <p:spPr/>
+        <p:txBody>
+          <a:bodyPr/>
+          <a:lstStyle/>
+          <a:p>
+            <a:fld id="{BA5770AC-8DD4-4A02-8D38-83DA515050C4}" type="datetime4">
+              <a:rPr lang="de-DE" smtClean="0"/>
+              <a:t>22. Januar 2024</a:t>
+            </a:fld>
+            <a:endParaRPr lang="de-DE" dirty="0"/>
+          </a:p>
+        </p:txBody>
+      </p:sp>
+    </p:spTree>
+    <p:extLst>
+      <p:ext uri="{BB962C8B-B14F-4D97-AF65-F5344CB8AC3E}">
+        <p14:creationId xmlns:p14="http://schemas.microsoft.com/office/powerpoint/2010/main" val="1809949390"/>
+      </p:ext>
+    </p:extLst>
+  </p:cSld>
+  <p:clrMapOvr>
+    <a:masterClrMapping/>
+  </p:clrMapOvr>
+  <mc:AlternateContent xmlns:mc="http://schemas.openxmlformats.org/markup-compatibility/2006" xmlns:p159="http://schemas.microsoft.com/office/powerpoint/2015/09/main">
+    <mc:Choice Requires="p159">
+      <p:transition xmlns:p14="http://schemas.microsoft.com/office/powerpoint/2010/main" spd="slow" p14:dur="2000">
+        <p159:morph option="byObject"/>
+      </p:transition>
+    </mc:Choice>
+    <mc:Fallback xmlns="">
+      <p:transition spd="slow">
+        <p:fade/>
+      </p:transition>
+    </mc:Fallback>
+  </mc:AlternateContent>
+</p:sld>
+</file>
+
+<file path=ppt/slides/slide29.xml><?xml version="1.0" encoding="utf-8"?>
+<p:sld xmlns:a="http://schemas.openxmlformats.org/drawingml/2006/main" xmlns:r="http://schemas.openxmlformats.org/officeDocument/2006/relationships" xmlns:p="http://schemas.openxmlformats.org/presentationml/2006/main">
+  <p:cSld>
+    <p:spTree>
+      <p:nvGrpSpPr>
+        <p:cNvPr id="1" name=""/>
+        <p:cNvGrpSpPr/>
+        <p:nvPr/>
+      </p:nvGrpSpPr>
+      <p:grpSpPr>
+        <a:xfrm>
+          <a:off x="0" y="0"/>
+          <a:ext cx="0" cy="0"/>
+          <a:chOff x="0" y="0"/>
+          <a:chExt cx="0" cy="0"/>
+        </a:xfrm>
+      </p:grpSpPr>
+      <p:sp>
+        <p:nvSpPr>
+          <p:cNvPr id="10" name="Titel 9">
+            <a:extLst>
+              <a:ext uri="{FF2B5EF4-FFF2-40B4-BE49-F238E27FC236}">
+                <a16:creationId xmlns:a16="http://schemas.microsoft.com/office/drawing/2014/main" id="{E456FE49-480A-A04E-BBE4-4E03D8256949}"/>
+              </a:ext>
+            </a:extLst>
+          </p:cNvPr>
+          <p:cNvSpPr>
+            <a:spLocks noGrp="1"/>
+          </p:cNvSpPr>
+          <p:nvPr>
+            <p:ph type="title"/>
+          </p:nvPr>
+        </p:nvSpPr>
+        <p:spPr/>
+        <p:txBody>
+          <a:bodyPr/>
+          <a:lstStyle/>
+          <a:p>
+            <a:r>
+              <a:rPr lang="de-DE" dirty="0"/>
+              <a:t>Headline (2 </a:t>
+            </a:r>
+            <a:r>
+              <a:rPr lang="de-DE" dirty="0" err="1"/>
+              <a:t>Textboxen</a:t>
+            </a:r>
+            <a:r>
+              <a:rPr lang="de-DE" dirty="0"/>
+              <a:t>)</a:t>
+            </a:r>
+          </a:p>
+        </p:txBody>
+      </p:sp>
+      <p:sp>
+        <p:nvSpPr>
+          <p:cNvPr id="9" name="Textplatzhalter 8">
+            <a:extLst>
+              <a:ext uri="{FF2B5EF4-FFF2-40B4-BE49-F238E27FC236}">
+                <a16:creationId xmlns:a16="http://schemas.microsoft.com/office/drawing/2014/main" id="{0C0D7BA1-5B9B-E949-BEDB-8C62489B0AEE}"/>
+              </a:ext>
+            </a:extLst>
+          </p:cNvPr>
+          <p:cNvSpPr>
+            <a:spLocks noGrp="1"/>
+          </p:cNvSpPr>
+          <p:nvPr>
+            <p:ph type="body" sz="quarter" idx="18"/>
+          </p:nvPr>
+        </p:nvSpPr>
+        <p:spPr/>
+        <p:txBody>
+          <a:bodyPr/>
+          <a:lstStyle/>
+          <a:p>
+            <a:r>
+              <a:rPr lang="de-DE"/>
+              <a:t>Subheadline</a:t>
+            </a:r>
+            <a:endParaRPr lang="de-DE" dirty="0"/>
+          </a:p>
+        </p:txBody>
+      </p:sp>
+      <p:sp>
+        <p:nvSpPr>
+          <p:cNvPr id="16" name="Textplatzhalter 15">
+            <a:extLst>
+              <a:ext uri="{FF2B5EF4-FFF2-40B4-BE49-F238E27FC236}">
+                <a16:creationId xmlns:a16="http://schemas.microsoft.com/office/drawing/2014/main" id="{AD7B5FCD-3D4B-423F-909B-A9E0F9E8987B}"/>
+              </a:ext>
+            </a:extLst>
+          </p:cNvPr>
+          <p:cNvSpPr>
+            <a:spLocks noGrp="1"/>
+          </p:cNvSpPr>
+          <p:nvPr>
+            <p:ph type="body" sz="quarter" idx="14"/>
+          </p:nvPr>
+        </p:nvSpPr>
+        <p:spPr/>
+        <p:txBody>
+          <a:bodyPr/>
+          <a:lstStyle/>
+          <a:p>
+            <a:endParaRPr lang="de-DE"/>
+          </a:p>
+        </p:txBody>
+      </p:sp>
+      <p:sp>
+        <p:nvSpPr>
+          <p:cNvPr id="17" name="Textplatzhalter 16">
+            <a:extLst>
+              <a:ext uri="{FF2B5EF4-FFF2-40B4-BE49-F238E27FC236}">
+                <a16:creationId xmlns:a16="http://schemas.microsoft.com/office/drawing/2014/main" id="{9CF82DEF-C8C0-4D1A-ADB3-FECC91F9B66E}"/>
+              </a:ext>
+            </a:extLst>
+          </p:cNvPr>
+          <p:cNvSpPr>
+            <a:spLocks noGrp="1"/>
+          </p:cNvSpPr>
+          <p:nvPr>
+            <p:ph type="body" sz="quarter" idx="15"/>
+          </p:nvPr>
+        </p:nvSpPr>
+        <p:spPr/>
+        <p:txBody>
+          <a:bodyPr/>
+          <a:lstStyle/>
+          <a:p>
+            <a:endParaRPr lang="de-DE"/>
+          </a:p>
+        </p:txBody>
+      </p:sp>
+      <p:sp>
+        <p:nvSpPr>
+          <p:cNvPr id="18" name="Textplatzhalter 17">
+            <a:extLst>
+              <a:ext uri="{FF2B5EF4-FFF2-40B4-BE49-F238E27FC236}">
+                <a16:creationId xmlns:a16="http://schemas.microsoft.com/office/drawing/2014/main" id="{E1C6A461-FE87-4829-B240-85E9EE1A47B6}"/>
+              </a:ext>
+            </a:extLst>
+          </p:cNvPr>
+          <p:cNvSpPr>
+            <a:spLocks noGrp="1"/>
+          </p:cNvSpPr>
+          <p:nvPr>
+            <p:ph type="body" sz="quarter" idx="16"/>
+          </p:nvPr>
+        </p:nvSpPr>
+        <p:spPr/>
+        <p:txBody>
+          <a:bodyPr/>
+          <a:lstStyle/>
+          <a:p>
+            <a:endParaRPr lang="de-DE"/>
+          </a:p>
+        </p:txBody>
+      </p:sp>
+      <p:sp>
+        <p:nvSpPr>
+          <p:cNvPr id="19" name="Textplatzhalter 18">
+            <a:extLst>
+              <a:ext uri="{FF2B5EF4-FFF2-40B4-BE49-F238E27FC236}">
+                <a16:creationId xmlns:a16="http://schemas.microsoft.com/office/drawing/2014/main" id="{4B30B289-9CD3-4BDD-935E-B09FC3A23F53}"/>
+              </a:ext>
+            </a:extLst>
+          </p:cNvPr>
+          <p:cNvSpPr>
+            <a:spLocks noGrp="1"/>
+          </p:cNvSpPr>
+          <p:nvPr>
+            <p:ph type="body" sz="quarter" idx="17"/>
+          </p:nvPr>
+        </p:nvSpPr>
+        <p:spPr/>
+        <p:txBody>
+          <a:bodyPr/>
+          <a:lstStyle/>
+          <a:p>
+            <a:endParaRPr lang="de-DE"/>
+          </a:p>
+        </p:txBody>
+      </p:sp>
+      <p:sp>
+        <p:nvSpPr>
+          <p:cNvPr id="11" name="Textplatzhalter 10">
+            <a:extLst>
+              <a:ext uri="{FF2B5EF4-FFF2-40B4-BE49-F238E27FC236}">
+                <a16:creationId xmlns:a16="http://schemas.microsoft.com/office/drawing/2014/main" id="{C104517D-4750-4E9E-89F7-5A440E93F79E}"/>
+              </a:ext>
+            </a:extLst>
+          </p:cNvPr>
+          <p:cNvSpPr>
+            <a:spLocks noGrp="1"/>
+          </p:cNvSpPr>
+          <p:nvPr>
+            <p:ph type="body" sz="quarter" idx="13"/>
+          </p:nvPr>
+        </p:nvSpPr>
+        <p:spPr/>
+        <p:txBody>
+          <a:bodyPr/>
+          <a:lstStyle/>
+          <a:p>
+            <a:endParaRPr lang="de-DE"/>
+          </a:p>
+        </p:txBody>
+      </p:sp>
+      <p:sp>
+        <p:nvSpPr>
+          <p:cNvPr id="2" name="Fußzeilenplatzhalter 1">
+            <a:extLst>
+              <a:ext uri="{FF2B5EF4-FFF2-40B4-BE49-F238E27FC236}">
+                <a16:creationId xmlns:a16="http://schemas.microsoft.com/office/drawing/2014/main" id="{B53A39CD-B037-1D46-9E7E-A2AF79F63C31}"/>
+              </a:ext>
+            </a:extLst>
+          </p:cNvPr>
+          <p:cNvSpPr>
+            <a:spLocks noGrp="1"/>
+          </p:cNvSpPr>
+          <p:nvPr>
+            <p:ph type="ftr" sz="quarter" idx="20"/>
+          </p:nvPr>
+        </p:nvSpPr>
+        <p:spPr/>
+        <p:txBody>
+          <a:bodyPr/>
+          <a:lstStyle/>
+          <a:p>
+            <a:r>
+              <a:rPr lang="de-DE"/>
+              <a:t>Ansible / Berlin; Aps, Fabian</a:t>
+            </a:r>
+          </a:p>
+        </p:txBody>
+      </p:sp>
+      <p:sp>
+        <p:nvSpPr>
+          <p:cNvPr id="4" name="Foliennummernplatzhalter 3">
+            <a:extLst>
+              <a:ext uri="{FF2B5EF4-FFF2-40B4-BE49-F238E27FC236}">
+                <a16:creationId xmlns:a16="http://schemas.microsoft.com/office/drawing/2014/main" id="{335783A6-2E91-46B3-9C0C-3058E387C20B}"/>
+              </a:ext>
+            </a:extLst>
+          </p:cNvPr>
+          <p:cNvSpPr>
+            <a:spLocks noGrp="1"/>
+          </p:cNvSpPr>
+          <p:nvPr>
+            <p:ph type="sldNum" sz="quarter" idx="21"/>
+          </p:nvPr>
+        </p:nvSpPr>
+        <p:spPr/>
+        <p:txBody>
+          <a:bodyPr/>
+          <a:lstStyle/>
+          <a:p>
+            <a:r>
+              <a:rPr lang="de-DE"/>
+              <a:t>Seite </a:t>
+            </a:r>
+            <a:fld id="{5678FFC5-4430-43BC-9807-D0C6EB405569}" type="slidenum">
+              <a:rPr lang="de-DE" smtClean="0"/>
+              <a:pPr/>
+              <a:t>29</a:t>
+            </a:fld>
+            <a:endParaRPr lang="de-DE" dirty="0"/>
+          </a:p>
+        </p:txBody>
+      </p:sp>
+      <p:sp>
+        <p:nvSpPr>
+          <p:cNvPr id="3" name="Date Placeholder 2">
+            <a:extLst>
+              <a:ext uri="{FF2B5EF4-FFF2-40B4-BE49-F238E27FC236}">
+                <a16:creationId xmlns:a16="http://schemas.microsoft.com/office/drawing/2014/main" id="{8DAFE037-4EDC-90A6-068B-B425491D267A}"/>
+              </a:ext>
+            </a:extLst>
+          </p:cNvPr>
+          <p:cNvSpPr>
+            <a:spLocks noGrp="1"/>
+          </p:cNvSpPr>
+          <p:nvPr>
+            <p:ph type="dt" sz="half" idx="19"/>
+          </p:nvPr>
+        </p:nvSpPr>
+        <p:spPr/>
+        <p:txBody>
+          <a:bodyPr/>
+          <a:lstStyle/>
+          <a:p>
+            <a:fld id="{267A473B-7F2F-4954-AB8C-3279C422133A}" type="datetime4">
+              <a:rPr lang="de-DE" smtClean="0"/>
+              <a:t>22. Januar 2024</a:t>
+            </a:fld>
+            <a:endParaRPr lang="de-DE" dirty="0"/>
+          </a:p>
+        </p:txBody>
+      </p:sp>
+    </p:spTree>
+    <p:extLst>
+      <p:ext uri="{BB962C8B-B14F-4D97-AF65-F5344CB8AC3E}">
+        <p14:creationId xmlns:p14="http://schemas.microsoft.com/office/powerpoint/2010/main" val="1135492463"/>
+      </p:ext>
+    </p:extLst>
+  </p:cSld>
+  <p:clrMapOvr>
+    <a:masterClrMapping/>
+  </p:clrMapOvr>
+  <mc:AlternateContent xmlns:mc="http://schemas.openxmlformats.org/markup-compatibility/2006" xmlns:p159="http://schemas.microsoft.com/office/powerpoint/2015/09/main">
+    <mc:Choice Requires="p159">
+      <p:transition xmlns:p14="http://schemas.microsoft.com/office/powerpoint/2010/main" spd="slow" p14:dur="2000">
+        <p159:morph option="byObject"/>
+      </p:transition>
+    </mc:Choice>
+    <mc:Fallback xmlns="">
+      <p:transition spd="slow">
+        <p:fade/>
+      </p:transition>
+    </mc:Fallback>
+  </mc:AlternateContent>
+</p:sld>
+</file>
+
+<file path=ppt/slides/slide3.xml><?xml version="1.0" encoding="utf-8"?>
+<p:sld xmlns:a="http://schemas.openxmlformats.org/drawingml/2006/main" xmlns:r="http://schemas.openxmlformats.org/officeDocument/2006/relationships" xmlns:p="http://schemas.openxmlformats.org/presentationml/2006/main">
+  <p:cSld>
+    <p:spTree>
+      <p:nvGrpSpPr>
+        <p:cNvPr id="1" name=""/>
+        <p:cNvGrpSpPr/>
+        <p:nvPr/>
+      </p:nvGrpSpPr>
+      <p:grpSpPr>
+        <a:xfrm>
+          <a:off x="0" y="0"/>
+          <a:ext cx="0" cy="0"/>
+          <a:chOff x="0" y="0"/>
+          <a:chExt cx="0" cy="0"/>
+        </a:xfrm>
+      </p:grpSpPr>
+      <p:sp>
+        <p:nvSpPr>
+          <p:cNvPr id="8" name="Titel 7">
+            <a:extLst>
+              <a:ext uri="{FF2B5EF4-FFF2-40B4-BE49-F238E27FC236}">
+                <a16:creationId xmlns:a16="http://schemas.microsoft.com/office/drawing/2014/main" id="{C2AC54BE-8DE7-4BE8-8BDF-8919ACFD3430}"/>
+              </a:ext>
+            </a:extLst>
+          </p:cNvPr>
+          <p:cNvSpPr>
+            <a:spLocks noGrp="1"/>
+          </p:cNvSpPr>
+          <p:nvPr>
+            <p:ph type="title"/>
+          </p:nvPr>
+        </p:nvSpPr>
+        <p:spPr/>
+        <p:txBody>
+          <a:bodyPr/>
+          <a:lstStyle/>
+          <a:p>
+            <a:pPr marL="914400" indent="-914400">
+              <a:buFont typeface="+mj-lt"/>
+              <a:buAutoNum type="arabicPeriod"/>
+            </a:pPr>
+            <a:r>
+              <a:rPr lang="de-DE" dirty="0"/>
+              <a:t>Einführung in </a:t>
+            </a:r>
+            <a:r>
+              <a:rPr lang="de-DE" dirty="0" err="1"/>
+              <a:t>Ansible</a:t>
+            </a:r>
+            <a:endParaRPr lang="de-DE" dirty="0"/>
+          </a:p>
+        </p:txBody>
+      </p:sp>
+    </p:spTree>
+    <p:extLst>
+      <p:ext uri="{BB962C8B-B14F-4D97-AF65-F5344CB8AC3E}">
+        <p14:creationId xmlns:p14="http://schemas.microsoft.com/office/powerpoint/2010/main" val="3925808458"/>
+      </p:ext>
+    </p:extLst>
+  </p:cSld>
+  <p:clrMapOvr>
+    <a:masterClrMapping/>
+  </p:clrMapOvr>
+  <mc:AlternateContent xmlns:mc="http://schemas.openxmlformats.org/markup-compatibility/2006" xmlns:p159="http://schemas.microsoft.com/office/powerpoint/2015/09/main">
+    <mc:Choice Requires="p159">
+      <p:transition xmlns:p14="http://schemas.microsoft.com/office/powerpoint/2010/main" spd="slow" p14:dur="2000">
+        <p159:morph option="byObject"/>
+      </p:transition>
+    </mc:Choice>
+    <mc:Fallback xmlns="">
+      <p:transition spd="slow">
+        <p:fade/>
+      </p:transition>
+    </mc:Fallback>
+  </mc:AlternateContent>
+</p:sld>
+</file>
+
+<file path=ppt/slides/slide30.xml><?xml version="1.0" encoding="utf-8"?>
+<p:sld xmlns:a="http://schemas.openxmlformats.org/drawingml/2006/main" xmlns:r="http://schemas.openxmlformats.org/officeDocument/2006/relationships" xmlns:p="http://schemas.openxmlformats.org/presentationml/2006/main">
+  <p:cSld>
+    <p:spTree>
+      <p:nvGrpSpPr>
+        <p:cNvPr id="1" name=""/>
+        <p:cNvGrpSpPr/>
+        <p:nvPr/>
+      </p:nvGrpSpPr>
+      <p:grpSpPr>
+        <a:xfrm>
+          <a:off x="0" y="0"/>
+          <a:ext cx="0" cy="0"/>
+          <a:chOff x="0" y="0"/>
+          <a:chExt cx="0" cy="0"/>
+        </a:xfrm>
+      </p:grpSpPr>
+      <p:sp>
+        <p:nvSpPr>
+          <p:cNvPr id="10" name="Titel 9">
+            <a:extLst>
+              <a:ext uri="{FF2B5EF4-FFF2-40B4-BE49-F238E27FC236}">
+                <a16:creationId xmlns:a16="http://schemas.microsoft.com/office/drawing/2014/main" id="{E456FE49-480A-A04E-BBE4-4E03D8256949}"/>
+              </a:ext>
+            </a:extLst>
+          </p:cNvPr>
+          <p:cNvSpPr>
+            <a:spLocks noGrp="1"/>
+          </p:cNvSpPr>
+          <p:nvPr>
+            <p:ph type="title"/>
+          </p:nvPr>
+        </p:nvSpPr>
+        <p:spPr/>
+        <p:txBody>
+          <a:bodyPr/>
+          <a:lstStyle/>
+          <a:p>
+            <a:r>
+              <a:rPr lang="de-DE" dirty="0"/>
+              <a:t>Headline (2 </a:t>
+            </a:r>
+            <a:r>
+              <a:rPr lang="de-DE" dirty="0" err="1"/>
+              <a:t>Textboxen</a:t>
+            </a:r>
+            <a:r>
+              <a:rPr lang="de-DE" dirty="0"/>
+              <a:t> / Fazit)</a:t>
+            </a:r>
+          </a:p>
+        </p:txBody>
+      </p:sp>
+      <p:sp>
+        <p:nvSpPr>
+          <p:cNvPr id="9" name="Textplatzhalter 8">
+            <a:extLst>
+              <a:ext uri="{FF2B5EF4-FFF2-40B4-BE49-F238E27FC236}">
+                <a16:creationId xmlns:a16="http://schemas.microsoft.com/office/drawing/2014/main" id="{0C0D7BA1-5B9B-E949-BEDB-8C62489B0AEE}"/>
+              </a:ext>
+            </a:extLst>
+          </p:cNvPr>
+          <p:cNvSpPr>
+            <a:spLocks noGrp="1"/>
+          </p:cNvSpPr>
+          <p:nvPr>
+            <p:ph type="body" sz="quarter" idx="18"/>
+          </p:nvPr>
+        </p:nvSpPr>
+        <p:spPr/>
+        <p:txBody>
+          <a:bodyPr/>
+          <a:lstStyle/>
+          <a:p>
+            <a:r>
+              <a:rPr lang="de-DE"/>
+              <a:t>Subheadline</a:t>
+            </a:r>
+            <a:endParaRPr lang="de-DE" dirty="0"/>
+          </a:p>
+        </p:txBody>
+      </p:sp>
+      <p:sp>
+        <p:nvSpPr>
+          <p:cNvPr id="22" name="Textplatzhalter 21">
+            <a:extLst>
+              <a:ext uri="{FF2B5EF4-FFF2-40B4-BE49-F238E27FC236}">
+                <a16:creationId xmlns:a16="http://schemas.microsoft.com/office/drawing/2014/main" id="{359BB219-97F2-45D8-9C98-5BBCE228F135}"/>
+              </a:ext>
+            </a:extLst>
+          </p:cNvPr>
+          <p:cNvSpPr>
+            <a:spLocks noGrp="1"/>
+          </p:cNvSpPr>
+          <p:nvPr>
+            <p:ph type="body" sz="quarter" idx="14"/>
+          </p:nvPr>
+        </p:nvSpPr>
+        <p:spPr/>
+        <p:txBody>
+          <a:bodyPr/>
+          <a:lstStyle/>
+          <a:p>
+            <a:endParaRPr lang="de-DE" dirty="0"/>
+          </a:p>
+        </p:txBody>
+      </p:sp>
+      <p:sp>
+        <p:nvSpPr>
+          <p:cNvPr id="23" name="Textplatzhalter 22">
+            <a:extLst>
+              <a:ext uri="{FF2B5EF4-FFF2-40B4-BE49-F238E27FC236}">
+                <a16:creationId xmlns:a16="http://schemas.microsoft.com/office/drawing/2014/main" id="{3C6A3690-355D-49C9-991E-533935F23913}"/>
+              </a:ext>
+            </a:extLst>
+          </p:cNvPr>
+          <p:cNvSpPr>
+            <a:spLocks noGrp="1"/>
+          </p:cNvSpPr>
+          <p:nvPr>
+            <p:ph type="body" sz="quarter" idx="15"/>
+          </p:nvPr>
+        </p:nvSpPr>
+        <p:spPr/>
+        <p:txBody>
+          <a:bodyPr/>
+          <a:lstStyle/>
+          <a:p>
+            <a:endParaRPr lang="de-DE" dirty="0"/>
+          </a:p>
+        </p:txBody>
+      </p:sp>
+      <p:sp>
+        <p:nvSpPr>
+          <p:cNvPr id="16" name="Textplatzhalter 15">
+            <a:extLst>
+              <a:ext uri="{FF2B5EF4-FFF2-40B4-BE49-F238E27FC236}">
+                <a16:creationId xmlns:a16="http://schemas.microsoft.com/office/drawing/2014/main" id="{6CB67978-E7D6-4CF7-A33F-B8539350A098}"/>
+              </a:ext>
+            </a:extLst>
+          </p:cNvPr>
+          <p:cNvSpPr>
+            <a:spLocks noGrp="1"/>
+          </p:cNvSpPr>
+          <p:nvPr>
+            <p:ph type="body" sz="quarter" idx="24"/>
+          </p:nvPr>
+        </p:nvSpPr>
+        <p:spPr/>
+        <p:txBody>
+          <a:bodyPr/>
+          <a:lstStyle/>
+          <a:p>
+            <a:r>
+              <a:rPr lang="de-DE" dirty="0" err="1"/>
+              <a:t>Textbox</a:t>
+            </a:r>
+            <a:r>
+              <a:rPr lang="de-DE" dirty="0"/>
+              <a:t> Fazit</a:t>
+            </a:r>
+            <a:br>
+              <a:rPr lang="de-DE" dirty="0"/>
+            </a:br>
+            <a:r>
+              <a:rPr lang="de-DE" b="0" dirty="0"/>
+              <a:t>mit kurzer Erläuterung</a:t>
+            </a:r>
+          </a:p>
+        </p:txBody>
+      </p:sp>
+      <p:sp>
+        <p:nvSpPr>
+          <p:cNvPr id="24" name="Textplatzhalter 23">
+            <a:extLst>
+              <a:ext uri="{FF2B5EF4-FFF2-40B4-BE49-F238E27FC236}">
+                <a16:creationId xmlns:a16="http://schemas.microsoft.com/office/drawing/2014/main" id="{EF25B6D5-9610-42C9-A4D1-0D720968A9DB}"/>
+              </a:ext>
+            </a:extLst>
+          </p:cNvPr>
+          <p:cNvSpPr>
+            <a:spLocks noGrp="1"/>
+          </p:cNvSpPr>
+          <p:nvPr>
+            <p:ph type="body" sz="quarter" idx="16"/>
+          </p:nvPr>
+        </p:nvSpPr>
+        <p:spPr/>
+        <p:txBody>
+          <a:bodyPr/>
+          <a:lstStyle/>
+          <a:p>
+            <a:endParaRPr lang="de-DE" dirty="0"/>
+          </a:p>
+        </p:txBody>
+      </p:sp>
+      <p:sp>
+        <p:nvSpPr>
+          <p:cNvPr id="25" name="Textplatzhalter 24">
+            <a:extLst>
+              <a:ext uri="{FF2B5EF4-FFF2-40B4-BE49-F238E27FC236}">
+                <a16:creationId xmlns:a16="http://schemas.microsoft.com/office/drawing/2014/main" id="{A34BD44C-6F9B-4FF4-80B9-E690291100BA}"/>
+              </a:ext>
+            </a:extLst>
+          </p:cNvPr>
+          <p:cNvSpPr>
+            <a:spLocks noGrp="1"/>
+          </p:cNvSpPr>
+          <p:nvPr>
+            <p:ph type="body" sz="quarter" idx="17"/>
+          </p:nvPr>
+        </p:nvSpPr>
+        <p:spPr/>
+        <p:txBody>
+          <a:bodyPr/>
+          <a:lstStyle/>
+          <a:p>
+            <a:endParaRPr lang="de-DE" dirty="0"/>
+          </a:p>
+        </p:txBody>
+      </p:sp>
+      <p:sp>
+        <p:nvSpPr>
+          <p:cNvPr id="17" name="Textplatzhalter 16">
+            <a:extLst>
+              <a:ext uri="{FF2B5EF4-FFF2-40B4-BE49-F238E27FC236}">
+                <a16:creationId xmlns:a16="http://schemas.microsoft.com/office/drawing/2014/main" id="{A6C97DD2-DC63-4D91-9BF7-A8D169A92356}"/>
+              </a:ext>
+            </a:extLst>
+          </p:cNvPr>
+          <p:cNvSpPr>
+            <a:spLocks noGrp="1"/>
+          </p:cNvSpPr>
+          <p:nvPr>
+            <p:ph type="body" sz="quarter" idx="25"/>
+          </p:nvPr>
+        </p:nvSpPr>
+        <p:spPr/>
+        <p:txBody>
+          <a:bodyPr/>
+          <a:lstStyle/>
+          <a:p>
+            <a:r>
+              <a:rPr lang="de-DE" dirty="0" err="1"/>
+              <a:t>Textbox</a:t>
+            </a:r>
+            <a:r>
+              <a:rPr lang="de-DE" dirty="0"/>
+              <a:t> Fazit</a:t>
+            </a:r>
+            <a:br>
+              <a:rPr lang="de-DE" dirty="0"/>
+            </a:br>
+            <a:r>
+              <a:rPr lang="de-DE" b="0" dirty="0"/>
+              <a:t>mit kurzer Erläuterung</a:t>
+            </a:r>
+          </a:p>
+        </p:txBody>
+      </p:sp>
+      <p:sp>
+        <p:nvSpPr>
+          <p:cNvPr id="21" name="Textplatzhalter 20">
+            <a:extLst>
+              <a:ext uri="{FF2B5EF4-FFF2-40B4-BE49-F238E27FC236}">
+                <a16:creationId xmlns:a16="http://schemas.microsoft.com/office/drawing/2014/main" id="{DD0B8DBB-30C9-43EC-B83C-DFAF3438B6C2}"/>
+              </a:ext>
+            </a:extLst>
+          </p:cNvPr>
+          <p:cNvSpPr>
+            <a:spLocks noGrp="1"/>
+          </p:cNvSpPr>
+          <p:nvPr>
+            <p:ph type="body" sz="quarter" idx="13"/>
+          </p:nvPr>
+        </p:nvSpPr>
+        <p:spPr/>
+        <p:txBody>
+          <a:bodyPr/>
+          <a:lstStyle/>
+          <a:p>
+            <a:endParaRPr lang="de-DE"/>
+          </a:p>
+        </p:txBody>
+      </p:sp>
+      <p:sp>
+        <p:nvSpPr>
+          <p:cNvPr id="2" name="Fußzeilenplatzhalter 1">
+            <a:extLst>
+              <a:ext uri="{FF2B5EF4-FFF2-40B4-BE49-F238E27FC236}">
+                <a16:creationId xmlns:a16="http://schemas.microsoft.com/office/drawing/2014/main" id="{B53A39CD-B037-1D46-9E7E-A2AF79F63C31}"/>
+              </a:ext>
+            </a:extLst>
+          </p:cNvPr>
+          <p:cNvSpPr>
+            <a:spLocks noGrp="1"/>
+          </p:cNvSpPr>
+          <p:nvPr>
+            <p:ph type="ftr" sz="quarter" idx="20"/>
+          </p:nvPr>
+        </p:nvSpPr>
+        <p:spPr/>
+        <p:txBody>
+          <a:bodyPr/>
+          <a:lstStyle/>
+          <a:p>
+            <a:r>
+              <a:rPr lang="de-DE"/>
+              <a:t>Ansible / Berlin; Aps, Fabian</a:t>
+            </a:r>
+          </a:p>
+        </p:txBody>
+      </p:sp>
+      <p:sp>
+        <p:nvSpPr>
+          <p:cNvPr id="4" name="Foliennummernplatzhalter 3">
+            <a:extLst>
+              <a:ext uri="{FF2B5EF4-FFF2-40B4-BE49-F238E27FC236}">
+                <a16:creationId xmlns:a16="http://schemas.microsoft.com/office/drawing/2014/main" id="{335783A6-2E91-46B3-9C0C-3058E387C20B}"/>
+              </a:ext>
+            </a:extLst>
+          </p:cNvPr>
+          <p:cNvSpPr>
+            <a:spLocks noGrp="1"/>
+          </p:cNvSpPr>
+          <p:nvPr>
+            <p:ph type="sldNum" sz="quarter" idx="21"/>
+          </p:nvPr>
+        </p:nvSpPr>
+        <p:spPr/>
+        <p:txBody>
+          <a:bodyPr/>
+          <a:lstStyle/>
+          <a:p>
+            <a:r>
+              <a:rPr lang="de-DE"/>
+              <a:t>Seite </a:t>
+            </a:r>
+            <a:fld id="{5678FFC5-4430-43BC-9807-D0C6EB405569}" type="slidenum">
+              <a:rPr lang="de-DE" smtClean="0"/>
+              <a:pPr/>
+              <a:t>30</a:t>
             </a:fld>
             <a:endParaRPr lang="de-DE" dirty="0"/>
           </a:p>
@@ -21438,13 +22263,13 @@
   <p:clrMapOvr>
     <a:masterClrMapping/>
   </p:clrMapOvr>
-  <mc:AlternateContent xmlns:mc="http://schemas.openxmlformats.org/markup-compatibility/2006">
-    <mc:Choice xmlns:p159="http://schemas.microsoft.com/office/powerpoint/2015/09/main" Requires="p159">
+  <mc:AlternateContent xmlns:mc="http://schemas.openxmlformats.org/markup-compatibility/2006" xmlns:p159="http://schemas.microsoft.com/office/powerpoint/2015/09/main">
+    <mc:Choice Requires="p159">
       <p:transition xmlns:p14="http://schemas.microsoft.com/office/powerpoint/2010/main" spd="slow" p14:dur="2000">
         <p159:morph option="byObject"/>
       </p:transition>
     </mc:Choice>
-    <mc:Fallback>
+    <mc:Fallback xmlns="">
       <p:transition spd="slow">
         <p:fade/>
       </p:transition>
@@ -21453,7 +22278,7 @@
 </p:sld>
 </file>
 
-<file path=ppt/slides/slide29.xml><?xml version="1.0" encoding="utf-8"?>
+<file path=ppt/slides/slide31.xml><?xml version="1.0" encoding="utf-8"?>
 <p:sld xmlns:a="http://schemas.openxmlformats.org/drawingml/2006/main" xmlns:r="http://schemas.openxmlformats.org/officeDocument/2006/relationships" xmlns:p="http://schemas.openxmlformats.org/presentationml/2006/main">
   <p:cSld>
     <p:spTree>
@@ -21765,7 +22590,7 @@
             <a:fld id="{5678FFC5-4430-43BC-9807-D0C6EB405569}" type="slidenum">
               <a:rPr lang="de-DE" smtClean="0"/>
               <a:pPr/>
-              <a:t>29</a:t>
+              <a:t>31</a:t>
             </a:fld>
             <a:endParaRPr lang="de-DE" dirty="0"/>
           </a:p>
@@ -21810,13 +22635,13 @@
   <p:clrMapOvr>
     <a:masterClrMapping/>
   </p:clrMapOvr>
-  <mc:AlternateContent xmlns:mc="http://schemas.openxmlformats.org/markup-compatibility/2006">
-    <mc:Choice xmlns:p159="http://schemas.microsoft.com/office/powerpoint/2015/09/main" Requires="p159">
+  <mc:AlternateContent xmlns:mc="http://schemas.openxmlformats.org/markup-compatibility/2006" xmlns:p159="http://schemas.microsoft.com/office/powerpoint/2015/09/main">
+    <mc:Choice Requires="p159">
       <p:transition xmlns:p14="http://schemas.microsoft.com/office/powerpoint/2010/main" spd="slow" p14:dur="2000">
         <p159:morph option="byObject"/>
       </p:transition>
     </mc:Choice>
-    <mc:Fallback>
+    <mc:Fallback xmlns="">
       <p:transition spd="slow">
         <p:fade/>
       </p:transition>
@@ -21825,7 +22650,7 @@
 </p:sld>
 </file>
 
-<file path=ppt/slides/slide3.xml><?xml version="1.0" encoding="utf-8"?>
+<file path=ppt/slides/slide32.xml><?xml version="1.0" encoding="utf-8"?>
 <p:sld xmlns:a="http://schemas.openxmlformats.org/drawingml/2006/main" xmlns:r="http://schemas.openxmlformats.org/officeDocument/2006/relationships" xmlns:p="http://schemas.openxmlformats.org/presentationml/2006/main">
   <p:cSld>
     <p:spTree>
@@ -21844,85 +22669,6 @@
       </p:grpSpPr>
       <p:sp>
         <p:nvSpPr>
-          <p:cNvPr id="8" name="Titel 7">
-            <a:extLst>
-              <a:ext uri="{FF2B5EF4-FFF2-40B4-BE49-F238E27FC236}">
-                <a16:creationId xmlns:a16="http://schemas.microsoft.com/office/drawing/2014/main" id="{C2AC54BE-8DE7-4BE8-8BDF-8919ACFD3430}"/>
-              </a:ext>
-            </a:extLst>
-          </p:cNvPr>
-          <p:cNvSpPr>
-            <a:spLocks noGrp="1"/>
-          </p:cNvSpPr>
-          <p:nvPr>
-            <p:ph type="title"/>
-          </p:nvPr>
-        </p:nvSpPr>
-        <p:spPr/>
-        <p:txBody>
-          <a:bodyPr/>
-          <a:lstStyle/>
-          <a:p>
-            <a:pPr marL="914400" indent="-914400">
-              <a:buFont typeface="+mj-lt"/>
-              <a:buAutoNum type="arabicPeriod"/>
-            </a:pPr>
-            <a:r>
-              <a:rPr lang="de-DE" dirty="0"/>
-              <a:t>Einführung in </a:t>
-            </a:r>
-            <a:r>
-              <a:rPr lang="de-DE" dirty="0" err="1"/>
-              <a:t>Ansible</a:t>
-            </a:r>
-            <a:endParaRPr lang="de-DE" dirty="0"/>
-          </a:p>
-        </p:txBody>
-      </p:sp>
-    </p:spTree>
-    <p:extLst>
-      <p:ext uri="{BB962C8B-B14F-4D97-AF65-F5344CB8AC3E}">
-        <p14:creationId xmlns:p14="http://schemas.microsoft.com/office/powerpoint/2010/main" val="3925808458"/>
-      </p:ext>
-    </p:extLst>
-  </p:cSld>
-  <p:clrMapOvr>
-    <a:masterClrMapping/>
-  </p:clrMapOvr>
-  <mc:AlternateContent xmlns:mc="http://schemas.openxmlformats.org/markup-compatibility/2006">
-    <mc:Choice xmlns:p159="http://schemas.microsoft.com/office/powerpoint/2015/09/main" Requires="p159">
-      <p:transition xmlns:p14="http://schemas.microsoft.com/office/powerpoint/2010/main" spd="slow" p14:dur="2000">
-        <p159:morph option="byObject"/>
-      </p:transition>
-    </mc:Choice>
-    <mc:Fallback>
-      <p:transition spd="slow">
-        <p:fade/>
-      </p:transition>
-    </mc:Fallback>
-  </mc:AlternateContent>
-</p:sld>
-</file>
-
-<file path=ppt/slides/slide30.xml><?xml version="1.0" encoding="utf-8"?>
-<p:sld xmlns:a="http://schemas.openxmlformats.org/drawingml/2006/main" xmlns:r="http://schemas.openxmlformats.org/officeDocument/2006/relationships" xmlns:p="http://schemas.openxmlformats.org/presentationml/2006/main">
-  <p:cSld>
-    <p:spTree>
-      <p:nvGrpSpPr>
-        <p:cNvPr id="1" name=""/>
-        <p:cNvGrpSpPr/>
-        <p:nvPr/>
-      </p:nvGrpSpPr>
-      <p:grpSpPr>
-        <a:xfrm>
-          <a:off x="0" y="0"/>
-          <a:ext cx="0" cy="0"/>
-          <a:chOff x="0" y="0"/>
-          <a:chExt cx="0" cy="0"/>
-        </a:xfrm>
-      </p:grpSpPr>
-      <p:sp>
-        <p:nvSpPr>
           <p:cNvPr id="12" name="Titel 11">
             <a:extLst>
               <a:ext uri="{FF2B5EF4-FFF2-40B4-BE49-F238E27FC236}">
@@ -22343,7 +23089,7 @@
             <a:fld id="{5678FFC5-4430-43BC-9807-D0C6EB405569}" type="slidenum">
               <a:rPr lang="de-DE" smtClean="0"/>
               <a:pPr/>
-              <a:t>30</a:t>
+              <a:t>32</a:t>
             </a:fld>
             <a:endParaRPr lang="de-DE" dirty="0"/>
           </a:p>
@@ -22949,512 +23695,13 @@
   <p:clrMapOvr>
     <a:masterClrMapping/>
   </p:clrMapOvr>
-  <mc:AlternateContent xmlns:mc="http://schemas.openxmlformats.org/markup-compatibility/2006">
-    <mc:Choice xmlns:p159="http://schemas.microsoft.com/office/powerpoint/2015/09/main" Requires="p159">
+  <mc:AlternateContent xmlns:mc="http://schemas.openxmlformats.org/markup-compatibility/2006" xmlns:p159="http://schemas.microsoft.com/office/powerpoint/2015/09/main">
+    <mc:Choice Requires="p159">
       <p:transition xmlns:p14="http://schemas.microsoft.com/office/powerpoint/2010/main" spd="slow" p14:dur="2000">
         <p159:morph option="byObject"/>
       </p:transition>
     </mc:Choice>
-    <mc:Fallback>
-      <p:transition spd="slow">
-        <p:fade/>
-      </p:transition>
-    </mc:Fallback>
-  </mc:AlternateContent>
-</p:sld>
-</file>
-
-<file path=ppt/slides/slide31.xml><?xml version="1.0" encoding="utf-8"?>
-<p:sld xmlns:a="http://schemas.openxmlformats.org/drawingml/2006/main" xmlns:r="http://schemas.openxmlformats.org/officeDocument/2006/relationships" xmlns:p="http://schemas.openxmlformats.org/presentationml/2006/main">
-  <p:cSld>
-    <p:spTree>
-      <p:nvGrpSpPr>
-        <p:cNvPr id="1" name=""/>
-        <p:cNvGrpSpPr/>
-        <p:nvPr/>
-      </p:nvGrpSpPr>
-      <p:grpSpPr>
-        <a:xfrm>
-          <a:off x="0" y="0"/>
-          <a:ext cx="0" cy="0"/>
-          <a:chOff x="0" y="0"/>
-          <a:chExt cx="0" cy="0"/>
-        </a:xfrm>
-      </p:grpSpPr>
-      <p:sp>
-        <p:nvSpPr>
-          <p:cNvPr id="14" name="Titel 13">
-            <a:extLst>
-              <a:ext uri="{FF2B5EF4-FFF2-40B4-BE49-F238E27FC236}">
-                <a16:creationId xmlns:a16="http://schemas.microsoft.com/office/drawing/2014/main" id="{6F342275-665B-F443-87CD-67B0EF5614ED}"/>
-              </a:ext>
-            </a:extLst>
-          </p:cNvPr>
-          <p:cNvSpPr>
-            <a:spLocks noGrp="1"/>
-          </p:cNvSpPr>
-          <p:nvPr>
-            <p:ph type="title"/>
-          </p:nvPr>
-        </p:nvSpPr>
-        <p:spPr/>
-        <p:txBody>
-          <a:bodyPr/>
-          <a:lstStyle/>
-          <a:p>
-            <a:r>
-              <a:rPr lang="de-DE" dirty="0"/>
-              <a:t>Headline (4 </a:t>
-            </a:r>
-            <a:r>
-              <a:rPr lang="de-DE" dirty="0" err="1"/>
-              <a:t>Textboxen</a:t>
-            </a:r>
-            <a:r>
-              <a:rPr lang="de-DE" dirty="0"/>
-              <a:t>)</a:t>
-            </a:r>
-          </a:p>
-        </p:txBody>
-      </p:sp>
-      <p:sp>
-        <p:nvSpPr>
-          <p:cNvPr id="13" name="Textplatzhalter 12">
-            <a:extLst>
-              <a:ext uri="{FF2B5EF4-FFF2-40B4-BE49-F238E27FC236}">
-                <a16:creationId xmlns:a16="http://schemas.microsoft.com/office/drawing/2014/main" id="{9DEA63C3-5765-7A47-A13A-2995708E3C55}"/>
-              </a:ext>
-            </a:extLst>
-          </p:cNvPr>
-          <p:cNvSpPr>
-            <a:spLocks noGrp="1"/>
-          </p:cNvSpPr>
-          <p:nvPr>
-            <p:ph type="body" sz="quarter" idx="22"/>
-          </p:nvPr>
-        </p:nvSpPr>
-        <p:spPr/>
-        <p:txBody>
-          <a:bodyPr/>
-          <a:lstStyle/>
-          <a:p>
-            <a:r>
-              <a:rPr lang="de-DE" dirty="0"/>
-              <a:t>Subheadline</a:t>
-            </a:r>
-          </a:p>
-        </p:txBody>
-      </p:sp>
-      <p:sp>
-        <p:nvSpPr>
-          <p:cNvPr id="9" name="Textplatzhalter 8">
-            <a:extLst>
-              <a:ext uri="{FF2B5EF4-FFF2-40B4-BE49-F238E27FC236}">
-                <a16:creationId xmlns:a16="http://schemas.microsoft.com/office/drawing/2014/main" id="{6EBB3133-7EAD-4A59-A2DE-6EF53607B2D2}"/>
-              </a:ext>
-            </a:extLst>
-          </p:cNvPr>
-          <p:cNvSpPr>
-            <a:spLocks noGrp="1"/>
-          </p:cNvSpPr>
-          <p:nvPr>
-            <p:ph type="body" sz="quarter" idx="14"/>
-          </p:nvPr>
-        </p:nvSpPr>
-        <p:spPr/>
-        <p:txBody>
-          <a:bodyPr/>
-          <a:lstStyle/>
-          <a:p>
-            <a:endParaRPr lang="de-DE"/>
-          </a:p>
-        </p:txBody>
-      </p:sp>
-      <p:sp>
-        <p:nvSpPr>
-          <p:cNvPr id="10" name="Textplatzhalter 9">
-            <a:extLst>
-              <a:ext uri="{FF2B5EF4-FFF2-40B4-BE49-F238E27FC236}">
-                <a16:creationId xmlns:a16="http://schemas.microsoft.com/office/drawing/2014/main" id="{5AB82353-392E-451A-8EAC-7BBB7C85BD8E}"/>
-              </a:ext>
-            </a:extLst>
-          </p:cNvPr>
-          <p:cNvSpPr>
-            <a:spLocks noGrp="1"/>
-          </p:cNvSpPr>
-          <p:nvPr>
-            <p:ph type="body" sz="quarter" idx="15"/>
-          </p:nvPr>
-        </p:nvSpPr>
-        <p:spPr/>
-        <p:txBody>
-          <a:bodyPr/>
-          <a:lstStyle/>
-          <a:p>
-            <a:endParaRPr lang="de-DE"/>
-          </a:p>
-        </p:txBody>
-      </p:sp>
-      <p:sp>
-        <p:nvSpPr>
-          <p:cNvPr id="11" name="Textplatzhalter 10">
-            <a:extLst>
-              <a:ext uri="{FF2B5EF4-FFF2-40B4-BE49-F238E27FC236}">
-                <a16:creationId xmlns:a16="http://schemas.microsoft.com/office/drawing/2014/main" id="{AE7D5197-9B9A-411B-B08A-D64937C4C56D}"/>
-              </a:ext>
-            </a:extLst>
-          </p:cNvPr>
-          <p:cNvSpPr>
-            <a:spLocks noGrp="1"/>
-          </p:cNvSpPr>
-          <p:nvPr>
-            <p:ph type="body" sz="quarter" idx="16"/>
-          </p:nvPr>
-        </p:nvSpPr>
-        <p:spPr/>
-        <p:txBody>
-          <a:bodyPr/>
-          <a:lstStyle/>
-          <a:p>
-            <a:endParaRPr lang="de-DE"/>
-          </a:p>
-        </p:txBody>
-      </p:sp>
-      <p:sp>
-        <p:nvSpPr>
-          <p:cNvPr id="12" name="Textplatzhalter 11">
-            <a:extLst>
-              <a:ext uri="{FF2B5EF4-FFF2-40B4-BE49-F238E27FC236}">
-                <a16:creationId xmlns:a16="http://schemas.microsoft.com/office/drawing/2014/main" id="{7A1975C4-9CB8-4A1C-89E8-73AED3A41D1D}"/>
-              </a:ext>
-            </a:extLst>
-          </p:cNvPr>
-          <p:cNvSpPr>
-            <a:spLocks noGrp="1"/>
-          </p:cNvSpPr>
-          <p:nvPr>
-            <p:ph type="body" sz="quarter" idx="17"/>
-          </p:nvPr>
-        </p:nvSpPr>
-        <p:spPr/>
-        <p:txBody>
-          <a:bodyPr/>
-          <a:lstStyle/>
-          <a:p>
-            <a:endParaRPr lang="de-DE"/>
-          </a:p>
-        </p:txBody>
-      </p:sp>
-      <p:sp>
-        <p:nvSpPr>
-          <p:cNvPr id="15" name="Textplatzhalter 14">
-            <a:extLst>
-              <a:ext uri="{FF2B5EF4-FFF2-40B4-BE49-F238E27FC236}">
-                <a16:creationId xmlns:a16="http://schemas.microsoft.com/office/drawing/2014/main" id="{E8A1167E-7615-402F-8332-D00C3AA9F70F}"/>
-              </a:ext>
-            </a:extLst>
-          </p:cNvPr>
-          <p:cNvSpPr>
-            <a:spLocks noGrp="1"/>
-          </p:cNvSpPr>
-          <p:nvPr>
-            <p:ph type="body" sz="quarter" idx="18"/>
-          </p:nvPr>
-        </p:nvSpPr>
-        <p:spPr/>
-        <p:txBody>
-          <a:bodyPr/>
-          <a:lstStyle/>
-          <a:p>
-            <a:endParaRPr lang="de-DE"/>
-          </a:p>
-        </p:txBody>
-      </p:sp>
-      <p:sp>
-        <p:nvSpPr>
-          <p:cNvPr id="16" name="Textplatzhalter 15">
-            <a:extLst>
-              <a:ext uri="{FF2B5EF4-FFF2-40B4-BE49-F238E27FC236}">
-                <a16:creationId xmlns:a16="http://schemas.microsoft.com/office/drawing/2014/main" id="{9783B1B1-E528-4BEC-822D-D5FB4BCEBF38}"/>
-              </a:ext>
-            </a:extLst>
-          </p:cNvPr>
-          <p:cNvSpPr>
-            <a:spLocks noGrp="1"/>
-          </p:cNvSpPr>
-          <p:nvPr>
-            <p:ph type="body" sz="quarter" idx="19"/>
-          </p:nvPr>
-        </p:nvSpPr>
-        <p:spPr/>
-        <p:txBody>
-          <a:bodyPr/>
-          <a:lstStyle/>
-          <a:p>
-            <a:endParaRPr lang="de-DE"/>
-          </a:p>
-        </p:txBody>
-      </p:sp>
-      <p:sp>
-        <p:nvSpPr>
-          <p:cNvPr id="17" name="Textplatzhalter 16">
-            <a:extLst>
-              <a:ext uri="{FF2B5EF4-FFF2-40B4-BE49-F238E27FC236}">
-                <a16:creationId xmlns:a16="http://schemas.microsoft.com/office/drawing/2014/main" id="{81993C82-543E-4892-84A7-AE857B8E6B8C}"/>
-              </a:ext>
-            </a:extLst>
-          </p:cNvPr>
-          <p:cNvSpPr>
-            <a:spLocks noGrp="1"/>
-          </p:cNvSpPr>
-          <p:nvPr>
-            <p:ph type="body" sz="quarter" idx="20"/>
-          </p:nvPr>
-        </p:nvSpPr>
-        <p:spPr/>
-        <p:txBody>
-          <a:bodyPr/>
-          <a:lstStyle/>
-          <a:p>
-            <a:endParaRPr lang="de-DE"/>
-          </a:p>
-        </p:txBody>
-      </p:sp>
-      <p:sp>
-        <p:nvSpPr>
-          <p:cNvPr id="18" name="Textplatzhalter 17">
-            <a:extLst>
-              <a:ext uri="{FF2B5EF4-FFF2-40B4-BE49-F238E27FC236}">
-                <a16:creationId xmlns:a16="http://schemas.microsoft.com/office/drawing/2014/main" id="{1BA8423A-6B1C-4D47-829F-DFB60D3C0C85}"/>
-              </a:ext>
-            </a:extLst>
-          </p:cNvPr>
-          <p:cNvSpPr>
-            <a:spLocks noGrp="1"/>
-          </p:cNvSpPr>
-          <p:nvPr>
-            <p:ph type="body" sz="quarter" idx="21"/>
-          </p:nvPr>
-        </p:nvSpPr>
-        <p:spPr/>
-        <p:txBody>
-          <a:bodyPr/>
-          <a:lstStyle/>
-          <a:p>
-            <a:endParaRPr lang="de-DE"/>
-          </a:p>
-        </p:txBody>
-      </p:sp>
-      <p:sp>
-        <p:nvSpPr>
-          <p:cNvPr id="8" name="Textplatzhalter 7">
-            <a:extLst>
-              <a:ext uri="{FF2B5EF4-FFF2-40B4-BE49-F238E27FC236}">
-                <a16:creationId xmlns:a16="http://schemas.microsoft.com/office/drawing/2014/main" id="{6EA28609-140D-435D-98DF-60D51C192316}"/>
-              </a:ext>
-            </a:extLst>
-          </p:cNvPr>
-          <p:cNvSpPr>
-            <a:spLocks noGrp="1"/>
-          </p:cNvSpPr>
-          <p:nvPr>
-            <p:ph type="body" sz="quarter" idx="13"/>
-          </p:nvPr>
-        </p:nvSpPr>
-        <p:spPr/>
-        <p:txBody>
-          <a:bodyPr/>
-          <a:lstStyle/>
-          <a:p>
-            <a:endParaRPr lang="de-DE"/>
-          </a:p>
-        </p:txBody>
-      </p:sp>
-      <p:sp>
-        <p:nvSpPr>
-          <p:cNvPr id="2" name="Fußzeilenplatzhalter 1">
-            <a:extLst>
-              <a:ext uri="{FF2B5EF4-FFF2-40B4-BE49-F238E27FC236}">
-                <a16:creationId xmlns:a16="http://schemas.microsoft.com/office/drawing/2014/main" id="{8FB1FF0A-1338-FD45-88E0-0725B70BDF4A}"/>
-              </a:ext>
-            </a:extLst>
-          </p:cNvPr>
-          <p:cNvSpPr>
-            <a:spLocks noGrp="1"/>
-          </p:cNvSpPr>
-          <p:nvPr>
-            <p:ph type="ftr" sz="quarter" idx="24"/>
-          </p:nvPr>
-        </p:nvSpPr>
-        <p:spPr/>
-        <p:txBody>
-          <a:bodyPr/>
-          <a:lstStyle/>
-          <a:p>
-            <a:r>
-              <a:rPr lang="de-DE"/>
-              <a:t>Ansible / Berlin; Aps, Fabian</a:t>
-            </a:r>
-          </a:p>
-        </p:txBody>
-      </p:sp>
-      <p:sp>
-        <p:nvSpPr>
-          <p:cNvPr id="4" name="Foliennummernplatzhalter 3">
-            <a:extLst>
-              <a:ext uri="{FF2B5EF4-FFF2-40B4-BE49-F238E27FC236}">
-                <a16:creationId xmlns:a16="http://schemas.microsoft.com/office/drawing/2014/main" id="{28377C0B-5503-4BED-A535-EE18C3F3FF95}"/>
-              </a:ext>
-            </a:extLst>
-          </p:cNvPr>
-          <p:cNvSpPr>
-            <a:spLocks noGrp="1"/>
-          </p:cNvSpPr>
-          <p:nvPr>
-            <p:ph type="sldNum" sz="quarter" idx="25"/>
-          </p:nvPr>
-        </p:nvSpPr>
-        <p:spPr/>
-        <p:txBody>
-          <a:bodyPr/>
-          <a:lstStyle/>
-          <a:p>
-            <a:r>
-              <a:rPr lang="de-DE"/>
-              <a:t>Seite </a:t>
-            </a:r>
-            <a:fld id="{5678FFC5-4430-43BC-9807-D0C6EB405569}" type="slidenum">
-              <a:rPr lang="de-DE" smtClean="0"/>
-              <a:pPr/>
-              <a:t>31</a:t>
-            </a:fld>
-            <a:endParaRPr lang="de-DE" dirty="0"/>
-          </a:p>
-        </p:txBody>
-      </p:sp>
-      <p:sp>
-        <p:nvSpPr>
-          <p:cNvPr id="3" name="Date Placeholder 2">
-            <a:extLst>
-              <a:ext uri="{FF2B5EF4-FFF2-40B4-BE49-F238E27FC236}">
-                <a16:creationId xmlns:a16="http://schemas.microsoft.com/office/drawing/2014/main" id="{A1673F9E-A796-A4EE-D9DF-22DE44DEDB5D}"/>
-              </a:ext>
-            </a:extLst>
-          </p:cNvPr>
-          <p:cNvSpPr>
-            <a:spLocks noGrp="1"/>
-          </p:cNvSpPr>
-          <p:nvPr>
-            <p:ph type="dt" sz="half" idx="23"/>
-          </p:nvPr>
-        </p:nvSpPr>
-        <p:spPr/>
-        <p:txBody>
-          <a:bodyPr/>
-          <a:lstStyle/>
-          <a:p>
-            <a:fld id="{36841660-9727-42EF-AAE6-C191EA0F2D7C}" type="datetime4">
-              <a:rPr lang="de-DE" smtClean="0"/>
-              <a:t>22. Januar 2024</a:t>
-            </a:fld>
-            <a:endParaRPr lang="de-DE" dirty="0"/>
-          </a:p>
-        </p:txBody>
-      </p:sp>
-    </p:spTree>
-    <p:extLst>
-      <p:ext uri="{BB962C8B-B14F-4D97-AF65-F5344CB8AC3E}">
-        <p14:creationId xmlns:p14="http://schemas.microsoft.com/office/powerpoint/2010/main" val="1279778982"/>
-      </p:ext>
-    </p:extLst>
-  </p:cSld>
-  <p:clrMapOvr>
-    <a:masterClrMapping/>
-  </p:clrMapOvr>
-  <mc:AlternateContent xmlns:mc="http://schemas.openxmlformats.org/markup-compatibility/2006">
-    <mc:Choice xmlns:p159="http://schemas.microsoft.com/office/powerpoint/2015/09/main" Requires="p159">
-      <p:transition xmlns:p14="http://schemas.microsoft.com/office/powerpoint/2010/main" spd="slow" p14:dur="2000">
-        <p159:morph option="byObject"/>
-      </p:transition>
-    </mc:Choice>
-    <mc:Fallback>
-      <p:transition spd="slow">
-        <p:fade/>
-      </p:transition>
-    </mc:Fallback>
-  </mc:AlternateContent>
-</p:sld>
-</file>
-
-<file path=ppt/slides/slide32.xml><?xml version="1.0" encoding="utf-8"?>
-<p:sld xmlns:a="http://schemas.openxmlformats.org/drawingml/2006/main" xmlns:r="http://schemas.openxmlformats.org/officeDocument/2006/relationships" xmlns:p="http://schemas.openxmlformats.org/presentationml/2006/main">
-  <p:cSld>
-    <p:spTree>
-      <p:nvGrpSpPr>
-        <p:cNvPr id="1" name=""/>
-        <p:cNvGrpSpPr/>
-        <p:nvPr/>
-      </p:nvGrpSpPr>
-      <p:grpSpPr>
-        <a:xfrm>
-          <a:off x="0" y="0"/>
-          <a:ext cx="0" cy="0"/>
-          <a:chOff x="0" y="0"/>
-          <a:chExt cx="0" cy="0"/>
-        </a:xfrm>
-      </p:grpSpPr>
-      <p:sp>
-        <p:nvSpPr>
-          <p:cNvPr id="8" name="Titel 7">
-            <a:extLst>
-              <a:ext uri="{FF2B5EF4-FFF2-40B4-BE49-F238E27FC236}">
-                <a16:creationId xmlns:a16="http://schemas.microsoft.com/office/drawing/2014/main" id="{C2AC54BE-8DE7-4BE8-8BDF-8919ACFD3430}"/>
-              </a:ext>
-            </a:extLst>
-          </p:cNvPr>
-          <p:cNvSpPr>
-            <a:spLocks noGrp="1"/>
-          </p:cNvSpPr>
-          <p:nvPr>
-            <p:ph type="title"/>
-          </p:nvPr>
-        </p:nvSpPr>
-        <p:spPr/>
-        <p:txBody>
-          <a:bodyPr/>
-          <a:lstStyle/>
-          <a:p>
-            <a:r>
-              <a:rPr lang="de-DE" dirty="0"/>
-              <a:t>Kapiteltrenner</a:t>
-            </a:r>
-            <a:br>
-              <a:rPr lang="de-DE" dirty="0"/>
-            </a:br>
-            <a:r>
-              <a:rPr lang="de-DE" b="0" dirty="0"/>
-              <a:t>Petrol</a:t>
-            </a:r>
-          </a:p>
-        </p:txBody>
-      </p:sp>
-    </p:spTree>
-    <p:extLst>
-      <p:ext uri="{BB962C8B-B14F-4D97-AF65-F5344CB8AC3E}">
-        <p14:creationId xmlns:p14="http://schemas.microsoft.com/office/powerpoint/2010/main" val="1839747456"/>
-      </p:ext>
-    </p:extLst>
-  </p:cSld>
-  <p:clrMapOvr>
-    <a:masterClrMapping/>
-  </p:clrMapOvr>
-  <mc:AlternateContent xmlns:mc="http://schemas.openxmlformats.org/markup-compatibility/2006">
-    <mc:Choice xmlns:p159="http://schemas.microsoft.com/office/powerpoint/2015/09/main" Requires="p159">
-      <p:transition xmlns:p14="http://schemas.microsoft.com/office/powerpoint/2010/main" spd="slow" p14:dur="2000">
-        <p159:morph option="byObject"/>
-      </p:transition>
-    </mc:Choice>
-    <mc:Fallback>
+    <mc:Fallback xmlns="">
       <p:transition spd="slow">
         <p:fade/>
       </p:transition>
@@ -23482,10 +23729,10 @@
       </p:grpSpPr>
       <p:sp>
         <p:nvSpPr>
-          <p:cNvPr id="8" name="Titel 7">
-            <a:extLst>
-              <a:ext uri="{FF2B5EF4-FFF2-40B4-BE49-F238E27FC236}">
-                <a16:creationId xmlns:a16="http://schemas.microsoft.com/office/drawing/2014/main" id="{C2AC54BE-8DE7-4BE8-8BDF-8919ACFD3430}"/>
+          <p:cNvPr id="14" name="Titel 13">
+            <a:extLst>
+              <a:ext uri="{FF2B5EF4-FFF2-40B4-BE49-F238E27FC236}">
+                <a16:creationId xmlns:a16="http://schemas.microsoft.com/office/drawing/2014/main" id="{6F342275-665B-F443-87CD-67B0EF5614ED}"/>
               </a:ext>
             </a:extLst>
           </p:cNvPr>
@@ -23503,35 +23750,380 @@
           <a:p>
             <a:r>
               <a:rPr lang="de-DE" dirty="0"/>
-              <a:t>Kapiteltrenner</a:t>
-            </a:r>
-            <a:br>
+              <a:t>Headline (4 </a:t>
+            </a:r>
+            <a:r>
+              <a:rPr lang="de-DE" dirty="0" err="1"/>
+              <a:t>Textboxen</a:t>
+            </a:r>
+            <a:r>
               <a:rPr lang="de-DE" dirty="0"/>
-            </a:br>
-            <a:r>
-              <a:rPr lang="de-DE" b="0" dirty="0"/>
-              <a:t>Dunkelgrün</a:t>
-            </a:r>
+              <a:t>)</a:t>
+            </a:r>
+          </a:p>
+        </p:txBody>
+      </p:sp>
+      <p:sp>
+        <p:nvSpPr>
+          <p:cNvPr id="13" name="Textplatzhalter 12">
+            <a:extLst>
+              <a:ext uri="{FF2B5EF4-FFF2-40B4-BE49-F238E27FC236}">
+                <a16:creationId xmlns:a16="http://schemas.microsoft.com/office/drawing/2014/main" id="{9DEA63C3-5765-7A47-A13A-2995708E3C55}"/>
+              </a:ext>
+            </a:extLst>
+          </p:cNvPr>
+          <p:cNvSpPr>
+            <a:spLocks noGrp="1"/>
+          </p:cNvSpPr>
+          <p:nvPr>
+            <p:ph type="body" sz="quarter" idx="22"/>
+          </p:nvPr>
+        </p:nvSpPr>
+        <p:spPr/>
+        <p:txBody>
+          <a:bodyPr/>
+          <a:lstStyle/>
+          <a:p>
+            <a:r>
+              <a:rPr lang="de-DE" dirty="0"/>
+              <a:t>Subheadline</a:t>
+            </a:r>
+          </a:p>
+        </p:txBody>
+      </p:sp>
+      <p:sp>
+        <p:nvSpPr>
+          <p:cNvPr id="9" name="Textplatzhalter 8">
+            <a:extLst>
+              <a:ext uri="{FF2B5EF4-FFF2-40B4-BE49-F238E27FC236}">
+                <a16:creationId xmlns:a16="http://schemas.microsoft.com/office/drawing/2014/main" id="{6EBB3133-7EAD-4A59-A2DE-6EF53607B2D2}"/>
+              </a:ext>
+            </a:extLst>
+          </p:cNvPr>
+          <p:cNvSpPr>
+            <a:spLocks noGrp="1"/>
+          </p:cNvSpPr>
+          <p:nvPr>
+            <p:ph type="body" sz="quarter" idx="14"/>
+          </p:nvPr>
+        </p:nvSpPr>
+        <p:spPr/>
+        <p:txBody>
+          <a:bodyPr/>
+          <a:lstStyle/>
+          <a:p>
+            <a:endParaRPr lang="de-DE"/>
+          </a:p>
+        </p:txBody>
+      </p:sp>
+      <p:sp>
+        <p:nvSpPr>
+          <p:cNvPr id="10" name="Textplatzhalter 9">
+            <a:extLst>
+              <a:ext uri="{FF2B5EF4-FFF2-40B4-BE49-F238E27FC236}">
+                <a16:creationId xmlns:a16="http://schemas.microsoft.com/office/drawing/2014/main" id="{5AB82353-392E-451A-8EAC-7BBB7C85BD8E}"/>
+              </a:ext>
+            </a:extLst>
+          </p:cNvPr>
+          <p:cNvSpPr>
+            <a:spLocks noGrp="1"/>
+          </p:cNvSpPr>
+          <p:nvPr>
+            <p:ph type="body" sz="quarter" idx="15"/>
+          </p:nvPr>
+        </p:nvSpPr>
+        <p:spPr/>
+        <p:txBody>
+          <a:bodyPr/>
+          <a:lstStyle/>
+          <a:p>
+            <a:endParaRPr lang="de-DE"/>
+          </a:p>
+        </p:txBody>
+      </p:sp>
+      <p:sp>
+        <p:nvSpPr>
+          <p:cNvPr id="11" name="Textplatzhalter 10">
+            <a:extLst>
+              <a:ext uri="{FF2B5EF4-FFF2-40B4-BE49-F238E27FC236}">
+                <a16:creationId xmlns:a16="http://schemas.microsoft.com/office/drawing/2014/main" id="{AE7D5197-9B9A-411B-B08A-D64937C4C56D}"/>
+              </a:ext>
+            </a:extLst>
+          </p:cNvPr>
+          <p:cNvSpPr>
+            <a:spLocks noGrp="1"/>
+          </p:cNvSpPr>
+          <p:nvPr>
+            <p:ph type="body" sz="quarter" idx="16"/>
+          </p:nvPr>
+        </p:nvSpPr>
+        <p:spPr/>
+        <p:txBody>
+          <a:bodyPr/>
+          <a:lstStyle/>
+          <a:p>
+            <a:endParaRPr lang="de-DE"/>
+          </a:p>
+        </p:txBody>
+      </p:sp>
+      <p:sp>
+        <p:nvSpPr>
+          <p:cNvPr id="12" name="Textplatzhalter 11">
+            <a:extLst>
+              <a:ext uri="{FF2B5EF4-FFF2-40B4-BE49-F238E27FC236}">
+                <a16:creationId xmlns:a16="http://schemas.microsoft.com/office/drawing/2014/main" id="{7A1975C4-9CB8-4A1C-89E8-73AED3A41D1D}"/>
+              </a:ext>
+            </a:extLst>
+          </p:cNvPr>
+          <p:cNvSpPr>
+            <a:spLocks noGrp="1"/>
+          </p:cNvSpPr>
+          <p:nvPr>
+            <p:ph type="body" sz="quarter" idx="17"/>
+          </p:nvPr>
+        </p:nvSpPr>
+        <p:spPr/>
+        <p:txBody>
+          <a:bodyPr/>
+          <a:lstStyle/>
+          <a:p>
+            <a:endParaRPr lang="de-DE"/>
+          </a:p>
+        </p:txBody>
+      </p:sp>
+      <p:sp>
+        <p:nvSpPr>
+          <p:cNvPr id="15" name="Textplatzhalter 14">
+            <a:extLst>
+              <a:ext uri="{FF2B5EF4-FFF2-40B4-BE49-F238E27FC236}">
+                <a16:creationId xmlns:a16="http://schemas.microsoft.com/office/drawing/2014/main" id="{E8A1167E-7615-402F-8332-D00C3AA9F70F}"/>
+              </a:ext>
+            </a:extLst>
+          </p:cNvPr>
+          <p:cNvSpPr>
+            <a:spLocks noGrp="1"/>
+          </p:cNvSpPr>
+          <p:nvPr>
+            <p:ph type="body" sz="quarter" idx="18"/>
+          </p:nvPr>
+        </p:nvSpPr>
+        <p:spPr/>
+        <p:txBody>
+          <a:bodyPr/>
+          <a:lstStyle/>
+          <a:p>
+            <a:endParaRPr lang="de-DE"/>
+          </a:p>
+        </p:txBody>
+      </p:sp>
+      <p:sp>
+        <p:nvSpPr>
+          <p:cNvPr id="16" name="Textplatzhalter 15">
+            <a:extLst>
+              <a:ext uri="{FF2B5EF4-FFF2-40B4-BE49-F238E27FC236}">
+                <a16:creationId xmlns:a16="http://schemas.microsoft.com/office/drawing/2014/main" id="{9783B1B1-E528-4BEC-822D-D5FB4BCEBF38}"/>
+              </a:ext>
+            </a:extLst>
+          </p:cNvPr>
+          <p:cNvSpPr>
+            <a:spLocks noGrp="1"/>
+          </p:cNvSpPr>
+          <p:nvPr>
+            <p:ph type="body" sz="quarter" idx="19"/>
+          </p:nvPr>
+        </p:nvSpPr>
+        <p:spPr/>
+        <p:txBody>
+          <a:bodyPr/>
+          <a:lstStyle/>
+          <a:p>
+            <a:endParaRPr lang="de-DE"/>
+          </a:p>
+        </p:txBody>
+      </p:sp>
+      <p:sp>
+        <p:nvSpPr>
+          <p:cNvPr id="17" name="Textplatzhalter 16">
+            <a:extLst>
+              <a:ext uri="{FF2B5EF4-FFF2-40B4-BE49-F238E27FC236}">
+                <a16:creationId xmlns:a16="http://schemas.microsoft.com/office/drawing/2014/main" id="{81993C82-543E-4892-84A7-AE857B8E6B8C}"/>
+              </a:ext>
+            </a:extLst>
+          </p:cNvPr>
+          <p:cNvSpPr>
+            <a:spLocks noGrp="1"/>
+          </p:cNvSpPr>
+          <p:nvPr>
+            <p:ph type="body" sz="quarter" idx="20"/>
+          </p:nvPr>
+        </p:nvSpPr>
+        <p:spPr/>
+        <p:txBody>
+          <a:bodyPr/>
+          <a:lstStyle/>
+          <a:p>
+            <a:endParaRPr lang="de-DE"/>
+          </a:p>
+        </p:txBody>
+      </p:sp>
+      <p:sp>
+        <p:nvSpPr>
+          <p:cNvPr id="18" name="Textplatzhalter 17">
+            <a:extLst>
+              <a:ext uri="{FF2B5EF4-FFF2-40B4-BE49-F238E27FC236}">
+                <a16:creationId xmlns:a16="http://schemas.microsoft.com/office/drawing/2014/main" id="{1BA8423A-6B1C-4D47-829F-DFB60D3C0C85}"/>
+              </a:ext>
+            </a:extLst>
+          </p:cNvPr>
+          <p:cNvSpPr>
+            <a:spLocks noGrp="1"/>
+          </p:cNvSpPr>
+          <p:nvPr>
+            <p:ph type="body" sz="quarter" idx="21"/>
+          </p:nvPr>
+        </p:nvSpPr>
+        <p:spPr/>
+        <p:txBody>
+          <a:bodyPr/>
+          <a:lstStyle/>
+          <a:p>
+            <a:endParaRPr lang="de-DE"/>
+          </a:p>
+        </p:txBody>
+      </p:sp>
+      <p:sp>
+        <p:nvSpPr>
+          <p:cNvPr id="8" name="Textplatzhalter 7">
+            <a:extLst>
+              <a:ext uri="{FF2B5EF4-FFF2-40B4-BE49-F238E27FC236}">
+                <a16:creationId xmlns:a16="http://schemas.microsoft.com/office/drawing/2014/main" id="{6EA28609-140D-435D-98DF-60D51C192316}"/>
+              </a:ext>
+            </a:extLst>
+          </p:cNvPr>
+          <p:cNvSpPr>
+            <a:spLocks noGrp="1"/>
+          </p:cNvSpPr>
+          <p:nvPr>
+            <p:ph type="body" sz="quarter" idx="13"/>
+          </p:nvPr>
+        </p:nvSpPr>
+        <p:spPr/>
+        <p:txBody>
+          <a:bodyPr/>
+          <a:lstStyle/>
+          <a:p>
+            <a:endParaRPr lang="de-DE"/>
+          </a:p>
+        </p:txBody>
+      </p:sp>
+      <p:sp>
+        <p:nvSpPr>
+          <p:cNvPr id="2" name="Fußzeilenplatzhalter 1">
+            <a:extLst>
+              <a:ext uri="{FF2B5EF4-FFF2-40B4-BE49-F238E27FC236}">
+                <a16:creationId xmlns:a16="http://schemas.microsoft.com/office/drawing/2014/main" id="{8FB1FF0A-1338-FD45-88E0-0725B70BDF4A}"/>
+              </a:ext>
+            </a:extLst>
+          </p:cNvPr>
+          <p:cNvSpPr>
+            <a:spLocks noGrp="1"/>
+          </p:cNvSpPr>
+          <p:nvPr>
+            <p:ph type="ftr" sz="quarter" idx="24"/>
+          </p:nvPr>
+        </p:nvSpPr>
+        <p:spPr/>
+        <p:txBody>
+          <a:bodyPr/>
+          <a:lstStyle/>
+          <a:p>
+            <a:r>
+              <a:rPr lang="de-DE"/>
+              <a:t>Ansible / Berlin; Aps, Fabian</a:t>
+            </a:r>
+          </a:p>
+        </p:txBody>
+      </p:sp>
+      <p:sp>
+        <p:nvSpPr>
+          <p:cNvPr id="4" name="Foliennummernplatzhalter 3">
+            <a:extLst>
+              <a:ext uri="{FF2B5EF4-FFF2-40B4-BE49-F238E27FC236}">
+                <a16:creationId xmlns:a16="http://schemas.microsoft.com/office/drawing/2014/main" id="{28377C0B-5503-4BED-A535-EE18C3F3FF95}"/>
+              </a:ext>
+            </a:extLst>
+          </p:cNvPr>
+          <p:cNvSpPr>
+            <a:spLocks noGrp="1"/>
+          </p:cNvSpPr>
+          <p:nvPr>
+            <p:ph type="sldNum" sz="quarter" idx="25"/>
+          </p:nvPr>
+        </p:nvSpPr>
+        <p:spPr/>
+        <p:txBody>
+          <a:bodyPr/>
+          <a:lstStyle/>
+          <a:p>
+            <a:r>
+              <a:rPr lang="de-DE"/>
+              <a:t>Seite </a:t>
+            </a:r>
+            <a:fld id="{5678FFC5-4430-43BC-9807-D0C6EB405569}" type="slidenum">
+              <a:rPr lang="de-DE" smtClean="0"/>
+              <a:pPr/>
+              <a:t>33</a:t>
+            </a:fld>
+            <a:endParaRPr lang="de-DE" dirty="0"/>
+          </a:p>
+        </p:txBody>
+      </p:sp>
+      <p:sp>
+        <p:nvSpPr>
+          <p:cNvPr id="3" name="Date Placeholder 2">
+            <a:extLst>
+              <a:ext uri="{FF2B5EF4-FFF2-40B4-BE49-F238E27FC236}">
+                <a16:creationId xmlns:a16="http://schemas.microsoft.com/office/drawing/2014/main" id="{A1673F9E-A796-A4EE-D9DF-22DE44DEDB5D}"/>
+              </a:ext>
+            </a:extLst>
+          </p:cNvPr>
+          <p:cNvSpPr>
+            <a:spLocks noGrp="1"/>
+          </p:cNvSpPr>
+          <p:nvPr>
+            <p:ph type="dt" sz="half" idx="23"/>
+          </p:nvPr>
+        </p:nvSpPr>
+        <p:spPr/>
+        <p:txBody>
+          <a:bodyPr/>
+          <a:lstStyle/>
+          <a:p>
+            <a:fld id="{36841660-9727-42EF-AAE6-C191EA0F2D7C}" type="datetime4">
+              <a:rPr lang="de-DE" smtClean="0"/>
+              <a:t>22. Januar 2024</a:t>
+            </a:fld>
+            <a:endParaRPr lang="de-DE" dirty="0"/>
           </a:p>
         </p:txBody>
       </p:sp>
     </p:spTree>
     <p:extLst>
       <p:ext uri="{BB962C8B-B14F-4D97-AF65-F5344CB8AC3E}">
-        <p14:creationId xmlns:p14="http://schemas.microsoft.com/office/powerpoint/2010/main" val="621687766"/>
+        <p14:creationId xmlns:p14="http://schemas.microsoft.com/office/powerpoint/2010/main" val="1279778982"/>
       </p:ext>
     </p:extLst>
   </p:cSld>
   <p:clrMapOvr>
     <a:masterClrMapping/>
   </p:clrMapOvr>
-  <mc:AlternateContent xmlns:mc="http://schemas.openxmlformats.org/markup-compatibility/2006">
-    <mc:Choice xmlns:p159="http://schemas.microsoft.com/office/powerpoint/2015/09/main" Requires="p159">
+  <mc:AlternateContent xmlns:mc="http://schemas.openxmlformats.org/markup-compatibility/2006" xmlns:p159="http://schemas.microsoft.com/office/powerpoint/2015/09/main">
+    <mc:Choice Requires="p159">
       <p:transition xmlns:p14="http://schemas.microsoft.com/office/powerpoint/2010/main" spd="slow" p14:dur="2000">
         <p159:morph option="byObject"/>
       </p:transition>
     </mc:Choice>
-    <mc:Fallback>
+    <mc:Fallback xmlns="">
       <p:transition spd="slow">
         <p:fade/>
       </p:transition>
@@ -23559,10 +24151,10 @@
       </p:grpSpPr>
       <p:sp>
         <p:nvSpPr>
-          <p:cNvPr id="12" name="Titel 11">
-            <a:extLst>
-              <a:ext uri="{FF2B5EF4-FFF2-40B4-BE49-F238E27FC236}">
-                <a16:creationId xmlns:a16="http://schemas.microsoft.com/office/drawing/2014/main" id="{48094D4F-5F7C-4A22-A171-840C475A53DE}"/>
+          <p:cNvPr id="8" name="Titel 7">
+            <a:extLst>
+              <a:ext uri="{FF2B5EF4-FFF2-40B4-BE49-F238E27FC236}">
+                <a16:creationId xmlns:a16="http://schemas.microsoft.com/office/drawing/2014/main" id="{C2AC54BE-8DE7-4BE8-8BDF-8919ACFD3430}"/>
               </a:ext>
             </a:extLst>
           </p:cNvPr>
@@ -23580,148 +24172,35 @@
           <a:p>
             <a:r>
               <a:rPr lang="de-DE" dirty="0"/>
-              <a:t>Titel der Fazitseite (Weiß)</a:t>
-            </a:r>
-          </a:p>
-        </p:txBody>
-      </p:sp>
-      <p:sp>
-        <p:nvSpPr>
-          <p:cNvPr id="13" name="Textplatzhalter 12">
-            <a:extLst>
-              <a:ext uri="{FF2B5EF4-FFF2-40B4-BE49-F238E27FC236}">
-                <a16:creationId xmlns:a16="http://schemas.microsoft.com/office/drawing/2014/main" id="{8A64B940-FE9A-4400-AE33-62FEAADF5A2F}"/>
-              </a:ext>
-            </a:extLst>
-          </p:cNvPr>
-          <p:cNvSpPr>
-            <a:spLocks noGrp="1"/>
-          </p:cNvSpPr>
-          <p:nvPr>
-            <p:ph type="body" sz="quarter" idx="14"/>
-          </p:nvPr>
-        </p:nvSpPr>
-        <p:spPr/>
-        <p:txBody>
-          <a:bodyPr/>
-          <a:lstStyle/>
-          <a:p>
-            <a:r>
+              <a:t>Kapiteltrenner</a:t>
+            </a:r>
+            <a:br>
               <a:rPr lang="de-DE" dirty="0"/>
-              <a:t>Text hinzufügen</a:t>
-            </a:r>
-          </a:p>
-        </p:txBody>
-      </p:sp>
-      <p:sp>
-        <p:nvSpPr>
-          <p:cNvPr id="4" name="Fußzeilenplatzhalter 3">
-            <a:extLst>
-              <a:ext uri="{FF2B5EF4-FFF2-40B4-BE49-F238E27FC236}">
-                <a16:creationId xmlns:a16="http://schemas.microsoft.com/office/drawing/2014/main" id="{99DC1733-0262-BF45-B32B-E2DD05AC07DF}"/>
-              </a:ext>
-            </a:extLst>
-          </p:cNvPr>
-          <p:cNvSpPr>
-            <a:spLocks noGrp="1"/>
-          </p:cNvSpPr>
-          <p:nvPr>
-            <p:ph type="ftr" sz="quarter" idx="16"/>
-          </p:nvPr>
-        </p:nvSpPr>
-        <p:spPr/>
-        <p:txBody>
-          <a:bodyPr/>
-          <a:lstStyle/>
-          <a:p>
-            <a:r>
-              <a:rPr lang="de-DE"/>
-              <a:t>Ansible / Berlin; Aps, Fabian</a:t>
-            </a:r>
-            <a:endParaRPr lang="de-DE" dirty="0"/>
-          </a:p>
-        </p:txBody>
-      </p:sp>
-      <p:sp>
-        <p:nvSpPr>
-          <p:cNvPr id="2" name="Foliennummernplatzhalter 1">
-            <a:extLst>
-              <a:ext uri="{FF2B5EF4-FFF2-40B4-BE49-F238E27FC236}">
-                <a16:creationId xmlns:a16="http://schemas.microsoft.com/office/drawing/2014/main" id="{7ADBE401-BB27-4EC8-8697-113A05C71F67}"/>
-              </a:ext>
-            </a:extLst>
-          </p:cNvPr>
-          <p:cNvSpPr>
-            <a:spLocks noGrp="1"/>
-          </p:cNvSpPr>
-          <p:nvPr>
-            <p:ph type="sldNum" sz="quarter" idx="17"/>
-          </p:nvPr>
-        </p:nvSpPr>
-        <p:spPr/>
-        <p:txBody>
-          <a:bodyPr/>
-          <a:lstStyle/>
-          <a:p>
-            <a:r>
-              <a:rPr lang="de-DE"/>
-              <a:t>Seite </a:t>
-            </a:r>
-            <a:fld id="{5678FFC5-4430-43BC-9807-D0C6EB405569}" type="slidenum">
-              <a:rPr lang="de-DE" smtClean="0"/>
-              <a:pPr/>
-              <a:t>34</a:t>
-            </a:fld>
-            <a:endParaRPr lang="de-DE" dirty="0"/>
-          </a:p>
-        </p:txBody>
-      </p:sp>
-      <p:sp>
-        <p:nvSpPr>
-          <p:cNvPr id="3" name="Date Placeholder 2">
-            <a:extLst>
-              <a:ext uri="{FF2B5EF4-FFF2-40B4-BE49-F238E27FC236}">
-                <a16:creationId xmlns:a16="http://schemas.microsoft.com/office/drawing/2014/main" id="{23EDFAD4-BFDC-1D4B-5262-95485BE3596C}"/>
-              </a:ext>
-            </a:extLst>
-          </p:cNvPr>
-          <p:cNvSpPr>
-            <a:spLocks noGrp="1"/>
-          </p:cNvSpPr>
-          <p:nvPr>
-            <p:ph type="dt" sz="half" idx="15"/>
-          </p:nvPr>
-        </p:nvSpPr>
-        <p:spPr/>
-        <p:txBody>
-          <a:bodyPr/>
-          <a:lstStyle/>
-          <a:p>
-            <a:fld id="{2EC39511-6F5A-4FB3-895B-04CC7B34195E}" type="datetime4">
-              <a:rPr lang="de-DE" smtClean="0"/>
-              <a:t>22. Januar 2024</a:t>
-            </a:fld>
-            <a:endParaRPr lang="de-DE" dirty="0"/>
+            </a:br>
+            <a:r>
+              <a:rPr lang="de-DE" b="0" dirty="0"/>
+              <a:t>Petrol</a:t>
+            </a:r>
           </a:p>
         </p:txBody>
       </p:sp>
     </p:spTree>
     <p:extLst>
       <p:ext uri="{BB962C8B-B14F-4D97-AF65-F5344CB8AC3E}">
-        <p14:creationId xmlns:p14="http://schemas.microsoft.com/office/powerpoint/2010/main" val="4271254730"/>
+        <p14:creationId xmlns:p14="http://schemas.microsoft.com/office/powerpoint/2010/main" val="1839747456"/>
       </p:ext>
     </p:extLst>
   </p:cSld>
   <p:clrMapOvr>
     <a:masterClrMapping/>
   </p:clrMapOvr>
-  <mc:AlternateContent xmlns:mc="http://schemas.openxmlformats.org/markup-compatibility/2006">
-    <mc:Choice xmlns:p159="http://schemas.microsoft.com/office/powerpoint/2015/09/main" Requires="p159">
+  <mc:AlternateContent xmlns:mc="http://schemas.openxmlformats.org/markup-compatibility/2006" xmlns:p159="http://schemas.microsoft.com/office/powerpoint/2015/09/main">
+    <mc:Choice Requires="p159">
       <p:transition xmlns:p14="http://schemas.microsoft.com/office/powerpoint/2010/main" spd="slow" p14:dur="2000">
         <p159:morph option="byObject"/>
       </p:transition>
     </mc:Choice>
-    <mc:Fallback>
+    <mc:Fallback xmlns="">
       <p:transition spd="slow">
         <p:fade/>
       </p:transition>
@@ -23752,6 +24231,273 @@
           <p:cNvPr id="8" name="Titel 7">
             <a:extLst>
               <a:ext uri="{FF2B5EF4-FFF2-40B4-BE49-F238E27FC236}">
+                <a16:creationId xmlns:a16="http://schemas.microsoft.com/office/drawing/2014/main" id="{C2AC54BE-8DE7-4BE8-8BDF-8919ACFD3430}"/>
+              </a:ext>
+            </a:extLst>
+          </p:cNvPr>
+          <p:cNvSpPr>
+            <a:spLocks noGrp="1"/>
+          </p:cNvSpPr>
+          <p:nvPr>
+            <p:ph type="title"/>
+          </p:nvPr>
+        </p:nvSpPr>
+        <p:spPr/>
+        <p:txBody>
+          <a:bodyPr/>
+          <a:lstStyle/>
+          <a:p>
+            <a:r>
+              <a:rPr lang="de-DE" dirty="0"/>
+              <a:t>Kapiteltrenner</a:t>
+            </a:r>
+            <a:br>
+              <a:rPr lang="de-DE" dirty="0"/>
+            </a:br>
+            <a:r>
+              <a:rPr lang="de-DE" b="0" dirty="0"/>
+              <a:t>Dunkelgrün</a:t>
+            </a:r>
+          </a:p>
+        </p:txBody>
+      </p:sp>
+    </p:spTree>
+    <p:extLst>
+      <p:ext uri="{BB962C8B-B14F-4D97-AF65-F5344CB8AC3E}">
+        <p14:creationId xmlns:p14="http://schemas.microsoft.com/office/powerpoint/2010/main" val="621687766"/>
+      </p:ext>
+    </p:extLst>
+  </p:cSld>
+  <p:clrMapOvr>
+    <a:masterClrMapping/>
+  </p:clrMapOvr>
+  <mc:AlternateContent xmlns:mc="http://schemas.openxmlformats.org/markup-compatibility/2006" xmlns:p159="http://schemas.microsoft.com/office/powerpoint/2015/09/main">
+    <mc:Choice Requires="p159">
+      <p:transition xmlns:p14="http://schemas.microsoft.com/office/powerpoint/2010/main" spd="slow" p14:dur="2000">
+        <p159:morph option="byObject"/>
+      </p:transition>
+    </mc:Choice>
+    <mc:Fallback xmlns="">
+      <p:transition spd="slow">
+        <p:fade/>
+      </p:transition>
+    </mc:Fallback>
+  </mc:AlternateContent>
+</p:sld>
+</file>
+
+<file path=ppt/slides/slide36.xml><?xml version="1.0" encoding="utf-8"?>
+<p:sld xmlns:a="http://schemas.openxmlformats.org/drawingml/2006/main" xmlns:r="http://schemas.openxmlformats.org/officeDocument/2006/relationships" xmlns:p="http://schemas.openxmlformats.org/presentationml/2006/main">
+  <p:cSld>
+    <p:spTree>
+      <p:nvGrpSpPr>
+        <p:cNvPr id="1" name=""/>
+        <p:cNvGrpSpPr/>
+        <p:nvPr/>
+      </p:nvGrpSpPr>
+      <p:grpSpPr>
+        <a:xfrm>
+          <a:off x="0" y="0"/>
+          <a:ext cx="0" cy="0"/>
+          <a:chOff x="0" y="0"/>
+          <a:chExt cx="0" cy="0"/>
+        </a:xfrm>
+      </p:grpSpPr>
+      <p:sp>
+        <p:nvSpPr>
+          <p:cNvPr id="12" name="Titel 11">
+            <a:extLst>
+              <a:ext uri="{FF2B5EF4-FFF2-40B4-BE49-F238E27FC236}">
+                <a16:creationId xmlns:a16="http://schemas.microsoft.com/office/drawing/2014/main" id="{48094D4F-5F7C-4A22-A171-840C475A53DE}"/>
+              </a:ext>
+            </a:extLst>
+          </p:cNvPr>
+          <p:cNvSpPr>
+            <a:spLocks noGrp="1"/>
+          </p:cNvSpPr>
+          <p:nvPr>
+            <p:ph type="title"/>
+          </p:nvPr>
+        </p:nvSpPr>
+        <p:spPr/>
+        <p:txBody>
+          <a:bodyPr/>
+          <a:lstStyle/>
+          <a:p>
+            <a:r>
+              <a:rPr lang="de-DE" dirty="0"/>
+              <a:t>Titel der Fazitseite (Weiß)</a:t>
+            </a:r>
+          </a:p>
+        </p:txBody>
+      </p:sp>
+      <p:sp>
+        <p:nvSpPr>
+          <p:cNvPr id="13" name="Textplatzhalter 12">
+            <a:extLst>
+              <a:ext uri="{FF2B5EF4-FFF2-40B4-BE49-F238E27FC236}">
+                <a16:creationId xmlns:a16="http://schemas.microsoft.com/office/drawing/2014/main" id="{8A64B940-FE9A-4400-AE33-62FEAADF5A2F}"/>
+              </a:ext>
+            </a:extLst>
+          </p:cNvPr>
+          <p:cNvSpPr>
+            <a:spLocks noGrp="1"/>
+          </p:cNvSpPr>
+          <p:nvPr>
+            <p:ph type="body" sz="quarter" idx="14"/>
+          </p:nvPr>
+        </p:nvSpPr>
+        <p:spPr/>
+        <p:txBody>
+          <a:bodyPr/>
+          <a:lstStyle/>
+          <a:p>
+            <a:r>
+              <a:rPr lang="de-DE" dirty="0"/>
+              <a:t>Text hinzufügen</a:t>
+            </a:r>
+          </a:p>
+        </p:txBody>
+      </p:sp>
+      <p:sp>
+        <p:nvSpPr>
+          <p:cNvPr id="4" name="Fußzeilenplatzhalter 3">
+            <a:extLst>
+              <a:ext uri="{FF2B5EF4-FFF2-40B4-BE49-F238E27FC236}">
+                <a16:creationId xmlns:a16="http://schemas.microsoft.com/office/drawing/2014/main" id="{99DC1733-0262-BF45-B32B-E2DD05AC07DF}"/>
+              </a:ext>
+            </a:extLst>
+          </p:cNvPr>
+          <p:cNvSpPr>
+            <a:spLocks noGrp="1"/>
+          </p:cNvSpPr>
+          <p:nvPr>
+            <p:ph type="ftr" sz="quarter" idx="16"/>
+          </p:nvPr>
+        </p:nvSpPr>
+        <p:spPr/>
+        <p:txBody>
+          <a:bodyPr/>
+          <a:lstStyle/>
+          <a:p>
+            <a:r>
+              <a:rPr lang="de-DE"/>
+              <a:t>Ansible / Berlin; Aps, Fabian</a:t>
+            </a:r>
+            <a:endParaRPr lang="de-DE" dirty="0"/>
+          </a:p>
+        </p:txBody>
+      </p:sp>
+      <p:sp>
+        <p:nvSpPr>
+          <p:cNvPr id="2" name="Foliennummernplatzhalter 1">
+            <a:extLst>
+              <a:ext uri="{FF2B5EF4-FFF2-40B4-BE49-F238E27FC236}">
+                <a16:creationId xmlns:a16="http://schemas.microsoft.com/office/drawing/2014/main" id="{7ADBE401-BB27-4EC8-8697-113A05C71F67}"/>
+              </a:ext>
+            </a:extLst>
+          </p:cNvPr>
+          <p:cNvSpPr>
+            <a:spLocks noGrp="1"/>
+          </p:cNvSpPr>
+          <p:nvPr>
+            <p:ph type="sldNum" sz="quarter" idx="17"/>
+          </p:nvPr>
+        </p:nvSpPr>
+        <p:spPr/>
+        <p:txBody>
+          <a:bodyPr/>
+          <a:lstStyle/>
+          <a:p>
+            <a:r>
+              <a:rPr lang="de-DE"/>
+              <a:t>Seite </a:t>
+            </a:r>
+            <a:fld id="{5678FFC5-4430-43BC-9807-D0C6EB405569}" type="slidenum">
+              <a:rPr lang="de-DE" smtClean="0"/>
+              <a:pPr/>
+              <a:t>36</a:t>
+            </a:fld>
+            <a:endParaRPr lang="de-DE" dirty="0"/>
+          </a:p>
+        </p:txBody>
+      </p:sp>
+      <p:sp>
+        <p:nvSpPr>
+          <p:cNvPr id="3" name="Date Placeholder 2">
+            <a:extLst>
+              <a:ext uri="{FF2B5EF4-FFF2-40B4-BE49-F238E27FC236}">
+                <a16:creationId xmlns:a16="http://schemas.microsoft.com/office/drawing/2014/main" id="{23EDFAD4-BFDC-1D4B-5262-95485BE3596C}"/>
+              </a:ext>
+            </a:extLst>
+          </p:cNvPr>
+          <p:cNvSpPr>
+            <a:spLocks noGrp="1"/>
+          </p:cNvSpPr>
+          <p:nvPr>
+            <p:ph type="dt" sz="half" idx="15"/>
+          </p:nvPr>
+        </p:nvSpPr>
+        <p:spPr/>
+        <p:txBody>
+          <a:bodyPr/>
+          <a:lstStyle/>
+          <a:p>
+            <a:fld id="{2EC39511-6F5A-4FB3-895B-04CC7B34195E}" type="datetime4">
+              <a:rPr lang="de-DE" smtClean="0"/>
+              <a:t>22. Januar 2024</a:t>
+            </a:fld>
+            <a:endParaRPr lang="de-DE" dirty="0"/>
+          </a:p>
+        </p:txBody>
+      </p:sp>
+    </p:spTree>
+    <p:extLst>
+      <p:ext uri="{BB962C8B-B14F-4D97-AF65-F5344CB8AC3E}">
+        <p14:creationId xmlns:p14="http://schemas.microsoft.com/office/powerpoint/2010/main" val="4271254730"/>
+      </p:ext>
+    </p:extLst>
+  </p:cSld>
+  <p:clrMapOvr>
+    <a:masterClrMapping/>
+  </p:clrMapOvr>
+  <mc:AlternateContent xmlns:mc="http://schemas.openxmlformats.org/markup-compatibility/2006" xmlns:p159="http://schemas.microsoft.com/office/powerpoint/2015/09/main">
+    <mc:Choice Requires="p159">
+      <p:transition xmlns:p14="http://schemas.microsoft.com/office/powerpoint/2010/main" spd="slow" p14:dur="2000">
+        <p159:morph option="byObject"/>
+      </p:transition>
+    </mc:Choice>
+    <mc:Fallback xmlns="">
+      <p:transition spd="slow">
+        <p:fade/>
+      </p:transition>
+    </mc:Fallback>
+  </mc:AlternateContent>
+</p:sld>
+</file>
+
+<file path=ppt/slides/slide37.xml><?xml version="1.0" encoding="utf-8"?>
+<p:sld xmlns:a="http://schemas.openxmlformats.org/drawingml/2006/main" xmlns:r="http://schemas.openxmlformats.org/officeDocument/2006/relationships" xmlns:p="http://schemas.openxmlformats.org/presentationml/2006/main">
+  <p:cSld>
+    <p:spTree>
+      <p:nvGrpSpPr>
+        <p:cNvPr id="1" name=""/>
+        <p:cNvGrpSpPr/>
+        <p:nvPr/>
+      </p:nvGrpSpPr>
+      <p:grpSpPr>
+        <a:xfrm>
+          <a:off x="0" y="0"/>
+          <a:ext cx="0" cy="0"/>
+          <a:chOff x="0" y="0"/>
+          <a:chExt cx="0" cy="0"/>
+        </a:xfrm>
+      </p:grpSpPr>
+      <p:sp>
+        <p:nvSpPr>
+          <p:cNvPr id="8" name="Titel 7">
+            <a:extLst>
+              <a:ext uri="{FF2B5EF4-FFF2-40B4-BE49-F238E27FC236}">
                 <a16:creationId xmlns:a16="http://schemas.microsoft.com/office/drawing/2014/main" id="{A0699E2A-4719-4C48-8DE1-9F280F233B5A}"/>
               </a:ext>
             </a:extLst>
@@ -23813,13 +24559,13 @@
   <p:clrMapOvr>
     <a:masterClrMapping/>
   </p:clrMapOvr>
-  <mc:AlternateContent xmlns:mc="http://schemas.openxmlformats.org/markup-compatibility/2006">
-    <mc:Choice xmlns:p159="http://schemas.microsoft.com/office/powerpoint/2015/09/main" Requires="p159">
+  <mc:AlternateContent xmlns:mc="http://schemas.openxmlformats.org/markup-compatibility/2006" xmlns:p159="http://schemas.microsoft.com/office/powerpoint/2015/09/main">
+    <mc:Choice Requires="p159">
       <p:transition xmlns:p14="http://schemas.microsoft.com/office/powerpoint/2010/main" spd="slow" p14:dur="2000">
         <p159:morph option="byObject"/>
       </p:transition>
     </mc:Choice>
-    <mc:Fallback>
+    <mc:Fallback xmlns="">
       <p:transition spd="slow">
         <p:fade/>
       </p:transition>
@@ -23828,7 +24574,7 @@
 </p:sld>
 </file>
 
-<file path=ppt/slides/slide36.xml><?xml version="1.0" encoding="utf-8"?>
+<file path=ppt/slides/slide38.xml><?xml version="1.0" encoding="utf-8"?>
 <p:sld xmlns:a="http://schemas.openxmlformats.org/drawingml/2006/main" xmlns:r="http://schemas.openxmlformats.org/officeDocument/2006/relationships" xmlns:p="http://schemas.openxmlformats.org/presentationml/2006/main">
   <p:cSld>
     <p:spTree>
@@ -24879,7 +25625,7 @@
             <a:fld id="{5678FFC5-4430-43BC-9807-D0C6EB405569}" type="slidenum">
               <a:rPr lang="de-DE" smtClean="0"/>
               <a:pPr/>
-              <a:t>36</a:t>
+              <a:t>38</a:t>
             </a:fld>
             <a:endParaRPr lang="de-DE" dirty="0"/>
           </a:p>
@@ -25886,13 +26632,13 @@
   <p:clrMapOvr>
     <a:masterClrMapping/>
   </p:clrMapOvr>
-  <mc:AlternateContent xmlns:mc="http://schemas.openxmlformats.org/markup-compatibility/2006">
-    <mc:Choice xmlns:p159="http://schemas.microsoft.com/office/powerpoint/2015/09/main" Requires="p159">
+  <mc:AlternateContent xmlns:mc="http://schemas.openxmlformats.org/markup-compatibility/2006" xmlns:p159="http://schemas.microsoft.com/office/powerpoint/2015/09/main">
+    <mc:Choice Requires="p159">
       <p:transition xmlns:p14="http://schemas.microsoft.com/office/powerpoint/2010/main" spd="slow" p14:dur="2000">
         <p159:morph option="byObject"/>
       </p:transition>
     </mc:Choice>
-    <mc:Fallback>
+    <mc:Fallback xmlns="">
       <p:transition spd="slow">
         <p:fade/>
       </p:transition>
@@ -25978,7 +26724,7 @@
             </a:r>
             <a:r>
               <a:rPr lang="de-DE" dirty="0"/>
-              <a:t> - Der alles Könner der Systemverwaltung für jedermann?</a:t>
+              <a:t> - Der Alleskönner der Systemverwaltung für jedermann?</a:t>
             </a:r>
           </a:p>
         </p:txBody>
@@ -26004,7 +26750,52 @@
           <a:bodyPr/>
           <a:lstStyle/>
           <a:p>
-            <a:endParaRPr lang="de-DE"/>
+            <a:r>
+              <a:rPr lang="de-DE" dirty="0"/>
+              <a:t>Open-Source Automation </a:t>
+            </a:r>
+          </a:p>
+          <a:p>
+            <a:r>
+              <a:rPr lang="de-DE" dirty="0"/>
+              <a:t>Verringert Komplexität und Läuft überall</a:t>
+            </a:r>
+          </a:p>
+          <a:p>
+            <a:r>
+              <a:rPr lang="de-DE" dirty="0"/>
+              <a:t>Man kann alles atomisieren</a:t>
+            </a:r>
+          </a:p>
+          <a:p>
+            <a:endParaRPr lang="de-DE" dirty="0"/>
+          </a:p>
+          <a:p>
+            <a:r>
+              <a:rPr lang="de-DE" dirty="0"/>
+              <a:t>Mögliche Anwendungsfälle:</a:t>
+            </a:r>
+          </a:p>
+          <a:p>
+            <a:pPr lvl="1"/>
+            <a:r>
+              <a:rPr lang="de-DE" dirty="0"/>
+              <a:t>Verwalten und Pflegen der Systemkonfiguration</a:t>
+            </a:r>
+          </a:p>
+          <a:p>
+            <a:pPr lvl="1"/>
+            <a:r>
+              <a:rPr lang="de-DE" dirty="0"/>
+              <a:t>Kontinuierliche Bereitstellung komplexer Software</a:t>
+            </a:r>
+          </a:p>
+          <a:p>
+            <a:pPr lvl="1"/>
+            <a:r>
+              <a:rPr lang="de-DE" dirty="0"/>
+              <a:t>Rollende Aktualisierungen ohne Ausfallzeiten durchführen</a:t>
+            </a:r>
           </a:p>
         </p:txBody>
       </p:sp>
@@ -26134,13 +26925,13 @@
   <p:clrMapOvr>
     <a:masterClrMapping/>
   </p:clrMapOvr>
-  <mc:AlternateContent xmlns:mc="http://schemas.openxmlformats.org/markup-compatibility/2006">
-    <mc:Choice xmlns:p159="http://schemas.microsoft.com/office/powerpoint/2015/09/main" Requires="p159">
+  <mc:AlternateContent xmlns:mc="http://schemas.openxmlformats.org/markup-compatibility/2006" xmlns:p159="http://schemas.microsoft.com/office/powerpoint/2015/09/main">
+    <mc:Choice Requires="p159">
       <p:transition xmlns:p14="http://schemas.microsoft.com/office/powerpoint/2010/main" spd="slow" p14:dur="2000">
         <p159:morph option="byObject"/>
       </p:transition>
     </mc:Choice>
-    <mc:Fallback>
+    <mc:Fallback xmlns="">
       <p:transition spd="slow">
         <p:fade/>
       </p:transition>
@@ -26221,7 +27012,7 @@
             </a:r>
             <a:r>
               <a:rPr lang="de-DE" dirty="0"/>
-              <a:t> - Der alles Könner der Systemverwaltung für jedermann?</a:t>
+              <a:t> - Der Alleskönner der Systemverwaltung für jedermann?</a:t>
             </a:r>
           </a:p>
         </p:txBody>
@@ -26247,7 +27038,138 @@
           <a:bodyPr/>
           <a:lstStyle/>
           <a:p>
-            <a:endParaRPr lang="de-DE"/>
+            <a:r>
+              <a:rPr lang="de-DE" dirty="0"/>
+              <a:t>Benötigt &gt;=Python@3.10,homebrew(</a:t>
+            </a:r>
+            <a:r>
+              <a:rPr lang="de-DE" dirty="0" err="1"/>
+              <a:t>macOS</a:t>
+            </a:r>
+            <a:r>
+              <a:rPr lang="de-DE" dirty="0"/>
+              <a:t> </a:t>
+            </a:r>
+            <a:r>
+              <a:rPr lang="de-DE" dirty="0" err="1"/>
+              <a:t>only</a:t>
+            </a:r>
+            <a:r>
+              <a:rPr lang="de-DE" dirty="0"/>
+              <a:t>)</a:t>
+            </a:r>
+          </a:p>
+          <a:p>
+            <a:endParaRPr lang="de-DE" dirty="0"/>
+          </a:p>
+          <a:p>
+            <a:r>
+              <a:rPr lang="de-DE" dirty="0"/>
+              <a:t>Linux/</a:t>
+            </a:r>
+            <a:r>
+              <a:rPr lang="de-DE" dirty="0" err="1"/>
+              <a:t>macOS</a:t>
+            </a:r>
+            <a:r>
+              <a:rPr lang="de-DE" dirty="0"/>
+              <a:t>:</a:t>
+            </a:r>
+          </a:p>
+          <a:p>
+            <a:pPr lvl="1"/>
+            <a:r>
+              <a:rPr lang="de-DE" dirty="0"/>
+              <a:t>pip3.10 </a:t>
+            </a:r>
+            <a:r>
+              <a:rPr lang="de-DE" dirty="0" err="1"/>
+              <a:t>install</a:t>
+            </a:r>
+            <a:r>
+              <a:rPr lang="de-DE" dirty="0"/>
+              <a:t> </a:t>
+            </a:r>
+            <a:r>
+              <a:rPr lang="de-DE" dirty="0" err="1"/>
+              <a:t>ansible</a:t>
+            </a:r>
+            <a:r>
+              <a:rPr lang="de-DE" dirty="0"/>
+              <a:t> </a:t>
+            </a:r>
+          </a:p>
+          <a:p>
+            <a:r>
+              <a:rPr lang="de-DE" dirty="0" err="1"/>
+              <a:t>macOS</a:t>
+            </a:r>
+            <a:r>
+              <a:rPr lang="de-DE" dirty="0"/>
+              <a:t>:</a:t>
+            </a:r>
+          </a:p>
+          <a:p>
+            <a:pPr lvl="1"/>
+            <a:r>
+              <a:rPr lang="de-DE" dirty="0" err="1"/>
+              <a:t>brew</a:t>
+            </a:r>
+            <a:r>
+              <a:rPr lang="de-DE" dirty="0"/>
+              <a:t> </a:t>
+            </a:r>
+            <a:r>
+              <a:rPr lang="de-DE" dirty="0" err="1"/>
+              <a:t>install</a:t>
+            </a:r>
+            <a:r>
+              <a:rPr lang="de-DE" dirty="0"/>
+              <a:t> </a:t>
+            </a:r>
+            <a:r>
+              <a:rPr lang="de-DE" dirty="0" err="1"/>
+              <a:t>ansible</a:t>
+            </a:r>
+            <a:endParaRPr lang="de-DE" dirty="0"/>
+          </a:p>
+          <a:p>
+            <a:r>
+              <a:rPr lang="de-DE" dirty="0"/>
+              <a:t>Windows:</a:t>
+            </a:r>
+          </a:p>
+          <a:p>
+            <a:pPr lvl="1"/>
+            <a:r>
+              <a:rPr lang="de-DE" dirty="0" err="1"/>
+              <a:t>python</a:t>
+            </a:r>
+            <a:r>
+              <a:rPr lang="de-DE" dirty="0"/>
+              <a:t> </a:t>
+            </a:r>
+            <a:r>
+              <a:rPr lang="de-DE" dirty="0" err="1"/>
+              <a:t>pip</a:t>
+            </a:r>
+            <a:r>
+              <a:rPr lang="de-DE" dirty="0"/>
+              <a:t> </a:t>
+            </a:r>
+            <a:r>
+              <a:rPr lang="de-DE" dirty="0" err="1"/>
+              <a:t>install</a:t>
+            </a:r>
+            <a:r>
+              <a:rPr lang="de-DE" dirty="0"/>
+              <a:t> </a:t>
+            </a:r>
+            <a:r>
+              <a:rPr lang="de-DE" dirty="0" err="1"/>
+              <a:t>ansible</a:t>
+            </a:r>
+            <a:endParaRPr lang="de-DE" dirty="0"/>
           </a:p>
         </p:txBody>
       </p:sp>
@@ -26377,13 +27299,13 @@
   <p:clrMapOvr>
     <a:masterClrMapping/>
   </p:clrMapOvr>
-  <mc:AlternateContent xmlns:mc="http://schemas.openxmlformats.org/markup-compatibility/2006">
-    <mc:Choice xmlns:p159="http://schemas.microsoft.com/office/powerpoint/2015/09/main" Requires="p159">
+  <mc:AlternateContent xmlns:mc="http://schemas.openxmlformats.org/markup-compatibility/2006" xmlns:p159="http://schemas.microsoft.com/office/powerpoint/2015/09/main">
+    <mc:Choice Requires="p159">
       <p:transition xmlns:p14="http://schemas.microsoft.com/office/powerpoint/2010/main" spd="slow" p14:dur="2000">
         <p159:morph option="byObject"/>
       </p:transition>
     </mc:Choice>
-    <mc:Fallback>
+    <mc:Fallback xmlns="">
       <p:transition spd="slow">
         <p:fade/>
       </p:transition>
@@ -26464,7 +27386,7 @@
             </a:r>
             <a:r>
               <a:rPr lang="de-DE" dirty="0"/>
-              <a:t> - Der alles Könner der Systemverwaltung für jedermann?</a:t>
+              <a:t> - Der Alleskönner der Systemverwaltung für jedermann?</a:t>
             </a:r>
           </a:p>
         </p:txBody>
@@ -26490,7 +27412,28 @@
           <a:bodyPr/>
           <a:lstStyle/>
           <a:p>
-            <a:endParaRPr lang="de-DE"/>
+            <a:r>
+              <a:rPr lang="de-DE" dirty="0"/>
+              <a:t>Entwicklung der Module erfolgt über Python</a:t>
+            </a:r>
+          </a:p>
+          <a:p>
+            <a:endParaRPr lang="de-DE" dirty="0"/>
+          </a:p>
+          <a:p>
+            <a:r>
+              <a:rPr lang="de-DE" dirty="0"/>
+              <a:t>Module sind Skripte, die im Hintergrund laufen, die die Aufgaben erledigen</a:t>
+            </a:r>
+          </a:p>
+          <a:p>
+            <a:endParaRPr lang="de-DE" dirty="0"/>
+          </a:p>
+          <a:p>
+            <a:r>
+              <a:rPr lang="de-DE" dirty="0"/>
+              <a:t>Pakete sind eine Ansammlung von Modulen</a:t>
+            </a:r>
           </a:p>
         </p:txBody>
       </p:sp>
@@ -26620,13 +27563,13 @@
   <p:clrMapOvr>
     <a:masterClrMapping/>
   </p:clrMapOvr>
-  <mc:AlternateContent xmlns:mc="http://schemas.openxmlformats.org/markup-compatibility/2006">
-    <mc:Choice xmlns:p159="http://schemas.microsoft.com/office/powerpoint/2015/09/main" Requires="p159">
+  <mc:AlternateContent xmlns:mc="http://schemas.openxmlformats.org/markup-compatibility/2006" xmlns:p159="http://schemas.microsoft.com/office/powerpoint/2015/09/main">
+    <mc:Choice Requires="p159">
       <p:transition xmlns:p14="http://schemas.microsoft.com/office/powerpoint/2010/main" spd="slow" p14:dur="2000">
         <p159:morph option="byObject"/>
       </p:transition>
     </mc:Choice>
-    <mc:Fallback>
+    <mc:Fallback xmlns="">
       <p:transition spd="slow">
         <p:fade/>
       </p:transition>
@@ -26707,7 +27650,7 @@
             </a:r>
             <a:r>
               <a:rPr lang="de-DE" dirty="0"/>
-              <a:t> - Der alles Könner der Systemverwaltung für jedermann?</a:t>
+              <a:t> - Der Alleskönner der Systemverwaltung für jedermann?</a:t>
             </a:r>
           </a:p>
         </p:txBody>
@@ -26761,7 +27704,26 @@
           <a:bodyPr/>
           <a:lstStyle/>
           <a:p>
-            <a:endParaRPr lang="de-DE"/>
+            <a:r>
+              <a:rPr lang="de-DE" dirty="0"/>
+              <a:t>CLI </a:t>
+            </a:r>
+            <a:r>
+              <a:rPr lang="de-DE" dirty="0" err="1"/>
+              <a:t>only</a:t>
+            </a:r>
+            <a:endParaRPr lang="de-DE" dirty="0"/>
+          </a:p>
+          <a:p>
+            <a:r>
+              <a:rPr lang="de-DE" dirty="0"/>
+              <a:t>Einfache </a:t>
+            </a:r>
+            <a:r>
+              <a:rPr lang="de-DE" dirty="0" err="1"/>
+              <a:t>installation</a:t>
+            </a:r>
+            <a:endParaRPr lang="de-DE" dirty="0"/>
           </a:p>
         </p:txBody>
       </p:sp>
@@ -26834,7 +27796,21 @@
           <a:bodyPr/>
           <a:lstStyle/>
           <a:p>
+            <a:r>
+              <a:rPr lang="de-DE" dirty="0"/>
+              <a:t>GUI </a:t>
+            </a:r>
+            <a:r>
+              <a:rPr lang="de-DE" dirty="0" err="1"/>
+              <a:t>only</a:t>
+            </a:r>
             <a:endParaRPr lang="de-DE" dirty="0"/>
+          </a:p>
+          <a:p>
+            <a:r>
+              <a:rPr lang="de-DE" dirty="0"/>
+              <a:t>Version hängt ein wenig hinterher -&gt; Stabilere Laufzeiten</a:t>
+            </a:r>
           </a:p>
         </p:txBody>
       </p:sp>
@@ -26964,13 +27940,13 @@
   <p:clrMapOvr>
     <a:masterClrMapping/>
   </p:clrMapOvr>
-  <mc:AlternateContent xmlns:mc="http://schemas.openxmlformats.org/markup-compatibility/2006">
-    <mc:Choice xmlns:p159="http://schemas.microsoft.com/office/powerpoint/2015/09/main" Requires="p159">
+  <mc:AlternateContent xmlns:mc="http://schemas.openxmlformats.org/markup-compatibility/2006" xmlns:p159="http://schemas.microsoft.com/office/powerpoint/2015/09/main">
+    <mc:Choice Requires="p159">
       <p:transition xmlns:p14="http://schemas.microsoft.com/office/powerpoint/2010/main" spd="slow" p14:dur="2000">
         <p159:morph option="byObject"/>
       </p:transition>
     </mc:Choice>
-    <mc:Fallback>
+    <mc:Fallback xmlns="">
       <p:transition spd="slow">
         <p:fade/>
       </p:transition>
@@ -27039,13 +28015,13 @@
   <p:clrMapOvr>
     <a:masterClrMapping/>
   </p:clrMapOvr>
-  <mc:AlternateContent xmlns:mc="http://schemas.openxmlformats.org/markup-compatibility/2006">
-    <mc:Choice xmlns:p159="http://schemas.microsoft.com/office/powerpoint/2015/09/main" Requires="p159">
+  <mc:AlternateContent xmlns:mc="http://schemas.openxmlformats.org/markup-compatibility/2006" xmlns:p159="http://schemas.microsoft.com/office/powerpoint/2015/09/main">
+    <mc:Choice Requires="p159">
       <p:transition xmlns:p14="http://schemas.microsoft.com/office/powerpoint/2010/main" spd="slow" p14:dur="2000">
         <p159:morph option="byObject"/>
       </p:transition>
     </mc:Choice>
-    <mc:Fallback>
+    <mc:Fallback xmlns="">
       <p:transition spd="slow">
         <p:fade/>
       </p:transition>
@@ -27117,13 +28093,13 @@
   <p:clrMapOvr>
     <a:masterClrMapping/>
   </p:clrMapOvr>
-  <mc:AlternateContent xmlns:mc="http://schemas.openxmlformats.org/markup-compatibility/2006">
-    <mc:Choice xmlns:p159="http://schemas.microsoft.com/office/powerpoint/2015/09/main" Requires="p159">
+  <mc:AlternateContent xmlns:mc="http://schemas.openxmlformats.org/markup-compatibility/2006" xmlns:p159="http://schemas.microsoft.com/office/powerpoint/2015/09/main">
+    <mc:Choice Requires="p159">
       <p:transition xmlns:p14="http://schemas.microsoft.com/office/powerpoint/2010/main" spd="slow" p14:dur="2000">
         <p159:morph option="byObject"/>
       </p:transition>
     </mc:Choice>
-    <mc:Fallback>
+    <mc:Fallback xmlns="">
       <p:transition spd="slow">
         <p:fade/>
       </p:transition>

--- a/Drites AusbildungsJahr/Ansible-ITA12-Aps,Fabian-KfW.pptx
+++ b/Drites AusbildungsJahr/Ansible-ITA12-Aps,Fabian-KfW.pptx
@@ -18,10 +18,10 @@
     <p:sldId id="324" r:id="rId6"/>
     <p:sldId id="328" r:id="rId7"/>
     <p:sldId id="329" r:id="rId8"/>
-    <p:sldId id="325" r:id="rId9"/>
-    <p:sldId id="326" r:id="rId10"/>
-    <p:sldId id="330" r:id="rId11"/>
-    <p:sldId id="331" r:id="rId12"/>
+    <p:sldId id="326" r:id="rId9"/>
+    <p:sldId id="330" r:id="rId10"/>
+    <p:sldId id="331" r:id="rId11"/>
+    <p:sldId id="332" r:id="rId12"/>
     <p:sldId id="327" r:id="rId13"/>
     <p:sldId id="276" r:id="rId14"/>
     <p:sldId id="319" r:id="rId15"/>
@@ -271,7 +271,7 @@
           <a:p>
             <a:fld id="{57EECD7F-E5B6-4B40-9E0B-628FCC195BC8}" type="datetimeFigureOut">
               <a:rPr lang="de-DE" smtClean="0"/>
-              <a:t>22.01.24</a:t>
+              <a:t>23.01.2024</a:t>
             </a:fld>
             <a:endParaRPr lang="de-DE"/>
           </a:p>
@@ -448,7 +448,7 @@
           <a:p>
             <a:fld id="{A16BC527-A945-41A0-A295-3A1AFDBBE427}" type="datetimeFigureOut">
               <a:rPr lang="de-DE" smtClean="0"/>
-              <a:t>22.01.24</a:t>
+              <a:t>23.01.2024</a:t>
             </a:fld>
             <a:endParaRPr lang="de-DE"/>
           </a:p>
@@ -1827,7 +1827,7 @@
           <a:p>
             <a:fld id="{4B51FA49-3FF9-4E0A-B074-1107EACE6791}" type="datetime4">
               <a:rPr lang="de-DE" smtClean="0"/>
-              <a:t>22. Januar 2024</a:t>
+              <a:t>23. Januar 2024</a:t>
             </a:fld>
             <a:endParaRPr lang="de-DE" dirty="0"/>
           </a:p>
@@ -2191,7 +2191,7 @@
           <a:p>
             <a:fld id="{78A5973E-B742-4B73-8471-753A894B93F2}" type="datetime4">
               <a:rPr lang="de-DE" smtClean="0"/>
-              <a:t>22. Januar 2024</a:t>
+              <a:t>23. Januar 2024</a:t>
             </a:fld>
             <a:endParaRPr lang="de-DE" dirty="0"/>
           </a:p>
@@ -2555,7 +2555,7 @@
           <a:p>
             <a:fld id="{A583D041-DB01-424D-B8E1-DBA227AC4DDB}" type="datetime4">
               <a:rPr lang="de-DE" smtClean="0"/>
-              <a:t>22. Januar 2024</a:t>
+              <a:t>23. Januar 2024</a:t>
             </a:fld>
             <a:endParaRPr lang="de-DE" dirty="0"/>
           </a:p>
@@ -2885,7 +2885,7 @@
           <a:p>
             <a:fld id="{8225EA31-1B36-4A2E-AE0A-0E1E9B0416B8}" type="datetime4">
               <a:rPr lang="de-DE" smtClean="0"/>
-              <a:t>22. Januar 2024</a:t>
+              <a:t>23. Januar 2024</a:t>
             </a:fld>
             <a:endParaRPr lang="de-DE" dirty="0"/>
           </a:p>
@@ -3300,7 +3300,7 @@
           <a:p>
             <a:fld id="{C5024EDB-38A8-4ECD-AA39-F570D1CE0899}" type="datetime4">
               <a:rPr lang="de-DE" smtClean="0"/>
-              <a:t>22. Januar 2024</a:t>
+              <a:t>23. Januar 2024</a:t>
             </a:fld>
             <a:endParaRPr lang="de-DE" dirty="0"/>
           </a:p>
@@ -3793,7 +3793,7 @@
           <a:p>
             <a:fld id="{A31BBE6F-7B96-4B5E-9072-A368A11B9C86}" type="datetime4">
               <a:rPr lang="de-DE" smtClean="0"/>
-              <a:t>22. Januar 2024</a:t>
+              <a:t>23. Januar 2024</a:t>
             </a:fld>
             <a:endParaRPr lang="de-DE" dirty="0"/>
           </a:p>
@@ -4378,7 +4378,7 @@
           <a:p>
             <a:fld id="{6F8D7054-24D4-449E-B4BF-68C22247C436}" type="datetime4">
               <a:rPr lang="de-DE" smtClean="0"/>
-              <a:t>22. Januar 2024</a:t>
+              <a:t>23. Januar 2024</a:t>
             </a:fld>
             <a:endParaRPr lang="de-DE" dirty="0"/>
           </a:p>
@@ -4909,7 +4909,7 @@
           <a:p>
             <a:fld id="{0514B242-AD5C-4B41-BF93-F916DF434DAD}" type="datetime4">
               <a:rPr lang="de-DE" smtClean="0"/>
-              <a:t>22. Januar 2024</a:t>
+              <a:t>23. Januar 2024</a:t>
             </a:fld>
             <a:endParaRPr lang="de-DE" dirty="0"/>
           </a:p>
@@ -5518,7 +5518,7 @@
           <a:p>
             <a:fld id="{BEB1A2E2-C2F3-4DC3-9EFA-1B027E1DB9EF}" type="datetime4">
               <a:rPr lang="de-DE" smtClean="0"/>
-              <a:t>22. Januar 2024</a:t>
+              <a:t>23. Januar 2024</a:t>
             </a:fld>
             <a:endParaRPr lang="de-DE" dirty="0"/>
           </a:p>
@@ -6163,7 +6163,7 @@
           <a:p>
             <a:fld id="{2932E9EA-6FD5-4064-BBAE-3D2161987AAD}" type="datetime4">
               <a:rPr lang="de-DE" smtClean="0"/>
-              <a:t>22. Januar 2024</a:t>
+              <a:t>23. Januar 2024</a:t>
             </a:fld>
             <a:endParaRPr lang="de-DE" dirty="0"/>
           </a:p>
@@ -6483,7 +6483,7 @@
           <a:p>
             <a:fld id="{72CC42AE-C3EF-4B0E-BCB7-CF3979B15172}" type="datetime4">
               <a:rPr lang="de-DE" smtClean="0"/>
-              <a:t>22. Januar 2024</a:t>
+              <a:t>23. Januar 2024</a:t>
             </a:fld>
             <a:endParaRPr lang="de-DE" dirty="0"/>
           </a:p>
@@ -7274,7 +7274,7 @@
           <a:p>
             <a:fld id="{5EC70606-3E17-47E8-A27C-EB7AAD2A44FE}" type="datetime4">
               <a:rPr lang="de-DE" smtClean="0"/>
-              <a:t>22. Januar 2024</a:t>
+              <a:t>23. Januar 2024</a:t>
             </a:fld>
             <a:endParaRPr lang="de-DE" dirty="0"/>
           </a:p>
@@ -8091,7 +8091,7 @@
           <a:p>
             <a:fld id="{F2B62418-7FCA-4AF1-8FA2-6395ED1B651A}" type="datetime4">
               <a:rPr lang="de-DE" smtClean="0"/>
-              <a:t>22. Januar 2024</a:t>
+              <a:t>23. Januar 2024</a:t>
             </a:fld>
             <a:endParaRPr lang="de-DE" dirty="0"/>
           </a:p>
@@ -10351,7 +10351,7 @@
           <a:p>
             <a:fld id="{116875FC-7435-4D7B-9721-1E153F8EC898}" type="datetime4">
               <a:rPr lang="de-DE" smtClean="0"/>
-              <a:t>22. Januar 2024</a:t>
+              <a:t>23. Januar 2024</a:t>
             </a:fld>
             <a:endParaRPr lang="de-DE" dirty="0"/>
           </a:p>
@@ -11477,7 +11477,7 @@
           <a:p>
             <a:fld id="{3FE5A654-3771-4CA6-8955-4121A07E80B3}" type="datetime4">
               <a:rPr lang="de-DE" smtClean="0"/>
-              <a:t>22. Januar 2024</a:t>
+              <a:t>23. Januar 2024</a:t>
             </a:fld>
             <a:endParaRPr lang="de-DE" dirty="0"/>
           </a:p>
@@ -11790,7 +11790,7 @@
           <a:p>
             <a:fld id="{4E60A873-BD85-46A8-A1D2-B1261567B1D4}" type="datetime4">
               <a:rPr lang="de-DE" smtClean="0"/>
-              <a:t>22. Januar 2024</a:t>
+              <a:t>23. Januar 2024</a:t>
             </a:fld>
             <a:endParaRPr lang="de-DE" dirty="0"/>
           </a:p>
@@ -12375,7 +12375,7 @@
           <a:p>
             <a:fld id="{1D19132D-378A-4DFC-9C3D-609ADAA7B00C}" type="datetime4">
               <a:rPr lang="de-DE" smtClean="0"/>
-              <a:t>22. Januar 2024</a:t>
+              <a:t>23. Januar 2024</a:t>
             </a:fld>
             <a:endParaRPr lang="de-DE" dirty="0"/>
           </a:p>
@@ -12808,7 +12808,7 @@
           <a:p>
             <a:fld id="{3A435C0F-A96C-4B5C-A8EA-3F3550908014}" type="datetime4">
               <a:rPr lang="de-DE" smtClean="0"/>
-              <a:t>22. Januar 2024</a:t>
+              <a:t>23. Januar 2024</a:t>
             </a:fld>
             <a:endParaRPr lang="de-DE" dirty="0"/>
           </a:p>
@@ -13133,7 +13133,7 @@
           <a:p>
             <a:fld id="{E5617C89-8FB8-4412-842F-3EA8591DD55C}" type="datetime4">
               <a:rPr lang="de-DE" smtClean="0"/>
-              <a:t>22. Januar 2024</a:t>
+              <a:t>23. Januar 2024</a:t>
             </a:fld>
             <a:endParaRPr lang="de-DE" dirty="0"/>
           </a:p>
@@ -13407,7 +13407,7 @@
           <a:p>
             <a:fld id="{175F7A26-1B74-4F7B-9BD9-144AFE365A1C}" type="datetime4">
               <a:rPr lang="de-DE" smtClean="0"/>
-              <a:t>22. Januar 2024</a:t>
+              <a:t>23. Januar 2024</a:t>
             </a:fld>
             <a:endParaRPr lang="de-DE" dirty="0"/>
           </a:p>
@@ -13981,7 +13981,7 @@
           <a:p>
             <a:fld id="{95BA66FC-D209-4C1F-8FFA-CD450F6CFB81}" type="datetime2">
               <a:rPr lang="de-DE"/>
-              <a:t>Montag, 22. Januar 2024</a:t>
+              <a:t>Dienstag, 23. Januar 2024</a:t>
             </a:fld>
             <a:endParaRPr lang="de-DE" dirty="0"/>
           </a:p>
@@ -14868,273 +14868,6 @@
         <p:cNvPr id="1" name="">
           <a:extLst>
             <a:ext uri="{FF2B5EF4-FFF2-40B4-BE49-F238E27FC236}">
-              <a16:creationId xmlns:a16="http://schemas.microsoft.com/office/drawing/2014/main" id="{4ED0FFB9-3A25-A67E-CC66-DB36DD361819}"/>
-            </a:ext>
-          </a:extLst>
-        </p:cNvPr>
-        <p:cNvGrpSpPr/>
-        <p:nvPr/>
-      </p:nvGrpSpPr>
-      <p:grpSpPr>
-        <a:xfrm>
-          <a:off x="0" y="0"/>
-          <a:ext cx="0" cy="0"/>
-          <a:chOff x="0" y="0"/>
-          <a:chExt cx="0" cy="0"/>
-        </a:xfrm>
-      </p:grpSpPr>
-      <p:sp>
-        <p:nvSpPr>
-          <p:cNvPr id="7" name="Titel 6">
-            <a:extLst>
-              <a:ext uri="{FF2B5EF4-FFF2-40B4-BE49-F238E27FC236}">
-                <a16:creationId xmlns:a16="http://schemas.microsoft.com/office/drawing/2014/main" id="{420BFDBC-5DC5-B56B-02F8-0D82B3AFC9D9}"/>
-              </a:ext>
-            </a:extLst>
-          </p:cNvPr>
-          <p:cNvSpPr>
-            <a:spLocks noGrp="1"/>
-          </p:cNvSpPr>
-          <p:nvPr>
-            <p:ph type="title"/>
-          </p:nvPr>
-        </p:nvSpPr>
-        <p:spPr/>
-        <p:txBody>
-          <a:bodyPr/>
-          <a:lstStyle/>
-          <a:p>
-            <a:r>
-              <a:rPr lang="de-DE" dirty="0"/>
-              <a:t>3a). Wofür wird es genutzt</a:t>
-            </a:r>
-          </a:p>
-        </p:txBody>
-      </p:sp>
-      <p:sp>
-        <p:nvSpPr>
-          <p:cNvPr id="5" name="Textplatzhalter 4">
-            <a:extLst>
-              <a:ext uri="{FF2B5EF4-FFF2-40B4-BE49-F238E27FC236}">
-                <a16:creationId xmlns:a16="http://schemas.microsoft.com/office/drawing/2014/main" id="{44361A08-2A25-B195-BF4F-248323A5D3A6}"/>
-              </a:ext>
-            </a:extLst>
-          </p:cNvPr>
-          <p:cNvSpPr>
-            <a:spLocks noGrp="1"/>
-          </p:cNvSpPr>
-          <p:nvPr>
-            <p:ph type="body" sz="quarter" idx="14"/>
-          </p:nvPr>
-        </p:nvSpPr>
-        <p:spPr/>
-        <p:txBody>
-          <a:bodyPr/>
-          <a:lstStyle/>
-          <a:p>
-            <a:r>
-              <a:rPr lang="de-DE" dirty="0"/>
-              <a:t>Subheadline</a:t>
-            </a:r>
-          </a:p>
-        </p:txBody>
-      </p:sp>
-      <p:sp>
-        <p:nvSpPr>
-          <p:cNvPr id="11" name="Textplatzhalter 10">
-            <a:extLst>
-              <a:ext uri="{FF2B5EF4-FFF2-40B4-BE49-F238E27FC236}">
-                <a16:creationId xmlns:a16="http://schemas.microsoft.com/office/drawing/2014/main" id="{B51C8505-1668-5867-EF5E-99945C81B8C8}"/>
-              </a:ext>
-            </a:extLst>
-          </p:cNvPr>
-          <p:cNvSpPr>
-            <a:spLocks noGrp="1"/>
-          </p:cNvSpPr>
-          <p:nvPr>
-            <p:ph type="body" sz="quarter" idx="15"/>
-          </p:nvPr>
-        </p:nvSpPr>
-        <p:spPr/>
-        <p:txBody>
-          <a:bodyPr/>
-          <a:lstStyle/>
-          <a:p>
-            <a:r>
-              <a:rPr lang="de-DE" dirty="0"/>
-              <a:t>Testautomatisierung</a:t>
-            </a:r>
-          </a:p>
-          <a:p>
-            <a:r>
-              <a:rPr lang="de-DE" dirty="0"/>
-              <a:t>Informationsabfrage</a:t>
-            </a:r>
-          </a:p>
-          <a:p>
-            <a:r>
-              <a:rPr lang="de-DE" dirty="0" err="1"/>
-              <a:t>Deployments</a:t>
-            </a:r>
-            <a:endParaRPr lang="de-DE" dirty="0"/>
-          </a:p>
-          <a:p>
-            <a:pPr marL="0" indent="0">
-              <a:buNone/>
-            </a:pPr>
-            <a:endParaRPr lang="de-DE" dirty="0"/>
-          </a:p>
-        </p:txBody>
-      </p:sp>
-      <p:sp>
-        <p:nvSpPr>
-          <p:cNvPr id="10" name="Textplatzhalter 9">
-            <a:extLst>
-              <a:ext uri="{FF2B5EF4-FFF2-40B4-BE49-F238E27FC236}">
-                <a16:creationId xmlns:a16="http://schemas.microsoft.com/office/drawing/2014/main" id="{3D6E310B-1288-67AC-5802-7774E2BE527B}"/>
-              </a:ext>
-            </a:extLst>
-          </p:cNvPr>
-          <p:cNvSpPr>
-            <a:spLocks noGrp="1"/>
-          </p:cNvSpPr>
-          <p:nvPr>
-            <p:ph type="body" sz="quarter" idx="13"/>
-          </p:nvPr>
-        </p:nvSpPr>
-        <p:spPr/>
-        <p:txBody>
-          <a:bodyPr/>
-          <a:lstStyle/>
-          <a:p>
-            <a:endParaRPr lang="de-DE"/>
-          </a:p>
-        </p:txBody>
-      </p:sp>
-      <p:sp>
-        <p:nvSpPr>
-          <p:cNvPr id="2" name="Fußzeilenplatzhalter 1">
-            <a:extLst>
-              <a:ext uri="{FF2B5EF4-FFF2-40B4-BE49-F238E27FC236}">
-                <a16:creationId xmlns:a16="http://schemas.microsoft.com/office/drawing/2014/main" id="{B1015277-0BBF-627D-C104-6068EF206DD5}"/>
-              </a:ext>
-            </a:extLst>
-          </p:cNvPr>
-          <p:cNvSpPr>
-            <a:spLocks noGrp="1"/>
-          </p:cNvSpPr>
-          <p:nvPr>
-            <p:ph type="ftr" sz="quarter" idx="17"/>
-          </p:nvPr>
-        </p:nvSpPr>
-        <p:spPr/>
-        <p:txBody>
-          <a:bodyPr/>
-          <a:lstStyle/>
-          <a:p>
-            <a:r>
-              <a:rPr lang="de-DE"/>
-              <a:t>Ansible / Berlin; Aps, Fabian</a:t>
-            </a:r>
-          </a:p>
-        </p:txBody>
-      </p:sp>
-      <p:sp>
-        <p:nvSpPr>
-          <p:cNvPr id="4" name="Foliennummernplatzhalter 3">
-            <a:extLst>
-              <a:ext uri="{FF2B5EF4-FFF2-40B4-BE49-F238E27FC236}">
-                <a16:creationId xmlns:a16="http://schemas.microsoft.com/office/drawing/2014/main" id="{EBC9D5F9-1541-689D-E2EF-6C86785E1145}"/>
-              </a:ext>
-            </a:extLst>
-          </p:cNvPr>
-          <p:cNvSpPr>
-            <a:spLocks noGrp="1"/>
-          </p:cNvSpPr>
-          <p:nvPr>
-            <p:ph type="sldNum" sz="quarter" idx="18"/>
-          </p:nvPr>
-        </p:nvSpPr>
-        <p:spPr/>
-        <p:txBody>
-          <a:bodyPr/>
-          <a:lstStyle/>
-          <a:p>
-            <a:r>
-              <a:rPr lang="de-DE"/>
-              <a:t>Seite </a:t>
-            </a:r>
-            <a:fld id="{5678FFC5-4430-43BC-9807-D0C6EB405569}" type="slidenum">
-              <a:rPr lang="de-DE" smtClean="0"/>
-              <a:pPr/>
-              <a:t>10</a:t>
-            </a:fld>
-            <a:endParaRPr lang="de-DE" dirty="0"/>
-          </a:p>
-        </p:txBody>
-      </p:sp>
-      <p:sp>
-        <p:nvSpPr>
-          <p:cNvPr id="3" name="Date Placeholder 2">
-            <a:extLst>
-              <a:ext uri="{FF2B5EF4-FFF2-40B4-BE49-F238E27FC236}">
-                <a16:creationId xmlns:a16="http://schemas.microsoft.com/office/drawing/2014/main" id="{611CE9B9-A505-1C30-F7FB-8EC7B6B6383D}"/>
-              </a:ext>
-            </a:extLst>
-          </p:cNvPr>
-          <p:cNvSpPr>
-            <a:spLocks noGrp="1"/>
-          </p:cNvSpPr>
-          <p:nvPr>
-            <p:ph type="dt" sz="half" idx="16"/>
-          </p:nvPr>
-        </p:nvSpPr>
-        <p:spPr/>
-        <p:txBody>
-          <a:bodyPr/>
-          <a:lstStyle/>
-          <a:p>
-            <a:fld id="{6E2A065A-BC68-4449-AE0D-77E9CDAD919C}" type="datetime4">
-              <a:rPr lang="de-DE" smtClean="0"/>
-              <a:t>22. Januar 2024</a:t>
-            </a:fld>
-            <a:endParaRPr lang="de-DE" dirty="0"/>
-          </a:p>
-        </p:txBody>
-      </p:sp>
-    </p:spTree>
-    <p:extLst>
-      <p:ext uri="{BB962C8B-B14F-4D97-AF65-F5344CB8AC3E}">
-        <p14:creationId xmlns:p14="http://schemas.microsoft.com/office/powerpoint/2010/main" val="3028475240"/>
-      </p:ext>
-    </p:extLst>
-  </p:cSld>
-  <p:clrMapOvr>
-    <a:masterClrMapping/>
-  </p:clrMapOvr>
-  <mc:AlternateContent xmlns:mc="http://schemas.openxmlformats.org/markup-compatibility/2006">
-    <mc:Choice xmlns:p159="http://schemas.microsoft.com/office/powerpoint/2015/09/main" Requires="p159">
-      <p:transition xmlns:p14="http://schemas.microsoft.com/office/powerpoint/2010/main" spd="slow" p14:dur="2000">
-        <p159:morph option="byObject"/>
-      </p:transition>
-    </mc:Choice>
-    <mc:Fallback>
-      <p:transition spd="slow">
-        <p:fade/>
-      </p:transition>
-    </mc:Fallback>
-  </mc:AlternateContent>
-</p:sld>
-</file>
-
-<file path=ppt/slides/slide11.xml><?xml version="1.0" encoding="utf-8"?>
-<p:sld xmlns:a="http://schemas.openxmlformats.org/drawingml/2006/main" xmlns:r="http://schemas.openxmlformats.org/officeDocument/2006/relationships" xmlns:p="http://schemas.openxmlformats.org/presentationml/2006/main">
-  <p:cSld>
-    <p:spTree>
-      <p:nvGrpSpPr>
-        <p:cNvPr id="1" name="">
-          <a:extLst>
-            <a:ext uri="{FF2B5EF4-FFF2-40B4-BE49-F238E27FC236}">
               <a16:creationId xmlns:a16="http://schemas.microsoft.com/office/drawing/2014/main" id="{D78F6696-3B0B-BEBE-05A5-155479794E9D}"/>
             </a:ext>
           </a:extLst>
@@ -15200,8 +14933,12 @@
           <a:lstStyle/>
           <a:p>
             <a:r>
+              <a:rPr lang="de-DE" dirty="0" err="1"/>
+              <a:t>Ansible</a:t>
+            </a:r>
+            <a:r>
               <a:rPr lang="de-DE" dirty="0"/>
-              <a:t>Subheadline</a:t>
+              <a:t> - Der Alleskönner der Systemverwaltung für jedermann?</a:t>
             </a:r>
           </a:p>
         </p:txBody>
@@ -15306,23 +15043,7 @@
             </a:r>
             <a:r>
               <a:rPr lang="de-DE" dirty="0"/>
-              <a:t> </a:t>
-            </a:r>
-            <a:r>
-              <a:rPr lang="de-DE"/>
-              <a:t>zur </a:t>
-            </a:r>
-            <a:r>
-              <a:rPr lang="de-DE" dirty="0"/>
-              <a:t>S</a:t>
-            </a:r>
-            <a:r>
-              <a:rPr lang="de-DE"/>
-              <a:t>ammlung </a:t>
-            </a:r>
-            <a:r>
-              <a:rPr lang="de-DE" dirty="0"/>
-              <a:t>der daten</a:t>
+              <a:t> zur Sammlung der daten</a:t>
             </a:r>
           </a:p>
           <a:p>
@@ -15343,12 +15064,17 @@
             </a:r>
             <a:r>
               <a:rPr lang="de-DE" dirty="0"/>
-              <a:t> -&gt; Var -&gt; Var -&gt; Liste -&gt; Liste</a:t>
-            </a:r>
-          </a:p>
-          <a:p>
+              <a:t> -&gt; Var -&gt; Var -&gt; Liste -&gt; Liste -&gt; Var -&gt; </a:t>
+            </a:r>
+            <a:r>
+              <a:rPr lang="de-DE" dirty="0" err="1"/>
+              <a:t>shell</a:t>
+            </a:r>
             <a:endParaRPr lang="de-DE" dirty="0"/>
           </a:p>
+          <a:p>
+            <a:endParaRPr lang="de-DE" dirty="0"/>
+          </a:p>
         </p:txBody>
       </p:sp>
       <p:sp>
@@ -15372,7 +15098,10 @@
           <a:bodyPr/>
           <a:lstStyle/>
           <a:p>
-            <a:endParaRPr lang="de-DE"/>
+            <a:r>
+              <a:rPr lang="de-DE" dirty="0"/>
+              <a:t>KfW</a:t>
+            </a:r>
           </a:p>
         </p:txBody>
       </p:sp>
@@ -15410,6 +15139,261 @@
             <a:extLst>
               <a:ext uri="{FF2B5EF4-FFF2-40B4-BE49-F238E27FC236}">
                 <a16:creationId xmlns:a16="http://schemas.microsoft.com/office/drawing/2014/main" id="{C8CE27A7-F21B-8A63-4F27-32789D258808}"/>
+              </a:ext>
+            </a:extLst>
+          </p:cNvPr>
+          <p:cNvSpPr>
+            <a:spLocks noGrp="1"/>
+          </p:cNvSpPr>
+          <p:nvPr>
+            <p:ph type="sldNum" sz="quarter" idx="18"/>
+          </p:nvPr>
+        </p:nvSpPr>
+        <p:spPr/>
+        <p:txBody>
+          <a:bodyPr/>
+          <a:lstStyle/>
+          <a:p>
+            <a:r>
+              <a:rPr lang="de-DE"/>
+              <a:t>Seite </a:t>
+            </a:r>
+            <a:fld id="{5678FFC5-4430-43BC-9807-D0C6EB405569}" type="slidenum">
+              <a:rPr lang="de-DE" smtClean="0"/>
+              <a:pPr/>
+              <a:t>10</a:t>
+            </a:fld>
+            <a:endParaRPr lang="de-DE" dirty="0"/>
+          </a:p>
+        </p:txBody>
+      </p:sp>
+      <p:sp>
+        <p:nvSpPr>
+          <p:cNvPr id="3" name="Date Placeholder 2">
+            <a:extLst>
+              <a:ext uri="{FF2B5EF4-FFF2-40B4-BE49-F238E27FC236}">
+                <a16:creationId xmlns:a16="http://schemas.microsoft.com/office/drawing/2014/main" id="{AC852BF6-6C58-88F2-2996-925CADA2A574}"/>
+              </a:ext>
+            </a:extLst>
+          </p:cNvPr>
+          <p:cNvSpPr>
+            <a:spLocks noGrp="1"/>
+          </p:cNvSpPr>
+          <p:nvPr>
+            <p:ph type="dt" sz="half" idx="16"/>
+          </p:nvPr>
+        </p:nvSpPr>
+        <p:spPr/>
+        <p:txBody>
+          <a:bodyPr/>
+          <a:lstStyle/>
+          <a:p>
+            <a:fld id="{6E2A065A-BC68-4449-AE0D-77E9CDAD919C}" type="datetime4">
+              <a:rPr lang="de-DE" smtClean="0"/>
+              <a:t>23. Januar 2024</a:t>
+            </a:fld>
+            <a:endParaRPr lang="de-DE" dirty="0"/>
+          </a:p>
+        </p:txBody>
+      </p:sp>
+    </p:spTree>
+    <p:extLst>
+      <p:ext uri="{BB962C8B-B14F-4D97-AF65-F5344CB8AC3E}">
+        <p14:creationId xmlns:p14="http://schemas.microsoft.com/office/powerpoint/2010/main" val="1088551181"/>
+      </p:ext>
+    </p:extLst>
+  </p:cSld>
+  <p:clrMapOvr>
+    <a:masterClrMapping/>
+  </p:clrMapOvr>
+  <mc:AlternateContent xmlns:mc="http://schemas.openxmlformats.org/markup-compatibility/2006" xmlns:p159="http://schemas.microsoft.com/office/powerpoint/2015/09/main">
+    <mc:Choice Requires="p159">
+      <p:transition xmlns:p14="http://schemas.microsoft.com/office/powerpoint/2010/main" spd="slow" p14:dur="2000">
+        <p159:morph option="byObject"/>
+      </p:transition>
+    </mc:Choice>
+    <mc:Fallback xmlns="">
+      <p:transition spd="slow">
+        <p:fade/>
+      </p:transition>
+    </mc:Fallback>
+  </mc:AlternateContent>
+</p:sld>
+</file>
+
+<file path=ppt/slides/slide11.xml><?xml version="1.0" encoding="utf-8"?>
+<p:sld xmlns:a="http://schemas.openxmlformats.org/drawingml/2006/main" xmlns:r="http://schemas.openxmlformats.org/officeDocument/2006/relationships" xmlns:p="http://schemas.openxmlformats.org/presentationml/2006/main">
+  <p:cSld>
+    <p:spTree>
+      <p:nvGrpSpPr>
+        <p:cNvPr id="1" name=""/>
+        <p:cNvGrpSpPr/>
+        <p:nvPr/>
+      </p:nvGrpSpPr>
+      <p:grpSpPr>
+        <a:xfrm>
+          <a:off x="0" y="0"/>
+          <a:ext cx="0" cy="0"/>
+          <a:chOff x="0" y="0"/>
+          <a:chExt cx="0" cy="0"/>
+        </a:xfrm>
+      </p:grpSpPr>
+      <p:sp>
+        <p:nvSpPr>
+          <p:cNvPr id="7" name="Titel 6">
+            <a:extLst>
+              <a:ext uri="{FF2B5EF4-FFF2-40B4-BE49-F238E27FC236}">
+                <a16:creationId xmlns:a16="http://schemas.microsoft.com/office/drawing/2014/main" id="{6A090F55-DB41-4B4F-A245-9BA58D64AD34}"/>
+              </a:ext>
+            </a:extLst>
+          </p:cNvPr>
+          <p:cNvSpPr>
+            <a:spLocks noGrp="1"/>
+          </p:cNvSpPr>
+          <p:nvPr>
+            <p:ph type="title"/>
+          </p:nvPr>
+        </p:nvSpPr>
+        <p:spPr/>
+        <p:txBody>
+          <a:bodyPr/>
+          <a:lstStyle/>
+          <a:p>
+            <a:r>
+              <a:rPr lang="de-DE" dirty="0"/>
+              <a:t>Projekt Mailskript Anpassung - Skript (Anonymisiert)</a:t>
+            </a:r>
+          </a:p>
+        </p:txBody>
+      </p:sp>
+      <p:sp>
+        <p:nvSpPr>
+          <p:cNvPr id="5" name="Textplatzhalter 4">
+            <a:extLst>
+              <a:ext uri="{FF2B5EF4-FFF2-40B4-BE49-F238E27FC236}">
+                <a16:creationId xmlns:a16="http://schemas.microsoft.com/office/drawing/2014/main" id="{030E7B44-8F3C-4A4C-AAC8-523AECB49FC9}"/>
+              </a:ext>
+            </a:extLst>
+          </p:cNvPr>
+          <p:cNvSpPr>
+            <a:spLocks noGrp="1"/>
+          </p:cNvSpPr>
+          <p:nvPr>
+            <p:ph type="body" sz="quarter" idx="14"/>
+          </p:nvPr>
+        </p:nvSpPr>
+        <p:spPr/>
+        <p:txBody>
+          <a:bodyPr/>
+          <a:lstStyle/>
+          <a:p>
+            <a:r>
+              <a:rPr lang="de-DE" dirty="0" err="1"/>
+              <a:t>Ansible</a:t>
+            </a:r>
+            <a:r>
+              <a:rPr lang="de-DE" dirty="0"/>
+              <a:t> - Der Alleskönner der Systemverwaltung für jedermann?</a:t>
+            </a:r>
+          </a:p>
+        </p:txBody>
+      </p:sp>
+      <p:sp>
+        <p:nvSpPr>
+          <p:cNvPr id="11" name="Textplatzhalter 10">
+            <a:extLst>
+              <a:ext uri="{FF2B5EF4-FFF2-40B4-BE49-F238E27FC236}">
+                <a16:creationId xmlns:a16="http://schemas.microsoft.com/office/drawing/2014/main" id="{A98EC59D-9277-4EEE-A00D-57FE38B6D04A}"/>
+              </a:ext>
+            </a:extLst>
+          </p:cNvPr>
+          <p:cNvSpPr>
+            <a:spLocks noGrp="1"/>
+          </p:cNvSpPr>
+          <p:nvPr>
+            <p:ph type="body" sz="quarter" idx="15"/>
+          </p:nvPr>
+        </p:nvSpPr>
+        <p:spPr/>
+        <p:txBody>
+          <a:bodyPr/>
+          <a:lstStyle/>
+          <a:p>
+            <a:pPr marL="0" indent="0">
+              <a:buNone/>
+            </a:pPr>
+            <a:r>
+              <a:rPr lang="de-DE" dirty="0">
+                <a:hlinkClick r:id="rId2"/>
+              </a:rPr>
+              <a:t>https://github.dev/comboomPunkTsucht/OSZIMT-repo-ITA12_aps/blob/main/Drites%20AusbildungsJahr/test.yml</a:t>
+            </a:r>
+            <a:endParaRPr lang="de-DE" dirty="0"/>
+          </a:p>
+        </p:txBody>
+      </p:sp>
+      <p:sp>
+        <p:nvSpPr>
+          <p:cNvPr id="10" name="Textplatzhalter 9">
+            <a:extLst>
+              <a:ext uri="{FF2B5EF4-FFF2-40B4-BE49-F238E27FC236}">
+                <a16:creationId xmlns:a16="http://schemas.microsoft.com/office/drawing/2014/main" id="{47968D60-BD2C-4296-9CFD-B32009B4EC2B}"/>
+              </a:ext>
+            </a:extLst>
+          </p:cNvPr>
+          <p:cNvSpPr>
+            <a:spLocks noGrp="1"/>
+          </p:cNvSpPr>
+          <p:nvPr>
+            <p:ph type="body" sz="quarter" idx="13"/>
+          </p:nvPr>
+        </p:nvSpPr>
+        <p:spPr/>
+        <p:txBody>
+          <a:bodyPr/>
+          <a:lstStyle/>
+          <a:p>
+            <a:r>
+              <a:rPr lang="de-DE" dirty="0"/>
+              <a:t>KfW</a:t>
+            </a:r>
+          </a:p>
+        </p:txBody>
+      </p:sp>
+      <p:sp>
+        <p:nvSpPr>
+          <p:cNvPr id="2" name="Fußzeilenplatzhalter 1">
+            <a:extLst>
+              <a:ext uri="{FF2B5EF4-FFF2-40B4-BE49-F238E27FC236}">
+                <a16:creationId xmlns:a16="http://schemas.microsoft.com/office/drawing/2014/main" id="{58A0811D-E82C-E946-AB62-0C15EE6DCB26}"/>
+              </a:ext>
+            </a:extLst>
+          </p:cNvPr>
+          <p:cNvSpPr>
+            <a:spLocks noGrp="1"/>
+          </p:cNvSpPr>
+          <p:nvPr>
+            <p:ph type="ftr" sz="quarter" idx="17"/>
+          </p:nvPr>
+        </p:nvSpPr>
+        <p:spPr/>
+        <p:txBody>
+          <a:bodyPr/>
+          <a:lstStyle/>
+          <a:p>
+            <a:r>
+              <a:rPr lang="de-DE"/>
+              <a:t>Ansible / Berlin; Aps, Fabian</a:t>
+            </a:r>
+          </a:p>
+        </p:txBody>
+      </p:sp>
+      <p:sp>
+        <p:nvSpPr>
+          <p:cNvPr id="4" name="Foliennummernplatzhalter 3">
+            <a:extLst>
+              <a:ext uri="{FF2B5EF4-FFF2-40B4-BE49-F238E27FC236}">
+                <a16:creationId xmlns:a16="http://schemas.microsoft.com/office/drawing/2014/main" id="{F207AADD-BE82-49B6-BBAD-2E4A7A4B3AC0}"/>
               </a:ext>
             </a:extLst>
           </p:cNvPr>
@@ -15443,7 +15427,7 @@
           <p:cNvPr id="3" name="Date Placeholder 2">
             <a:extLst>
               <a:ext uri="{FF2B5EF4-FFF2-40B4-BE49-F238E27FC236}">
-                <a16:creationId xmlns:a16="http://schemas.microsoft.com/office/drawing/2014/main" id="{AC852BF6-6C58-88F2-2996-925CADA2A574}"/>
+                <a16:creationId xmlns:a16="http://schemas.microsoft.com/office/drawing/2014/main" id="{4D7B1BA9-6225-0724-F51E-7D8CE4AAC758}"/>
               </a:ext>
             </a:extLst>
           </p:cNvPr>
@@ -15461,7 +15445,7 @@
           <a:p>
             <a:fld id="{6E2A065A-BC68-4449-AE0D-77E9CDAD919C}" type="datetime4">
               <a:rPr lang="de-DE" smtClean="0"/>
-              <a:t>22. Januar 2024</a:t>
+              <a:t>23. Januar 2024</a:t>
             </a:fld>
             <a:endParaRPr lang="de-DE" dirty="0"/>
           </a:p>
@@ -15470,7 +15454,7 @@
     </p:spTree>
     <p:extLst>
       <p:ext uri="{BB962C8B-B14F-4D97-AF65-F5344CB8AC3E}">
-        <p14:creationId xmlns:p14="http://schemas.microsoft.com/office/powerpoint/2010/main" val="1088551181"/>
+        <p14:creationId xmlns:p14="http://schemas.microsoft.com/office/powerpoint/2010/main" val="3894771061"/>
       </p:ext>
     </p:extLst>
   </p:cSld>
@@ -16483,7 +16467,7 @@
           <a:p>
             <a:fld id="{F9AEFFA7-63C7-4E87-8411-0997DBDC3538}" type="datetime4">
               <a:rPr lang="de-DE" smtClean="0"/>
-              <a:t>22. Januar 2024</a:t>
+              <a:t>23. Januar 2024</a:t>
             </a:fld>
             <a:endParaRPr lang="de-DE" dirty="0"/>
           </a:p>
@@ -16722,7 +16706,7 @@
           <a:p>
             <a:fld id="{6E2A065A-BC68-4449-AE0D-77E9CDAD919C}" type="datetime4">
               <a:rPr lang="de-DE" smtClean="0"/>
-              <a:t>22. Januar 2024</a:t>
+              <a:t>23. Januar 2024</a:t>
             </a:fld>
             <a:endParaRPr lang="de-DE" dirty="0"/>
           </a:p>
@@ -17131,7 +17115,7 @@
           <a:p>
             <a:fld id="{F668B26B-C26D-4524-9B94-474A24591DBB}" type="datetime4">
               <a:rPr lang="de-DE" smtClean="0"/>
-              <a:t>22. Januar 2024</a:t>
+              <a:t>23. Januar 2024</a:t>
             </a:fld>
             <a:endParaRPr lang="de-DE" dirty="0"/>
           </a:p>
@@ -17657,39 +17641,14 @@
             </a:r>
             <a:r>
               <a:rPr lang="de-DE" dirty="0"/>
-              <a:t>)</a:t>
-            </a:r>
-          </a:p>
-          <a:p>
-            <a:r>
-              <a:rPr lang="de-DE" dirty="0"/>
-              <a:t>Was war Bevor </a:t>
-            </a:r>
+              <a:t>) </a:t>
+            </a:r>
+          </a:p>
+          <a:p>
             <a:r>
               <a:rPr lang="de-DE" dirty="0" err="1"/>
               <a:t>Ansible</a:t>
             </a:r>
-            <a:endParaRPr lang="de-DE" dirty="0"/>
-          </a:p>
-          <a:p>
-            <a:pPr lvl="1"/>
-            <a:r>
-              <a:rPr lang="de-DE" dirty="0"/>
-              <a:t>Vorhandene Lösungen</a:t>
-            </a:r>
-          </a:p>
-          <a:p>
-            <a:pPr lvl="1"/>
-            <a:r>
-              <a:rPr lang="de-DE" dirty="0"/>
-              <a:t>Herausforderungen</a:t>
-            </a:r>
-          </a:p>
-          <a:p>
-            <a:r>
-              <a:rPr lang="de-DE" dirty="0" err="1"/>
-              <a:t>Ansible</a:t>
-            </a:r>
             <a:r>
               <a:rPr lang="de-DE" dirty="0"/>
               <a:t> bei der KfW</a:t>
@@ -17706,7 +17665,7 @@
             <a:pPr lvl="1"/>
             <a:r>
               <a:rPr lang="de-DE" dirty="0"/>
-              <a:t>Meine Projekte</a:t>
+              <a:t>Projekt Mailskript Anpassung + Skripte (Anonymisiert)</a:t>
             </a:r>
           </a:p>
           <a:p>
@@ -17817,7 +17776,7 @@
           <a:p>
             <a:fld id="{349E6A69-81E3-4B25-A0C8-3084E7490330}" type="datetime4">
               <a:rPr lang="de-DE" smtClean="0"/>
-              <a:t>22. Januar 2024</a:t>
+              <a:t>23. Januar 2024</a:t>
             </a:fld>
             <a:endParaRPr lang="de-DE" dirty="0"/>
           </a:p>
@@ -18057,7 +18016,7 @@
           <a:p>
             <a:fld id="{814BCBE8-B89F-44A1-BF06-15278A2A07DC}" type="datetime4">
               <a:rPr lang="de-DE" smtClean="0"/>
-              <a:t>22. Januar 2024</a:t>
+              <a:t>23. Januar 2024</a:t>
             </a:fld>
             <a:endParaRPr lang="de-DE" dirty="0"/>
           </a:p>
@@ -18322,7 +18281,7 @@
           <a:p>
             <a:fld id="{47D9CE86-64A1-4352-97F7-5032232CA1F0}" type="datetime4">
               <a:rPr lang="de-DE" smtClean="0"/>
-              <a:t>22. Januar 2024</a:t>
+              <a:t>23. Januar 2024</a:t>
             </a:fld>
             <a:endParaRPr lang="de-DE" dirty="0"/>
           </a:p>
@@ -18536,7 +18495,7 @@
           <a:p>
             <a:fld id="{50D933AF-1EB0-48A3-A9E5-8DBB12DC4B5A}" type="datetime4">
               <a:rPr lang="de-DE" smtClean="0"/>
-              <a:t>22. Januar 2024</a:t>
+              <a:t>23. Januar 2024</a:t>
             </a:fld>
             <a:endParaRPr lang="de-DE" dirty="0"/>
           </a:p>
@@ -18970,7 +18929,7 @@
           <a:p>
             <a:fld id="{05AAF74E-4A9E-4FA8-ABCD-ADE7FD2F4545}" type="datetime4">
               <a:rPr lang="de-DE" smtClean="0"/>
-              <a:t>22. Januar 2024</a:t>
+              <a:t>23. Januar 2024</a:t>
             </a:fld>
             <a:endParaRPr lang="de-DE" dirty="0"/>
           </a:p>
@@ -19404,7 +19363,7 @@
           <a:p>
             <a:fld id="{F2F611EC-DDC3-4BA4-8513-4D9CE4B8BDD2}" type="datetime4">
               <a:rPr lang="de-DE" smtClean="0"/>
-              <a:t>22. Januar 2024</a:t>
+              <a:t>23. Januar 2024</a:t>
             </a:fld>
             <a:endParaRPr lang="de-DE" dirty="0"/>
           </a:p>
@@ -19668,7 +19627,7 @@
           <a:p>
             <a:fld id="{8325E8D7-5BB2-471F-BF85-6A085EA8F56B}" type="datetime4">
               <a:rPr lang="de-DE" smtClean="0"/>
-              <a:t>22. Januar 2024</a:t>
+              <a:t>23. Januar 2024</a:t>
             </a:fld>
             <a:endParaRPr lang="de-DE" dirty="0"/>
           </a:p>
@@ -19982,7 +19941,7 @@
           <a:p>
             <a:fld id="{6A20CFA1-143D-401B-8DB9-17BBF424B783}" type="datetime4">
               <a:rPr lang="de-DE" smtClean="0"/>
-              <a:t>22. Januar 2024</a:t>
+              <a:t>23. Januar 2024</a:t>
             </a:fld>
             <a:endParaRPr lang="de-DE" dirty="0"/>
           </a:p>
@@ -20656,7 +20615,7 @@
           <a:p>
             <a:fld id="{E2B2F8DB-358E-48B2-9BC1-4D06D24D712F}" type="datetime4">
               <a:rPr lang="de-DE" smtClean="0"/>
-              <a:t>22. Januar 2024</a:t>
+              <a:t>23. Januar 2024</a:t>
             </a:fld>
             <a:endParaRPr lang="de-DE" dirty="0"/>
           </a:p>
@@ -21070,7 +21029,7 @@
           <a:p>
             <a:fld id="{BA5770AC-8DD4-4A02-8D38-83DA515050C4}" type="datetime4">
               <a:rPr lang="de-DE" smtClean="0"/>
-              <a:t>22. Januar 2024</a:t>
+              <a:t>23. Januar 2024</a:t>
             </a:fld>
             <a:endParaRPr lang="de-DE" dirty="0"/>
           </a:p>
@@ -21393,7 +21352,7 @@
           <a:p>
             <a:fld id="{267A473B-7F2F-4954-AB8C-3279C422133A}" type="datetime4">
               <a:rPr lang="de-DE" smtClean="0"/>
-              <a:t>22. Januar 2024</a:t>
+              <a:t>23. Januar 2024</a:t>
             </a:fld>
             <a:endParaRPr lang="de-DE" dirty="0"/>
           </a:p>
@@ -22247,7 +22206,7 @@
           <a:p>
             <a:fld id="{0C5174EB-F853-41DC-8974-5C62350681A4}" type="datetime4">
               <a:rPr lang="de-DE" smtClean="0"/>
-              <a:t>22. Januar 2024</a:t>
+              <a:t>23. Januar 2024</a:t>
             </a:fld>
             <a:endParaRPr lang="de-DE" dirty="0"/>
           </a:p>
@@ -22619,7 +22578,7 @@
           <a:p>
             <a:fld id="{02A52772-4B4C-4F02-AC21-EEE04BD2C59F}" type="datetime4">
               <a:rPr lang="de-DE" smtClean="0"/>
-              <a:t>22. Januar 2024</a:t>
+              <a:t>23. Januar 2024</a:t>
             </a:fld>
             <a:endParaRPr lang="de-DE" dirty="0"/>
           </a:p>
@@ -23679,7 +23638,7 @@
           <a:p>
             <a:fld id="{5011940B-CE99-4471-945B-B1F32DD823C3}" type="datetime4">
               <a:rPr lang="de-DE" smtClean="0"/>
-              <a:t>22. Januar 2024</a:t>
+              <a:t>23. Januar 2024</a:t>
             </a:fld>
             <a:endParaRPr lang="de-DE" dirty="0"/>
           </a:p>
@@ -24101,7 +24060,7 @@
           <a:p>
             <a:fld id="{36841660-9727-42EF-AAE6-C191EA0F2D7C}" type="datetime4">
               <a:rPr lang="de-DE" smtClean="0"/>
-              <a:t>22. Januar 2024</a:t>
+              <a:t>23. Januar 2024</a:t>
             </a:fld>
             <a:endParaRPr lang="de-DE" dirty="0"/>
           </a:p>
@@ -24445,7 +24404,7 @@
           <a:p>
             <a:fld id="{2EC39511-6F5A-4FB3-895B-04CC7B34195E}" type="datetime4">
               <a:rPr lang="de-DE" smtClean="0"/>
-              <a:t>22. Januar 2024</a:t>
+              <a:t>23. Januar 2024</a:t>
             </a:fld>
             <a:endParaRPr lang="de-DE" dirty="0"/>
           </a:p>
@@ -26616,7 +26575,7 @@
           <a:p>
             <a:fld id="{BCF4602C-3606-4E79-BDE8-74124BB20060}" type="datetime4">
               <a:rPr lang="de-DE" smtClean="0"/>
-              <a:t>22. Januar 2024</a:t>
+              <a:t>23. Januar 2024</a:t>
             </a:fld>
             <a:endParaRPr lang="de-DE" dirty="0"/>
           </a:p>
@@ -26820,7 +26779,13 @@
           <a:bodyPr/>
           <a:lstStyle/>
           <a:p>
-            <a:endParaRPr lang="de-DE"/>
+            <a:r>
+              <a:rPr lang="de-DE" dirty="0">
+                <a:hlinkClick r:id="rId2"/>
+              </a:rPr>
+              <a:t>https://docs.ansible.com/</a:t>
+            </a:r>
+            <a:endParaRPr lang="de-DE" dirty="0"/>
           </a:p>
         </p:txBody>
       </p:sp>
@@ -26909,7 +26874,7 @@
           <a:p>
             <a:fld id="{6E2A065A-BC68-4449-AE0D-77E9CDAD919C}" type="datetime4">
               <a:rPr lang="de-DE" smtClean="0"/>
-              <a:t>22. Januar 2024</a:t>
+              <a:t>23. Januar 2024</a:t>
             </a:fld>
             <a:endParaRPr lang="de-DE" dirty="0"/>
           </a:p>
@@ -27194,7 +27159,13 @@
           <a:bodyPr/>
           <a:lstStyle/>
           <a:p>
-            <a:endParaRPr lang="de-DE"/>
+            <a:r>
+              <a:rPr lang="de-DE" dirty="0">
+                <a:hlinkClick r:id="rId2"/>
+              </a:rPr>
+              <a:t>https://docs.ansible.com/</a:t>
+            </a:r>
+            <a:endParaRPr lang="de-DE" dirty="0"/>
           </a:p>
         </p:txBody>
       </p:sp>
@@ -27283,7 +27254,7 @@
           <a:p>
             <a:fld id="{6E2A065A-BC68-4449-AE0D-77E9CDAD919C}" type="datetime4">
               <a:rPr lang="de-DE" smtClean="0"/>
-              <a:t>22. Januar 2024</a:t>
+              <a:t>23. Januar 2024</a:t>
             </a:fld>
             <a:endParaRPr lang="de-DE" dirty="0"/>
           </a:p>
@@ -27458,7 +27429,13 @@
           <a:bodyPr/>
           <a:lstStyle/>
           <a:p>
-            <a:endParaRPr lang="de-DE"/>
+            <a:r>
+              <a:rPr lang="de-DE" dirty="0">
+                <a:hlinkClick r:id="rId2"/>
+              </a:rPr>
+              <a:t>https://docs.ansible.com/</a:t>
+            </a:r>
+            <a:endParaRPr lang="de-DE" dirty="0"/>
           </a:p>
         </p:txBody>
       </p:sp>
@@ -27547,7 +27524,7 @@
           <a:p>
             <a:fld id="{6E2A065A-BC68-4449-AE0D-77E9CDAD919C}" type="datetime4">
               <a:rPr lang="de-DE" smtClean="0"/>
-              <a:t>22. Januar 2024</a:t>
+              <a:t>23. Januar 2024</a:t>
             </a:fld>
             <a:endParaRPr lang="de-DE" dirty="0"/>
           </a:p>
@@ -27835,7 +27812,26 @@
           <a:bodyPr/>
           <a:lstStyle/>
           <a:p>
-            <a:endParaRPr lang="de-DE"/>
+            <a:r>
+              <a:rPr lang="de-DE" dirty="0">
+                <a:hlinkClick r:id="rId2"/>
+              </a:rPr>
+              <a:t>https://www.redhat.com/</a:t>
+            </a:r>
+            <a:r>
+              <a:rPr lang="de-DE" dirty="0"/>
+              <a:t>, </a:t>
+            </a:r>
+            <a:r>
+              <a:rPr lang="de-DE" dirty="0">
+                <a:hlinkClick r:id="rId3"/>
+              </a:rPr>
+              <a:t>https://docs.ansible.com/</a:t>
+            </a:r>
+            <a:r>
+              <a:rPr lang="de-DE" dirty="0"/>
+              <a:t> </a:t>
+            </a:r>
           </a:p>
         </p:txBody>
       </p:sp>
@@ -27924,7 +27920,7 @@
           <a:p>
             <a:fld id="{267A473B-7F2F-4954-AB8C-3279C422133A}" type="datetime4">
               <a:rPr lang="de-DE" smtClean="0"/>
-              <a:t>22. Januar 2024</a:t>
+              <a:t>23. Januar 2024</a:t>
             </a:fld>
             <a:endParaRPr lang="de-DE" dirty="0"/>
           </a:p>
@@ -27995,20 +27991,23 @@
           <a:p>
             <a:r>
               <a:rPr lang="de-DE" dirty="0"/>
-              <a:t>2. Was war Bevor </a:t>
+              <a:t>2. </a:t>
             </a:r>
             <a:r>
               <a:rPr lang="de-DE" dirty="0" err="1"/>
               <a:t>Ansible</a:t>
             </a:r>
-            <a:endParaRPr lang="de-DE" dirty="0"/>
+            <a:r>
+              <a:rPr lang="de-DE" dirty="0"/>
+              <a:t> bei der KfW</a:t>
+            </a:r>
           </a:p>
         </p:txBody>
       </p:sp>
     </p:spTree>
     <p:extLst>
       <p:ext uri="{BB962C8B-B14F-4D97-AF65-F5344CB8AC3E}">
-        <p14:creationId xmlns:p14="http://schemas.microsoft.com/office/powerpoint/2010/main" val="348124630"/>
+        <p14:creationId xmlns:p14="http://schemas.microsoft.com/office/powerpoint/2010/main" val="2229300675"/>
       </p:ext>
     </p:extLst>
   </p:cSld>
@@ -28035,7 +28034,13 @@
   <p:cSld>
     <p:spTree>
       <p:nvGrpSpPr>
-        <p:cNvPr id="1" name=""/>
+        <p:cNvPr id="1" name="">
+          <a:extLst>
+            <a:ext uri="{FF2B5EF4-FFF2-40B4-BE49-F238E27FC236}">
+              <a16:creationId xmlns:a16="http://schemas.microsoft.com/office/drawing/2014/main" id="{4ED0FFB9-3A25-A67E-CC66-DB36DD361819}"/>
+            </a:ext>
+          </a:extLst>
+        </p:cNvPr>
         <p:cNvGrpSpPr/>
         <p:nvPr/>
       </p:nvGrpSpPr>
@@ -28049,10 +28054,10 @@
       </p:grpSpPr>
       <p:sp>
         <p:nvSpPr>
-          <p:cNvPr id="8" name="Titel 7">
-            <a:extLst>
-              <a:ext uri="{FF2B5EF4-FFF2-40B4-BE49-F238E27FC236}">
-                <a16:creationId xmlns:a16="http://schemas.microsoft.com/office/drawing/2014/main" id="{C2AC54BE-8DE7-4BE8-8BDF-8919ACFD3430}"/>
+          <p:cNvPr id="7" name="Titel 6">
+            <a:extLst>
+              <a:ext uri="{FF2B5EF4-FFF2-40B4-BE49-F238E27FC236}">
+                <a16:creationId xmlns:a16="http://schemas.microsoft.com/office/drawing/2014/main" id="{420BFDBC-5DC5-B56B-02F8-0D82B3AFC9D9}"/>
               </a:ext>
             </a:extLst>
           </p:cNvPr>
@@ -28070,23 +28075,213 @@
           <a:p>
             <a:r>
               <a:rPr lang="de-DE" dirty="0"/>
-              <a:t>3. </a:t>
-            </a:r>
+              <a:t>3a). Wofür wird es genutzt</a:t>
+            </a:r>
+          </a:p>
+        </p:txBody>
+      </p:sp>
+      <p:sp>
+        <p:nvSpPr>
+          <p:cNvPr id="5" name="Textplatzhalter 4">
+            <a:extLst>
+              <a:ext uri="{FF2B5EF4-FFF2-40B4-BE49-F238E27FC236}">
+                <a16:creationId xmlns:a16="http://schemas.microsoft.com/office/drawing/2014/main" id="{44361A08-2A25-B195-BF4F-248323A5D3A6}"/>
+              </a:ext>
+            </a:extLst>
+          </p:cNvPr>
+          <p:cNvSpPr>
+            <a:spLocks noGrp="1"/>
+          </p:cNvSpPr>
+          <p:nvPr>
+            <p:ph type="body" sz="quarter" idx="14"/>
+          </p:nvPr>
+        </p:nvSpPr>
+        <p:spPr/>
+        <p:txBody>
+          <a:bodyPr/>
+          <a:lstStyle/>
+          <a:p>
             <a:r>
               <a:rPr lang="de-DE" dirty="0" err="1"/>
               <a:t>Ansible</a:t>
             </a:r>
             <a:r>
               <a:rPr lang="de-DE" dirty="0"/>
-              <a:t> bei der KfW</a:t>
-            </a:r>
+              <a:t> - Der Alleskönner der Systemverwaltung für jedermann?</a:t>
+            </a:r>
+          </a:p>
+        </p:txBody>
+      </p:sp>
+      <p:sp>
+        <p:nvSpPr>
+          <p:cNvPr id="11" name="Textplatzhalter 10">
+            <a:extLst>
+              <a:ext uri="{FF2B5EF4-FFF2-40B4-BE49-F238E27FC236}">
+                <a16:creationId xmlns:a16="http://schemas.microsoft.com/office/drawing/2014/main" id="{B51C8505-1668-5867-EF5E-99945C81B8C8}"/>
+              </a:ext>
+            </a:extLst>
+          </p:cNvPr>
+          <p:cNvSpPr>
+            <a:spLocks noGrp="1"/>
+          </p:cNvSpPr>
+          <p:nvPr>
+            <p:ph type="body" sz="quarter" idx="15"/>
+          </p:nvPr>
+        </p:nvSpPr>
+        <p:spPr/>
+        <p:txBody>
+          <a:bodyPr/>
+          <a:lstStyle/>
+          <a:p>
+            <a:r>
+              <a:rPr lang="de-DE" dirty="0"/>
+              <a:t>Testautomatisierung</a:t>
+            </a:r>
+          </a:p>
+          <a:p>
+            <a:r>
+              <a:rPr lang="de-DE" dirty="0"/>
+              <a:t>Informationsabfrage</a:t>
+            </a:r>
+          </a:p>
+          <a:p>
+            <a:r>
+              <a:rPr lang="de-DE" dirty="0" err="1"/>
+              <a:t>Deployments</a:t>
+            </a:r>
+            <a:endParaRPr lang="de-DE" dirty="0"/>
+          </a:p>
+          <a:p>
+            <a:pPr marL="0" indent="0">
+              <a:buNone/>
+            </a:pPr>
+            <a:endParaRPr lang="de-DE" dirty="0"/>
+          </a:p>
+        </p:txBody>
+      </p:sp>
+      <p:sp>
+        <p:nvSpPr>
+          <p:cNvPr id="10" name="Textplatzhalter 9">
+            <a:extLst>
+              <a:ext uri="{FF2B5EF4-FFF2-40B4-BE49-F238E27FC236}">
+                <a16:creationId xmlns:a16="http://schemas.microsoft.com/office/drawing/2014/main" id="{3D6E310B-1288-67AC-5802-7774E2BE527B}"/>
+              </a:ext>
+            </a:extLst>
+          </p:cNvPr>
+          <p:cNvSpPr>
+            <a:spLocks noGrp="1"/>
+          </p:cNvSpPr>
+          <p:nvPr>
+            <p:ph type="body" sz="quarter" idx="13"/>
+          </p:nvPr>
+        </p:nvSpPr>
+        <p:spPr/>
+        <p:txBody>
+          <a:bodyPr/>
+          <a:lstStyle/>
+          <a:p>
+            <a:r>
+              <a:rPr lang="de-DE" dirty="0"/>
+              <a:t>KfW</a:t>
+            </a:r>
+          </a:p>
+        </p:txBody>
+      </p:sp>
+      <p:sp>
+        <p:nvSpPr>
+          <p:cNvPr id="2" name="Fußzeilenplatzhalter 1">
+            <a:extLst>
+              <a:ext uri="{FF2B5EF4-FFF2-40B4-BE49-F238E27FC236}">
+                <a16:creationId xmlns:a16="http://schemas.microsoft.com/office/drawing/2014/main" id="{B1015277-0BBF-627D-C104-6068EF206DD5}"/>
+              </a:ext>
+            </a:extLst>
+          </p:cNvPr>
+          <p:cNvSpPr>
+            <a:spLocks noGrp="1"/>
+          </p:cNvSpPr>
+          <p:nvPr>
+            <p:ph type="ftr" sz="quarter" idx="17"/>
+          </p:nvPr>
+        </p:nvSpPr>
+        <p:spPr/>
+        <p:txBody>
+          <a:bodyPr/>
+          <a:lstStyle/>
+          <a:p>
+            <a:r>
+              <a:rPr lang="de-DE"/>
+              <a:t>Ansible / Berlin; Aps, Fabian</a:t>
+            </a:r>
+          </a:p>
+        </p:txBody>
+      </p:sp>
+      <p:sp>
+        <p:nvSpPr>
+          <p:cNvPr id="4" name="Foliennummernplatzhalter 3">
+            <a:extLst>
+              <a:ext uri="{FF2B5EF4-FFF2-40B4-BE49-F238E27FC236}">
+                <a16:creationId xmlns:a16="http://schemas.microsoft.com/office/drawing/2014/main" id="{EBC9D5F9-1541-689D-E2EF-6C86785E1145}"/>
+              </a:ext>
+            </a:extLst>
+          </p:cNvPr>
+          <p:cNvSpPr>
+            <a:spLocks noGrp="1"/>
+          </p:cNvSpPr>
+          <p:nvPr>
+            <p:ph type="sldNum" sz="quarter" idx="18"/>
+          </p:nvPr>
+        </p:nvSpPr>
+        <p:spPr/>
+        <p:txBody>
+          <a:bodyPr/>
+          <a:lstStyle/>
+          <a:p>
+            <a:r>
+              <a:rPr lang="de-DE"/>
+              <a:t>Seite </a:t>
+            </a:r>
+            <a:fld id="{5678FFC5-4430-43BC-9807-D0C6EB405569}" type="slidenum">
+              <a:rPr lang="de-DE" smtClean="0"/>
+              <a:pPr/>
+              <a:t>9</a:t>
+            </a:fld>
+            <a:endParaRPr lang="de-DE" dirty="0"/>
+          </a:p>
+        </p:txBody>
+      </p:sp>
+      <p:sp>
+        <p:nvSpPr>
+          <p:cNvPr id="3" name="Date Placeholder 2">
+            <a:extLst>
+              <a:ext uri="{FF2B5EF4-FFF2-40B4-BE49-F238E27FC236}">
+                <a16:creationId xmlns:a16="http://schemas.microsoft.com/office/drawing/2014/main" id="{611CE9B9-A505-1C30-F7FB-8EC7B6B6383D}"/>
+              </a:ext>
+            </a:extLst>
+          </p:cNvPr>
+          <p:cNvSpPr>
+            <a:spLocks noGrp="1"/>
+          </p:cNvSpPr>
+          <p:nvPr>
+            <p:ph type="dt" sz="half" idx="16"/>
+          </p:nvPr>
+        </p:nvSpPr>
+        <p:spPr/>
+        <p:txBody>
+          <a:bodyPr/>
+          <a:lstStyle/>
+          <a:p>
+            <a:fld id="{6E2A065A-BC68-4449-AE0D-77E9CDAD919C}" type="datetime4">
+              <a:rPr lang="de-DE" smtClean="0"/>
+              <a:t>23. Januar 2024</a:t>
+            </a:fld>
+            <a:endParaRPr lang="de-DE" dirty="0"/>
           </a:p>
         </p:txBody>
       </p:sp>
     </p:spTree>
     <p:extLst>
       <p:ext uri="{BB962C8B-B14F-4D97-AF65-F5344CB8AC3E}">
-        <p14:creationId xmlns:p14="http://schemas.microsoft.com/office/powerpoint/2010/main" val="2229300675"/>
+        <p14:creationId xmlns:p14="http://schemas.microsoft.com/office/powerpoint/2010/main" val="3028475240"/>
       </p:ext>
     </p:extLst>
   </p:cSld>

--- a/Drites AusbildungsJahr/Ansible-ITA12-Aps,Fabian-KfW.pptx
+++ b/Drites AusbildungsJahr/Ansible-ITA12-Aps,Fabian-KfW.pptx
@@ -266,7 +266,7 @@
           <a:p>
             <a:fld id="{57EECD7F-E5B6-4B40-9E0B-628FCC195BC8}" type="datetimeFigureOut">
               <a:rPr lang="de-DE" smtClean="0"/>
-              <a:t>29.01.2024</a:t>
+              <a:t>30.01.2024</a:t>
             </a:fld>
             <a:endParaRPr lang="de-DE"/>
           </a:p>
@@ -443,7 +443,7 @@
           <a:p>
             <a:fld id="{A16BC527-A945-41A0-A295-3A1AFDBBE427}" type="datetimeFigureOut">
               <a:rPr lang="de-DE" smtClean="0"/>
-              <a:t>29.01.2024</a:t>
+              <a:t>30.01.2024</a:t>
             </a:fld>
             <a:endParaRPr lang="de-DE"/>
           </a:p>
@@ -1822,7 +1822,7 @@
           <a:p>
             <a:fld id="{4B51FA49-3FF9-4E0A-B074-1107EACE6791}" type="datetime4">
               <a:rPr lang="de-DE" smtClean="0"/>
-              <a:t>29. Januar 2024</a:t>
+              <a:t>30. Januar 2024</a:t>
             </a:fld>
             <a:endParaRPr lang="de-DE" dirty="0"/>
           </a:p>
@@ -2186,7 +2186,7 @@
           <a:p>
             <a:fld id="{78A5973E-B742-4B73-8471-753A894B93F2}" type="datetime4">
               <a:rPr lang="de-DE" smtClean="0"/>
-              <a:t>29. Januar 2024</a:t>
+              <a:t>30. Januar 2024</a:t>
             </a:fld>
             <a:endParaRPr lang="de-DE" dirty="0"/>
           </a:p>
@@ -2550,7 +2550,7 @@
           <a:p>
             <a:fld id="{A583D041-DB01-424D-B8E1-DBA227AC4DDB}" type="datetime4">
               <a:rPr lang="de-DE" smtClean="0"/>
-              <a:t>29. Januar 2024</a:t>
+              <a:t>30. Januar 2024</a:t>
             </a:fld>
             <a:endParaRPr lang="de-DE" dirty="0"/>
           </a:p>
@@ -2880,7 +2880,7 @@
           <a:p>
             <a:fld id="{8225EA31-1B36-4A2E-AE0A-0E1E9B0416B8}" type="datetime4">
               <a:rPr lang="de-DE" smtClean="0"/>
-              <a:t>29. Januar 2024</a:t>
+              <a:t>30. Januar 2024</a:t>
             </a:fld>
             <a:endParaRPr lang="de-DE" dirty="0"/>
           </a:p>
@@ -3295,7 +3295,7 @@
           <a:p>
             <a:fld id="{C5024EDB-38A8-4ECD-AA39-F570D1CE0899}" type="datetime4">
               <a:rPr lang="de-DE" smtClean="0"/>
-              <a:t>29. Januar 2024</a:t>
+              <a:t>30. Januar 2024</a:t>
             </a:fld>
             <a:endParaRPr lang="de-DE" dirty="0"/>
           </a:p>
@@ -3788,7 +3788,7 @@
           <a:p>
             <a:fld id="{A31BBE6F-7B96-4B5E-9072-A368A11B9C86}" type="datetime4">
               <a:rPr lang="de-DE" smtClean="0"/>
-              <a:t>29. Januar 2024</a:t>
+              <a:t>30. Januar 2024</a:t>
             </a:fld>
             <a:endParaRPr lang="de-DE" dirty="0"/>
           </a:p>
@@ -4373,7 +4373,7 @@
           <a:p>
             <a:fld id="{6F8D7054-24D4-449E-B4BF-68C22247C436}" type="datetime4">
               <a:rPr lang="de-DE" smtClean="0"/>
-              <a:t>29. Januar 2024</a:t>
+              <a:t>30. Januar 2024</a:t>
             </a:fld>
             <a:endParaRPr lang="de-DE" dirty="0"/>
           </a:p>
@@ -4904,7 +4904,7 @@
           <a:p>
             <a:fld id="{0514B242-AD5C-4B41-BF93-F916DF434DAD}" type="datetime4">
               <a:rPr lang="de-DE" smtClean="0"/>
-              <a:t>29. Januar 2024</a:t>
+              <a:t>30. Januar 2024</a:t>
             </a:fld>
             <a:endParaRPr lang="de-DE" dirty="0"/>
           </a:p>
@@ -5513,7 +5513,7 @@
           <a:p>
             <a:fld id="{BEB1A2E2-C2F3-4DC3-9EFA-1B027E1DB9EF}" type="datetime4">
               <a:rPr lang="de-DE" smtClean="0"/>
-              <a:t>29. Januar 2024</a:t>
+              <a:t>30. Januar 2024</a:t>
             </a:fld>
             <a:endParaRPr lang="de-DE" dirty="0"/>
           </a:p>
@@ -6158,7 +6158,7 @@
           <a:p>
             <a:fld id="{2932E9EA-6FD5-4064-BBAE-3D2161987AAD}" type="datetime4">
               <a:rPr lang="de-DE" smtClean="0"/>
-              <a:t>29. Januar 2024</a:t>
+              <a:t>30. Januar 2024</a:t>
             </a:fld>
             <a:endParaRPr lang="de-DE" dirty="0"/>
           </a:p>
@@ -6478,7 +6478,7 @@
           <a:p>
             <a:fld id="{72CC42AE-C3EF-4B0E-BCB7-CF3979B15172}" type="datetime4">
               <a:rPr lang="de-DE" smtClean="0"/>
-              <a:t>29. Januar 2024</a:t>
+              <a:t>30. Januar 2024</a:t>
             </a:fld>
             <a:endParaRPr lang="de-DE" dirty="0"/>
           </a:p>
@@ -7269,7 +7269,7 @@
           <a:p>
             <a:fld id="{5EC70606-3E17-47E8-A27C-EB7AAD2A44FE}" type="datetime4">
               <a:rPr lang="de-DE" smtClean="0"/>
-              <a:t>29. Januar 2024</a:t>
+              <a:t>30. Januar 2024</a:t>
             </a:fld>
             <a:endParaRPr lang="de-DE" dirty="0"/>
           </a:p>
@@ -8086,7 +8086,7 @@
           <a:p>
             <a:fld id="{F2B62418-7FCA-4AF1-8FA2-6395ED1B651A}" type="datetime4">
               <a:rPr lang="de-DE" smtClean="0"/>
-              <a:t>29. Januar 2024</a:t>
+              <a:t>30. Januar 2024</a:t>
             </a:fld>
             <a:endParaRPr lang="de-DE" dirty="0"/>
           </a:p>
@@ -10346,7 +10346,7 @@
           <a:p>
             <a:fld id="{116875FC-7435-4D7B-9721-1E153F8EC898}" type="datetime4">
               <a:rPr lang="de-DE" smtClean="0"/>
-              <a:t>29. Januar 2024</a:t>
+              <a:t>30. Januar 2024</a:t>
             </a:fld>
             <a:endParaRPr lang="de-DE" dirty="0"/>
           </a:p>
@@ -11472,7 +11472,7 @@
           <a:p>
             <a:fld id="{3FE5A654-3771-4CA6-8955-4121A07E80B3}" type="datetime4">
               <a:rPr lang="de-DE" smtClean="0"/>
-              <a:t>29. Januar 2024</a:t>
+              <a:t>30. Januar 2024</a:t>
             </a:fld>
             <a:endParaRPr lang="de-DE" dirty="0"/>
           </a:p>
@@ -11785,7 +11785,7 @@
           <a:p>
             <a:fld id="{4E60A873-BD85-46A8-A1D2-B1261567B1D4}" type="datetime4">
               <a:rPr lang="de-DE" smtClean="0"/>
-              <a:t>29. Januar 2024</a:t>
+              <a:t>30. Januar 2024</a:t>
             </a:fld>
             <a:endParaRPr lang="de-DE" dirty="0"/>
           </a:p>
@@ -12370,7 +12370,7 @@
           <a:p>
             <a:fld id="{1D19132D-378A-4DFC-9C3D-609ADAA7B00C}" type="datetime4">
               <a:rPr lang="de-DE" smtClean="0"/>
-              <a:t>29. Januar 2024</a:t>
+              <a:t>30. Januar 2024</a:t>
             </a:fld>
             <a:endParaRPr lang="de-DE" dirty="0"/>
           </a:p>
@@ -12803,7 +12803,7 @@
           <a:p>
             <a:fld id="{3A435C0F-A96C-4B5C-A8EA-3F3550908014}" type="datetime4">
               <a:rPr lang="de-DE" smtClean="0"/>
-              <a:t>29. Januar 2024</a:t>
+              <a:t>30. Januar 2024</a:t>
             </a:fld>
             <a:endParaRPr lang="de-DE" dirty="0"/>
           </a:p>
@@ -13128,7 +13128,7 @@
           <a:p>
             <a:fld id="{E5617C89-8FB8-4412-842F-3EA8591DD55C}" type="datetime4">
               <a:rPr lang="de-DE" smtClean="0"/>
-              <a:t>29. Januar 2024</a:t>
+              <a:t>30. Januar 2024</a:t>
             </a:fld>
             <a:endParaRPr lang="de-DE" dirty="0"/>
           </a:p>
@@ -13402,7 +13402,7 @@
           <a:p>
             <a:fld id="{175F7A26-1B74-4F7B-9BD9-144AFE365A1C}" type="datetime4">
               <a:rPr lang="de-DE" smtClean="0"/>
-              <a:t>29. Januar 2024</a:t>
+              <a:t>30. Januar 2024</a:t>
             </a:fld>
             <a:endParaRPr lang="de-DE" dirty="0"/>
           </a:p>
@@ -13976,7 +13976,7 @@
           <a:p>
             <a:fld id="{95BA66FC-D209-4C1F-8FFA-CD450F6CFB81}" type="datetime2">
               <a:rPr lang="de-DE"/>
-              <a:t>Montag, 29. Januar 2024</a:t>
+              <a:t>Dienstag, 30. Januar 2024</a:t>
             </a:fld>
             <a:endParaRPr lang="de-DE" dirty="0"/>
           </a:p>
@@ -15549,7 +15549,7 @@
           <a:p>
             <a:fld id="{F9AEFFA7-63C7-4E87-8411-0997DBDC3538}" type="datetime4">
               <a:rPr lang="de-DE" smtClean="0"/>
-              <a:t>29. Januar 2024</a:t>
+              <a:t>30. Januar 2024</a:t>
             </a:fld>
             <a:endParaRPr lang="de-DE" dirty="0"/>
           </a:p>
@@ -15788,7 +15788,7 @@
           <a:p>
             <a:fld id="{6E2A065A-BC68-4449-AE0D-77E9CDAD919C}" type="datetime4">
               <a:rPr lang="de-DE" smtClean="0"/>
-              <a:t>29. Januar 2024</a:t>
+              <a:t>30. Januar 2024</a:t>
             </a:fld>
             <a:endParaRPr lang="de-DE" dirty="0"/>
           </a:p>
@@ -16197,7 +16197,7 @@
           <a:p>
             <a:fld id="{F668B26B-C26D-4524-9B94-474A24591DBB}" type="datetime4">
               <a:rPr lang="de-DE" smtClean="0"/>
-              <a:t>29. Januar 2024</a:t>
+              <a:t>30. Januar 2024</a:t>
             </a:fld>
             <a:endParaRPr lang="de-DE" dirty="0"/>
           </a:p>
@@ -16770,7 +16770,7 @@
           <a:p>
             <a:fld id="{814BCBE8-B89F-44A1-BF06-15278A2A07DC}" type="datetime4">
               <a:rPr lang="de-DE" smtClean="0"/>
-              <a:t>29. Januar 2024</a:t>
+              <a:t>30. Januar 2024</a:t>
             </a:fld>
             <a:endParaRPr lang="de-DE" dirty="0"/>
           </a:p>
@@ -17035,7 +17035,7 @@
           <a:p>
             <a:fld id="{47D9CE86-64A1-4352-97F7-5032232CA1F0}" type="datetime4">
               <a:rPr lang="de-DE" smtClean="0"/>
-              <a:t>29. Januar 2024</a:t>
+              <a:t>30. Januar 2024</a:t>
             </a:fld>
             <a:endParaRPr lang="de-DE" dirty="0"/>
           </a:p>
@@ -17249,7 +17249,7 @@
           <a:p>
             <a:fld id="{50D933AF-1EB0-48A3-A9E5-8DBB12DC4B5A}" type="datetime4">
               <a:rPr lang="de-DE" smtClean="0"/>
-              <a:t>29. Januar 2024</a:t>
+              <a:t>30. Januar 2024</a:t>
             </a:fld>
             <a:endParaRPr lang="de-DE" dirty="0"/>
           </a:p>
@@ -17683,7 +17683,7 @@
           <a:p>
             <a:fld id="{05AAF74E-4A9E-4FA8-ABCD-ADE7FD2F4545}" type="datetime4">
               <a:rPr lang="de-DE" smtClean="0"/>
-              <a:t>29. Januar 2024</a:t>
+              <a:t>30. Januar 2024</a:t>
             </a:fld>
             <a:endParaRPr lang="de-DE" dirty="0"/>
           </a:p>
@@ -18117,7 +18117,7 @@
           <a:p>
             <a:fld id="{F2F611EC-DDC3-4BA4-8513-4D9CE4B8BDD2}" type="datetime4">
               <a:rPr lang="de-DE" smtClean="0"/>
-              <a:t>29. Januar 2024</a:t>
+              <a:t>30. Januar 2024</a:t>
             </a:fld>
             <a:endParaRPr lang="de-DE" dirty="0"/>
           </a:p>
@@ -18390,7 +18390,7 @@
           <a:p>
             <a:fld id="{349E6A69-81E3-4B25-A0C8-3084E7490330}" type="datetime4">
               <a:rPr lang="de-DE" smtClean="0"/>
-              <a:t>29. Januar 2024</a:t>
+              <a:t>30. Januar 2024</a:t>
             </a:fld>
             <a:endParaRPr lang="de-DE" dirty="0"/>
           </a:p>
@@ -18654,7 +18654,7 @@
           <a:p>
             <a:fld id="{8325E8D7-5BB2-471F-BF85-6A085EA8F56B}" type="datetime4">
               <a:rPr lang="de-DE" smtClean="0"/>
-              <a:t>29. Januar 2024</a:t>
+              <a:t>30. Januar 2024</a:t>
             </a:fld>
             <a:endParaRPr lang="de-DE" dirty="0"/>
           </a:p>
@@ -18968,7 +18968,7 @@
           <a:p>
             <a:fld id="{6A20CFA1-143D-401B-8DB9-17BBF424B783}" type="datetime4">
               <a:rPr lang="de-DE" smtClean="0"/>
-              <a:t>29. Januar 2024</a:t>
+              <a:t>30. Januar 2024</a:t>
             </a:fld>
             <a:endParaRPr lang="de-DE" dirty="0"/>
           </a:p>
@@ -19642,7 +19642,7 @@
           <a:p>
             <a:fld id="{E2B2F8DB-358E-48B2-9BC1-4D06D24D712F}" type="datetime4">
               <a:rPr lang="de-DE" smtClean="0"/>
-              <a:t>29. Januar 2024</a:t>
+              <a:t>30. Januar 2024</a:t>
             </a:fld>
             <a:endParaRPr lang="de-DE" dirty="0"/>
           </a:p>
@@ -20056,7 +20056,7 @@
           <a:p>
             <a:fld id="{BA5770AC-8DD4-4A02-8D38-83DA515050C4}" type="datetime4">
               <a:rPr lang="de-DE" smtClean="0"/>
-              <a:t>29. Januar 2024</a:t>
+              <a:t>30. Januar 2024</a:t>
             </a:fld>
             <a:endParaRPr lang="de-DE" dirty="0"/>
           </a:p>
@@ -20379,7 +20379,7 @@
           <a:p>
             <a:fld id="{267A473B-7F2F-4954-AB8C-3279C422133A}" type="datetime4">
               <a:rPr lang="de-DE" smtClean="0"/>
-              <a:t>29. Januar 2024</a:t>
+              <a:t>30. Januar 2024</a:t>
             </a:fld>
             <a:endParaRPr lang="de-DE" dirty="0"/>
           </a:p>
@@ -21154,7 +21154,7 @@
           <a:p>
             <a:fld id="{0C5174EB-F853-41DC-8974-5C62350681A4}" type="datetime4">
               <a:rPr lang="de-DE" smtClean="0"/>
-              <a:t>29. Januar 2024</a:t>
+              <a:t>30. Januar 2024</a:t>
             </a:fld>
             <a:endParaRPr lang="de-DE" dirty="0"/>
           </a:p>
@@ -21526,7 +21526,7 @@
           <a:p>
             <a:fld id="{02A52772-4B4C-4F02-AC21-EEE04BD2C59F}" type="datetime4">
               <a:rPr lang="de-DE" smtClean="0"/>
-              <a:t>29. Januar 2024</a:t>
+              <a:t>30. Januar 2024</a:t>
             </a:fld>
             <a:endParaRPr lang="de-DE" dirty="0"/>
           </a:p>
@@ -22586,7 +22586,7 @@
           <a:p>
             <a:fld id="{5011940B-CE99-4471-945B-B1F32DD823C3}" type="datetime4">
               <a:rPr lang="de-DE" smtClean="0"/>
-              <a:t>29. Januar 2024</a:t>
+              <a:t>30. Januar 2024</a:t>
             </a:fld>
             <a:endParaRPr lang="de-DE" dirty="0"/>
           </a:p>
@@ -23008,7 +23008,7 @@
           <a:p>
             <a:fld id="{36841660-9727-42EF-AAE6-C191EA0F2D7C}" type="datetime4">
               <a:rPr lang="de-DE" smtClean="0"/>
-              <a:t>29. Januar 2024</a:t>
+              <a:t>30. Januar 2024</a:t>
             </a:fld>
             <a:endParaRPr lang="de-DE" dirty="0"/>
           </a:p>
@@ -23431,7 +23431,7 @@
           <a:p>
             <a:fld id="{2EC39511-6F5A-4FB3-895B-04CC7B34195E}" type="datetime4">
               <a:rPr lang="de-DE" smtClean="0"/>
-              <a:t>29. Januar 2024</a:t>
+              <a:t>30. Januar 2024</a:t>
             </a:fld>
             <a:endParaRPr lang="de-DE" dirty="0"/>
           </a:p>
@@ -25602,7 +25602,7 @@
           <a:p>
             <a:fld id="{BCF4602C-3606-4E79-BDE8-74124BB20060}" type="datetime4">
               <a:rPr lang="de-DE" smtClean="0"/>
-              <a:t>29. Januar 2024</a:t>
+              <a:t>30. Januar 2024</a:t>
             </a:fld>
             <a:endParaRPr lang="de-DE" dirty="0"/>
           </a:p>
@@ -25901,7 +25901,7 @@
           <a:p>
             <a:fld id="{6E2A065A-BC68-4449-AE0D-77E9CDAD919C}" type="datetime4">
               <a:rPr lang="de-DE" smtClean="0"/>
-              <a:t>29. Januar 2024</a:t>
+              <a:t>30. Januar 2024</a:t>
             </a:fld>
             <a:endParaRPr lang="de-DE" dirty="0"/>
           </a:p>
@@ -26303,7 +26303,7 @@
           <a:p>
             <a:fld id="{267A473B-7F2F-4954-AB8C-3279C422133A}" type="datetime4">
               <a:rPr lang="de-DE" smtClean="0"/>
-              <a:t>29. Januar 2024</a:t>
+              <a:t>30. Januar 2024</a:t>
             </a:fld>
             <a:endParaRPr lang="de-DE" dirty="0"/>
           </a:p>
@@ -26738,7 +26738,7 @@
           <a:p>
             <a:fld id="{6E2A065A-BC68-4449-AE0D-77E9CDAD919C}" type="datetime4">
               <a:rPr lang="de-DE" smtClean="0"/>
-              <a:t>29. Januar 2024</a:t>
+              <a:t>30. Januar 2024</a:t>
             </a:fld>
             <a:endParaRPr lang="de-DE" dirty="0"/>
           </a:p>
@@ -27011,7 +27011,7 @@
           <a:p>
             <a:fld id="{6E2A065A-BC68-4449-AE0D-77E9CDAD919C}" type="datetime4">
               <a:rPr lang="de-DE" smtClean="0"/>
-              <a:t>29. Januar 2024</a:t>
+              <a:t>30. Januar 2024</a:t>
             </a:fld>
             <a:endParaRPr lang="de-DE" dirty="0"/>
           </a:p>
@@ -27089,11 +27089,10 @@
       </p:sp>
       <p:graphicFrame>
         <p:nvGraphicFramePr>
-          <p:cNvPr id="3" name="Object 2">
-            <a:hlinkClick r:id="rId2" action="ppaction://hlinkfile"/>
-            <a:extLst>
-              <a:ext uri="{FF2B5EF4-FFF2-40B4-BE49-F238E27FC236}">
-                <a16:creationId xmlns:a16="http://schemas.microsoft.com/office/drawing/2014/main" id="{B3F543A2-9610-7179-232F-5AAEA4F6BF7F}"/>
+          <p:cNvPr id="5" name="Object 4">
+            <a:extLst>
+              <a:ext uri="{FF2B5EF4-FFF2-40B4-BE49-F238E27FC236}">
+                <a16:creationId xmlns:a16="http://schemas.microsoft.com/office/drawing/2014/main" id="{13CBBBDB-4937-1CEF-F052-3640A400F0AC}"/>
               </a:ext>
             </a:extLst>
           </p:cNvPr>
@@ -27103,25 +27102,25 @@
           <p:nvPr>
             <p:extLst>
               <p:ext uri="{D42A27DB-BD31-4B8C-83A1-F6EECF244321}">
-                <p14:modId xmlns:p14="http://schemas.microsoft.com/office/powerpoint/2010/main" val="822411478"/>
+                <p14:modId xmlns:p14="http://schemas.microsoft.com/office/powerpoint/2010/main" val="2873078822"/>
               </p:ext>
             </p:extLst>
           </p:nvPr>
         </p:nvGraphicFramePr>
         <p:xfrm>
-          <a:off x="-972542" y="4745236"/>
+          <a:off x="-914400" y="4097164"/>
           <a:ext cx="914400" cy="771525"/>
         </p:xfrm>
         <a:graphic>
           <a:graphicData uri="http://schemas.openxmlformats.org/presentationml/2006/ole">
             <mc:AlternateContent xmlns:mc="http://schemas.openxmlformats.org/markup-compatibility/2006">
               <mc:Choice xmlns:v="urn:schemas-microsoft-com:vml" Requires="v">
-                <p:oleObj name="Document" showAsIcon="1" r:id="rId3" imgW="914400" imgH="771480" progId="Word.Document.12">
+                <p:oleObj name="Document" showAsIcon="1" r:id="rId2" imgW="914400" imgH="771480" progId="Word.Document.12">
                   <p:embed/>
                 </p:oleObj>
               </mc:Choice>
               <mc:Fallback>
-                <p:oleObj name="Document" showAsIcon="1" r:id="rId3" imgW="914400" imgH="771480" progId="Word.Document.12">
+                <p:oleObj name="Document" showAsIcon="1" r:id="rId2" imgW="914400" imgH="771480" progId="Word.Document.12">
                   <p:embed/>
                   <p:pic>
                     <p:nvPicPr>
@@ -27130,14 +27129,14 @@
                       <p:nvPr/>
                     </p:nvPicPr>
                     <p:blipFill>
-                      <a:blip r:embed="rId4"/>
+                      <a:blip r:embed="rId3"/>
                       <a:stretch>
                         <a:fillRect/>
                       </a:stretch>
                     </p:blipFill>
                     <p:spPr>
                       <a:xfrm>
-                        <a:off x="-972542" y="4745236"/>
+                        <a:off x="-914400" y="4097164"/>
                         <a:ext cx="914400" cy="771525"/>
                       </a:xfrm>
                       <a:prstGeom prst="rect">
